--- a/Laporan/6025222014_FP_Gamifikasi_SKM.pptx
+++ b/Laporan/6025222014_FP_Gamifikasi_SKM.pptx
@@ -301,7 +301,7 @@
       <p15:sldGuideLst xmlns:p15="http://schemas.microsoft.com/office/powerpoint/2012/main"/>
     </p:ext>
     <p:ext uri="GoogleSlidesCustomDataVersion2">
-      <go:slidesCustomData xmlns="" xmlns:mc="http://schemas.openxmlformats.org/markup-compatibility/2006" xmlns:mv="urn:schemas-microsoft-com:mac:vml" xmlns:c="http://schemas.openxmlformats.org/drawingml/2006/chart" xmlns:dgm="http://schemas.openxmlformats.org/drawingml/2006/diagram" xmlns:o="urn:schemas-microsoft-com:office:office" xmlns:v="urn:schemas-microsoft-com:vml" xmlns:pvml="urn:schemas-microsoft-com:office:powerpoint" xmlns:com="http://schemas.openxmlformats.org/drawingml/2006/compatibility" xmlns:p14="http://schemas.microsoft.com/office/powerpoint/2010/main" xmlns:p15="http://schemas.microsoft.com/office/powerpoint/2012/main" xmlns:ahyp="http://schemas.microsoft.com/office/drawing/2018/hyperlinkcolor" xmlns:go="http://customooxmlschemas.google.com/" r:id="rId42" roundtripDataSignature="AMtx7mgq9e6PIVRfIc1y/knCHvjwhw8CQw=="/>
+      <go:slidesCustomData xmlns:go="http://customooxmlschemas.google.com/" xmlns:ahyp="http://schemas.microsoft.com/office/drawing/2018/hyperlinkcolor" xmlns:p15="http://schemas.microsoft.com/office/powerpoint/2012/main" xmlns:p14="http://schemas.microsoft.com/office/powerpoint/2010/main" xmlns:com="http://schemas.openxmlformats.org/drawingml/2006/compatibility" xmlns:pvml="urn:schemas-microsoft-com:office:powerpoint" xmlns:v="urn:schemas-microsoft-com:vml" xmlns:o="urn:schemas-microsoft-com:office:office" xmlns:dgm="http://schemas.openxmlformats.org/drawingml/2006/diagram" xmlns:c="http://schemas.openxmlformats.org/drawingml/2006/chart" xmlns:mv="urn:schemas-microsoft-com:mac:vml" xmlns:mc="http://schemas.openxmlformats.org/markup-compatibility/2006" xmlns="" r:id="rId42" roundtripDataSignature="AMtx7mgq9e6PIVRfIc1y/knCHvjwhw8CQw=="/>
     </p:ext>
   </p:extLst>
 </p:presentation>
@@ -15696,13 +15696,13 @@
   <p:clrMapOvr>
     <a:masterClrMapping/>
   </p:clrMapOvr>
-  <mc:AlternateContent xmlns:mc="http://schemas.openxmlformats.org/markup-compatibility/2006">
-    <mc:Choice xmlns:p159="http://schemas.microsoft.com/office/powerpoint/2015/09/main" Requires="p159">
+  <mc:AlternateContent xmlns:mc="http://schemas.openxmlformats.org/markup-compatibility/2006" xmlns:p159="http://schemas.microsoft.com/office/powerpoint/2015/09/main">
+    <mc:Choice Requires="p159">
       <p:transition>
         <p159:morph option="byObject"/>
       </p:transition>
     </mc:Choice>
-    <mc:Fallback>
+    <mc:Fallback xmlns="">
       <p:transition>
         <p:fade/>
       </p:transition>
@@ -15856,13 +15856,13 @@
   <p:clrMapOvr>
     <a:masterClrMapping/>
   </p:clrMapOvr>
-  <mc:AlternateContent xmlns:mc="http://schemas.openxmlformats.org/markup-compatibility/2006">
-    <mc:Choice xmlns:p159="http://schemas.microsoft.com/office/powerpoint/2015/09/main" Requires="p159">
+  <mc:AlternateContent xmlns:mc="http://schemas.openxmlformats.org/markup-compatibility/2006" xmlns:p159="http://schemas.microsoft.com/office/powerpoint/2015/09/main">
+    <mc:Choice Requires="p159">
       <p:transition>
         <p159:morph option="byObject"/>
       </p:transition>
     </mc:Choice>
-    <mc:Fallback>
+    <mc:Fallback xmlns="">
       <p:transition>
         <p:fade/>
       </p:transition>
@@ -17408,13 +17408,13 @@
   <p:clrMapOvr>
     <a:masterClrMapping/>
   </p:clrMapOvr>
-  <mc:AlternateContent xmlns:mc="http://schemas.openxmlformats.org/markup-compatibility/2006">
-    <mc:Choice xmlns:p159="http://schemas.microsoft.com/office/powerpoint/2015/09/main" Requires="p159">
+  <mc:AlternateContent xmlns:mc="http://schemas.openxmlformats.org/markup-compatibility/2006" xmlns:p159="http://schemas.microsoft.com/office/powerpoint/2015/09/main">
+    <mc:Choice Requires="p159">
       <p:transition>
         <p159:morph option="byObject"/>
       </p:transition>
     </mc:Choice>
-    <mc:Fallback>
+    <mc:Fallback xmlns="">
       <p:transition>
         <p:fade/>
       </p:transition>
@@ -17568,13 +17568,13 @@
   <p:clrMapOvr>
     <a:masterClrMapping/>
   </p:clrMapOvr>
-  <mc:AlternateContent xmlns:mc="http://schemas.openxmlformats.org/markup-compatibility/2006">
-    <mc:Choice xmlns:p159="http://schemas.microsoft.com/office/powerpoint/2015/09/main" Requires="p159">
+  <mc:AlternateContent xmlns:mc="http://schemas.openxmlformats.org/markup-compatibility/2006" xmlns:p159="http://schemas.microsoft.com/office/powerpoint/2015/09/main">
+    <mc:Choice Requires="p159">
       <p:transition>
         <p159:morph option="byObject"/>
       </p:transition>
     </mc:Choice>
-    <mc:Fallback>
+    <mc:Fallback xmlns="">
       <p:transition>
         <p:fade/>
       </p:transition>
@@ -18040,13 +18040,13 @@
   <p:clrMapOvr>
     <a:masterClrMapping/>
   </p:clrMapOvr>
-  <mc:AlternateContent xmlns:mc="http://schemas.openxmlformats.org/markup-compatibility/2006">
-    <mc:Choice xmlns:p159="http://schemas.microsoft.com/office/powerpoint/2015/09/main" Requires="p159">
+  <mc:AlternateContent xmlns:mc="http://schemas.openxmlformats.org/markup-compatibility/2006" xmlns:p159="http://schemas.microsoft.com/office/powerpoint/2015/09/main">
+    <mc:Choice Requires="p159">
       <p:transition>
         <p159:morph option="byObject"/>
       </p:transition>
     </mc:Choice>
-    <mc:Fallback>
+    <mc:Fallback xmlns="">
       <p:transition>
         <p:fade/>
       </p:transition>
@@ -18200,13 +18200,13 @@
   <p:clrMapOvr>
     <a:masterClrMapping/>
   </p:clrMapOvr>
-  <mc:AlternateContent xmlns:mc="http://schemas.openxmlformats.org/markup-compatibility/2006">
-    <mc:Choice xmlns:p159="http://schemas.microsoft.com/office/powerpoint/2015/09/main" Requires="p159">
+  <mc:AlternateContent xmlns:mc="http://schemas.openxmlformats.org/markup-compatibility/2006" xmlns:p159="http://schemas.microsoft.com/office/powerpoint/2015/09/main">
+    <mc:Choice Requires="p159">
       <p:transition>
         <p159:morph option="byObject"/>
       </p:transition>
     </mc:Choice>
-    <mc:Fallback>
+    <mc:Fallback xmlns="">
       <p:transition>
         <p:fade/>
       </p:transition>
@@ -18634,13 +18634,13 @@
   <p:clrMapOvr>
     <a:masterClrMapping/>
   </p:clrMapOvr>
-  <mc:AlternateContent xmlns:mc="http://schemas.openxmlformats.org/markup-compatibility/2006">
-    <mc:Choice xmlns:p159="http://schemas.microsoft.com/office/powerpoint/2015/09/main" Requires="p159">
+  <mc:AlternateContent xmlns:mc="http://schemas.openxmlformats.org/markup-compatibility/2006" xmlns:p159="http://schemas.microsoft.com/office/powerpoint/2015/09/main">
+    <mc:Choice Requires="p159">
       <p:transition>
         <p159:morph option="byObject"/>
       </p:transition>
     </mc:Choice>
-    <mc:Fallback>
+    <mc:Fallback xmlns="">
       <p:transition>
         <p:fade/>
       </p:transition>
@@ -18969,13 +18969,13 @@
   <p:clrMapOvr>
     <a:masterClrMapping/>
   </p:clrMapOvr>
-  <mc:AlternateContent xmlns:mc="http://schemas.openxmlformats.org/markup-compatibility/2006">
-    <mc:Choice xmlns:p159="http://schemas.microsoft.com/office/powerpoint/2015/09/main" Requires="p159">
+  <mc:AlternateContent xmlns:mc="http://schemas.openxmlformats.org/markup-compatibility/2006" xmlns:p159="http://schemas.microsoft.com/office/powerpoint/2015/09/main">
+    <mc:Choice Requires="p159">
       <p:transition>
         <p159:morph option="byObject"/>
       </p:transition>
     </mc:Choice>
-    <mc:Fallback>
+    <mc:Fallback xmlns="">
       <p:transition>
         <p:fade/>
       </p:transition>
@@ -19137,7 +19137,7 @@
         </p:nvSpPr>
         <p:spPr>
           <a:xfrm>
-            <a:off x="2324667" y="841696"/>
+            <a:off x="1740153" y="1032196"/>
             <a:ext cx="9144000" cy="573741"/>
           </a:xfrm>
           <a:prstGeom prst="rect">
@@ -19209,8 +19209,8 @@
         </p:nvSpPr>
         <p:spPr>
           <a:xfrm>
-            <a:off x="2105025" y="1886277"/>
-            <a:ext cx="8401050" cy="2718693"/>
+            <a:off x="2342419" y="3457601"/>
+            <a:ext cx="8401050" cy="1077218"/>
           </a:xfrm>
           <a:prstGeom prst="rect">
             <a:avLst/>
@@ -19222,102 +19222,6 @@
             <a:spAutoFit/>
           </a:bodyPr>
           <a:lstStyle/>
-          <a:p>
-            <a:pPr marL="342900" indent="-342900">
-              <a:buFont typeface="+mj-lt"/>
-              <a:buAutoNum type="arabicPeriod"/>
-            </a:pPr>
-            <a:r>
-              <a:rPr lang="en-US" sz="3200" dirty="0" err="1">
-                <a:effectLst/>
-                <a:latin typeface="+mn-lt"/>
-                <a:ea typeface="Times New Roman" panose="02020603050405020304" pitchFamily="18" charset="0"/>
-                <a:cs typeface="Times New Roman" panose="02020603050405020304" pitchFamily="18" charset="0"/>
-              </a:rPr>
-              <a:t>Perbandingan</a:t>
-            </a:r>
-            <a:r>
-              <a:rPr lang="en-US" sz="3200" dirty="0">
-                <a:effectLst/>
-                <a:latin typeface="+mn-lt"/>
-                <a:ea typeface="Times New Roman" panose="02020603050405020304" pitchFamily="18" charset="0"/>
-                <a:cs typeface="Times New Roman" panose="02020603050405020304" pitchFamily="18" charset="0"/>
-              </a:rPr>
-              <a:t> </a:t>
-            </a:r>
-            <a:r>
-              <a:rPr lang="en-US" sz="3200" dirty="0" err="1">
-                <a:effectLst/>
-                <a:latin typeface="+mn-lt"/>
-                <a:ea typeface="Times New Roman" panose="02020603050405020304" pitchFamily="18" charset="0"/>
-                <a:cs typeface="Times New Roman" panose="02020603050405020304" pitchFamily="18" charset="0"/>
-              </a:rPr>
-              <a:t>cukup</a:t>
-            </a:r>
-            <a:r>
-              <a:rPr lang="en-US" sz="3200" dirty="0">
-                <a:effectLst/>
-                <a:latin typeface="+mn-lt"/>
-                <a:ea typeface="Times New Roman" panose="02020603050405020304" pitchFamily="18" charset="0"/>
-                <a:cs typeface="Times New Roman" panose="02020603050405020304" pitchFamily="18" charset="0"/>
-              </a:rPr>
-              <a:t> </a:t>
-            </a:r>
-            <a:r>
-              <a:rPr lang="en-US" sz="3200" dirty="0" err="1">
-                <a:effectLst/>
-                <a:latin typeface="+mn-lt"/>
-                <a:ea typeface="Times New Roman" panose="02020603050405020304" pitchFamily="18" charset="0"/>
-                <a:cs typeface="Times New Roman" panose="02020603050405020304" pitchFamily="18" charset="0"/>
-              </a:rPr>
-              <a:t>signifikan</a:t>
-            </a:r>
-            <a:r>
-              <a:rPr lang="en-US" sz="3200" dirty="0">
-                <a:effectLst/>
-                <a:latin typeface="+mn-lt"/>
-                <a:ea typeface="Times New Roman" panose="02020603050405020304" pitchFamily="18" charset="0"/>
-                <a:cs typeface="Times New Roman" panose="02020603050405020304" pitchFamily="18" charset="0"/>
-              </a:rPr>
-              <a:t> </a:t>
-            </a:r>
-            <a:r>
-              <a:rPr lang="en-US" sz="3200" dirty="0" err="1">
-                <a:effectLst/>
-                <a:latin typeface="+mn-lt"/>
-                <a:ea typeface="Times New Roman" panose="02020603050405020304" pitchFamily="18" charset="0"/>
-                <a:cs typeface="Times New Roman" panose="02020603050405020304" pitchFamily="18" charset="0"/>
-              </a:rPr>
-              <a:t>antara</a:t>
-            </a:r>
-            <a:r>
-              <a:rPr lang="en-US" sz="3200" dirty="0">
-                <a:effectLst/>
-                <a:latin typeface="+mn-lt"/>
-                <a:ea typeface="Times New Roman" panose="02020603050405020304" pitchFamily="18" charset="0"/>
-                <a:cs typeface="Times New Roman" panose="02020603050405020304" pitchFamily="18" charset="0"/>
-              </a:rPr>
-              <a:t> </a:t>
-            </a:r>
-            <a:r>
-              <a:rPr lang="en-US" sz="3200" dirty="0" err="1">
-                <a:effectLst/>
-                <a:latin typeface="+mn-lt"/>
-                <a:ea typeface="Times New Roman" panose="02020603050405020304" pitchFamily="18" charset="0"/>
-                <a:cs typeface="Times New Roman" panose="02020603050405020304" pitchFamily="18" charset="0"/>
-              </a:rPr>
-              <a:t>gamifikasi</a:t>
-            </a:r>
-            <a:r>
-              <a:rPr lang="en-US" sz="3200" dirty="0">
-                <a:effectLst/>
-                <a:latin typeface="+mn-lt"/>
-                <a:ea typeface="Times New Roman" panose="02020603050405020304" pitchFamily="18" charset="0"/>
-                <a:cs typeface="Times New Roman" panose="02020603050405020304" pitchFamily="18" charset="0"/>
-              </a:rPr>
-              <a:t> dan mode lama</a:t>
-            </a:r>
-          </a:p>
           <a:p>
             <a:pPr marL="342900" indent="-342900">
               <a:buFont typeface="+mj-lt"/>
@@ -19335,157 +19239,313 @@
               <a:buFont typeface="+mj-lt"/>
               <a:buAutoNum type="arabicPeriod"/>
             </a:pPr>
-            <a:r>
-              <a:rPr lang="en-US" sz="3200" baseline="-25000" dirty="0" err="1">
-                <a:latin typeface="+mn-lt"/>
-                <a:ea typeface="Times New Roman" panose="02020603050405020304" pitchFamily="18" charset="0"/>
-                <a:cs typeface="Times New Roman" panose="02020603050405020304" pitchFamily="18" charset="0"/>
-              </a:rPr>
-              <a:t>Metode</a:t>
-            </a:r>
-            <a:r>
-              <a:rPr lang="en-US" sz="3200" baseline="-25000" dirty="0">
-                <a:latin typeface="+mn-lt"/>
-                <a:ea typeface="Times New Roman" panose="02020603050405020304" pitchFamily="18" charset="0"/>
-                <a:cs typeface="Times New Roman" panose="02020603050405020304" pitchFamily="18" charset="0"/>
-              </a:rPr>
-              <a:t> Lama </a:t>
-            </a:r>
-            <a:r>
-              <a:rPr lang="en-US" sz="3200" baseline="-25000" dirty="0" err="1">
-                <a:latin typeface="+mn-lt"/>
-                <a:ea typeface="Times New Roman" panose="02020603050405020304" pitchFamily="18" charset="0"/>
-                <a:cs typeface="Times New Roman" panose="02020603050405020304" pitchFamily="18" charset="0"/>
-              </a:rPr>
-              <a:t>unggul</a:t>
-            </a:r>
-            <a:r>
-              <a:rPr lang="en-US" sz="3200" baseline="-25000" dirty="0">
-                <a:latin typeface="+mn-lt"/>
-                <a:ea typeface="Times New Roman" panose="02020603050405020304" pitchFamily="18" charset="0"/>
-                <a:cs typeface="Times New Roman" panose="02020603050405020304" pitchFamily="18" charset="0"/>
-              </a:rPr>
-              <a:t> di competence, </a:t>
-            </a:r>
-            <a:r>
-              <a:rPr lang="en-US" sz="3200" baseline="-25000" dirty="0" err="1">
-                <a:latin typeface="+mn-lt"/>
-                <a:ea typeface="Times New Roman" panose="02020603050405020304" pitchFamily="18" charset="0"/>
-                <a:cs typeface="Times New Roman" panose="02020603050405020304" pitchFamily="18" charset="0"/>
-              </a:rPr>
-              <a:t>bisa</a:t>
-            </a:r>
-            <a:r>
-              <a:rPr lang="en-US" sz="3200" baseline="-25000" dirty="0">
-                <a:latin typeface="+mn-lt"/>
-                <a:ea typeface="Times New Roman" panose="02020603050405020304" pitchFamily="18" charset="0"/>
-                <a:cs typeface="Times New Roman" panose="02020603050405020304" pitchFamily="18" charset="0"/>
-              </a:rPr>
-              <a:t> </a:t>
-            </a:r>
-            <a:r>
-              <a:rPr lang="en-US" sz="3200" baseline="-25000" dirty="0" err="1">
-                <a:latin typeface="+mn-lt"/>
-                <a:ea typeface="Times New Roman" panose="02020603050405020304" pitchFamily="18" charset="0"/>
-                <a:cs typeface="Times New Roman" panose="02020603050405020304" pitchFamily="18" charset="0"/>
-              </a:rPr>
-              <a:t>saja</a:t>
-            </a:r>
-            <a:r>
-              <a:rPr lang="en-US" sz="3200" baseline="-25000" dirty="0">
-                <a:latin typeface="+mn-lt"/>
-                <a:ea typeface="Times New Roman" panose="02020603050405020304" pitchFamily="18" charset="0"/>
-                <a:cs typeface="Times New Roman" panose="02020603050405020304" pitchFamily="18" charset="0"/>
-              </a:rPr>
-              <a:t> </a:t>
-            </a:r>
-            <a:r>
-              <a:rPr lang="en-US" sz="3200" baseline="-25000" dirty="0" err="1">
-                <a:latin typeface="+mn-lt"/>
-                <a:ea typeface="Times New Roman" panose="02020603050405020304" pitchFamily="18" charset="0"/>
-                <a:cs typeface="Times New Roman" panose="02020603050405020304" pitchFamily="18" charset="0"/>
-              </a:rPr>
-              <a:t>dikarenakan</a:t>
-            </a:r>
-            <a:r>
-              <a:rPr lang="en-US" sz="3200" baseline="-25000" dirty="0">
-                <a:latin typeface="+mn-lt"/>
-                <a:ea typeface="Times New Roman" panose="02020603050405020304" pitchFamily="18" charset="0"/>
-                <a:cs typeface="Times New Roman" panose="02020603050405020304" pitchFamily="18" charset="0"/>
-              </a:rPr>
-              <a:t> </a:t>
-            </a:r>
-            <a:r>
-              <a:rPr lang="en-US" sz="3200" baseline="-25000" dirty="0" err="1">
-                <a:latin typeface="+mn-lt"/>
-                <a:ea typeface="Times New Roman" panose="02020603050405020304" pitchFamily="18" charset="0"/>
-                <a:cs typeface="Times New Roman" panose="02020603050405020304" pitchFamily="18" charset="0"/>
-              </a:rPr>
-              <a:t>tidak</a:t>
-            </a:r>
-            <a:r>
-              <a:rPr lang="en-US" sz="3200" baseline="-25000" dirty="0">
-                <a:latin typeface="+mn-lt"/>
-                <a:ea typeface="Times New Roman" panose="02020603050405020304" pitchFamily="18" charset="0"/>
-                <a:cs typeface="Times New Roman" panose="02020603050405020304" pitchFamily="18" charset="0"/>
-              </a:rPr>
-              <a:t> </a:t>
-            </a:r>
-            <a:r>
-              <a:rPr lang="en-US" sz="3200" baseline="-25000" dirty="0" err="1">
-                <a:latin typeface="+mn-lt"/>
-                <a:ea typeface="Times New Roman" panose="02020603050405020304" pitchFamily="18" charset="0"/>
-                <a:cs typeface="Times New Roman" panose="02020603050405020304" pitchFamily="18" charset="0"/>
-              </a:rPr>
-              <a:t>ada</a:t>
-            </a:r>
-            <a:r>
-              <a:rPr lang="en-US" sz="3200" baseline="-25000" dirty="0">
-                <a:latin typeface="+mn-lt"/>
-                <a:ea typeface="Times New Roman" panose="02020603050405020304" pitchFamily="18" charset="0"/>
-                <a:cs typeface="Times New Roman" panose="02020603050405020304" pitchFamily="18" charset="0"/>
-              </a:rPr>
-              <a:t> pilot </a:t>
-            </a:r>
-            <a:r>
-              <a:rPr lang="en-US" sz="3200" baseline="-25000" dirty="0" err="1">
-                <a:latin typeface="+mn-lt"/>
-                <a:ea typeface="Times New Roman" panose="02020603050405020304" pitchFamily="18" charset="0"/>
-                <a:cs typeface="Times New Roman" panose="02020603050405020304" pitchFamily="18" charset="0"/>
-              </a:rPr>
-              <a:t>pengisian</a:t>
-            </a:r>
-            <a:r>
-              <a:rPr lang="en-US" sz="3200" baseline="-25000" dirty="0">
-                <a:latin typeface="+mn-lt"/>
-                <a:ea typeface="Times New Roman" panose="02020603050405020304" pitchFamily="18" charset="0"/>
-                <a:cs typeface="Times New Roman" panose="02020603050405020304" pitchFamily="18" charset="0"/>
-              </a:rPr>
-              <a:t> </a:t>
-            </a:r>
-            <a:r>
-              <a:rPr lang="en-US" sz="3200" baseline="-25000" dirty="0" err="1">
-                <a:latin typeface="+mn-lt"/>
-                <a:ea typeface="Times New Roman" panose="02020603050405020304" pitchFamily="18" charset="0"/>
-                <a:cs typeface="Times New Roman" panose="02020603050405020304" pitchFamily="18" charset="0"/>
-              </a:rPr>
-              <a:t>kuesioner</a:t>
-            </a:r>
-            <a:endParaRPr lang="en-US" sz="3200" baseline="-25000" dirty="0">
-              <a:effectLst/>
-              <a:latin typeface="+mn-lt"/>
-              <a:ea typeface="Times New Roman" panose="02020603050405020304" pitchFamily="18" charset="0"/>
-              <a:cs typeface="Times New Roman" panose="02020603050405020304" pitchFamily="18" charset="0"/>
-            </a:endParaRPr>
-          </a:p>
-          <a:p>
-            <a:pPr marL="342900" indent="-342900">
-              <a:buFont typeface="+mj-lt"/>
-              <a:buAutoNum type="arabicPeriod"/>
-            </a:pPr>
             <a:endParaRPr lang="en-US" sz="3200" dirty="0">
               <a:latin typeface="+mn-lt"/>
             </a:endParaRPr>
+          </a:p>
+        </p:txBody>
+      </p:sp>
+      <p:sp>
+        <p:nvSpPr>
+          <p:cNvPr id="2" name="Rectangle 1">
+            <a:extLst>
+              <a:ext uri="{FF2B5EF4-FFF2-40B4-BE49-F238E27FC236}">
+                <a16:creationId xmlns:a16="http://schemas.microsoft.com/office/drawing/2014/main" id="{7088C7F0-1B2F-B3A5-0812-196EC4B3D915}"/>
+              </a:ext>
+            </a:extLst>
+          </p:cNvPr>
+          <p:cNvSpPr/>
+          <p:nvPr/>
+        </p:nvSpPr>
+        <p:spPr>
+          <a:xfrm>
+            <a:off x="1767237" y="1964477"/>
+            <a:ext cx="386904" cy="386904"/>
+          </a:xfrm>
+          <a:prstGeom prst="rect">
+            <a:avLst/>
+          </a:prstGeom>
+          <a:solidFill>
+            <a:srgbClr val="0078C1"/>
+          </a:solidFill>
+          <a:ln>
+            <a:noFill/>
+          </a:ln>
+        </p:spPr>
+        <p:style>
+          <a:lnRef idx="2">
+            <a:schemeClr val="accent1">
+              <a:shade val="50000"/>
+            </a:schemeClr>
+          </a:lnRef>
+          <a:fillRef idx="1">
+            <a:schemeClr val="accent1"/>
+          </a:fillRef>
+          <a:effectRef idx="0">
+            <a:schemeClr val="accent1"/>
+          </a:effectRef>
+          <a:fontRef idx="minor">
+            <a:schemeClr val="lt1"/>
+          </a:fontRef>
+        </p:style>
+        <p:txBody>
+          <a:bodyPr rtlCol="0" anchor="ctr"/>
+          <a:lstStyle/>
+          <a:p>
+            <a:pPr algn="ctr"/>
+            <a:r>
+              <a:rPr lang="en-US" sz="1600" b="1" dirty="0"/>
+              <a:t>1</a:t>
+            </a:r>
+          </a:p>
+        </p:txBody>
+      </p:sp>
+      <p:sp>
+        <p:nvSpPr>
+          <p:cNvPr id="3" name="TextBox 2">
+            <a:extLst>
+              <a:ext uri="{FF2B5EF4-FFF2-40B4-BE49-F238E27FC236}">
+                <a16:creationId xmlns:a16="http://schemas.microsoft.com/office/drawing/2014/main" id="{AA8618F7-7429-6DB1-005C-1FED5992C57A}"/>
+              </a:ext>
+            </a:extLst>
+          </p:cNvPr>
+          <p:cNvSpPr txBox="1"/>
+          <p:nvPr/>
+        </p:nvSpPr>
+        <p:spPr>
+          <a:xfrm>
+            <a:off x="2342419" y="1964477"/>
+            <a:ext cx="8452359" cy="830997"/>
+          </a:xfrm>
+          <a:prstGeom prst="rect">
+            <a:avLst/>
+          </a:prstGeom>
+          <a:noFill/>
+        </p:spPr>
+        <p:txBody>
+          <a:bodyPr wrap="square">
+            <a:spAutoFit/>
+          </a:bodyPr>
+          <a:lstStyle/>
+          <a:p>
+            <a:r>
+              <a:rPr lang="en-US" sz="2400" b="1" dirty="0" err="1">
+                <a:solidFill>
+                  <a:schemeClr val="tx1"/>
+                </a:solidFill>
+                <a:effectLst/>
+                <a:latin typeface="Roboto" panose="02000000000000000000" pitchFamily="2" charset="0"/>
+                <a:ea typeface="Roboto" panose="02000000000000000000" pitchFamily="2" charset="0"/>
+                <a:cs typeface="Roboto" panose="02000000000000000000" pitchFamily="2" charset="0"/>
+              </a:rPr>
+              <a:t>Perbandingan</a:t>
+            </a:r>
+            <a:r>
+              <a:rPr lang="en-US" sz="2400" b="1" dirty="0">
+                <a:solidFill>
+                  <a:schemeClr val="tx1"/>
+                </a:solidFill>
+                <a:effectLst/>
+                <a:latin typeface="Roboto" panose="02000000000000000000" pitchFamily="2" charset="0"/>
+                <a:ea typeface="Roboto" panose="02000000000000000000" pitchFamily="2" charset="0"/>
+                <a:cs typeface="Roboto" panose="02000000000000000000" pitchFamily="2" charset="0"/>
+              </a:rPr>
+              <a:t> </a:t>
+            </a:r>
+            <a:r>
+              <a:rPr lang="en-US" sz="2400" b="1" dirty="0" err="1">
+                <a:solidFill>
+                  <a:schemeClr val="tx1"/>
+                </a:solidFill>
+                <a:effectLst/>
+                <a:latin typeface="Roboto" panose="02000000000000000000" pitchFamily="2" charset="0"/>
+                <a:ea typeface="Roboto" panose="02000000000000000000" pitchFamily="2" charset="0"/>
+                <a:cs typeface="Roboto" panose="02000000000000000000" pitchFamily="2" charset="0"/>
+              </a:rPr>
+              <a:t>cukup</a:t>
+            </a:r>
+            <a:r>
+              <a:rPr lang="en-US" sz="2400" b="1" dirty="0">
+                <a:solidFill>
+                  <a:schemeClr val="tx1"/>
+                </a:solidFill>
+                <a:effectLst/>
+                <a:latin typeface="Roboto" panose="02000000000000000000" pitchFamily="2" charset="0"/>
+                <a:ea typeface="Roboto" panose="02000000000000000000" pitchFamily="2" charset="0"/>
+                <a:cs typeface="Roboto" panose="02000000000000000000" pitchFamily="2" charset="0"/>
+              </a:rPr>
+              <a:t> </a:t>
+            </a:r>
+            <a:r>
+              <a:rPr lang="en-US" sz="2400" b="1" dirty="0" err="1">
+                <a:solidFill>
+                  <a:schemeClr val="tx1"/>
+                </a:solidFill>
+                <a:effectLst/>
+                <a:latin typeface="Roboto" panose="02000000000000000000" pitchFamily="2" charset="0"/>
+                <a:ea typeface="Roboto" panose="02000000000000000000" pitchFamily="2" charset="0"/>
+                <a:cs typeface="Roboto" panose="02000000000000000000" pitchFamily="2" charset="0"/>
+              </a:rPr>
+              <a:t>signifikan</a:t>
+            </a:r>
+            <a:r>
+              <a:rPr lang="en-US" sz="2400" b="1" dirty="0">
+                <a:solidFill>
+                  <a:schemeClr val="tx1"/>
+                </a:solidFill>
+                <a:effectLst/>
+                <a:latin typeface="Roboto" panose="02000000000000000000" pitchFamily="2" charset="0"/>
+                <a:ea typeface="Roboto" panose="02000000000000000000" pitchFamily="2" charset="0"/>
+                <a:cs typeface="Roboto" panose="02000000000000000000" pitchFamily="2" charset="0"/>
+              </a:rPr>
+              <a:t> </a:t>
+            </a:r>
+            <a:r>
+              <a:rPr lang="en-US" sz="2400" b="1" dirty="0" err="1">
+                <a:solidFill>
+                  <a:schemeClr val="tx1"/>
+                </a:solidFill>
+                <a:effectLst/>
+                <a:latin typeface="Roboto" panose="02000000000000000000" pitchFamily="2" charset="0"/>
+                <a:ea typeface="Roboto" panose="02000000000000000000" pitchFamily="2" charset="0"/>
+                <a:cs typeface="Roboto" panose="02000000000000000000" pitchFamily="2" charset="0"/>
+              </a:rPr>
+              <a:t>antara</a:t>
+            </a:r>
+            <a:r>
+              <a:rPr lang="en-US" sz="2400" b="1" dirty="0">
+                <a:solidFill>
+                  <a:schemeClr val="tx1"/>
+                </a:solidFill>
+                <a:effectLst/>
+                <a:latin typeface="Roboto" panose="02000000000000000000" pitchFamily="2" charset="0"/>
+                <a:ea typeface="Roboto" panose="02000000000000000000" pitchFamily="2" charset="0"/>
+                <a:cs typeface="Roboto" panose="02000000000000000000" pitchFamily="2" charset="0"/>
+              </a:rPr>
+              <a:t> </a:t>
+            </a:r>
+            <a:r>
+              <a:rPr lang="en-US" sz="2400" b="1" dirty="0" err="1">
+                <a:solidFill>
+                  <a:schemeClr val="tx1"/>
+                </a:solidFill>
+                <a:effectLst/>
+                <a:latin typeface="Roboto" panose="02000000000000000000" pitchFamily="2" charset="0"/>
+                <a:ea typeface="Roboto" panose="02000000000000000000" pitchFamily="2" charset="0"/>
+                <a:cs typeface="Roboto" panose="02000000000000000000" pitchFamily="2" charset="0"/>
+              </a:rPr>
+              <a:t>gamifikasi</a:t>
+            </a:r>
+            <a:r>
+              <a:rPr lang="en-US" sz="2400" b="1" dirty="0">
+                <a:solidFill>
+                  <a:schemeClr val="tx1"/>
+                </a:solidFill>
+                <a:effectLst/>
+                <a:latin typeface="Roboto" panose="02000000000000000000" pitchFamily="2" charset="0"/>
+                <a:ea typeface="Roboto" panose="02000000000000000000" pitchFamily="2" charset="0"/>
+                <a:cs typeface="Roboto" panose="02000000000000000000" pitchFamily="2" charset="0"/>
+              </a:rPr>
+              <a:t> dan mode lama</a:t>
+            </a:r>
+          </a:p>
+        </p:txBody>
+      </p:sp>
+      <p:sp>
+        <p:nvSpPr>
+          <p:cNvPr id="5" name="Rectangle 4">
+            <a:extLst>
+              <a:ext uri="{FF2B5EF4-FFF2-40B4-BE49-F238E27FC236}">
+                <a16:creationId xmlns:a16="http://schemas.microsoft.com/office/drawing/2014/main" id="{3225ECFA-53A7-2050-1208-09A10A826143}"/>
+              </a:ext>
+            </a:extLst>
+          </p:cNvPr>
+          <p:cNvSpPr/>
+          <p:nvPr/>
+        </p:nvSpPr>
+        <p:spPr>
+          <a:xfrm>
+            <a:off x="1767237" y="3029291"/>
+            <a:ext cx="386904" cy="386904"/>
+          </a:xfrm>
+          <a:prstGeom prst="rect">
+            <a:avLst/>
+          </a:prstGeom>
+          <a:solidFill>
+            <a:srgbClr val="0078C1"/>
+          </a:solidFill>
+          <a:ln>
+            <a:noFill/>
+          </a:ln>
+        </p:spPr>
+        <p:style>
+          <a:lnRef idx="2">
+            <a:schemeClr val="accent1">
+              <a:shade val="50000"/>
+            </a:schemeClr>
+          </a:lnRef>
+          <a:fillRef idx="1">
+            <a:schemeClr val="accent1"/>
+          </a:fillRef>
+          <a:effectRef idx="0">
+            <a:schemeClr val="accent1"/>
+          </a:effectRef>
+          <a:fontRef idx="minor">
+            <a:schemeClr val="lt1"/>
+          </a:fontRef>
+        </p:style>
+        <p:txBody>
+          <a:bodyPr rtlCol="0" anchor="ctr"/>
+          <a:lstStyle/>
+          <a:p>
+            <a:pPr algn="ctr"/>
+            <a:r>
+              <a:rPr lang="en-US" sz="1600" b="1" dirty="0"/>
+              <a:t>2</a:t>
+            </a:r>
+          </a:p>
+        </p:txBody>
+      </p:sp>
+      <p:sp>
+        <p:nvSpPr>
+          <p:cNvPr id="7" name="TextBox 6">
+            <a:extLst>
+              <a:ext uri="{FF2B5EF4-FFF2-40B4-BE49-F238E27FC236}">
+                <a16:creationId xmlns:a16="http://schemas.microsoft.com/office/drawing/2014/main" id="{98C30535-0671-8524-8DB9-11F46DD04FEE}"/>
+              </a:ext>
+            </a:extLst>
+          </p:cNvPr>
+          <p:cNvSpPr txBox="1"/>
+          <p:nvPr/>
+        </p:nvSpPr>
+        <p:spPr>
+          <a:xfrm>
+            <a:off x="2342419" y="3093029"/>
+            <a:ext cx="8452359" cy="830997"/>
+          </a:xfrm>
+          <a:prstGeom prst="rect">
+            <a:avLst/>
+          </a:prstGeom>
+          <a:noFill/>
+        </p:spPr>
+        <p:txBody>
+          <a:bodyPr wrap="square">
+            <a:spAutoFit/>
+          </a:bodyPr>
+          <a:lstStyle/>
+          <a:p>
+            <a:r>
+              <a:rPr lang="sv-SE" sz="2400" b="1" dirty="0">
+                <a:solidFill>
+                  <a:schemeClr val="tx1"/>
+                </a:solidFill>
+                <a:effectLst/>
+                <a:latin typeface="Roboto" panose="02000000000000000000" pitchFamily="2" charset="0"/>
+                <a:ea typeface="Roboto" panose="02000000000000000000" pitchFamily="2" charset="0"/>
+                <a:cs typeface="Roboto" panose="02000000000000000000" pitchFamily="2" charset="0"/>
+              </a:rPr>
+              <a:t>Metode Lama unggul di competence, bisa saja dikarenakan tidak ada pilot pengisian kuesioner</a:t>
+            </a:r>
           </a:p>
         </p:txBody>
       </p:sp>
@@ -19499,13 +19559,13 @@
   <p:clrMapOvr>
     <a:masterClrMapping/>
   </p:clrMapOvr>
-  <mc:AlternateContent xmlns:mc="http://schemas.openxmlformats.org/markup-compatibility/2006">
-    <mc:Choice xmlns:p159="http://schemas.microsoft.com/office/powerpoint/2015/09/main" Requires="p159">
+  <mc:AlternateContent xmlns:mc="http://schemas.openxmlformats.org/markup-compatibility/2006" xmlns:p159="http://schemas.microsoft.com/office/powerpoint/2015/09/main">
+    <mc:Choice Requires="p159">
       <p:transition>
         <p159:morph option="byObject"/>
       </p:transition>
     </mc:Choice>
-    <mc:Fallback>
+    <mc:Fallback xmlns="">
       <p:transition>
         <p:fade/>
       </p:transition>
@@ -20853,13 +20913,13 @@
   <p:clrMapOvr>
     <a:masterClrMapping/>
   </p:clrMapOvr>
-  <mc:AlternateContent xmlns:mc="http://schemas.openxmlformats.org/markup-compatibility/2006">
-    <mc:Choice xmlns:p159="http://schemas.microsoft.com/office/powerpoint/2015/09/main" Requires="p159">
+  <mc:AlternateContent xmlns:mc="http://schemas.openxmlformats.org/markup-compatibility/2006" xmlns:p159="http://schemas.microsoft.com/office/powerpoint/2015/09/main">
+    <mc:Choice Requires="p159">
       <p:transition>
         <p159:morph option="byObject"/>
       </p:transition>
     </mc:Choice>
-    <mc:Fallback>
+    <mc:Fallback xmlns="">
       <p:transition>
         <p:fade/>
       </p:transition>

--- a/Laporan/6025222014_FP_Gamifikasi_SKM.pptx
+++ b/Laporan/6025222014_FP_Gamifikasi_SKM.pptx
@@ -301,7 +301,7 @@
       <p15:sldGuideLst xmlns:p15="http://schemas.microsoft.com/office/powerpoint/2012/main"/>
     </p:ext>
     <p:ext uri="GoogleSlidesCustomDataVersion2">
-      <go:slidesCustomData xmlns:go="http://customooxmlschemas.google.com/" xmlns:ahyp="http://schemas.microsoft.com/office/drawing/2018/hyperlinkcolor" xmlns:p15="http://schemas.microsoft.com/office/powerpoint/2012/main" xmlns:p14="http://schemas.microsoft.com/office/powerpoint/2010/main" xmlns:com="http://schemas.openxmlformats.org/drawingml/2006/compatibility" xmlns:pvml="urn:schemas-microsoft-com:office:powerpoint" xmlns:v="urn:schemas-microsoft-com:vml" xmlns:o="urn:schemas-microsoft-com:office:office" xmlns:dgm="http://schemas.openxmlformats.org/drawingml/2006/diagram" xmlns:c="http://schemas.openxmlformats.org/drawingml/2006/chart" xmlns:mv="urn:schemas-microsoft-com:mac:vml" xmlns:mc="http://schemas.openxmlformats.org/markup-compatibility/2006" xmlns="" r:id="rId42" roundtripDataSignature="AMtx7mgq9e6PIVRfIc1y/knCHvjwhw8CQw=="/>
+      <go:slidesCustomData xmlns="" xmlns:mc="http://schemas.openxmlformats.org/markup-compatibility/2006" xmlns:mv="urn:schemas-microsoft-com:mac:vml" xmlns:c="http://schemas.openxmlformats.org/drawingml/2006/chart" xmlns:dgm="http://schemas.openxmlformats.org/drawingml/2006/diagram" xmlns:o="urn:schemas-microsoft-com:office:office" xmlns:v="urn:schemas-microsoft-com:vml" xmlns:pvml="urn:schemas-microsoft-com:office:powerpoint" xmlns:com="http://schemas.openxmlformats.org/drawingml/2006/compatibility" xmlns:p14="http://schemas.microsoft.com/office/powerpoint/2010/main" xmlns:p15="http://schemas.microsoft.com/office/powerpoint/2012/main" xmlns:ahyp="http://schemas.microsoft.com/office/drawing/2018/hyperlinkcolor" xmlns:go="http://customooxmlschemas.google.com/" r:id="rId42" roundtripDataSignature="AMtx7mgq9e6PIVRfIc1y/knCHvjwhw8CQw=="/>
     </p:ext>
   </p:extLst>
 </p:presentation>
@@ -15708,6 +15708,145 @@
       </p:transition>
     </mc:Fallback>
   </mc:AlternateContent>
+  <p:timing>
+    <p:tnLst>
+      <p:par>
+        <p:cTn id="1" dur="indefinite" restart="never" nodeType="tmRoot">
+          <p:childTnLst>
+            <p:seq concurrent="1" nextAc="seek">
+              <p:cTn id="2" dur="indefinite" nodeType="mainSeq">
+                <p:childTnLst>
+                  <p:par>
+                    <p:cTn id="3" fill="hold">
+                      <p:stCondLst>
+                        <p:cond delay="indefinite"/>
+                      </p:stCondLst>
+                      <p:childTnLst>
+                        <p:par>
+                          <p:cTn id="4" fill="hold">
+                            <p:stCondLst>
+                              <p:cond delay="0"/>
+                            </p:stCondLst>
+                            <p:childTnLst>
+                              <p:par>
+                                <p:cTn id="5" presetID="10" presetClass="entr" presetSubtype="0" fill="hold" nodeType="clickEffect">
+                                  <p:stCondLst>
+                                    <p:cond delay="0"/>
+                                  </p:stCondLst>
+                                  <p:childTnLst>
+                                    <p:set>
+                                      <p:cBhvr>
+                                        <p:cTn id="6" dur="1" fill="hold">
+                                          <p:stCondLst>
+                                            <p:cond delay="0"/>
+                                          </p:stCondLst>
+                                        </p:cTn>
+                                        <p:tgtEl>
+                                          <p:spTgt spid="2"/>
+                                        </p:tgtEl>
+                                        <p:attrNameLst>
+                                          <p:attrName>style.visibility</p:attrName>
+                                        </p:attrNameLst>
+                                      </p:cBhvr>
+                                      <p:to>
+                                        <p:strVal val="visible"/>
+                                      </p:to>
+                                    </p:set>
+                                    <p:animEffect transition="in" filter="fade">
+                                      <p:cBhvr>
+                                        <p:cTn id="7" dur="500"/>
+                                        <p:tgtEl>
+                                          <p:spTgt spid="2"/>
+                                        </p:tgtEl>
+                                      </p:cBhvr>
+                                    </p:animEffect>
+                                  </p:childTnLst>
+                                </p:cTn>
+                              </p:par>
+                            </p:childTnLst>
+                          </p:cTn>
+                        </p:par>
+                      </p:childTnLst>
+                    </p:cTn>
+                  </p:par>
+                  <p:par>
+                    <p:cTn id="8" fill="hold">
+                      <p:stCondLst>
+                        <p:cond delay="indefinite"/>
+                      </p:stCondLst>
+                      <p:childTnLst>
+                        <p:par>
+                          <p:cTn id="9" fill="hold">
+                            <p:stCondLst>
+                              <p:cond delay="0"/>
+                            </p:stCondLst>
+                            <p:childTnLst>
+                              <p:par>
+                                <p:cTn id="10" presetID="10" presetClass="entr" presetSubtype="0" fill="hold" grpId="0" nodeType="clickEffect">
+                                  <p:stCondLst>
+                                    <p:cond delay="0"/>
+                                  </p:stCondLst>
+                                  <p:childTnLst>
+                                    <p:set>
+                                      <p:cBhvr>
+                                        <p:cTn id="11" dur="1" fill="hold">
+                                          <p:stCondLst>
+                                            <p:cond delay="0"/>
+                                          </p:stCondLst>
+                                        </p:cTn>
+                                        <p:tgtEl>
+                                          <p:spTgt spid="5"/>
+                                        </p:tgtEl>
+                                        <p:attrNameLst>
+                                          <p:attrName>style.visibility</p:attrName>
+                                        </p:attrNameLst>
+                                      </p:cBhvr>
+                                      <p:to>
+                                        <p:strVal val="visible"/>
+                                      </p:to>
+                                    </p:set>
+                                    <p:animEffect transition="in" filter="fade">
+                                      <p:cBhvr>
+                                        <p:cTn id="12" dur="500"/>
+                                        <p:tgtEl>
+                                          <p:spTgt spid="5"/>
+                                        </p:tgtEl>
+                                      </p:cBhvr>
+                                    </p:animEffect>
+                                  </p:childTnLst>
+                                </p:cTn>
+                              </p:par>
+                            </p:childTnLst>
+                          </p:cTn>
+                        </p:par>
+                      </p:childTnLst>
+                    </p:cTn>
+                  </p:par>
+                </p:childTnLst>
+              </p:cTn>
+              <p:prevCondLst>
+                <p:cond evt="onPrev" delay="0">
+                  <p:tgtEl>
+                    <p:sldTgt/>
+                  </p:tgtEl>
+                </p:cond>
+              </p:prevCondLst>
+              <p:nextCondLst>
+                <p:cond evt="onNext" delay="0">
+                  <p:tgtEl>
+                    <p:sldTgt/>
+                  </p:tgtEl>
+                </p:cond>
+              </p:nextCondLst>
+            </p:seq>
+          </p:childTnLst>
+        </p:cTn>
+      </p:par>
+    </p:tnLst>
+    <p:bldLst>
+      <p:bldP spid="5" grpId="0"/>
+    </p:bldLst>
+  </p:timing>
 </p:sld>
 </file>
 
@@ -16223,12 +16362,54 @@
                     <a:p>
                       <a:pPr algn="l" fontAlgn="ctr"/>
                       <a:r>
-                        <a:rPr lang="en-US" sz="1600" u="none" strike="noStrike">
+                        <a:rPr lang="en-US" sz="1600" u="none" strike="noStrike" dirty="0">
                           <a:effectLst/>
                         </a:rPr>
-                        <a:t>Saya sangat menikmati melakukan kegiatan ini</a:t>
+                        <a:t>Saya sangat </a:t>
                       </a:r>
-                      <a:endParaRPr lang="en-US" sz="1600" b="0" i="0" u="none" strike="noStrike">
+                      <a:r>
+                        <a:rPr lang="en-US" sz="1600" u="none" strike="noStrike" dirty="0" err="1">
+                          <a:effectLst/>
+                        </a:rPr>
+                        <a:t>menikmati</a:t>
+                      </a:r>
+                      <a:r>
+                        <a:rPr lang="en-US" sz="1600" u="none" strike="noStrike" dirty="0">
+                          <a:effectLst/>
+                        </a:rPr>
+                        <a:t> </a:t>
+                      </a:r>
+                      <a:r>
+                        <a:rPr lang="en-US" sz="1600" u="none" strike="noStrike" dirty="0" err="1">
+                          <a:effectLst/>
+                        </a:rPr>
+                        <a:t>melakukan</a:t>
+                      </a:r>
+                      <a:r>
+                        <a:rPr lang="en-US" sz="1600" u="none" strike="noStrike" dirty="0">
+                          <a:effectLst/>
+                        </a:rPr>
+                        <a:t> </a:t>
+                      </a:r>
+                      <a:r>
+                        <a:rPr lang="en-US" sz="1600" u="none" strike="noStrike" dirty="0" err="1">
+                          <a:effectLst/>
+                        </a:rPr>
+                        <a:t>kegiatan</a:t>
+                      </a:r>
+                      <a:r>
+                        <a:rPr lang="en-US" sz="1600" u="none" strike="noStrike" dirty="0">
+                          <a:effectLst/>
+                        </a:rPr>
+                        <a:t> </a:t>
+                      </a:r>
+                      <a:r>
+                        <a:rPr lang="en-US" sz="1600" u="none" strike="noStrike" dirty="0" err="1">
+                          <a:effectLst/>
+                        </a:rPr>
+                        <a:t>ini</a:t>
+                      </a:r>
+                      <a:endParaRPr lang="en-US" sz="1600" b="0" i="0" u="none" strike="noStrike" dirty="0">
                         <a:solidFill>
                           <a:srgbClr val="000000"/>
                         </a:solidFill>
@@ -17420,6 +17601,89 @@
       </p:transition>
     </mc:Fallback>
   </mc:AlternateContent>
+  <p:timing>
+    <p:tnLst>
+      <p:par>
+        <p:cTn id="1" dur="indefinite" restart="never" nodeType="tmRoot">
+          <p:childTnLst>
+            <p:seq concurrent="1" nextAc="seek">
+              <p:cTn id="2" dur="indefinite" nodeType="mainSeq">
+                <p:childTnLst>
+                  <p:par>
+                    <p:cTn id="3" fill="hold">
+                      <p:stCondLst>
+                        <p:cond delay="indefinite"/>
+                      </p:stCondLst>
+                      <p:childTnLst>
+                        <p:par>
+                          <p:cTn id="4" fill="hold">
+                            <p:stCondLst>
+                              <p:cond delay="0"/>
+                            </p:stCondLst>
+                            <p:childTnLst>
+                              <p:par>
+                                <p:cTn id="5" presetID="10" presetClass="entr" presetSubtype="0" fill="hold" nodeType="clickEffect">
+                                  <p:stCondLst>
+                                    <p:cond delay="0"/>
+                                  </p:stCondLst>
+                                  <p:childTnLst>
+                                    <p:set>
+                                      <p:cBhvr>
+                                        <p:cTn id="6" dur="1" fill="hold">
+                                          <p:stCondLst>
+                                            <p:cond delay="0"/>
+                                          </p:stCondLst>
+                                        </p:cTn>
+                                        <p:tgtEl>
+                                          <p:spTgt spid="3"/>
+                                        </p:tgtEl>
+                                        <p:attrNameLst>
+                                          <p:attrName>style.visibility</p:attrName>
+                                        </p:attrNameLst>
+                                      </p:cBhvr>
+                                      <p:to>
+                                        <p:strVal val="visible"/>
+                                      </p:to>
+                                    </p:set>
+                                    <p:animEffect transition="in" filter="fade">
+                                      <p:cBhvr>
+                                        <p:cTn id="7" dur="500"/>
+                                        <p:tgtEl>
+                                          <p:spTgt spid="3"/>
+                                        </p:tgtEl>
+                                      </p:cBhvr>
+                                    </p:animEffect>
+                                  </p:childTnLst>
+                                </p:cTn>
+                              </p:par>
+                            </p:childTnLst>
+                          </p:cTn>
+                        </p:par>
+                      </p:childTnLst>
+                    </p:cTn>
+                  </p:par>
+                </p:childTnLst>
+              </p:cTn>
+              <p:prevCondLst>
+                <p:cond evt="onPrev" delay="0">
+                  <p:tgtEl>
+                    <p:sldTgt/>
+                  </p:tgtEl>
+                </p:cond>
+              </p:prevCondLst>
+              <p:nextCondLst>
+                <p:cond evt="onNext" delay="0">
+                  <p:tgtEl>
+                    <p:sldTgt/>
+                  </p:tgtEl>
+                </p:cond>
+              </p:nextCondLst>
+            </p:seq>
+          </p:childTnLst>
+        </p:cTn>
+      </p:par>
+    </p:tnLst>
+  </p:timing>
 </p:sld>
 </file>
 
@@ -17816,7 +18080,7 @@
         </p:blipFill>
         <p:spPr>
           <a:xfrm>
-            <a:off x="1739666" y="1316899"/>
+            <a:off x="1785728" y="1316899"/>
             <a:ext cx="4423896" cy="2183765"/>
           </a:xfrm>
           <a:prstGeom prst="rect">
@@ -17846,7 +18110,7 @@
         </p:blipFill>
         <p:spPr>
           <a:xfrm>
-            <a:off x="6476048" y="1361479"/>
+            <a:off x="6522110" y="1361479"/>
             <a:ext cx="4453680" cy="2183765"/>
           </a:xfrm>
           <a:prstGeom prst="rect">
@@ -17915,7 +18179,7 @@
           </a:bodyPr>
           <a:lstStyle/>
           <a:p>
-            <a:pPr marL="457200" marR="0" lvl="0" indent="-457200" rtl="0">
+            <a:pPr marL="514350" marR="0" lvl="0" indent="-514350" rtl="0">
               <a:lnSpc>
                 <a:spcPct val="90000"/>
               </a:lnSpc>
@@ -17929,11 +18193,11 @@
                 <a:srgbClr val="000000"/>
               </a:buClr>
               <a:buSzPts val="1800"/>
-              <a:buFont typeface="Arial" panose="020B0604020202020204" pitchFamily="34" charset="0"/>
-              <a:buChar char="•"/>
+              <a:buFont typeface="+mj-lt"/>
+              <a:buAutoNum type="arabicPeriod"/>
             </a:pPr>
             <a:r>
-              <a:rPr lang="en-US" sz="3200" b="1" dirty="0" err="1">
+              <a:rPr lang="en-US" sz="2800" dirty="0" err="1">
                 <a:solidFill>
                   <a:schemeClr val="tx1"/>
                 </a:solidFill>
@@ -17945,7 +18209,7 @@
               <a:t>Berbasis</a:t>
             </a:r>
             <a:r>
-              <a:rPr lang="en-US" sz="3200" b="1" dirty="0">
+              <a:rPr lang="en-US" sz="2800" dirty="0">
                 <a:solidFill>
                   <a:schemeClr val="tx1"/>
                 </a:solidFill>
@@ -17958,7 +18222,7 @@
             </a:r>
           </a:p>
           <a:p>
-            <a:pPr marL="457200" marR="0" lvl="0" indent="-457200" rtl="0">
+            <a:pPr marL="514350" marR="0" lvl="0" indent="-514350" rtl="0">
               <a:lnSpc>
                 <a:spcPct val="90000"/>
               </a:lnSpc>
@@ -17972,11 +18236,11 @@
                 <a:srgbClr val="000000"/>
               </a:buClr>
               <a:buSzPts val="1800"/>
-              <a:buFont typeface="Arial" panose="020B0604020202020204" pitchFamily="34" charset="0"/>
-              <a:buChar char="•"/>
+              <a:buFont typeface="+mj-lt"/>
+              <a:buAutoNum type="arabicPeriod"/>
             </a:pPr>
             <a:r>
-              <a:rPr lang="en-US" sz="3200" b="1" u="none" dirty="0">
+              <a:rPr lang="en-US" sz="2800" u="none" dirty="0">
                 <a:solidFill>
                   <a:schemeClr val="tx1"/>
                 </a:solidFill>
@@ -17989,7 +18253,7 @@
             </a:r>
           </a:p>
           <a:p>
-            <a:pPr marL="457200" marR="0" lvl="0" indent="-457200" rtl="0">
+            <a:pPr marL="514350" marR="0" lvl="0" indent="-514350" rtl="0">
               <a:lnSpc>
                 <a:spcPct val="90000"/>
               </a:lnSpc>
@@ -18003,11 +18267,11 @@
                 <a:srgbClr val="000000"/>
               </a:buClr>
               <a:buSzPts val="1800"/>
-              <a:buFont typeface="Arial" panose="020B0604020202020204" pitchFamily="34" charset="0"/>
-              <a:buChar char="•"/>
+              <a:buFont typeface="+mj-lt"/>
+              <a:buAutoNum type="arabicPeriod"/>
             </a:pPr>
             <a:r>
-              <a:rPr lang="en-US" sz="3200" b="1" dirty="0">
+              <a:rPr lang="en-US" sz="2800" dirty="0">
                 <a:solidFill>
                   <a:schemeClr val="tx1"/>
                 </a:solidFill>
@@ -18018,7 +18282,7 @@
               </a:rPr>
               <a:t>Form Wizard</a:t>
             </a:r>
-            <a:endParaRPr sz="3200" b="1" u="none" dirty="0">
+            <a:endParaRPr sz="2800" u="none" dirty="0">
               <a:solidFill>
                 <a:schemeClr val="tx1"/>
               </a:solidFill>
@@ -18052,6 +18316,215 @@
       </p:transition>
     </mc:Fallback>
   </mc:AlternateContent>
+  <p:timing>
+    <p:tnLst>
+      <p:par>
+        <p:cTn id="1" dur="indefinite" restart="never" nodeType="tmRoot">
+          <p:childTnLst>
+            <p:seq concurrent="1" nextAc="seek">
+              <p:cTn id="2" dur="indefinite" nodeType="mainSeq">
+                <p:childTnLst>
+                  <p:par>
+                    <p:cTn id="3" fill="hold">
+                      <p:stCondLst>
+                        <p:cond delay="indefinite"/>
+                      </p:stCondLst>
+                      <p:childTnLst>
+                        <p:par>
+                          <p:cTn id="4" fill="hold">
+                            <p:stCondLst>
+                              <p:cond delay="0"/>
+                            </p:stCondLst>
+                            <p:childTnLst>
+                              <p:par>
+                                <p:cTn id="5" presetID="10" presetClass="entr" presetSubtype="0" fill="hold" nodeType="clickEffect">
+                                  <p:stCondLst>
+                                    <p:cond delay="0"/>
+                                  </p:stCondLst>
+                                  <p:childTnLst>
+                                    <p:set>
+                                      <p:cBhvr>
+                                        <p:cTn id="6" dur="1" fill="hold">
+                                          <p:stCondLst>
+                                            <p:cond delay="0"/>
+                                          </p:stCondLst>
+                                        </p:cTn>
+                                        <p:tgtEl>
+                                          <p:spTgt spid="2"/>
+                                        </p:tgtEl>
+                                        <p:attrNameLst>
+                                          <p:attrName>style.visibility</p:attrName>
+                                        </p:attrNameLst>
+                                      </p:cBhvr>
+                                      <p:to>
+                                        <p:strVal val="visible"/>
+                                      </p:to>
+                                    </p:set>
+                                    <p:animEffect transition="in" filter="fade">
+                                      <p:cBhvr>
+                                        <p:cTn id="7" dur="500"/>
+                                        <p:tgtEl>
+                                          <p:spTgt spid="2"/>
+                                        </p:tgtEl>
+                                      </p:cBhvr>
+                                    </p:animEffect>
+                                  </p:childTnLst>
+                                </p:cTn>
+                              </p:par>
+                              <p:par>
+                                <p:cTn id="8" presetID="10" presetClass="entr" presetSubtype="0" fill="hold" nodeType="withEffect">
+                                  <p:stCondLst>
+                                    <p:cond delay="0"/>
+                                  </p:stCondLst>
+                                  <p:childTnLst>
+                                    <p:set>
+                                      <p:cBhvr>
+                                        <p:cTn id="9" dur="1" fill="hold">
+                                          <p:stCondLst>
+                                            <p:cond delay="0"/>
+                                          </p:stCondLst>
+                                        </p:cTn>
+                                        <p:tgtEl>
+                                          <p:spTgt spid="5"/>
+                                        </p:tgtEl>
+                                        <p:attrNameLst>
+                                          <p:attrName>style.visibility</p:attrName>
+                                        </p:attrNameLst>
+                                      </p:cBhvr>
+                                      <p:to>
+                                        <p:strVal val="visible"/>
+                                      </p:to>
+                                    </p:set>
+                                    <p:animEffect transition="in" filter="fade">
+                                      <p:cBhvr>
+                                        <p:cTn id="10" dur="500"/>
+                                        <p:tgtEl>
+                                          <p:spTgt spid="5"/>
+                                        </p:tgtEl>
+                                      </p:cBhvr>
+                                    </p:animEffect>
+                                  </p:childTnLst>
+                                </p:cTn>
+                              </p:par>
+                              <p:par>
+                                <p:cTn id="11" presetID="10" presetClass="entr" presetSubtype="0" fill="hold" nodeType="withEffect">
+                                  <p:stCondLst>
+                                    <p:cond delay="0"/>
+                                  </p:stCondLst>
+                                  <p:childTnLst>
+                                    <p:set>
+                                      <p:cBhvr>
+                                        <p:cTn id="12" dur="1" fill="hold">
+                                          <p:stCondLst>
+                                            <p:cond delay="0"/>
+                                          </p:stCondLst>
+                                        </p:cTn>
+                                        <p:tgtEl>
+                                          <p:spTgt spid="6"/>
+                                        </p:tgtEl>
+                                        <p:attrNameLst>
+                                          <p:attrName>style.visibility</p:attrName>
+                                        </p:attrNameLst>
+                                      </p:cBhvr>
+                                      <p:to>
+                                        <p:strVal val="visible"/>
+                                      </p:to>
+                                    </p:set>
+                                    <p:animEffect transition="in" filter="fade">
+                                      <p:cBhvr>
+                                        <p:cTn id="13" dur="500"/>
+                                        <p:tgtEl>
+                                          <p:spTgt spid="6"/>
+                                        </p:tgtEl>
+                                      </p:cBhvr>
+                                    </p:animEffect>
+                                  </p:childTnLst>
+                                </p:cTn>
+                              </p:par>
+                            </p:childTnLst>
+                          </p:cTn>
+                        </p:par>
+                      </p:childTnLst>
+                    </p:cTn>
+                  </p:par>
+                  <p:par>
+                    <p:cTn id="14" fill="hold">
+                      <p:stCondLst>
+                        <p:cond delay="indefinite"/>
+                      </p:stCondLst>
+                      <p:childTnLst>
+                        <p:par>
+                          <p:cTn id="15" fill="hold">
+                            <p:stCondLst>
+                              <p:cond delay="0"/>
+                            </p:stCondLst>
+                            <p:childTnLst>
+                              <p:par>
+                                <p:cTn id="16" presetID="10" presetClass="entr" presetSubtype="0" fill="hold" grpId="0" nodeType="clickEffect">
+                                  <p:stCondLst>
+                                    <p:cond delay="0"/>
+                                  </p:stCondLst>
+                                  <p:childTnLst>
+                                    <p:set>
+                                      <p:cBhvr>
+                                        <p:cTn id="17" dur="1" fill="hold">
+                                          <p:stCondLst>
+                                            <p:cond delay="0"/>
+                                          </p:stCondLst>
+                                        </p:cTn>
+                                        <p:tgtEl>
+                                          <p:spTgt spid="7"/>
+                                        </p:tgtEl>
+                                        <p:attrNameLst>
+                                          <p:attrName>style.visibility</p:attrName>
+                                        </p:attrNameLst>
+                                      </p:cBhvr>
+                                      <p:to>
+                                        <p:strVal val="visible"/>
+                                      </p:to>
+                                    </p:set>
+                                    <p:animEffect transition="in" filter="fade">
+                                      <p:cBhvr>
+                                        <p:cTn id="18" dur="500"/>
+                                        <p:tgtEl>
+                                          <p:spTgt spid="7"/>
+                                        </p:tgtEl>
+                                      </p:cBhvr>
+                                    </p:animEffect>
+                                  </p:childTnLst>
+                                </p:cTn>
+                              </p:par>
+                            </p:childTnLst>
+                          </p:cTn>
+                        </p:par>
+                      </p:childTnLst>
+                    </p:cTn>
+                  </p:par>
+                </p:childTnLst>
+              </p:cTn>
+              <p:prevCondLst>
+                <p:cond evt="onPrev" delay="0">
+                  <p:tgtEl>
+                    <p:sldTgt/>
+                  </p:tgtEl>
+                </p:cond>
+              </p:prevCondLst>
+              <p:nextCondLst>
+                <p:cond evt="onNext" delay="0">
+                  <p:tgtEl>
+                    <p:sldTgt/>
+                  </p:tgtEl>
+                </p:cond>
+              </p:nextCondLst>
+            </p:seq>
+          </p:childTnLst>
+        </p:cTn>
+      </p:par>
+    </p:tnLst>
+    <p:bldLst>
+      <p:bldP spid="7" grpId="0"/>
+    </p:bldLst>
+  </p:timing>
 </p:sld>
 </file>
 
@@ -18646,6 +19119,145 @@
       </p:transition>
     </mc:Fallback>
   </mc:AlternateContent>
+  <p:timing>
+    <p:tnLst>
+      <p:par>
+        <p:cTn id="1" dur="indefinite" restart="never" nodeType="tmRoot">
+          <p:childTnLst>
+            <p:seq concurrent="1" nextAc="seek">
+              <p:cTn id="2" dur="indefinite" nodeType="mainSeq">
+                <p:childTnLst>
+                  <p:par>
+                    <p:cTn id="3" fill="hold">
+                      <p:stCondLst>
+                        <p:cond delay="indefinite"/>
+                      </p:stCondLst>
+                      <p:childTnLst>
+                        <p:par>
+                          <p:cTn id="4" fill="hold">
+                            <p:stCondLst>
+                              <p:cond delay="0"/>
+                            </p:stCondLst>
+                            <p:childTnLst>
+                              <p:par>
+                                <p:cTn id="5" presetID="10" presetClass="entr" presetSubtype="0" fill="hold" nodeType="clickEffect">
+                                  <p:stCondLst>
+                                    <p:cond delay="0"/>
+                                  </p:stCondLst>
+                                  <p:childTnLst>
+                                    <p:set>
+                                      <p:cBhvr>
+                                        <p:cTn id="6" dur="1" fill="hold">
+                                          <p:stCondLst>
+                                            <p:cond delay="0"/>
+                                          </p:stCondLst>
+                                        </p:cTn>
+                                        <p:tgtEl>
+                                          <p:spTgt spid="8"/>
+                                        </p:tgtEl>
+                                        <p:attrNameLst>
+                                          <p:attrName>style.visibility</p:attrName>
+                                        </p:attrNameLst>
+                                      </p:cBhvr>
+                                      <p:to>
+                                        <p:strVal val="visible"/>
+                                      </p:to>
+                                    </p:set>
+                                    <p:animEffect transition="in" filter="fade">
+                                      <p:cBhvr>
+                                        <p:cTn id="7" dur="500"/>
+                                        <p:tgtEl>
+                                          <p:spTgt spid="8"/>
+                                        </p:tgtEl>
+                                      </p:cBhvr>
+                                    </p:animEffect>
+                                  </p:childTnLst>
+                                </p:cTn>
+                              </p:par>
+                            </p:childTnLst>
+                          </p:cTn>
+                        </p:par>
+                      </p:childTnLst>
+                    </p:cTn>
+                  </p:par>
+                  <p:par>
+                    <p:cTn id="8" fill="hold">
+                      <p:stCondLst>
+                        <p:cond delay="indefinite"/>
+                      </p:stCondLst>
+                      <p:childTnLst>
+                        <p:par>
+                          <p:cTn id="9" fill="hold">
+                            <p:stCondLst>
+                              <p:cond delay="0"/>
+                            </p:stCondLst>
+                            <p:childTnLst>
+                              <p:par>
+                                <p:cTn id="10" presetID="10" presetClass="entr" presetSubtype="0" fill="hold" grpId="0" nodeType="clickEffect">
+                                  <p:stCondLst>
+                                    <p:cond delay="0"/>
+                                  </p:stCondLst>
+                                  <p:childTnLst>
+                                    <p:set>
+                                      <p:cBhvr>
+                                        <p:cTn id="11" dur="1" fill="hold">
+                                          <p:stCondLst>
+                                            <p:cond delay="0"/>
+                                          </p:stCondLst>
+                                        </p:cTn>
+                                        <p:tgtEl>
+                                          <p:spTgt spid="10"/>
+                                        </p:tgtEl>
+                                        <p:attrNameLst>
+                                          <p:attrName>style.visibility</p:attrName>
+                                        </p:attrNameLst>
+                                      </p:cBhvr>
+                                      <p:to>
+                                        <p:strVal val="visible"/>
+                                      </p:to>
+                                    </p:set>
+                                    <p:animEffect transition="in" filter="fade">
+                                      <p:cBhvr>
+                                        <p:cTn id="12" dur="500"/>
+                                        <p:tgtEl>
+                                          <p:spTgt spid="10"/>
+                                        </p:tgtEl>
+                                      </p:cBhvr>
+                                    </p:animEffect>
+                                  </p:childTnLst>
+                                </p:cTn>
+                              </p:par>
+                            </p:childTnLst>
+                          </p:cTn>
+                        </p:par>
+                      </p:childTnLst>
+                    </p:cTn>
+                  </p:par>
+                </p:childTnLst>
+              </p:cTn>
+              <p:prevCondLst>
+                <p:cond evt="onPrev" delay="0">
+                  <p:tgtEl>
+                    <p:sldTgt/>
+                  </p:tgtEl>
+                </p:cond>
+              </p:prevCondLst>
+              <p:nextCondLst>
+                <p:cond evt="onNext" delay="0">
+                  <p:tgtEl>
+                    <p:sldTgt/>
+                  </p:tgtEl>
+                </p:cond>
+              </p:nextCondLst>
+            </p:seq>
+          </p:childTnLst>
+        </p:cTn>
+      </p:par>
+    </p:tnLst>
+    <p:bldLst>
+      <p:bldP spid="10" grpId="0"/>
+    </p:bldLst>
+  </p:timing>
 </p:sld>
 </file>
 
@@ -18981,6 +19593,145 @@
       </p:transition>
     </mc:Fallback>
   </mc:AlternateContent>
+  <p:timing>
+    <p:tnLst>
+      <p:par>
+        <p:cTn id="1" dur="indefinite" restart="never" nodeType="tmRoot">
+          <p:childTnLst>
+            <p:seq concurrent="1" nextAc="seek">
+              <p:cTn id="2" dur="indefinite" nodeType="mainSeq">
+                <p:childTnLst>
+                  <p:par>
+                    <p:cTn id="3" fill="hold">
+                      <p:stCondLst>
+                        <p:cond delay="indefinite"/>
+                      </p:stCondLst>
+                      <p:childTnLst>
+                        <p:par>
+                          <p:cTn id="4" fill="hold">
+                            <p:stCondLst>
+                              <p:cond delay="0"/>
+                            </p:stCondLst>
+                            <p:childTnLst>
+                              <p:par>
+                                <p:cTn id="5" presetID="10" presetClass="entr" presetSubtype="0" fill="hold" nodeType="clickEffect">
+                                  <p:stCondLst>
+                                    <p:cond delay="0"/>
+                                  </p:stCondLst>
+                                  <p:childTnLst>
+                                    <p:set>
+                                      <p:cBhvr>
+                                        <p:cTn id="6" dur="1" fill="hold">
+                                          <p:stCondLst>
+                                            <p:cond delay="0"/>
+                                          </p:stCondLst>
+                                        </p:cTn>
+                                        <p:tgtEl>
+                                          <p:spTgt spid="2"/>
+                                        </p:tgtEl>
+                                        <p:attrNameLst>
+                                          <p:attrName>style.visibility</p:attrName>
+                                        </p:attrNameLst>
+                                      </p:cBhvr>
+                                      <p:to>
+                                        <p:strVal val="visible"/>
+                                      </p:to>
+                                    </p:set>
+                                    <p:animEffect transition="in" filter="fade">
+                                      <p:cBhvr>
+                                        <p:cTn id="7" dur="500"/>
+                                        <p:tgtEl>
+                                          <p:spTgt spid="2"/>
+                                        </p:tgtEl>
+                                      </p:cBhvr>
+                                    </p:animEffect>
+                                  </p:childTnLst>
+                                </p:cTn>
+                              </p:par>
+                            </p:childTnLst>
+                          </p:cTn>
+                        </p:par>
+                      </p:childTnLst>
+                    </p:cTn>
+                  </p:par>
+                  <p:par>
+                    <p:cTn id="8" fill="hold">
+                      <p:stCondLst>
+                        <p:cond delay="indefinite"/>
+                      </p:stCondLst>
+                      <p:childTnLst>
+                        <p:par>
+                          <p:cTn id="9" fill="hold">
+                            <p:stCondLst>
+                              <p:cond delay="0"/>
+                            </p:stCondLst>
+                            <p:childTnLst>
+                              <p:par>
+                                <p:cTn id="10" presetID="10" presetClass="entr" presetSubtype="0" fill="hold" grpId="0" nodeType="clickEffect">
+                                  <p:stCondLst>
+                                    <p:cond delay="0"/>
+                                  </p:stCondLst>
+                                  <p:childTnLst>
+                                    <p:set>
+                                      <p:cBhvr>
+                                        <p:cTn id="11" dur="1" fill="hold">
+                                          <p:stCondLst>
+                                            <p:cond delay="0"/>
+                                          </p:stCondLst>
+                                        </p:cTn>
+                                        <p:tgtEl>
+                                          <p:spTgt spid="5"/>
+                                        </p:tgtEl>
+                                        <p:attrNameLst>
+                                          <p:attrName>style.visibility</p:attrName>
+                                        </p:attrNameLst>
+                                      </p:cBhvr>
+                                      <p:to>
+                                        <p:strVal val="visible"/>
+                                      </p:to>
+                                    </p:set>
+                                    <p:animEffect transition="in" filter="fade">
+                                      <p:cBhvr>
+                                        <p:cTn id="12" dur="500"/>
+                                        <p:tgtEl>
+                                          <p:spTgt spid="5"/>
+                                        </p:tgtEl>
+                                      </p:cBhvr>
+                                    </p:animEffect>
+                                  </p:childTnLst>
+                                </p:cTn>
+                              </p:par>
+                            </p:childTnLst>
+                          </p:cTn>
+                        </p:par>
+                      </p:childTnLst>
+                    </p:cTn>
+                  </p:par>
+                </p:childTnLst>
+              </p:cTn>
+              <p:prevCondLst>
+                <p:cond evt="onPrev" delay="0">
+                  <p:tgtEl>
+                    <p:sldTgt/>
+                  </p:tgtEl>
+                </p:cond>
+              </p:prevCondLst>
+              <p:nextCondLst>
+                <p:cond evt="onNext" delay="0">
+                  <p:tgtEl>
+                    <p:sldTgt/>
+                  </p:tgtEl>
+                </p:cond>
+              </p:nextCondLst>
+            </p:seq>
+          </p:childTnLst>
+        </p:cTn>
+      </p:par>
+    </p:tnLst>
+    <p:bldLst>
+      <p:bldP spid="5" grpId="0"/>
+    </p:bldLst>
+  </p:timing>
 </p:sld>
 </file>
 
@@ -19571,6 +20322,128 @@
       </p:transition>
     </mc:Fallback>
   </mc:AlternateContent>
+  <p:timing>
+    <p:tnLst>
+      <p:par>
+        <p:cTn id="1" dur="indefinite" restart="never" nodeType="tmRoot">
+          <p:childTnLst>
+            <p:seq concurrent="1" nextAc="seek">
+              <p:cTn id="2" dur="indefinite" nodeType="mainSeq">
+                <p:childTnLst>
+                  <p:par>
+                    <p:cTn id="3" fill="hold">
+                      <p:stCondLst>
+                        <p:cond delay="indefinite"/>
+                      </p:stCondLst>
+                      <p:childTnLst>
+                        <p:par>
+                          <p:cTn id="4" fill="hold">
+                            <p:stCondLst>
+                              <p:cond delay="0"/>
+                            </p:stCondLst>
+                            <p:childTnLst>
+                              <p:par>
+                                <p:cTn id="5" presetID="10" presetClass="entr" presetSubtype="0" fill="hold" grpId="0" nodeType="clickEffect">
+                                  <p:stCondLst>
+                                    <p:cond delay="0"/>
+                                  </p:stCondLst>
+                                  <p:childTnLst>
+                                    <p:set>
+                                      <p:cBhvr>
+                                        <p:cTn id="6" dur="1" fill="hold">
+                                          <p:stCondLst>
+                                            <p:cond delay="0"/>
+                                          </p:stCondLst>
+                                        </p:cTn>
+                                        <p:tgtEl>
+                                          <p:spTgt spid="7"/>
+                                        </p:tgtEl>
+                                        <p:attrNameLst>
+                                          <p:attrName>style.visibility</p:attrName>
+                                        </p:attrNameLst>
+                                      </p:cBhvr>
+                                      <p:to>
+                                        <p:strVal val="visible"/>
+                                      </p:to>
+                                    </p:set>
+                                    <p:animEffect transition="in" filter="fade">
+                                      <p:cBhvr>
+                                        <p:cTn id="7" dur="500"/>
+                                        <p:tgtEl>
+                                          <p:spTgt spid="7"/>
+                                        </p:tgtEl>
+                                      </p:cBhvr>
+                                    </p:animEffect>
+                                  </p:childTnLst>
+                                </p:cTn>
+                              </p:par>
+                              <p:par>
+                                <p:cTn id="8" presetID="10" presetClass="entr" presetSubtype="0" fill="hold" grpId="0" nodeType="withEffect">
+                                  <p:stCondLst>
+                                    <p:cond delay="0"/>
+                                  </p:stCondLst>
+                                  <p:childTnLst>
+                                    <p:set>
+                                      <p:cBhvr>
+                                        <p:cTn id="9" dur="1" fill="hold">
+                                          <p:stCondLst>
+                                            <p:cond delay="0"/>
+                                          </p:stCondLst>
+                                        </p:cTn>
+                                        <p:tgtEl>
+                                          <p:spTgt spid="5"/>
+                                        </p:tgtEl>
+                                        <p:attrNameLst>
+                                          <p:attrName>style.visibility</p:attrName>
+                                        </p:attrNameLst>
+                                      </p:cBhvr>
+                                      <p:to>
+                                        <p:strVal val="visible"/>
+                                      </p:to>
+                                    </p:set>
+                                    <p:animEffect transition="in" filter="fade">
+                                      <p:cBhvr>
+                                        <p:cTn id="10" dur="500"/>
+                                        <p:tgtEl>
+                                          <p:spTgt spid="5"/>
+                                        </p:tgtEl>
+                                      </p:cBhvr>
+                                    </p:animEffect>
+                                  </p:childTnLst>
+                                </p:cTn>
+                              </p:par>
+                            </p:childTnLst>
+                          </p:cTn>
+                        </p:par>
+                      </p:childTnLst>
+                    </p:cTn>
+                  </p:par>
+                </p:childTnLst>
+              </p:cTn>
+              <p:prevCondLst>
+                <p:cond evt="onPrev" delay="0">
+                  <p:tgtEl>
+                    <p:sldTgt/>
+                  </p:tgtEl>
+                </p:cond>
+              </p:prevCondLst>
+              <p:nextCondLst>
+                <p:cond evt="onNext" delay="0">
+                  <p:tgtEl>
+                    <p:sldTgt/>
+                  </p:tgtEl>
+                </p:cond>
+              </p:nextCondLst>
+            </p:seq>
+          </p:childTnLst>
+        </p:cTn>
+      </p:par>
+    </p:tnLst>
+    <p:bldLst>
+      <p:bldP spid="5" grpId="0" animBg="1"/>
+      <p:bldP spid="7" grpId="0"/>
+    </p:bldLst>
+  </p:timing>
 </p:sld>
 </file>
 
@@ -20295,9 +21168,6 @@
                     <p:cTn id="3" fill="hold">
                       <p:stCondLst>
                         <p:cond delay="indefinite"/>
-                        <p:cond evt="onBegin" delay="0">
-                          <p:tn val="2"/>
-                        </p:cond>
                       </p:stCondLst>
                       <p:childTnLst>
                         <p:par>
@@ -20307,7 +21177,7 @@
                             </p:stCondLst>
                             <p:childTnLst>
                               <p:par>
-                                <p:cTn id="5" presetID="10" presetClass="entr" presetSubtype="0" fill="hold" nodeType="withEffect">
+                                <p:cTn id="5" presetID="10" presetClass="entr" presetSubtype="0" fill="hold" nodeType="clickEffect">
                                   <p:stCondLst>
                                     <p:cond delay="0"/>
                                   </p:stCondLst>
@@ -20376,33 +21246,15 @@
                                   </p:childTnLst>
                                 </p:cTn>
                               </p:par>
-                            </p:childTnLst>
-                          </p:cTn>
-                        </p:par>
-                      </p:childTnLst>
-                    </p:cTn>
-                  </p:par>
-                  <p:par>
-                    <p:cTn id="11" fill="hold">
-                      <p:stCondLst>
-                        <p:cond delay="indefinite"/>
-                      </p:stCondLst>
-                      <p:childTnLst>
-                        <p:par>
-                          <p:cTn id="12" fill="hold">
-                            <p:stCondLst>
-                              <p:cond delay="0"/>
-                            </p:stCondLst>
-                            <p:childTnLst>
                               <p:par>
-                                <p:cTn id="13" presetID="10" presetClass="entr" presetSubtype="0" fill="hold" grpId="0" nodeType="clickEffect">
+                                <p:cTn id="11" presetID="10" presetClass="entr" presetSubtype="0" fill="hold" grpId="0" nodeType="withEffect">
                                   <p:stCondLst>
                                     <p:cond delay="0"/>
                                   </p:stCondLst>
                                   <p:childTnLst>
                                     <p:set>
                                       <p:cBhvr>
-                                        <p:cTn id="14" dur="1" fill="hold">
+                                        <p:cTn id="12" dur="1" fill="hold">
                                           <p:stCondLst>
                                             <p:cond delay="0"/>
                                           </p:stCondLst>
@@ -20420,9 +21272,79 @@
                                     </p:set>
                                     <p:animEffect transition="in" filter="fade">
                                       <p:cBhvr>
-                                        <p:cTn id="15" dur="500"/>
+                                        <p:cTn id="13" dur="500"/>
                                         <p:tgtEl>
                                           <p:spTgt spid="14"/>
+                                        </p:tgtEl>
+                                      </p:cBhvr>
+                                    </p:animEffect>
+                                  </p:childTnLst>
+                                </p:cTn>
+                              </p:par>
+                              <p:par>
+                                <p:cTn id="14" presetID="10" presetClass="entr" presetSubtype="0" fill="hold" grpId="0" nodeType="withEffect">
+                                  <p:stCondLst>
+                                    <p:cond delay="0"/>
+                                  </p:stCondLst>
+                                  <p:childTnLst>
+                                    <p:set>
+                                      <p:cBhvr>
+                                        <p:cTn id="15" dur="1" fill="hold">
+                                          <p:stCondLst>
+                                            <p:cond delay="0"/>
+                                          </p:stCondLst>
+                                        </p:cTn>
+                                        <p:tgtEl>
+                                          <p:spTgt spid="3"/>
+                                        </p:tgtEl>
+                                        <p:attrNameLst>
+                                          <p:attrName>style.visibility</p:attrName>
+                                        </p:attrNameLst>
+                                      </p:cBhvr>
+                                      <p:to>
+                                        <p:strVal val="visible"/>
+                                      </p:to>
+                                    </p:set>
+                                    <p:animEffect transition="in" filter="fade">
+                                      <p:cBhvr>
+                                        <p:cTn id="16" dur="500"/>
+                                        <p:tgtEl>
+                                          <p:spTgt spid="3"/>
+                                        </p:tgtEl>
+                                      </p:cBhvr>
+                                    </p:animEffect>
+                                  </p:childTnLst>
+                                </p:cTn>
+                              </p:par>
+                              <p:par>
+                                <p:cTn id="17" presetID="10" presetClass="entr" presetSubtype="0" fill="hold" nodeType="withEffect">
+                                  <p:stCondLst>
+                                    <p:cond delay="0"/>
+                                  </p:stCondLst>
+                                  <p:childTnLst>
+                                    <p:set>
+                                      <p:cBhvr>
+                                        <p:cTn id="18" dur="1" fill="hold">
+                                          <p:stCondLst>
+                                            <p:cond delay="0"/>
+                                          </p:stCondLst>
+                                        </p:cTn>
+                                        <p:tgtEl>
+                                          <p:spTgt spid="5"/>
+                                        </p:tgtEl>
+                                        <p:attrNameLst>
+                                          <p:attrName>style.visibility</p:attrName>
+                                        </p:attrNameLst>
+                                      </p:cBhvr>
+                                      <p:to>
+                                        <p:strVal val="visible"/>
+                                      </p:to>
+                                    </p:set>
+                                    <p:animEffect transition="in" filter="fade">
+                                      <p:cBhvr>
+                                        <p:cTn id="19" dur="500"/>
+                                        <p:tgtEl>
+                                          <p:spTgt spid="5"/>
                                         </p:tgtEl>
                                       </p:cBhvr>
                                     </p:animEffect>
@@ -20459,6 +21381,7 @@
     <p:bldLst>
       <p:bldP spid="9" grpId="0"/>
       <p:bldP spid="14" grpId="0"/>
+      <p:bldP spid="3" grpId="0" animBg="1"/>
     </p:bldLst>
   </p:timing>
 </p:sld>
@@ -20925,6 +21848,92 @@
       </p:transition>
     </mc:Fallback>
   </mc:AlternateContent>
+  <p:timing>
+    <p:tnLst>
+      <p:par>
+        <p:cTn id="1" dur="indefinite" restart="never" nodeType="tmRoot">
+          <p:childTnLst>
+            <p:seq concurrent="1" nextAc="seek">
+              <p:cTn id="2" dur="indefinite" nodeType="mainSeq">
+                <p:childTnLst>
+                  <p:par>
+                    <p:cTn id="3" fill="hold">
+                      <p:stCondLst>
+                        <p:cond delay="indefinite"/>
+                      </p:stCondLst>
+                      <p:childTnLst>
+                        <p:par>
+                          <p:cTn id="4" fill="hold">
+                            <p:stCondLst>
+                              <p:cond delay="0"/>
+                            </p:stCondLst>
+                            <p:childTnLst>
+                              <p:par>
+                                <p:cTn id="5" presetID="10" presetClass="entr" presetSubtype="0" fill="hold" grpId="0" nodeType="clickEffect">
+                                  <p:stCondLst>
+                                    <p:cond delay="0"/>
+                                  </p:stCondLst>
+                                  <p:childTnLst>
+                                    <p:set>
+                                      <p:cBhvr>
+                                        <p:cTn id="6" dur="1" fill="hold">
+                                          <p:stCondLst>
+                                            <p:cond delay="0"/>
+                                          </p:stCondLst>
+                                        </p:cTn>
+                                        <p:tgtEl>
+                                          <p:spTgt spid="6"/>
+                                        </p:tgtEl>
+                                        <p:attrNameLst>
+                                          <p:attrName>style.visibility</p:attrName>
+                                        </p:attrNameLst>
+                                      </p:cBhvr>
+                                      <p:to>
+                                        <p:strVal val="visible"/>
+                                      </p:to>
+                                    </p:set>
+                                    <p:animEffect transition="in" filter="fade">
+                                      <p:cBhvr>
+                                        <p:cTn id="7" dur="500"/>
+                                        <p:tgtEl>
+                                          <p:spTgt spid="6"/>
+                                        </p:tgtEl>
+                                      </p:cBhvr>
+                                    </p:animEffect>
+                                  </p:childTnLst>
+                                </p:cTn>
+                              </p:par>
+                            </p:childTnLst>
+                          </p:cTn>
+                        </p:par>
+                      </p:childTnLst>
+                    </p:cTn>
+                  </p:par>
+                </p:childTnLst>
+              </p:cTn>
+              <p:prevCondLst>
+                <p:cond evt="onPrev" delay="0">
+                  <p:tgtEl>
+                    <p:sldTgt/>
+                  </p:tgtEl>
+                </p:cond>
+              </p:prevCondLst>
+              <p:nextCondLst>
+                <p:cond evt="onNext" delay="0">
+                  <p:tgtEl>
+                    <p:sldTgt/>
+                  </p:tgtEl>
+                </p:cond>
+              </p:nextCondLst>
+            </p:seq>
+          </p:childTnLst>
+        </p:cTn>
+      </p:par>
+    </p:tnLst>
+    <p:bldLst>
+      <p:bldP spid="6" grpId="0"/>
+    </p:bldLst>
+  </p:timing>
 </p:sld>
 </file>
 
@@ -21620,8 +22629,8 @@
         </p:nvSpPr>
         <p:spPr>
           <a:xfrm>
-            <a:off x="996043" y="2191849"/>
-            <a:ext cx="10384971" cy="5509200"/>
+            <a:off x="996043" y="2068024"/>
+            <a:ext cx="10384971" cy="5078313"/>
           </a:xfrm>
           <a:prstGeom prst="rect">
             <a:avLst/>
@@ -22668,19 +23677,14 @@
               </a:rPr>
               <a:t> lama?</a:t>
             </a:r>
-          </a:p>
-          <a:p>
-            <a:r>
-              <a:rPr lang="en-US" sz="2800" i="1" dirty="0">
-                <a:solidFill>
-                  <a:schemeClr val="tx1"/>
-                </a:solidFill>
-                <a:latin typeface="Roboto" panose="02000000000000000000" pitchFamily="2" charset="0"/>
-                <a:ea typeface="Roboto" panose="02000000000000000000" pitchFamily="2" charset="0"/>
-                <a:cs typeface="Roboto" panose="02000000000000000000" pitchFamily="2" charset="0"/>
-              </a:rPr>
-              <a:t>,</a:t>
-            </a:r>
+            <a:endParaRPr lang="en-US" sz="2800" i="1" dirty="0">
+              <a:solidFill>
+                <a:schemeClr val="tx1"/>
+              </a:solidFill>
+              <a:latin typeface="Roboto" panose="02000000000000000000" pitchFamily="2" charset="0"/>
+              <a:ea typeface="Roboto" panose="02000000000000000000" pitchFamily="2" charset="0"/>
+              <a:cs typeface="Roboto" panose="02000000000000000000" pitchFamily="2" charset="0"/>
+            </a:endParaRPr>
           </a:p>
           <a:p>
             <a:r>
@@ -22732,6 +23736,280 @@
       </p:transition>
     </mc:Fallback>
   </mc:AlternateContent>
+  <p:timing>
+    <p:tnLst>
+      <p:par>
+        <p:cTn id="1" dur="indefinite" restart="never" nodeType="tmRoot">
+          <p:childTnLst>
+            <p:seq concurrent="1" nextAc="seek">
+              <p:cTn id="2" dur="indefinite" nodeType="mainSeq">
+                <p:childTnLst>
+                  <p:par>
+                    <p:cTn id="3" fill="hold">
+                      <p:stCondLst>
+                        <p:cond delay="indefinite"/>
+                      </p:stCondLst>
+                      <p:childTnLst>
+                        <p:par>
+                          <p:cTn id="4" fill="hold">
+                            <p:stCondLst>
+                              <p:cond delay="0"/>
+                            </p:stCondLst>
+                            <p:childTnLst>
+                              <p:par>
+                                <p:cTn id="5" presetID="10" presetClass="entr" presetSubtype="0" fill="hold" nodeType="clickEffect">
+                                  <p:stCondLst>
+                                    <p:cond delay="0"/>
+                                  </p:stCondLst>
+                                  <p:childTnLst>
+                                    <p:set>
+                                      <p:cBhvr>
+                                        <p:cTn id="6" dur="1" fill="hold">
+                                          <p:stCondLst>
+                                            <p:cond delay="0"/>
+                                          </p:stCondLst>
+                                        </p:cTn>
+                                        <p:tgtEl>
+                                          <p:spTgt spid="10">
+                                            <p:txEl>
+                                              <p:pRg st="2" end="2"/>
+                                            </p:txEl>
+                                          </p:spTgt>
+                                        </p:tgtEl>
+                                        <p:attrNameLst>
+                                          <p:attrName>style.visibility</p:attrName>
+                                        </p:attrNameLst>
+                                      </p:cBhvr>
+                                      <p:to>
+                                        <p:strVal val="visible"/>
+                                      </p:to>
+                                    </p:set>
+                                    <p:animEffect transition="in" filter="fade">
+                                      <p:cBhvr>
+                                        <p:cTn id="7" dur="500"/>
+                                        <p:tgtEl>
+                                          <p:spTgt spid="10">
+                                            <p:txEl>
+                                              <p:pRg st="2" end="2"/>
+                                            </p:txEl>
+                                          </p:spTgt>
+                                        </p:tgtEl>
+                                      </p:cBhvr>
+                                    </p:animEffect>
+                                  </p:childTnLst>
+                                </p:cTn>
+                              </p:par>
+                            </p:childTnLst>
+                          </p:cTn>
+                        </p:par>
+                      </p:childTnLst>
+                    </p:cTn>
+                  </p:par>
+                  <p:par>
+                    <p:cTn id="8" fill="hold">
+                      <p:stCondLst>
+                        <p:cond delay="indefinite"/>
+                      </p:stCondLst>
+                      <p:childTnLst>
+                        <p:par>
+                          <p:cTn id="9" fill="hold">
+                            <p:stCondLst>
+                              <p:cond delay="0"/>
+                            </p:stCondLst>
+                            <p:childTnLst>
+                              <p:par>
+                                <p:cTn id="10" presetID="10" presetClass="entr" presetSubtype="0" fill="hold" nodeType="clickEffect">
+                                  <p:stCondLst>
+                                    <p:cond delay="0"/>
+                                  </p:stCondLst>
+                                  <p:childTnLst>
+                                    <p:set>
+                                      <p:cBhvr>
+                                        <p:cTn id="11" dur="1" fill="hold">
+                                          <p:stCondLst>
+                                            <p:cond delay="0"/>
+                                          </p:stCondLst>
+                                        </p:cTn>
+                                        <p:tgtEl>
+                                          <p:spTgt spid="10">
+                                            <p:txEl>
+                                              <p:pRg st="4" end="4"/>
+                                            </p:txEl>
+                                          </p:spTgt>
+                                        </p:tgtEl>
+                                        <p:attrNameLst>
+                                          <p:attrName>style.visibility</p:attrName>
+                                        </p:attrNameLst>
+                                      </p:cBhvr>
+                                      <p:to>
+                                        <p:strVal val="visible"/>
+                                      </p:to>
+                                    </p:set>
+                                    <p:animEffect transition="in" filter="fade">
+                                      <p:cBhvr>
+                                        <p:cTn id="12" dur="500"/>
+                                        <p:tgtEl>
+                                          <p:spTgt spid="10">
+                                            <p:txEl>
+                                              <p:pRg st="4" end="4"/>
+                                            </p:txEl>
+                                          </p:spTgt>
+                                        </p:tgtEl>
+                                      </p:cBhvr>
+                                    </p:animEffect>
+                                  </p:childTnLst>
+                                </p:cTn>
+                              </p:par>
+                            </p:childTnLst>
+                          </p:cTn>
+                        </p:par>
+                      </p:childTnLst>
+                    </p:cTn>
+                  </p:par>
+                  <p:par>
+                    <p:cTn id="13" fill="hold">
+                      <p:stCondLst>
+                        <p:cond delay="indefinite"/>
+                      </p:stCondLst>
+                      <p:childTnLst>
+                        <p:par>
+                          <p:cTn id="14" fill="hold">
+                            <p:stCondLst>
+                              <p:cond delay="0"/>
+                            </p:stCondLst>
+                            <p:childTnLst>
+                              <p:par>
+                                <p:cTn id="15" presetID="10" presetClass="entr" presetSubtype="0" fill="hold" nodeType="clickEffect">
+                                  <p:stCondLst>
+                                    <p:cond delay="0"/>
+                                  </p:stCondLst>
+                                  <p:childTnLst>
+                                    <p:set>
+                                      <p:cBhvr>
+                                        <p:cTn id="16" dur="1" fill="hold">
+                                          <p:stCondLst>
+                                            <p:cond delay="0"/>
+                                          </p:stCondLst>
+                                        </p:cTn>
+                                        <p:tgtEl>
+                                          <p:spTgt spid="10">
+                                            <p:txEl>
+                                              <p:pRg st="6" end="6"/>
+                                            </p:txEl>
+                                          </p:spTgt>
+                                        </p:tgtEl>
+                                        <p:attrNameLst>
+                                          <p:attrName>style.visibility</p:attrName>
+                                        </p:attrNameLst>
+                                      </p:cBhvr>
+                                      <p:to>
+                                        <p:strVal val="visible"/>
+                                      </p:to>
+                                    </p:set>
+                                    <p:animEffect transition="in" filter="fade">
+                                      <p:cBhvr>
+                                        <p:cTn id="17" dur="500"/>
+                                        <p:tgtEl>
+                                          <p:spTgt spid="10">
+                                            <p:txEl>
+                                              <p:pRg st="6" end="6"/>
+                                            </p:txEl>
+                                          </p:spTgt>
+                                        </p:tgtEl>
+                                      </p:cBhvr>
+                                    </p:animEffect>
+                                  </p:childTnLst>
+                                </p:cTn>
+                              </p:par>
+                            </p:childTnLst>
+                          </p:cTn>
+                        </p:par>
+                      </p:childTnLst>
+                    </p:cTn>
+                  </p:par>
+                  <p:par>
+                    <p:cTn id="18" fill="hold">
+                      <p:stCondLst>
+                        <p:cond delay="indefinite"/>
+                      </p:stCondLst>
+                      <p:childTnLst>
+                        <p:par>
+                          <p:cTn id="19" fill="hold">
+                            <p:stCondLst>
+                              <p:cond delay="0"/>
+                            </p:stCondLst>
+                            <p:childTnLst>
+                              <p:par>
+                                <p:cTn id="20" presetID="10" presetClass="entr" presetSubtype="0" fill="hold" nodeType="clickEffect">
+                                  <p:stCondLst>
+                                    <p:cond delay="0"/>
+                                  </p:stCondLst>
+                                  <p:childTnLst>
+                                    <p:set>
+                                      <p:cBhvr>
+                                        <p:cTn id="21" dur="1" fill="hold">
+                                          <p:stCondLst>
+                                            <p:cond delay="0"/>
+                                          </p:stCondLst>
+                                        </p:cTn>
+                                        <p:tgtEl>
+                                          <p:spTgt spid="10">
+                                            <p:txEl>
+                                              <p:pRg st="8" end="8"/>
+                                            </p:txEl>
+                                          </p:spTgt>
+                                        </p:tgtEl>
+                                        <p:attrNameLst>
+                                          <p:attrName>style.visibility</p:attrName>
+                                        </p:attrNameLst>
+                                      </p:cBhvr>
+                                      <p:to>
+                                        <p:strVal val="visible"/>
+                                      </p:to>
+                                    </p:set>
+                                    <p:animEffect transition="in" filter="fade">
+                                      <p:cBhvr>
+                                        <p:cTn id="22" dur="500"/>
+                                        <p:tgtEl>
+                                          <p:spTgt spid="10">
+                                            <p:txEl>
+                                              <p:pRg st="8" end="8"/>
+                                            </p:txEl>
+                                          </p:spTgt>
+                                        </p:tgtEl>
+                                      </p:cBhvr>
+                                    </p:animEffect>
+                                  </p:childTnLst>
+                                </p:cTn>
+                              </p:par>
+                            </p:childTnLst>
+                          </p:cTn>
+                        </p:par>
+                      </p:childTnLst>
+                    </p:cTn>
+                  </p:par>
+                </p:childTnLst>
+              </p:cTn>
+              <p:prevCondLst>
+                <p:cond evt="onPrev" delay="0">
+                  <p:tgtEl>
+                    <p:sldTgt/>
+                  </p:tgtEl>
+                </p:cond>
+              </p:prevCondLst>
+              <p:nextCondLst>
+                <p:cond evt="onNext" delay="0">
+                  <p:tgtEl>
+                    <p:sldTgt/>
+                  </p:tgtEl>
+                </p:cond>
+              </p:nextCondLst>
+            </p:seq>
+          </p:childTnLst>
+        </p:cTn>
+      </p:par>
+    </p:tnLst>
+  </p:timing>
 </p:sld>
 </file>
 
@@ -25055,7 +26333,7 @@
                 <a:cs typeface="Roboto" panose="02000000000000000000" pitchFamily="2" charset="0"/>
                 <a:sym typeface="Calibri"/>
               </a:rPr>
-              <a:t>2 orang </a:t>
+              <a:t>3 orang </a:t>
             </a:r>
             <a:r>
               <a:rPr lang="en-US" dirty="0" err="1">
@@ -28790,6 +30068,128 @@
       </p:transition>
     </mc:Fallback>
   </mc:AlternateContent>
+  <p:timing>
+    <p:tnLst>
+      <p:par>
+        <p:cTn id="1" dur="indefinite" restart="never" nodeType="tmRoot">
+          <p:childTnLst>
+            <p:seq concurrent="1" nextAc="seek">
+              <p:cTn id="2" dur="indefinite" nodeType="mainSeq">
+                <p:childTnLst>
+                  <p:par>
+                    <p:cTn id="3" fill="hold">
+                      <p:stCondLst>
+                        <p:cond delay="indefinite"/>
+                      </p:stCondLst>
+                      <p:childTnLst>
+                        <p:par>
+                          <p:cTn id="4" fill="hold">
+                            <p:stCondLst>
+                              <p:cond delay="0"/>
+                            </p:stCondLst>
+                            <p:childTnLst>
+                              <p:par>
+                                <p:cTn id="5" presetID="10" presetClass="entr" presetSubtype="0" fill="hold" grpId="0" nodeType="clickEffect">
+                                  <p:stCondLst>
+                                    <p:cond delay="0"/>
+                                  </p:stCondLst>
+                                  <p:childTnLst>
+                                    <p:set>
+                                      <p:cBhvr>
+                                        <p:cTn id="6" dur="1" fill="hold">
+                                          <p:stCondLst>
+                                            <p:cond delay="0"/>
+                                          </p:stCondLst>
+                                        </p:cTn>
+                                        <p:tgtEl>
+                                          <p:spTgt spid="3"/>
+                                        </p:tgtEl>
+                                        <p:attrNameLst>
+                                          <p:attrName>style.visibility</p:attrName>
+                                        </p:attrNameLst>
+                                      </p:cBhvr>
+                                      <p:to>
+                                        <p:strVal val="visible"/>
+                                      </p:to>
+                                    </p:set>
+                                    <p:animEffect transition="in" filter="fade">
+                                      <p:cBhvr>
+                                        <p:cTn id="7" dur="500"/>
+                                        <p:tgtEl>
+                                          <p:spTgt spid="3"/>
+                                        </p:tgtEl>
+                                      </p:cBhvr>
+                                    </p:animEffect>
+                                  </p:childTnLst>
+                                </p:cTn>
+                              </p:par>
+                              <p:par>
+                                <p:cTn id="8" presetID="10" presetClass="entr" presetSubtype="0" fill="hold" grpId="0" nodeType="withEffect">
+                                  <p:stCondLst>
+                                    <p:cond delay="0"/>
+                                  </p:stCondLst>
+                                  <p:childTnLst>
+                                    <p:set>
+                                      <p:cBhvr>
+                                        <p:cTn id="9" dur="1" fill="hold">
+                                          <p:stCondLst>
+                                            <p:cond delay="0"/>
+                                          </p:stCondLst>
+                                        </p:cTn>
+                                        <p:tgtEl>
+                                          <p:spTgt spid="8"/>
+                                        </p:tgtEl>
+                                        <p:attrNameLst>
+                                          <p:attrName>style.visibility</p:attrName>
+                                        </p:attrNameLst>
+                                      </p:cBhvr>
+                                      <p:to>
+                                        <p:strVal val="visible"/>
+                                      </p:to>
+                                    </p:set>
+                                    <p:animEffect transition="in" filter="fade">
+                                      <p:cBhvr>
+                                        <p:cTn id="10" dur="500"/>
+                                        <p:tgtEl>
+                                          <p:spTgt spid="8"/>
+                                        </p:tgtEl>
+                                      </p:cBhvr>
+                                    </p:animEffect>
+                                  </p:childTnLst>
+                                </p:cTn>
+                              </p:par>
+                            </p:childTnLst>
+                          </p:cTn>
+                        </p:par>
+                      </p:childTnLst>
+                    </p:cTn>
+                  </p:par>
+                </p:childTnLst>
+              </p:cTn>
+              <p:prevCondLst>
+                <p:cond evt="onPrev" delay="0">
+                  <p:tgtEl>
+                    <p:sldTgt/>
+                  </p:tgtEl>
+                </p:cond>
+              </p:prevCondLst>
+              <p:nextCondLst>
+                <p:cond evt="onNext" delay="0">
+                  <p:tgtEl>
+                    <p:sldTgt/>
+                  </p:tgtEl>
+                </p:cond>
+              </p:nextCondLst>
+            </p:seq>
+          </p:childTnLst>
+        </p:cTn>
+      </p:par>
+    </p:tnLst>
+    <p:bldLst>
+      <p:bldP spid="8" grpId="0" animBg="1"/>
+      <p:bldP spid="3" grpId="0"/>
+    </p:bldLst>
+  </p:timing>
 </p:sld>
 </file>
 
@@ -29129,7 +30529,7 @@
         </p:nvSpPr>
         <p:spPr>
           <a:xfrm>
-            <a:off x="3389638" y="2351425"/>
+            <a:off x="3723013" y="2513897"/>
             <a:ext cx="5729817" cy="1200288"/>
           </a:xfrm>
           <a:prstGeom prst="rect">
@@ -29848,7 +31248,7 @@
             </a:r>
             <a:r>
               <a:rPr lang="en-US" dirty="0"/>
-              <a:t> enjoyment, usefulness dan competence </a:t>
+              <a:t> enjoyment, usefulness importance, dan competence </a:t>
             </a:r>
             <a:r>
               <a:rPr lang="en-US" dirty="0" err="1"/>
@@ -29880,7 +31280,7 @@
             </a:r>
             <a:r>
               <a:rPr lang="en-US" dirty="0"/>
-              <a:t> 1 - 7</a:t>
+              <a:t> 1 – 7.</a:t>
             </a:r>
             <a:endParaRPr lang="en-US" dirty="0">
               <a:solidFill>

--- a/Laporan/6025222014_FP_Gamifikasi_SKM.pptx
+++ b/Laporan/6025222014_FP_Gamifikasi_SKM.pptx
@@ -5,66 +5,68 @@
     <p:sldMasterId id="2147483648" r:id="rId1"/>
   </p:sldMasterIdLst>
   <p:notesMasterIdLst>
-    <p:notesMasterId r:id="rId23"/>
+    <p:notesMasterId r:id="rId25"/>
   </p:notesMasterIdLst>
   <p:sldIdLst>
     <p:sldId id="256" r:id="rId2"/>
     <p:sldId id="276" r:id="rId3"/>
-    <p:sldId id="258" r:id="rId4"/>
-    <p:sldId id="279" r:id="rId5"/>
-    <p:sldId id="280" r:id="rId6"/>
-    <p:sldId id="282" r:id="rId7"/>
-    <p:sldId id="283" r:id="rId8"/>
-    <p:sldId id="284" r:id="rId9"/>
-    <p:sldId id="285" r:id="rId10"/>
-    <p:sldId id="288" r:id="rId11"/>
-    <p:sldId id="292" r:id="rId12"/>
-    <p:sldId id="291" r:id="rId13"/>
-    <p:sldId id="289" r:id="rId14"/>
-    <p:sldId id="290" r:id="rId15"/>
-    <p:sldId id="293" r:id="rId16"/>
-    <p:sldId id="295" r:id="rId17"/>
-    <p:sldId id="294" r:id="rId18"/>
-    <p:sldId id="296" r:id="rId19"/>
-    <p:sldId id="297" r:id="rId20"/>
-    <p:sldId id="298" r:id="rId21"/>
-    <p:sldId id="269" r:id="rId22"/>
+    <p:sldId id="299" r:id="rId4"/>
+    <p:sldId id="258" r:id="rId5"/>
+    <p:sldId id="279" r:id="rId6"/>
+    <p:sldId id="280" r:id="rId7"/>
+    <p:sldId id="282" r:id="rId8"/>
+    <p:sldId id="283" r:id="rId9"/>
+    <p:sldId id="284" r:id="rId10"/>
+    <p:sldId id="285" r:id="rId11"/>
+    <p:sldId id="288" r:id="rId12"/>
+    <p:sldId id="292" r:id="rId13"/>
+    <p:sldId id="291" r:id="rId14"/>
+    <p:sldId id="289" r:id="rId15"/>
+    <p:sldId id="290" r:id="rId16"/>
+    <p:sldId id="293" r:id="rId17"/>
+    <p:sldId id="295" r:id="rId18"/>
+    <p:sldId id="300" r:id="rId19"/>
+    <p:sldId id="294" r:id="rId20"/>
+    <p:sldId id="296" r:id="rId21"/>
+    <p:sldId id="297" r:id="rId22"/>
+    <p:sldId id="298" r:id="rId23"/>
+    <p:sldId id="269" r:id="rId24"/>
   </p:sldIdLst>
   <p:sldSz cx="12192000" cy="6858000"/>
   <p:notesSz cx="6858000" cy="9144000"/>
   <p:embeddedFontLst>
     <p:embeddedFont>
       <p:font typeface="Antonio" panose="020B0604020202020204" charset="0"/>
-      <p:regular r:id="rId24"/>
-      <p:bold r:id="rId25"/>
+      <p:regular r:id="rId26"/>
+      <p:bold r:id="rId27"/>
     </p:embeddedFont>
     <p:embeddedFont>
       <p:font typeface="Calibri" panose="020F0502020204030204" pitchFamily="34" charset="0"/>
-      <p:regular r:id="rId26"/>
-      <p:bold r:id="rId27"/>
-      <p:italic r:id="rId28"/>
-      <p:boldItalic r:id="rId29"/>
+      <p:regular r:id="rId28"/>
+      <p:bold r:id="rId29"/>
+      <p:italic r:id="rId30"/>
+      <p:boldItalic r:id="rId31"/>
     </p:embeddedFont>
     <p:embeddedFont>
       <p:font typeface="Poppins" panose="00000500000000000000" pitchFamily="2" charset="0"/>
-      <p:regular r:id="rId30"/>
-      <p:bold r:id="rId31"/>
-      <p:italic r:id="rId32"/>
-      <p:boldItalic r:id="rId33"/>
+      <p:regular r:id="rId32"/>
+      <p:bold r:id="rId33"/>
+      <p:italic r:id="rId34"/>
+      <p:boldItalic r:id="rId35"/>
     </p:embeddedFont>
     <p:embeddedFont>
       <p:font typeface="Raleway" pitchFamily="2" charset="0"/>
-      <p:regular r:id="rId34"/>
-      <p:bold r:id="rId35"/>
-      <p:italic r:id="rId36"/>
-      <p:boldItalic r:id="rId37"/>
+      <p:regular r:id="rId36"/>
+      <p:bold r:id="rId37"/>
+      <p:italic r:id="rId38"/>
+      <p:boldItalic r:id="rId39"/>
     </p:embeddedFont>
     <p:embeddedFont>
       <p:font typeface="Roboto" panose="02000000000000000000" pitchFamily="2" charset="0"/>
-      <p:regular r:id="rId38"/>
-      <p:bold r:id="rId39"/>
-      <p:italic r:id="rId40"/>
-      <p:boldItalic r:id="rId41"/>
+      <p:regular r:id="rId40"/>
+      <p:bold r:id="rId41"/>
+      <p:italic r:id="rId42"/>
+      <p:boldItalic r:id="rId43"/>
     </p:embeddedFont>
   </p:embeddedFontLst>
   <p:defaultTextStyle>
@@ -301,7 +303,7 @@
       <p15:sldGuideLst xmlns:p15="http://schemas.microsoft.com/office/powerpoint/2012/main"/>
     </p:ext>
     <p:ext uri="GoogleSlidesCustomDataVersion2">
-      <go:slidesCustomData xmlns="" xmlns:mc="http://schemas.openxmlformats.org/markup-compatibility/2006" xmlns:mv="urn:schemas-microsoft-com:mac:vml" xmlns:c="http://schemas.openxmlformats.org/drawingml/2006/chart" xmlns:dgm="http://schemas.openxmlformats.org/drawingml/2006/diagram" xmlns:o="urn:schemas-microsoft-com:office:office" xmlns:v="urn:schemas-microsoft-com:vml" xmlns:pvml="urn:schemas-microsoft-com:office:powerpoint" xmlns:com="http://schemas.openxmlformats.org/drawingml/2006/compatibility" xmlns:p14="http://schemas.microsoft.com/office/powerpoint/2010/main" xmlns:p15="http://schemas.microsoft.com/office/powerpoint/2012/main" xmlns:ahyp="http://schemas.microsoft.com/office/drawing/2018/hyperlinkcolor" xmlns:go="http://customooxmlschemas.google.com/" r:id="rId42" roundtripDataSignature="AMtx7mgq9e6PIVRfIc1y/knCHvjwhw8CQw=="/>
+      <go:slidesCustomData xmlns:go="http://customooxmlschemas.google.com/" xmlns:ahyp="http://schemas.microsoft.com/office/drawing/2018/hyperlinkcolor" xmlns:p15="http://schemas.microsoft.com/office/powerpoint/2012/main" xmlns:p14="http://schemas.microsoft.com/office/powerpoint/2010/main" xmlns:com="http://schemas.openxmlformats.org/drawingml/2006/compatibility" xmlns:pvml="urn:schemas-microsoft-com:office:powerpoint" xmlns:v="urn:schemas-microsoft-com:vml" xmlns:o="urn:schemas-microsoft-com:office:office" xmlns:dgm="http://schemas.openxmlformats.org/drawingml/2006/diagram" xmlns:c="http://schemas.openxmlformats.org/drawingml/2006/chart" xmlns:mv="urn:schemas-microsoft-com:mac:vml" xmlns:mc="http://schemas.openxmlformats.org/markup-compatibility/2006" xmlns="" r:id="rId44" roundtripDataSignature="AMtx7mgq9e6PIVRfIc1y/knCHvjwhw8CQw=="/>
     </p:ext>
   </p:extLst>
 </p:presentation>
@@ -1703,6 +1705,115 @@
     </p:spTree>
     <p:extLst>
       <p:ext uri="{BB962C8B-B14F-4D97-AF65-F5344CB8AC3E}">
+        <p14:creationId xmlns:p14="http://schemas.microsoft.com/office/powerpoint/2010/main" val="3053368024"/>
+      </p:ext>
+    </p:extLst>
+  </p:cSld>
+  <p:clrMapOvr>
+    <a:masterClrMapping/>
+  </p:clrMapOvr>
+</p:notes>
+</file>
+
+<file path=ppt/notesSlides/notesSlide11.xml><?xml version="1.0" encoding="utf-8"?>
+<p:notes xmlns:a="http://schemas.openxmlformats.org/drawingml/2006/main" xmlns:r="http://schemas.openxmlformats.org/officeDocument/2006/relationships" xmlns:p="http://schemas.openxmlformats.org/presentationml/2006/main" showMasterSp="0" showMasterPhAnim="0">
+  <p:cSld>
+    <p:spTree>
+      <p:nvGrpSpPr>
+        <p:cNvPr id="1" name="Shape 108"/>
+        <p:cNvGrpSpPr/>
+        <p:nvPr/>
+      </p:nvGrpSpPr>
+      <p:grpSpPr>
+        <a:xfrm>
+          <a:off x="0" y="0"/>
+          <a:ext cx="0" cy="0"/>
+          <a:chOff x="0" y="0"/>
+          <a:chExt cx="0" cy="0"/>
+        </a:xfrm>
+      </p:grpSpPr>
+      <p:sp>
+        <p:nvSpPr>
+          <p:cNvPr id="109" name="Google Shape;109;p3:notes"/>
+          <p:cNvSpPr txBox="1">
+            <a:spLocks noGrp="1"/>
+          </p:cNvSpPr>
+          <p:nvPr>
+            <p:ph type="body" idx="1"/>
+          </p:nvPr>
+        </p:nvSpPr>
+        <p:spPr>
+          <a:xfrm>
+            <a:off x="685800" y="4400550"/>
+            <a:ext cx="5486400" cy="3600450"/>
+          </a:xfrm>
+          <a:prstGeom prst="rect">
+            <a:avLst/>
+          </a:prstGeom>
+        </p:spPr>
+        <p:txBody>
+          <a:bodyPr spcFirstLastPara="1" wrap="square" lIns="91425" tIns="45700" rIns="91425" bIns="45700" anchor="t" anchorCtr="0">
+            <a:noAutofit/>
+          </a:bodyPr>
+          <a:lstStyle/>
+          <a:p>
+            <a:pPr marL="0" lvl="0" indent="0" algn="l" rtl="0">
+              <a:spcBef>
+                <a:spcPts val="0"/>
+              </a:spcBef>
+              <a:spcAft>
+                <a:spcPts val="0"/>
+              </a:spcAft>
+              <a:buNone/>
+            </a:pPr>
+            <a:endParaRPr/>
+          </a:p>
+        </p:txBody>
+      </p:sp>
+      <p:sp>
+        <p:nvSpPr>
+          <p:cNvPr id="110" name="Google Shape;110;p3:notes"/>
+          <p:cNvSpPr>
+            <a:spLocks noGrp="1" noRot="1" noChangeAspect="1"/>
+          </p:cNvSpPr>
+          <p:nvPr>
+            <p:ph type="sldImg" idx="2"/>
+          </p:nvPr>
+        </p:nvSpPr>
+        <p:spPr>
+          <a:xfrm>
+            <a:off x="685800" y="1143000"/>
+            <a:ext cx="5486400" cy="3086100"/>
+          </a:xfrm>
+          <a:custGeom>
+            <a:avLst/>
+            <a:gdLst/>
+            <a:ahLst/>
+            <a:cxnLst/>
+            <a:rect l="l" t="t" r="r" b="b"/>
+            <a:pathLst>
+              <a:path w="120000" h="120000" extrusionOk="0">
+                <a:moveTo>
+                  <a:pt x="0" y="0"/>
+                </a:moveTo>
+                <a:lnTo>
+                  <a:pt x="120000" y="0"/>
+                </a:lnTo>
+                <a:lnTo>
+                  <a:pt x="120000" y="120000"/>
+                </a:lnTo>
+                <a:lnTo>
+                  <a:pt x="0" y="120000"/>
+                </a:lnTo>
+                <a:close/>
+              </a:path>
+            </a:pathLst>
+          </a:custGeom>
+        </p:spPr>
+      </p:sp>
+    </p:spTree>
+    <p:extLst>
+      <p:ext uri="{BB962C8B-B14F-4D97-AF65-F5344CB8AC3E}">
         <p14:creationId xmlns:p14="http://schemas.microsoft.com/office/powerpoint/2010/main" val="950800453"/>
       </p:ext>
     </p:extLst>
@@ -1713,7 +1824,7 @@
 </p:notes>
 </file>
 
-<file path=ppt/notesSlides/notesSlide11.xml><?xml version="1.0" encoding="utf-8"?>
+<file path=ppt/notesSlides/notesSlide12.xml><?xml version="1.0" encoding="utf-8"?>
 <p:notes xmlns:a="http://schemas.openxmlformats.org/drawingml/2006/main" xmlns:r="http://schemas.openxmlformats.org/officeDocument/2006/relationships" xmlns:p="http://schemas.openxmlformats.org/presentationml/2006/main" showMasterSp="0" showMasterPhAnim="0">
   <p:cSld>
     <p:spTree>
@@ -1822,7 +1933,7 @@
 </p:notes>
 </file>
 
-<file path=ppt/notesSlides/notesSlide12.xml><?xml version="1.0" encoding="utf-8"?>
+<file path=ppt/notesSlides/notesSlide13.xml><?xml version="1.0" encoding="utf-8"?>
 <p:notes xmlns:a="http://schemas.openxmlformats.org/drawingml/2006/main" xmlns:r="http://schemas.openxmlformats.org/officeDocument/2006/relationships" xmlns:p="http://schemas.openxmlformats.org/presentationml/2006/main" showMasterSp="0" showMasterPhAnim="0">
   <p:cSld>
     <p:spTree>
@@ -1931,7 +2042,7 @@
 </p:notes>
 </file>
 
-<file path=ppt/notesSlides/notesSlide13.xml><?xml version="1.0" encoding="utf-8"?>
+<file path=ppt/notesSlides/notesSlide14.xml><?xml version="1.0" encoding="utf-8"?>
 <p:notes xmlns:a="http://schemas.openxmlformats.org/drawingml/2006/main" xmlns:r="http://schemas.openxmlformats.org/officeDocument/2006/relationships" xmlns:p="http://schemas.openxmlformats.org/presentationml/2006/main" showMasterSp="0" showMasterPhAnim="0">
   <p:cSld>
     <p:spTree>
@@ -2040,7 +2151,7 @@
 </p:notes>
 </file>
 
-<file path=ppt/notesSlides/notesSlide14.xml><?xml version="1.0" encoding="utf-8"?>
+<file path=ppt/notesSlides/notesSlide15.xml><?xml version="1.0" encoding="utf-8"?>
 <p:notes xmlns:a="http://schemas.openxmlformats.org/drawingml/2006/main" xmlns:r="http://schemas.openxmlformats.org/officeDocument/2006/relationships" xmlns:p="http://schemas.openxmlformats.org/presentationml/2006/main" showMasterSp="0" showMasterPhAnim="0">
   <p:cSld>
     <p:spTree>
@@ -2149,7 +2260,7 @@
 </p:notes>
 </file>
 
-<file path=ppt/notesSlides/notesSlide15.xml><?xml version="1.0" encoding="utf-8"?>
+<file path=ppt/notesSlides/notesSlide16.xml><?xml version="1.0" encoding="utf-8"?>
 <p:notes xmlns:a="http://schemas.openxmlformats.org/drawingml/2006/main" xmlns:r="http://schemas.openxmlformats.org/officeDocument/2006/relationships" xmlns:p="http://schemas.openxmlformats.org/presentationml/2006/main" showMasterSp="0" showMasterPhAnim="0">
   <p:cSld>
     <p:spTree>
@@ -2258,7 +2369,7 @@
 </p:notes>
 </file>
 
-<file path=ppt/notesSlides/notesSlide16.xml><?xml version="1.0" encoding="utf-8"?>
+<file path=ppt/notesSlides/notesSlide17.xml><?xml version="1.0" encoding="utf-8"?>
 <p:notes xmlns:a="http://schemas.openxmlformats.org/drawingml/2006/main" xmlns:r="http://schemas.openxmlformats.org/officeDocument/2006/relationships" xmlns:p="http://schemas.openxmlformats.org/presentationml/2006/main" showMasterSp="0" showMasterPhAnim="0">
   <p:cSld>
     <p:spTree>
@@ -2367,7 +2478,7 @@
 </p:notes>
 </file>
 
-<file path=ppt/notesSlides/notesSlide17.xml><?xml version="1.0" encoding="utf-8"?>
+<file path=ppt/notesSlides/notesSlide18.xml><?xml version="1.0" encoding="utf-8"?>
 <p:notes xmlns:a="http://schemas.openxmlformats.org/drawingml/2006/main" xmlns:r="http://schemas.openxmlformats.org/officeDocument/2006/relationships" xmlns:p="http://schemas.openxmlformats.org/presentationml/2006/main" showMasterSp="0" showMasterPhAnim="0">
   <p:cSld>
     <p:spTree>
@@ -2466,116 +2577,7 @@
     </p:spTree>
     <p:extLst>
       <p:ext uri="{BB962C8B-B14F-4D97-AF65-F5344CB8AC3E}">
-        <p14:creationId xmlns:p14="http://schemas.microsoft.com/office/powerpoint/2010/main" val="4046727414"/>
-      </p:ext>
-    </p:extLst>
-  </p:cSld>
-  <p:clrMapOvr>
-    <a:masterClrMapping/>
-  </p:clrMapOvr>
-</p:notes>
-</file>
-
-<file path=ppt/notesSlides/notesSlide18.xml><?xml version="1.0" encoding="utf-8"?>
-<p:notes xmlns:a="http://schemas.openxmlformats.org/drawingml/2006/main" xmlns:r="http://schemas.openxmlformats.org/officeDocument/2006/relationships" xmlns:p="http://schemas.openxmlformats.org/presentationml/2006/main" showMasterSp="0" showMasterPhAnim="0">
-  <p:cSld>
-    <p:spTree>
-      <p:nvGrpSpPr>
-        <p:cNvPr id="1" name="Shape 108"/>
-        <p:cNvGrpSpPr/>
-        <p:nvPr/>
-      </p:nvGrpSpPr>
-      <p:grpSpPr>
-        <a:xfrm>
-          <a:off x="0" y="0"/>
-          <a:ext cx="0" cy="0"/>
-          <a:chOff x="0" y="0"/>
-          <a:chExt cx="0" cy="0"/>
-        </a:xfrm>
-      </p:grpSpPr>
-      <p:sp>
-        <p:nvSpPr>
-          <p:cNvPr id="109" name="Google Shape;109;p3:notes"/>
-          <p:cNvSpPr txBox="1">
-            <a:spLocks noGrp="1"/>
-          </p:cNvSpPr>
-          <p:nvPr>
-            <p:ph type="body" idx="1"/>
-          </p:nvPr>
-        </p:nvSpPr>
-        <p:spPr>
-          <a:xfrm>
-            <a:off x="685800" y="4400550"/>
-            <a:ext cx="5486400" cy="3600450"/>
-          </a:xfrm>
-          <a:prstGeom prst="rect">
-            <a:avLst/>
-          </a:prstGeom>
-        </p:spPr>
-        <p:txBody>
-          <a:bodyPr spcFirstLastPara="1" wrap="square" lIns="91425" tIns="45700" rIns="91425" bIns="45700" anchor="t" anchorCtr="0">
-            <a:noAutofit/>
-          </a:bodyPr>
-          <a:lstStyle/>
-          <a:p>
-            <a:pPr marL="0" lvl="0" indent="0" algn="l" rtl="0">
-              <a:spcBef>
-                <a:spcPts val="0"/>
-              </a:spcBef>
-              <a:spcAft>
-                <a:spcPts val="0"/>
-              </a:spcAft>
-              <a:buNone/>
-            </a:pPr>
-            <a:endParaRPr/>
-          </a:p>
-        </p:txBody>
-      </p:sp>
-      <p:sp>
-        <p:nvSpPr>
-          <p:cNvPr id="110" name="Google Shape;110;p3:notes"/>
-          <p:cNvSpPr>
-            <a:spLocks noGrp="1" noRot="1" noChangeAspect="1"/>
-          </p:cNvSpPr>
-          <p:nvPr>
-            <p:ph type="sldImg" idx="2"/>
-          </p:nvPr>
-        </p:nvSpPr>
-        <p:spPr>
-          <a:xfrm>
-            <a:off x="685800" y="1143000"/>
-            <a:ext cx="5486400" cy="3086100"/>
-          </a:xfrm>
-          <a:custGeom>
-            <a:avLst/>
-            <a:gdLst/>
-            <a:ahLst/>
-            <a:cxnLst/>
-            <a:rect l="l" t="t" r="r" b="b"/>
-            <a:pathLst>
-              <a:path w="120000" h="120000" extrusionOk="0">
-                <a:moveTo>
-                  <a:pt x="0" y="0"/>
-                </a:moveTo>
-                <a:lnTo>
-                  <a:pt x="120000" y="0"/>
-                </a:lnTo>
-                <a:lnTo>
-                  <a:pt x="120000" y="120000"/>
-                </a:lnTo>
-                <a:lnTo>
-                  <a:pt x="0" y="120000"/>
-                </a:lnTo>
-                <a:close/>
-              </a:path>
-            </a:pathLst>
-          </a:custGeom>
-        </p:spPr>
-      </p:sp>
-    </p:spTree>
-    <p:extLst>
-      <p:ext uri="{BB962C8B-B14F-4D97-AF65-F5344CB8AC3E}">
-        <p14:creationId xmlns:p14="http://schemas.microsoft.com/office/powerpoint/2010/main" val="3021891755"/>
+        <p14:creationId xmlns:p14="http://schemas.microsoft.com/office/powerpoint/2010/main" val="2972160556"/>
       </p:ext>
     </p:extLst>
   </p:cSld>
@@ -2684,7 +2686,7 @@
     </p:spTree>
     <p:extLst>
       <p:ext uri="{BB962C8B-B14F-4D97-AF65-F5344CB8AC3E}">
-        <p14:creationId xmlns:p14="http://schemas.microsoft.com/office/powerpoint/2010/main" val="3573628186"/>
+        <p14:creationId xmlns:p14="http://schemas.microsoft.com/office/powerpoint/2010/main" val="4046727414"/>
       </p:ext>
     </p:extLst>
   </p:cSld>
@@ -2902,6 +2904,224 @@
     </p:spTree>
     <p:extLst>
       <p:ext uri="{BB962C8B-B14F-4D97-AF65-F5344CB8AC3E}">
+        <p14:creationId xmlns:p14="http://schemas.microsoft.com/office/powerpoint/2010/main" val="3021891755"/>
+      </p:ext>
+    </p:extLst>
+  </p:cSld>
+  <p:clrMapOvr>
+    <a:masterClrMapping/>
+  </p:clrMapOvr>
+</p:notes>
+</file>
+
+<file path=ppt/notesSlides/notesSlide21.xml><?xml version="1.0" encoding="utf-8"?>
+<p:notes xmlns:a="http://schemas.openxmlformats.org/drawingml/2006/main" xmlns:r="http://schemas.openxmlformats.org/officeDocument/2006/relationships" xmlns:p="http://schemas.openxmlformats.org/presentationml/2006/main" showMasterSp="0" showMasterPhAnim="0">
+  <p:cSld>
+    <p:spTree>
+      <p:nvGrpSpPr>
+        <p:cNvPr id="1" name="Shape 108"/>
+        <p:cNvGrpSpPr/>
+        <p:nvPr/>
+      </p:nvGrpSpPr>
+      <p:grpSpPr>
+        <a:xfrm>
+          <a:off x="0" y="0"/>
+          <a:ext cx="0" cy="0"/>
+          <a:chOff x="0" y="0"/>
+          <a:chExt cx="0" cy="0"/>
+        </a:xfrm>
+      </p:grpSpPr>
+      <p:sp>
+        <p:nvSpPr>
+          <p:cNvPr id="109" name="Google Shape;109;p3:notes"/>
+          <p:cNvSpPr txBox="1">
+            <a:spLocks noGrp="1"/>
+          </p:cNvSpPr>
+          <p:nvPr>
+            <p:ph type="body" idx="1"/>
+          </p:nvPr>
+        </p:nvSpPr>
+        <p:spPr>
+          <a:xfrm>
+            <a:off x="685800" y="4400550"/>
+            <a:ext cx="5486400" cy="3600450"/>
+          </a:xfrm>
+          <a:prstGeom prst="rect">
+            <a:avLst/>
+          </a:prstGeom>
+        </p:spPr>
+        <p:txBody>
+          <a:bodyPr spcFirstLastPara="1" wrap="square" lIns="91425" tIns="45700" rIns="91425" bIns="45700" anchor="t" anchorCtr="0">
+            <a:noAutofit/>
+          </a:bodyPr>
+          <a:lstStyle/>
+          <a:p>
+            <a:pPr marL="0" lvl="0" indent="0" algn="l" rtl="0">
+              <a:spcBef>
+                <a:spcPts val="0"/>
+              </a:spcBef>
+              <a:spcAft>
+                <a:spcPts val="0"/>
+              </a:spcAft>
+              <a:buNone/>
+            </a:pPr>
+            <a:endParaRPr/>
+          </a:p>
+        </p:txBody>
+      </p:sp>
+      <p:sp>
+        <p:nvSpPr>
+          <p:cNvPr id="110" name="Google Shape;110;p3:notes"/>
+          <p:cNvSpPr>
+            <a:spLocks noGrp="1" noRot="1" noChangeAspect="1"/>
+          </p:cNvSpPr>
+          <p:nvPr>
+            <p:ph type="sldImg" idx="2"/>
+          </p:nvPr>
+        </p:nvSpPr>
+        <p:spPr>
+          <a:xfrm>
+            <a:off x="685800" y="1143000"/>
+            <a:ext cx="5486400" cy="3086100"/>
+          </a:xfrm>
+          <a:custGeom>
+            <a:avLst/>
+            <a:gdLst/>
+            <a:ahLst/>
+            <a:cxnLst/>
+            <a:rect l="l" t="t" r="r" b="b"/>
+            <a:pathLst>
+              <a:path w="120000" h="120000" extrusionOk="0">
+                <a:moveTo>
+                  <a:pt x="0" y="0"/>
+                </a:moveTo>
+                <a:lnTo>
+                  <a:pt x="120000" y="0"/>
+                </a:lnTo>
+                <a:lnTo>
+                  <a:pt x="120000" y="120000"/>
+                </a:lnTo>
+                <a:lnTo>
+                  <a:pt x="0" y="120000"/>
+                </a:lnTo>
+                <a:close/>
+              </a:path>
+            </a:pathLst>
+          </a:custGeom>
+        </p:spPr>
+      </p:sp>
+    </p:spTree>
+    <p:extLst>
+      <p:ext uri="{BB962C8B-B14F-4D97-AF65-F5344CB8AC3E}">
+        <p14:creationId xmlns:p14="http://schemas.microsoft.com/office/powerpoint/2010/main" val="3573628186"/>
+      </p:ext>
+    </p:extLst>
+  </p:cSld>
+  <p:clrMapOvr>
+    <a:masterClrMapping/>
+  </p:clrMapOvr>
+</p:notes>
+</file>
+
+<file path=ppt/notesSlides/notesSlide22.xml><?xml version="1.0" encoding="utf-8"?>
+<p:notes xmlns:a="http://schemas.openxmlformats.org/drawingml/2006/main" xmlns:r="http://schemas.openxmlformats.org/officeDocument/2006/relationships" xmlns:p="http://schemas.openxmlformats.org/presentationml/2006/main" showMasterSp="0" showMasterPhAnim="0">
+  <p:cSld>
+    <p:spTree>
+      <p:nvGrpSpPr>
+        <p:cNvPr id="1" name="Shape 108"/>
+        <p:cNvGrpSpPr/>
+        <p:nvPr/>
+      </p:nvGrpSpPr>
+      <p:grpSpPr>
+        <a:xfrm>
+          <a:off x="0" y="0"/>
+          <a:ext cx="0" cy="0"/>
+          <a:chOff x="0" y="0"/>
+          <a:chExt cx="0" cy="0"/>
+        </a:xfrm>
+      </p:grpSpPr>
+      <p:sp>
+        <p:nvSpPr>
+          <p:cNvPr id="109" name="Google Shape;109;p3:notes"/>
+          <p:cNvSpPr txBox="1">
+            <a:spLocks noGrp="1"/>
+          </p:cNvSpPr>
+          <p:nvPr>
+            <p:ph type="body" idx="1"/>
+          </p:nvPr>
+        </p:nvSpPr>
+        <p:spPr>
+          <a:xfrm>
+            <a:off x="685800" y="4400550"/>
+            <a:ext cx="5486400" cy="3600450"/>
+          </a:xfrm>
+          <a:prstGeom prst="rect">
+            <a:avLst/>
+          </a:prstGeom>
+        </p:spPr>
+        <p:txBody>
+          <a:bodyPr spcFirstLastPara="1" wrap="square" lIns="91425" tIns="45700" rIns="91425" bIns="45700" anchor="t" anchorCtr="0">
+            <a:noAutofit/>
+          </a:bodyPr>
+          <a:lstStyle/>
+          <a:p>
+            <a:pPr marL="0" lvl="0" indent="0" algn="l" rtl="0">
+              <a:spcBef>
+                <a:spcPts val="0"/>
+              </a:spcBef>
+              <a:spcAft>
+                <a:spcPts val="0"/>
+              </a:spcAft>
+              <a:buNone/>
+            </a:pPr>
+            <a:endParaRPr/>
+          </a:p>
+        </p:txBody>
+      </p:sp>
+      <p:sp>
+        <p:nvSpPr>
+          <p:cNvPr id="110" name="Google Shape;110;p3:notes"/>
+          <p:cNvSpPr>
+            <a:spLocks noGrp="1" noRot="1" noChangeAspect="1"/>
+          </p:cNvSpPr>
+          <p:nvPr>
+            <p:ph type="sldImg" idx="2"/>
+          </p:nvPr>
+        </p:nvSpPr>
+        <p:spPr>
+          <a:xfrm>
+            <a:off x="685800" y="1143000"/>
+            <a:ext cx="5486400" cy="3086100"/>
+          </a:xfrm>
+          <a:custGeom>
+            <a:avLst/>
+            <a:gdLst/>
+            <a:ahLst/>
+            <a:cxnLst/>
+            <a:rect l="l" t="t" r="r" b="b"/>
+            <a:pathLst>
+              <a:path w="120000" h="120000" extrusionOk="0">
+                <a:moveTo>
+                  <a:pt x="0" y="0"/>
+                </a:moveTo>
+                <a:lnTo>
+                  <a:pt x="120000" y="0"/>
+                </a:lnTo>
+                <a:lnTo>
+                  <a:pt x="120000" y="120000"/>
+                </a:lnTo>
+                <a:lnTo>
+                  <a:pt x="0" y="120000"/>
+                </a:lnTo>
+                <a:close/>
+              </a:path>
+            </a:pathLst>
+          </a:custGeom>
+        </p:spPr>
+      </p:sp>
+    </p:spTree>
+    <p:extLst>
+      <p:ext uri="{BB962C8B-B14F-4D97-AF65-F5344CB8AC3E}">
         <p14:creationId xmlns:p14="http://schemas.microsoft.com/office/powerpoint/2010/main" val="1850239199"/>
       </p:ext>
     </p:extLst>
@@ -2912,7 +3132,7 @@
 </p:notes>
 </file>
 
-<file path=ppt/notesSlides/notesSlide21.xml><?xml version="1.0" encoding="utf-8"?>
+<file path=ppt/notesSlides/notesSlide23.xml><?xml version="1.0" encoding="utf-8"?>
 <p:notes xmlns:a="http://schemas.openxmlformats.org/drawingml/2006/main" xmlns:r="http://schemas.openxmlformats.org/officeDocument/2006/relationships" xmlns:p="http://schemas.openxmlformats.org/presentationml/2006/main" showMasterSp="0" showMasterPhAnim="0">
   <p:cSld>
     <p:spTree>
@@ -3021,7 +3241,7 @@
   <p:cSld>
     <p:spTree>
       <p:nvGrpSpPr>
-        <p:cNvPr id="1" name="Shape 108"/>
+        <p:cNvPr id="1" name="Shape 95"/>
         <p:cNvGrpSpPr/>
         <p:nvPr/>
       </p:nvGrpSpPr>
@@ -3035,7 +3255,7 @@
       </p:grpSpPr>
       <p:sp>
         <p:nvSpPr>
-          <p:cNvPr id="109" name="Google Shape;109;p3:notes"/>
+          <p:cNvPr id="96" name="Google Shape;96;p2:notes"/>
           <p:cNvSpPr txBox="1">
             <a:spLocks noGrp="1"/>
           </p:cNvSpPr>
@@ -3073,7 +3293,7 @@
       </p:sp>
       <p:sp>
         <p:nvSpPr>
-          <p:cNvPr id="110" name="Google Shape;110;p3:notes"/>
+          <p:cNvPr id="97" name="Google Shape;97;p2:notes"/>
           <p:cNvSpPr>
             <a:spLocks noGrp="1" noRot="1" noChangeAspect="1"/>
           </p:cNvSpPr>
@@ -3113,6 +3333,11 @@
         </p:spPr>
       </p:sp>
     </p:spTree>
+    <p:extLst>
+      <p:ext uri="{BB962C8B-B14F-4D97-AF65-F5344CB8AC3E}">
+        <p14:creationId xmlns:p14="http://schemas.microsoft.com/office/powerpoint/2010/main" val="2098439673"/>
+      </p:ext>
+    </p:extLst>
   </p:cSld>
   <p:clrMapOvr>
     <a:masterClrMapping/>
@@ -3321,6 +3546,110 @@
         </p:spPr>
       </p:sp>
     </p:spTree>
+  </p:cSld>
+  <p:clrMapOvr>
+    <a:masterClrMapping/>
+  </p:clrMapOvr>
+</p:notes>
+</file>
+
+<file path=ppt/notesSlides/notesSlide6.xml><?xml version="1.0" encoding="utf-8"?>
+<p:notes xmlns:a="http://schemas.openxmlformats.org/drawingml/2006/main" xmlns:r="http://schemas.openxmlformats.org/officeDocument/2006/relationships" xmlns:p="http://schemas.openxmlformats.org/presentationml/2006/main" showMasterSp="0" showMasterPhAnim="0">
+  <p:cSld>
+    <p:spTree>
+      <p:nvGrpSpPr>
+        <p:cNvPr id="1" name="Shape 108"/>
+        <p:cNvGrpSpPr/>
+        <p:nvPr/>
+      </p:nvGrpSpPr>
+      <p:grpSpPr>
+        <a:xfrm>
+          <a:off x="0" y="0"/>
+          <a:ext cx="0" cy="0"/>
+          <a:chOff x="0" y="0"/>
+          <a:chExt cx="0" cy="0"/>
+        </a:xfrm>
+      </p:grpSpPr>
+      <p:sp>
+        <p:nvSpPr>
+          <p:cNvPr id="109" name="Google Shape;109;p3:notes"/>
+          <p:cNvSpPr txBox="1">
+            <a:spLocks noGrp="1"/>
+          </p:cNvSpPr>
+          <p:nvPr>
+            <p:ph type="body" idx="1"/>
+          </p:nvPr>
+        </p:nvSpPr>
+        <p:spPr>
+          <a:xfrm>
+            <a:off x="685800" y="4400550"/>
+            <a:ext cx="5486400" cy="3600450"/>
+          </a:xfrm>
+          <a:prstGeom prst="rect">
+            <a:avLst/>
+          </a:prstGeom>
+        </p:spPr>
+        <p:txBody>
+          <a:bodyPr spcFirstLastPara="1" wrap="square" lIns="91425" tIns="45700" rIns="91425" bIns="45700" anchor="t" anchorCtr="0">
+            <a:noAutofit/>
+          </a:bodyPr>
+          <a:lstStyle/>
+          <a:p>
+            <a:pPr marL="0" lvl="0" indent="0" algn="l" rtl="0">
+              <a:spcBef>
+                <a:spcPts val="0"/>
+              </a:spcBef>
+              <a:spcAft>
+                <a:spcPts val="0"/>
+              </a:spcAft>
+              <a:buNone/>
+            </a:pPr>
+            <a:endParaRPr/>
+          </a:p>
+        </p:txBody>
+      </p:sp>
+      <p:sp>
+        <p:nvSpPr>
+          <p:cNvPr id="110" name="Google Shape;110;p3:notes"/>
+          <p:cNvSpPr>
+            <a:spLocks noGrp="1" noRot="1" noChangeAspect="1"/>
+          </p:cNvSpPr>
+          <p:nvPr>
+            <p:ph type="sldImg" idx="2"/>
+          </p:nvPr>
+        </p:nvSpPr>
+        <p:spPr>
+          <a:xfrm>
+            <a:off x="685800" y="1143000"/>
+            <a:ext cx="5486400" cy="3086100"/>
+          </a:xfrm>
+          <a:custGeom>
+            <a:avLst/>
+            <a:gdLst/>
+            <a:ahLst/>
+            <a:cxnLst/>
+            <a:rect l="l" t="t" r="r" b="b"/>
+            <a:pathLst>
+              <a:path w="120000" h="120000" extrusionOk="0">
+                <a:moveTo>
+                  <a:pt x="0" y="0"/>
+                </a:moveTo>
+                <a:lnTo>
+                  <a:pt x="120000" y="0"/>
+                </a:lnTo>
+                <a:lnTo>
+                  <a:pt x="120000" y="120000"/>
+                </a:lnTo>
+                <a:lnTo>
+                  <a:pt x="0" y="120000"/>
+                </a:lnTo>
+                <a:close/>
+              </a:path>
+            </a:pathLst>
+          </a:custGeom>
+        </p:spPr>
+      </p:sp>
+    </p:spTree>
     <p:extLst>
       <p:ext uri="{BB962C8B-B14F-4D97-AF65-F5344CB8AC3E}">
         <p14:creationId xmlns:p14="http://schemas.microsoft.com/office/powerpoint/2010/main" val="1680929622"/>
@@ -3333,7 +3662,7 @@
 </p:notes>
 </file>
 
-<file path=ppt/notesSlides/notesSlide6.xml><?xml version="1.0" encoding="utf-8"?>
+<file path=ppt/notesSlides/notesSlide7.xml><?xml version="1.0" encoding="utf-8"?>
 <p:notes xmlns:a="http://schemas.openxmlformats.org/drawingml/2006/main" xmlns:r="http://schemas.openxmlformats.org/officeDocument/2006/relationships" xmlns:p="http://schemas.openxmlformats.org/presentationml/2006/main" showMasterSp="0" showMasterPhAnim="0">
   <p:cSld>
     <p:spTree>
@@ -3442,7 +3771,7 @@
 </p:notes>
 </file>
 
-<file path=ppt/notesSlides/notesSlide7.xml><?xml version="1.0" encoding="utf-8"?>
+<file path=ppt/notesSlides/notesSlide8.xml><?xml version="1.0" encoding="utf-8"?>
 <p:notes xmlns:a="http://schemas.openxmlformats.org/drawingml/2006/main" xmlns:r="http://schemas.openxmlformats.org/officeDocument/2006/relationships" xmlns:p="http://schemas.openxmlformats.org/presentationml/2006/main" showMasterSp="0" showMasterPhAnim="0">
   <p:cSld>
     <p:spTree>
@@ -3551,7 +3880,7 @@
 </p:notes>
 </file>
 
-<file path=ppt/notesSlides/notesSlide8.xml><?xml version="1.0" encoding="utf-8"?>
+<file path=ppt/notesSlides/notesSlide9.xml><?xml version="1.0" encoding="utf-8"?>
 <p:notes xmlns:a="http://schemas.openxmlformats.org/drawingml/2006/main" xmlns:r="http://schemas.openxmlformats.org/officeDocument/2006/relationships" xmlns:p="http://schemas.openxmlformats.org/presentationml/2006/main" showMasterSp="0" showMasterPhAnim="0">
   <p:cSld>
     <p:spTree>
@@ -3651,115 +3980,6 @@
     <p:extLst>
       <p:ext uri="{BB962C8B-B14F-4D97-AF65-F5344CB8AC3E}">
         <p14:creationId xmlns:p14="http://schemas.microsoft.com/office/powerpoint/2010/main" val="3556338552"/>
-      </p:ext>
-    </p:extLst>
-  </p:cSld>
-  <p:clrMapOvr>
-    <a:masterClrMapping/>
-  </p:clrMapOvr>
-</p:notes>
-</file>
-
-<file path=ppt/notesSlides/notesSlide9.xml><?xml version="1.0" encoding="utf-8"?>
-<p:notes xmlns:a="http://schemas.openxmlformats.org/drawingml/2006/main" xmlns:r="http://schemas.openxmlformats.org/officeDocument/2006/relationships" xmlns:p="http://schemas.openxmlformats.org/presentationml/2006/main" showMasterSp="0" showMasterPhAnim="0">
-  <p:cSld>
-    <p:spTree>
-      <p:nvGrpSpPr>
-        <p:cNvPr id="1" name="Shape 108"/>
-        <p:cNvGrpSpPr/>
-        <p:nvPr/>
-      </p:nvGrpSpPr>
-      <p:grpSpPr>
-        <a:xfrm>
-          <a:off x="0" y="0"/>
-          <a:ext cx="0" cy="0"/>
-          <a:chOff x="0" y="0"/>
-          <a:chExt cx="0" cy="0"/>
-        </a:xfrm>
-      </p:grpSpPr>
-      <p:sp>
-        <p:nvSpPr>
-          <p:cNvPr id="109" name="Google Shape;109;p3:notes"/>
-          <p:cNvSpPr txBox="1">
-            <a:spLocks noGrp="1"/>
-          </p:cNvSpPr>
-          <p:nvPr>
-            <p:ph type="body" idx="1"/>
-          </p:nvPr>
-        </p:nvSpPr>
-        <p:spPr>
-          <a:xfrm>
-            <a:off x="685800" y="4400550"/>
-            <a:ext cx="5486400" cy="3600450"/>
-          </a:xfrm>
-          <a:prstGeom prst="rect">
-            <a:avLst/>
-          </a:prstGeom>
-        </p:spPr>
-        <p:txBody>
-          <a:bodyPr spcFirstLastPara="1" wrap="square" lIns="91425" tIns="45700" rIns="91425" bIns="45700" anchor="t" anchorCtr="0">
-            <a:noAutofit/>
-          </a:bodyPr>
-          <a:lstStyle/>
-          <a:p>
-            <a:pPr marL="0" lvl="0" indent="0" algn="l" rtl="0">
-              <a:spcBef>
-                <a:spcPts val="0"/>
-              </a:spcBef>
-              <a:spcAft>
-                <a:spcPts val="0"/>
-              </a:spcAft>
-              <a:buNone/>
-            </a:pPr>
-            <a:endParaRPr/>
-          </a:p>
-        </p:txBody>
-      </p:sp>
-      <p:sp>
-        <p:nvSpPr>
-          <p:cNvPr id="110" name="Google Shape;110;p3:notes"/>
-          <p:cNvSpPr>
-            <a:spLocks noGrp="1" noRot="1" noChangeAspect="1"/>
-          </p:cNvSpPr>
-          <p:nvPr>
-            <p:ph type="sldImg" idx="2"/>
-          </p:nvPr>
-        </p:nvSpPr>
-        <p:spPr>
-          <a:xfrm>
-            <a:off x="685800" y="1143000"/>
-            <a:ext cx="5486400" cy="3086100"/>
-          </a:xfrm>
-          <a:custGeom>
-            <a:avLst/>
-            <a:gdLst/>
-            <a:ahLst/>
-            <a:cxnLst/>
-            <a:rect l="l" t="t" r="r" b="b"/>
-            <a:pathLst>
-              <a:path w="120000" h="120000" extrusionOk="0">
-                <a:moveTo>
-                  <a:pt x="0" y="0"/>
-                </a:moveTo>
-                <a:lnTo>
-                  <a:pt x="120000" y="0"/>
-                </a:lnTo>
-                <a:lnTo>
-                  <a:pt x="120000" y="120000"/>
-                </a:lnTo>
-                <a:lnTo>
-                  <a:pt x="0" y="120000"/>
-                </a:lnTo>
-                <a:close/>
-              </a:path>
-            </a:pathLst>
-          </a:custGeom>
-        </p:spPr>
-      </p:sp>
-    </p:spTree>
-    <p:extLst>
-      <p:ext uri="{BB962C8B-B14F-4D97-AF65-F5344CB8AC3E}">
-        <p14:creationId xmlns:p14="http://schemas.microsoft.com/office/powerpoint/2010/main" val="3053368024"/>
       </p:ext>
     </p:extLst>
   </p:cSld>
@@ -14284,31 +14504,7 @@
                 <a:cs typeface="Poppins"/>
                 <a:sym typeface="Poppins"/>
               </a:rPr>
-              <a:t>Final Project (</a:t>
-            </a:r>
-            <a:r>
-              <a:rPr lang="en-US" sz="1800" b="1" i="0" u="none" strike="noStrike" cap="none" dirty="0" err="1">
-                <a:solidFill>
-                  <a:schemeClr val="dk1"/>
-                </a:solidFill>
-                <a:latin typeface="Poppins"/>
-                <a:ea typeface="Poppins"/>
-                <a:cs typeface="Poppins"/>
-                <a:sym typeface="Poppins"/>
-              </a:rPr>
-              <a:t>rencana</a:t>
-            </a:r>
-            <a:r>
-              <a:rPr lang="en-US" sz="1800" b="1" i="0" u="none" strike="noStrike" cap="none" dirty="0">
-                <a:solidFill>
-                  <a:schemeClr val="dk1"/>
-                </a:solidFill>
-                <a:latin typeface="Poppins"/>
-                <a:ea typeface="Poppins"/>
-                <a:cs typeface="Poppins"/>
-                <a:sym typeface="Poppins"/>
-              </a:rPr>
-              <a:t>)</a:t>
+              <a:t>Final Project</a:t>
             </a:r>
             <a:endParaRPr dirty="0"/>
           </a:p>
@@ -14681,6 +14877,967 @@
       </p:grpSpPr>
       <p:sp>
         <p:nvSpPr>
+          <p:cNvPr id="112" name="Google Shape;112;p3"/>
+          <p:cNvSpPr txBox="1"/>
+          <p:nvPr/>
+        </p:nvSpPr>
+        <p:spPr>
+          <a:xfrm>
+            <a:off x="0" y="6858000"/>
+            <a:ext cx="12192000" cy="386904"/>
+          </a:xfrm>
+          <a:prstGeom prst="rect">
+            <a:avLst/>
+          </a:prstGeom>
+          <a:solidFill>
+            <a:srgbClr val="0078C1"/>
+          </a:solidFill>
+          <a:ln>
+            <a:noFill/>
+          </a:ln>
+        </p:spPr>
+        <p:txBody>
+          <a:bodyPr spcFirstLastPara="1" wrap="square" lIns="91425" tIns="45700" rIns="91425" bIns="45700" anchor="ctr" anchorCtr="0">
+            <a:normAutofit/>
+          </a:bodyPr>
+          <a:lstStyle/>
+          <a:p>
+            <a:pPr marL="0" marR="0" lvl="0" indent="0" algn="l" rtl="0">
+              <a:lnSpc>
+                <a:spcPct val="90000"/>
+              </a:lnSpc>
+              <a:spcBef>
+                <a:spcPts val="0"/>
+              </a:spcBef>
+              <a:spcAft>
+                <a:spcPts val="0"/>
+              </a:spcAft>
+              <a:buClr>
+                <a:schemeClr val="lt1"/>
+              </a:buClr>
+              <a:buSzPts val="1200"/>
+              <a:buFont typeface="Arial"/>
+              <a:buNone/>
+            </a:pPr>
+            <a:r>
+              <a:rPr lang="en-US" sz="1200">
+                <a:solidFill>
+                  <a:schemeClr val="lt1"/>
+                </a:solidFill>
+                <a:latin typeface="Poppins"/>
+                <a:ea typeface="Poppins"/>
+                <a:cs typeface="Poppins"/>
+                <a:sym typeface="Poppins"/>
+              </a:rPr>
+              <a:t>TD – Pengujian perangkat lunak</a:t>
+            </a:r>
+            <a:endParaRPr sz="400">
+              <a:solidFill>
+                <a:schemeClr val="lt1"/>
+              </a:solidFill>
+              <a:latin typeface="Poppins"/>
+              <a:ea typeface="Poppins"/>
+              <a:cs typeface="Poppins"/>
+              <a:sym typeface="Poppins"/>
+            </a:endParaRPr>
+          </a:p>
+        </p:txBody>
+      </p:sp>
+      <p:pic>
+        <p:nvPicPr>
+          <p:cNvPr id="113" name="Google Shape;113;p3"/>
+          <p:cNvPicPr preferRelativeResize="0"/>
+          <p:nvPr/>
+        </p:nvPicPr>
+        <p:blipFill rotWithShape="1">
+          <a:blip r:embed="rId3">
+            <a:alphaModFix/>
+          </a:blip>
+          <a:srcRect/>
+          <a:stretch/>
+        </p:blipFill>
+        <p:spPr>
+          <a:xfrm>
+            <a:off x="2637694" y="-1124101"/>
+            <a:ext cx="894290" cy="688986"/>
+          </a:xfrm>
+          <a:prstGeom prst="rect">
+            <a:avLst/>
+          </a:prstGeom>
+          <a:noFill/>
+          <a:ln>
+            <a:noFill/>
+          </a:ln>
+        </p:spPr>
+      </p:pic>
+      <p:pic>
+        <p:nvPicPr>
+          <p:cNvPr id="114" name="Google Shape;114;p3"/>
+          <p:cNvPicPr preferRelativeResize="0"/>
+          <p:nvPr/>
+        </p:nvPicPr>
+        <p:blipFill rotWithShape="1">
+          <a:blip r:embed="rId4">
+            <a:alphaModFix/>
+          </a:blip>
+          <a:srcRect/>
+          <a:stretch/>
+        </p:blipFill>
+        <p:spPr>
+          <a:xfrm>
+            <a:off x="826608" y="-7173"/>
+            <a:ext cx="1144336" cy="705674"/>
+          </a:xfrm>
+          <a:prstGeom prst="rect">
+            <a:avLst/>
+          </a:prstGeom>
+          <a:noFill/>
+          <a:ln>
+            <a:noFill/>
+          </a:ln>
+        </p:spPr>
+      </p:pic>
+      <p:sp>
+        <p:nvSpPr>
+          <p:cNvPr id="2" name="Google Shape;105;p2">
+            <a:extLst>
+              <a:ext uri="{FF2B5EF4-FFF2-40B4-BE49-F238E27FC236}">
+                <a16:creationId xmlns:a16="http://schemas.microsoft.com/office/drawing/2014/main" id="{E1DEDBD0-6508-AFDC-5F5B-76360CA0FB8E}"/>
+              </a:ext>
+            </a:extLst>
+          </p:cNvPr>
+          <p:cNvSpPr txBox="1"/>
+          <p:nvPr/>
+        </p:nvSpPr>
+        <p:spPr>
+          <a:xfrm>
+            <a:off x="772092" y="1015565"/>
+            <a:ext cx="9144000" cy="573741"/>
+          </a:xfrm>
+          <a:prstGeom prst="rect">
+            <a:avLst/>
+          </a:prstGeom>
+          <a:noFill/>
+          <a:ln>
+            <a:noFill/>
+          </a:ln>
+        </p:spPr>
+        <p:txBody>
+          <a:bodyPr spcFirstLastPara="1" wrap="square" lIns="91425" tIns="45700" rIns="91425" bIns="45700" anchor="b" anchorCtr="0">
+            <a:normAutofit/>
+          </a:bodyPr>
+          <a:lstStyle/>
+          <a:p>
+            <a:pPr marL="0" marR="0" lvl="0" indent="0" rtl="0">
+              <a:lnSpc>
+                <a:spcPct val="90000"/>
+              </a:lnSpc>
+              <a:spcBef>
+                <a:spcPts val="0"/>
+              </a:spcBef>
+              <a:spcAft>
+                <a:spcPts val="0"/>
+              </a:spcAft>
+              <a:buClr>
+                <a:srgbClr val="000000"/>
+              </a:buClr>
+              <a:buSzPts val="1800"/>
+              <a:buFont typeface="TimesNewRoman"/>
+              <a:buNone/>
+            </a:pPr>
+            <a:r>
+              <a:rPr lang="en-US" sz="3200" b="1" dirty="0">
+                <a:solidFill>
+                  <a:srgbClr val="0078C1"/>
+                </a:solidFill>
+                <a:latin typeface="Roboto" panose="02000000000000000000" pitchFamily="2" charset="0"/>
+                <a:ea typeface="Roboto" panose="02000000000000000000" pitchFamily="2" charset="0"/>
+                <a:cs typeface="Roboto" panose="02000000000000000000" pitchFamily="2" charset="0"/>
+                <a:sym typeface="TimesNewRoman"/>
+              </a:rPr>
+              <a:t>7. </a:t>
+            </a:r>
+            <a:r>
+              <a:rPr lang="en-US" sz="3200" b="1" dirty="0" err="1">
+                <a:solidFill>
+                  <a:srgbClr val="0078C1"/>
+                </a:solidFill>
+                <a:latin typeface="Roboto" panose="02000000000000000000" pitchFamily="2" charset="0"/>
+                <a:ea typeface="Roboto" panose="02000000000000000000" pitchFamily="2" charset="0"/>
+                <a:cs typeface="Roboto" panose="02000000000000000000" pitchFamily="2" charset="0"/>
+                <a:sym typeface="TimesNewRoman"/>
+              </a:rPr>
+              <a:t>Quetionaire</a:t>
+            </a:r>
+            <a:endParaRPr sz="3200" b="1" u="none" dirty="0">
+              <a:solidFill>
+                <a:srgbClr val="0078C1"/>
+              </a:solidFill>
+              <a:latin typeface="Roboto" panose="02000000000000000000" pitchFamily="2" charset="0"/>
+              <a:ea typeface="Roboto" panose="02000000000000000000" pitchFamily="2" charset="0"/>
+              <a:cs typeface="Roboto" panose="02000000000000000000" pitchFamily="2" charset="0"/>
+              <a:sym typeface="Poppins"/>
+            </a:endParaRPr>
+          </a:p>
+        </p:txBody>
+      </p:sp>
+      <p:sp>
+        <p:nvSpPr>
+          <p:cNvPr id="5" name="Google Shape;125;p3">
+            <a:extLst>
+              <a:ext uri="{FF2B5EF4-FFF2-40B4-BE49-F238E27FC236}">
+                <a16:creationId xmlns:a16="http://schemas.microsoft.com/office/drawing/2014/main" id="{E583F1D4-31A7-83F8-953C-96CDF772775F}"/>
+              </a:ext>
+            </a:extLst>
+          </p:cNvPr>
+          <p:cNvSpPr txBox="1"/>
+          <p:nvPr/>
+        </p:nvSpPr>
+        <p:spPr>
+          <a:xfrm>
+            <a:off x="772092" y="1589306"/>
+            <a:ext cx="10876983" cy="523180"/>
+          </a:xfrm>
+          <a:prstGeom prst="rect">
+            <a:avLst/>
+          </a:prstGeom>
+          <a:noFill/>
+          <a:ln>
+            <a:noFill/>
+          </a:ln>
+        </p:spPr>
+        <p:txBody>
+          <a:bodyPr spcFirstLastPara="1" wrap="square" lIns="91425" tIns="45700" rIns="91425" bIns="45700" anchor="t" anchorCtr="0">
+            <a:spAutoFit/>
+          </a:bodyPr>
+          <a:lstStyle/>
+          <a:p>
+            <a:pPr lvl="0"/>
+            <a:r>
+              <a:rPr lang="en-US" dirty="0" err="1">
+                <a:solidFill>
+                  <a:schemeClr val="tx1"/>
+                </a:solidFill>
+                <a:latin typeface="Roboto" panose="02000000000000000000" pitchFamily="2" charset="0"/>
+                <a:ea typeface="Roboto" panose="02000000000000000000" pitchFamily="2" charset="0"/>
+                <a:cs typeface="Roboto" panose="02000000000000000000" pitchFamily="2" charset="0"/>
+                <a:sym typeface="Calibri"/>
+              </a:rPr>
+              <a:t>Menggunakan</a:t>
+            </a:r>
+            <a:r>
+              <a:rPr lang="en-US" dirty="0">
+                <a:solidFill>
+                  <a:schemeClr val="tx1"/>
+                </a:solidFill>
+                <a:latin typeface="Roboto" panose="02000000000000000000" pitchFamily="2" charset="0"/>
+                <a:ea typeface="Roboto" panose="02000000000000000000" pitchFamily="2" charset="0"/>
+                <a:cs typeface="Roboto" panose="02000000000000000000" pitchFamily="2" charset="0"/>
+                <a:sym typeface="Calibri"/>
+              </a:rPr>
+              <a:t> </a:t>
+            </a:r>
+            <a:r>
+              <a:rPr lang="en-US" dirty="0"/>
+              <a:t>Intrinsic Motivation Inventory (IMI) </a:t>
+            </a:r>
+            <a:r>
+              <a:rPr lang="en-US" dirty="0" err="1"/>
+              <a:t>kuesioner</a:t>
+            </a:r>
+            <a:r>
+              <a:rPr lang="en-US" dirty="0"/>
+              <a:t> </a:t>
+            </a:r>
+            <a:r>
+              <a:rPr lang="en-US" dirty="0" err="1"/>
+              <a:t>untuk</a:t>
+            </a:r>
+            <a:r>
+              <a:rPr lang="en-US" dirty="0"/>
+              <a:t> </a:t>
+            </a:r>
+            <a:r>
+              <a:rPr lang="en-US" dirty="0" err="1"/>
+              <a:t>mendapatkan</a:t>
+            </a:r>
+            <a:r>
+              <a:rPr lang="en-US" dirty="0"/>
+              <a:t> </a:t>
+            </a:r>
+            <a:r>
+              <a:rPr lang="en-US" dirty="0" err="1"/>
+              <a:t>tingkat</a:t>
+            </a:r>
+            <a:r>
+              <a:rPr lang="en-US" dirty="0"/>
+              <a:t> enjoyment, usefulness, importance, dan competence </a:t>
+            </a:r>
+            <a:r>
+              <a:rPr lang="en-US" dirty="0" err="1"/>
+              <a:t>dengan</a:t>
+            </a:r>
+            <a:r>
+              <a:rPr lang="en-US" dirty="0"/>
+              <a:t> </a:t>
+            </a:r>
+            <a:r>
+              <a:rPr lang="en-US" dirty="0" err="1"/>
+              <a:t>menggunakan</a:t>
+            </a:r>
+            <a:r>
+              <a:rPr lang="en-US" dirty="0"/>
+              <a:t> </a:t>
+            </a:r>
+            <a:r>
+              <a:rPr lang="en-US" dirty="0" err="1"/>
+              <a:t>skala</a:t>
+            </a:r>
+            <a:r>
+              <a:rPr lang="en-US" dirty="0"/>
+              <a:t> </a:t>
+            </a:r>
+            <a:r>
+              <a:rPr lang="en-US" dirty="0" err="1"/>
+              <a:t>nilai</a:t>
+            </a:r>
+            <a:r>
+              <a:rPr lang="en-US" dirty="0"/>
+              <a:t> 1 – 7.</a:t>
+            </a:r>
+            <a:endParaRPr lang="en-US" dirty="0">
+              <a:solidFill>
+                <a:schemeClr val="tx1"/>
+              </a:solidFill>
+              <a:latin typeface="Roboto" panose="02000000000000000000" pitchFamily="2" charset="0"/>
+              <a:ea typeface="Roboto" panose="02000000000000000000" pitchFamily="2" charset="0"/>
+              <a:cs typeface="Roboto" panose="02000000000000000000" pitchFamily="2" charset="0"/>
+            </a:endParaRPr>
+          </a:p>
+        </p:txBody>
+      </p:sp>
+      <p:sp>
+        <p:nvSpPr>
+          <p:cNvPr id="8" name="TextBox 7">
+            <a:extLst>
+              <a:ext uri="{FF2B5EF4-FFF2-40B4-BE49-F238E27FC236}">
+                <a16:creationId xmlns:a16="http://schemas.microsoft.com/office/drawing/2014/main" id="{E390F5BD-87AC-1C98-D3C7-4C2618367908}"/>
+              </a:ext>
+            </a:extLst>
+          </p:cNvPr>
+          <p:cNvSpPr txBox="1"/>
+          <p:nvPr/>
+        </p:nvSpPr>
+        <p:spPr>
+          <a:xfrm>
+            <a:off x="723169" y="2591038"/>
+            <a:ext cx="3829050" cy="2677656"/>
+          </a:xfrm>
+          <a:prstGeom prst="rect">
+            <a:avLst/>
+          </a:prstGeom>
+          <a:noFill/>
+        </p:spPr>
+        <p:txBody>
+          <a:bodyPr wrap="square">
+            <a:spAutoFit/>
+          </a:bodyPr>
+          <a:lstStyle/>
+          <a:p>
+            <a:r>
+              <a:rPr lang="en-US" sz="1400" b="1" i="0" dirty="0">
+                <a:solidFill>
+                  <a:srgbClr val="000000"/>
+                </a:solidFill>
+                <a:effectLst/>
+                <a:latin typeface="Times-Bold"/>
+              </a:rPr>
+              <a:t>Interest/Enjoyment</a:t>
+            </a:r>
+          </a:p>
+          <a:p>
+            <a:pPr marL="285750" indent="-285750">
+              <a:buFont typeface="Arial" panose="020B0604020202020204" pitchFamily="34" charset="0"/>
+              <a:buChar char="•"/>
+            </a:pPr>
+            <a:r>
+              <a:rPr lang="en-US" sz="1400" b="0" i="0" dirty="0">
+                <a:solidFill>
+                  <a:srgbClr val="000000"/>
+                </a:solidFill>
+                <a:effectLst/>
+                <a:latin typeface="Times-Roman"/>
+              </a:rPr>
+              <a:t>I enjoyed doing this activity very much</a:t>
+            </a:r>
+          </a:p>
+          <a:p>
+            <a:pPr marL="285750" indent="-285750">
+              <a:buFont typeface="Arial" panose="020B0604020202020204" pitchFamily="34" charset="0"/>
+              <a:buChar char="•"/>
+            </a:pPr>
+            <a:r>
+              <a:rPr lang="en-US" sz="1400" b="0" i="0" dirty="0">
+                <a:solidFill>
+                  <a:srgbClr val="000000"/>
+                </a:solidFill>
+                <a:effectLst/>
+                <a:latin typeface="Times-Roman"/>
+              </a:rPr>
+              <a:t>This activity was fun to do.</a:t>
+            </a:r>
+          </a:p>
+          <a:p>
+            <a:pPr marL="285750" indent="-285750">
+              <a:buFont typeface="Arial" panose="020B0604020202020204" pitchFamily="34" charset="0"/>
+              <a:buChar char="•"/>
+            </a:pPr>
+            <a:r>
+              <a:rPr lang="en-US" sz="1400" b="0" i="0" dirty="0">
+                <a:solidFill>
+                  <a:srgbClr val="000000"/>
+                </a:solidFill>
+                <a:effectLst/>
+                <a:latin typeface="Times-Roman"/>
+              </a:rPr>
+              <a:t>I thought this was a boring activity. (R)</a:t>
+            </a:r>
+          </a:p>
+          <a:p>
+            <a:pPr marL="285750" indent="-285750">
+              <a:buFont typeface="Arial" panose="020B0604020202020204" pitchFamily="34" charset="0"/>
+              <a:buChar char="•"/>
+            </a:pPr>
+            <a:r>
+              <a:rPr lang="en-US" sz="1400" b="0" i="0" dirty="0">
+                <a:solidFill>
+                  <a:srgbClr val="000000"/>
+                </a:solidFill>
+                <a:effectLst/>
+                <a:latin typeface="Times-Roman"/>
+              </a:rPr>
+              <a:t>This activity did not hold my attention at all. (R)</a:t>
+            </a:r>
+          </a:p>
+          <a:p>
+            <a:pPr marL="285750" indent="-285750">
+              <a:buFont typeface="Arial" panose="020B0604020202020204" pitchFamily="34" charset="0"/>
+              <a:buChar char="•"/>
+            </a:pPr>
+            <a:r>
+              <a:rPr lang="en-US" sz="1400" b="0" i="0" dirty="0">
+                <a:solidFill>
+                  <a:srgbClr val="000000"/>
+                </a:solidFill>
+                <a:effectLst/>
+                <a:latin typeface="Times-Roman"/>
+              </a:rPr>
+              <a:t>I would describe this activity as very interesting.</a:t>
+            </a:r>
+          </a:p>
+          <a:p>
+            <a:pPr marL="285750" indent="-285750">
+              <a:buFont typeface="Arial" panose="020B0604020202020204" pitchFamily="34" charset="0"/>
+              <a:buChar char="•"/>
+            </a:pPr>
+            <a:r>
+              <a:rPr lang="en-US" sz="1400" b="0" i="0" dirty="0">
+                <a:solidFill>
+                  <a:srgbClr val="000000"/>
+                </a:solidFill>
+                <a:effectLst/>
+                <a:latin typeface="Times-Roman"/>
+              </a:rPr>
+              <a:t>I thought this activity was quite enjoyable.</a:t>
+            </a:r>
+          </a:p>
+          <a:p>
+            <a:pPr marL="285750" indent="-285750">
+              <a:buFont typeface="Arial" panose="020B0604020202020204" pitchFamily="34" charset="0"/>
+              <a:buChar char="•"/>
+            </a:pPr>
+            <a:r>
+              <a:rPr lang="en-US" sz="1400" b="0" i="0" dirty="0">
+                <a:solidFill>
+                  <a:srgbClr val="000000"/>
+                </a:solidFill>
+                <a:effectLst/>
+                <a:latin typeface="Times-Roman"/>
+              </a:rPr>
+              <a:t>While I was doing this activity, I was thinking about how much I enjoyed it.</a:t>
+            </a:r>
+            <a:r>
+              <a:rPr lang="en-US" dirty="0"/>
+              <a:t> </a:t>
+            </a:r>
+            <a:br>
+              <a:rPr lang="en-US" dirty="0"/>
+            </a:br>
+            <a:endParaRPr lang="en-US" dirty="0"/>
+          </a:p>
+        </p:txBody>
+      </p:sp>
+      <p:sp>
+        <p:nvSpPr>
+          <p:cNvPr id="10" name="TextBox 9">
+            <a:extLst>
+              <a:ext uri="{FF2B5EF4-FFF2-40B4-BE49-F238E27FC236}">
+                <a16:creationId xmlns:a16="http://schemas.microsoft.com/office/drawing/2014/main" id="{51E7B238-DF18-A856-4153-7E56E0AA6250}"/>
+              </a:ext>
+            </a:extLst>
+          </p:cNvPr>
+          <p:cNvSpPr txBox="1"/>
+          <p:nvPr/>
+        </p:nvSpPr>
+        <p:spPr>
+          <a:xfrm>
+            <a:off x="4552219" y="2582385"/>
+            <a:ext cx="3677381" cy="2677656"/>
+          </a:xfrm>
+          <a:prstGeom prst="rect">
+            <a:avLst/>
+          </a:prstGeom>
+          <a:noFill/>
+        </p:spPr>
+        <p:txBody>
+          <a:bodyPr wrap="square">
+            <a:spAutoFit/>
+          </a:bodyPr>
+          <a:lstStyle/>
+          <a:p>
+            <a:r>
+              <a:rPr lang="en-US" sz="1400" b="1" i="0" dirty="0">
+                <a:solidFill>
+                  <a:schemeClr val="tx1"/>
+                </a:solidFill>
+                <a:effectLst/>
+                <a:latin typeface="Times-Bold"/>
+              </a:rPr>
+              <a:t>Perceived Competence</a:t>
+            </a:r>
+          </a:p>
+          <a:p>
+            <a:pPr marL="285750" indent="-285750">
+              <a:buFont typeface="Arial" panose="020B0604020202020204" pitchFamily="34" charset="0"/>
+              <a:buChar char="•"/>
+            </a:pPr>
+            <a:r>
+              <a:rPr lang="en-US" sz="1400" b="0" i="0" dirty="0">
+                <a:solidFill>
+                  <a:schemeClr val="tx1"/>
+                </a:solidFill>
+                <a:effectLst/>
+                <a:latin typeface="Times-Roman"/>
+              </a:rPr>
+              <a:t>I think I am pretty good at this activity.</a:t>
+            </a:r>
+          </a:p>
+          <a:p>
+            <a:pPr marL="285750" indent="-285750">
+              <a:buFont typeface="Arial" panose="020B0604020202020204" pitchFamily="34" charset="0"/>
+              <a:buChar char="•"/>
+            </a:pPr>
+            <a:r>
+              <a:rPr lang="en-US" sz="1400" b="0" i="0" dirty="0">
+                <a:solidFill>
+                  <a:schemeClr val="tx1"/>
+                </a:solidFill>
+                <a:effectLst/>
+                <a:latin typeface="Times-Roman"/>
+              </a:rPr>
+              <a:t>I think I did pretty well at this activity, compared to other students. </a:t>
+            </a:r>
+          </a:p>
+          <a:p>
+            <a:pPr marL="285750" indent="-285750">
+              <a:buFont typeface="Arial" panose="020B0604020202020204" pitchFamily="34" charset="0"/>
+              <a:buChar char="•"/>
+            </a:pPr>
+            <a:r>
+              <a:rPr lang="en-US" sz="1400" b="0" i="0" dirty="0">
+                <a:solidFill>
+                  <a:schemeClr val="tx1"/>
+                </a:solidFill>
+                <a:effectLst/>
+                <a:latin typeface="Times-Roman"/>
+              </a:rPr>
+              <a:t>After working at this activity for awhile, I felt pretty competent. </a:t>
+            </a:r>
+          </a:p>
+          <a:p>
+            <a:pPr marL="285750" indent="-285750">
+              <a:buFont typeface="Arial" panose="020B0604020202020204" pitchFamily="34" charset="0"/>
+              <a:buChar char="•"/>
+            </a:pPr>
+            <a:r>
+              <a:rPr lang="en-US" sz="1400" b="0" i="0" dirty="0">
+                <a:solidFill>
+                  <a:schemeClr val="tx1"/>
+                </a:solidFill>
+                <a:effectLst/>
+                <a:latin typeface="Times-Roman"/>
+              </a:rPr>
+              <a:t>I am satisfied with my performance at this task.</a:t>
+            </a:r>
+          </a:p>
+          <a:p>
+            <a:pPr marL="285750" indent="-285750">
+              <a:buFont typeface="Arial" panose="020B0604020202020204" pitchFamily="34" charset="0"/>
+              <a:buChar char="•"/>
+            </a:pPr>
+            <a:r>
+              <a:rPr lang="en-US" sz="1400" b="0" i="0" dirty="0">
+                <a:solidFill>
+                  <a:schemeClr val="tx1"/>
+                </a:solidFill>
+                <a:effectLst/>
+                <a:latin typeface="Times-Roman"/>
+              </a:rPr>
+              <a:t>I was pretty skilled at this activity.</a:t>
+            </a:r>
+          </a:p>
+          <a:p>
+            <a:pPr marL="285750" indent="-285750">
+              <a:buFont typeface="Arial" panose="020B0604020202020204" pitchFamily="34" charset="0"/>
+              <a:buChar char="•"/>
+            </a:pPr>
+            <a:r>
+              <a:rPr lang="en-US" sz="1400" b="0" i="0" dirty="0">
+                <a:solidFill>
+                  <a:schemeClr val="tx1"/>
+                </a:solidFill>
+                <a:effectLst/>
+                <a:latin typeface="Times-Roman"/>
+              </a:rPr>
+              <a:t>This was an activity that I </a:t>
+            </a:r>
+            <a:r>
+              <a:rPr lang="en-US" sz="1400" b="0" i="0" dirty="0" err="1">
+                <a:solidFill>
+                  <a:schemeClr val="tx1"/>
+                </a:solidFill>
+                <a:effectLst/>
+                <a:latin typeface="Times-Roman"/>
+              </a:rPr>
+              <a:t>couldnt</a:t>
+            </a:r>
+            <a:r>
+              <a:rPr lang="en-US" sz="1400" b="0" i="0" dirty="0">
+                <a:solidFill>
+                  <a:schemeClr val="tx1"/>
+                </a:solidFill>
+                <a:effectLst/>
+                <a:latin typeface="Times-Roman"/>
+              </a:rPr>
+              <a:t> do very well. (R)</a:t>
+            </a:r>
+            <a:r>
+              <a:rPr lang="en-US" dirty="0">
+                <a:solidFill>
+                  <a:schemeClr val="tx1"/>
+                </a:solidFill>
+              </a:rPr>
+              <a:t> </a:t>
+            </a:r>
+            <a:br>
+              <a:rPr lang="en-US" dirty="0">
+                <a:solidFill>
+                  <a:schemeClr val="tx1"/>
+                </a:solidFill>
+              </a:rPr>
+            </a:br>
+            <a:endParaRPr lang="en-US" dirty="0">
+              <a:solidFill>
+                <a:schemeClr val="tx1"/>
+              </a:solidFill>
+            </a:endParaRPr>
+          </a:p>
+        </p:txBody>
+      </p:sp>
+      <p:sp>
+        <p:nvSpPr>
+          <p:cNvPr id="11" name="TextBox 10">
+            <a:extLst>
+              <a:ext uri="{FF2B5EF4-FFF2-40B4-BE49-F238E27FC236}">
+                <a16:creationId xmlns:a16="http://schemas.microsoft.com/office/drawing/2014/main" id="{86E7EFC7-7272-7531-4496-17615AF8ABBE}"/>
+              </a:ext>
+            </a:extLst>
+          </p:cNvPr>
+          <p:cNvSpPr txBox="1"/>
+          <p:nvPr/>
+        </p:nvSpPr>
+        <p:spPr>
+          <a:xfrm>
+            <a:off x="8229600" y="2548133"/>
+            <a:ext cx="3677381" cy="1815882"/>
+          </a:xfrm>
+          <a:prstGeom prst="rect">
+            <a:avLst/>
+          </a:prstGeom>
+          <a:noFill/>
+        </p:spPr>
+        <p:txBody>
+          <a:bodyPr wrap="square">
+            <a:spAutoFit/>
+          </a:bodyPr>
+          <a:lstStyle/>
+          <a:p>
+            <a:r>
+              <a:rPr lang="en-US" sz="1400" b="1" i="0" dirty="0">
+                <a:solidFill>
+                  <a:srgbClr val="000000"/>
+                </a:solidFill>
+                <a:effectLst/>
+                <a:latin typeface="Times-Bold"/>
+              </a:rPr>
+              <a:t>importance</a:t>
+            </a:r>
+          </a:p>
+          <a:p>
+            <a:pPr marL="285750" indent="-285750">
+              <a:buFont typeface="Arial" panose="020B0604020202020204" pitchFamily="34" charset="0"/>
+              <a:buChar char="•"/>
+            </a:pPr>
+            <a:r>
+              <a:rPr lang="en-US" sz="1400" b="0" i="0" dirty="0">
+                <a:solidFill>
+                  <a:srgbClr val="000000"/>
+                </a:solidFill>
+                <a:effectLst/>
+                <a:latin typeface="Times-Roman"/>
+              </a:rPr>
+              <a:t>I put a lot of effort into this.</a:t>
+            </a:r>
+          </a:p>
+          <a:p>
+            <a:pPr marL="285750" indent="-285750">
+              <a:buFont typeface="Arial" panose="020B0604020202020204" pitchFamily="34" charset="0"/>
+              <a:buChar char="•"/>
+            </a:pPr>
+            <a:r>
+              <a:rPr lang="en-US" sz="1400" b="0" i="0" dirty="0">
+                <a:solidFill>
+                  <a:srgbClr val="000000"/>
+                </a:solidFill>
+                <a:effectLst/>
+                <a:latin typeface="Times-Roman"/>
+              </a:rPr>
+              <a:t>I </a:t>
+            </a:r>
+            <a:r>
+              <a:rPr lang="en-US" sz="1400" b="0" i="0" dirty="0" err="1">
+                <a:solidFill>
+                  <a:srgbClr val="000000"/>
+                </a:solidFill>
+                <a:effectLst/>
+                <a:latin typeface="Times-Roman"/>
+              </a:rPr>
+              <a:t>didnt</a:t>
+            </a:r>
+            <a:r>
+              <a:rPr lang="en-US" sz="1400" b="0" i="0" dirty="0">
+                <a:solidFill>
+                  <a:srgbClr val="000000"/>
+                </a:solidFill>
+                <a:effectLst/>
+                <a:latin typeface="Times-Roman"/>
+              </a:rPr>
+              <a:t> try very hard to do well at this activity. (R)I tried very hard on this activity.</a:t>
+            </a:r>
+          </a:p>
+          <a:p>
+            <a:pPr marL="285750" indent="-285750">
+              <a:buFont typeface="Arial" panose="020B0604020202020204" pitchFamily="34" charset="0"/>
+              <a:buChar char="•"/>
+            </a:pPr>
+            <a:r>
+              <a:rPr lang="en-US" sz="1400" b="0" i="0" dirty="0">
+                <a:solidFill>
+                  <a:srgbClr val="000000"/>
+                </a:solidFill>
+                <a:effectLst/>
+                <a:latin typeface="Times-Roman"/>
+              </a:rPr>
+              <a:t>It was important to me to do well at this task.</a:t>
+            </a:r>
+          </a:p>
+          <a:p>
+            <a:pPr marL="285750" indent="-285750">
+              <a:buFont typeface="Arial" panose="020B0604020202020204" pitchFamily="34" charset="0"/>
+              <a:buChar char="•"/>
+            </a:pPr>
+            <a:r>
+              <a:rPr lang="en-US" sz="1400" b="0" i="0" dirty="0">
+                <a:solidFill>
+                  <a:srgbClr val="000000"/>
+                </a:solidFill>
+                <a:effectLst/>
+                <a:latin typeface="Times-Roman"/>
+              </a:rPr>
+              <a:t>I </a:t>
+            </a:r>
+            <a:r>
+              <a:rPr lang="en-US" sz="1400" b="0" i="0" dirty="0" err="1">
+                <a:solidFill>
+                  <a:srgbClr val="000000"/>
+                </a:solidFill>
+                <a:effectLst/>
+                <a:latin typeface="Times-Roman"/>
+              </a:rPr>
+              <a:t>didnt</a:t>
+            </a:r>
+            <a:r>
+              <a:rPr lang="en-US" sz="1400" b="0" i="0" dirty="0">
+                <a:solidFill>
+                  <a:srgbClr val="000000"/>
+                </a:solidFill>
+                <a:effectLst/>
+                <a:latin typeface="Times-Roman"/>
+              </a:rPr>
+              <a:t> put much energy into this. (R)</a:t>
+            </a:r>
+            <a:br>
+              <a:rPr lang="en-US" dirty="0"/>
+            </a:br>
+            <a:endParaRPr lang="en-US" dirty="0"/>
+          </a:p>
+        </p:txBody>
+      </p:sp>
+    </p:spTree>
+    <p:extLst>
+      <p:ext uri="{BB962C8B-B14F-4D97-AF65-F5344CB8AC3E}">
+        <p14:creationId xmlns:p14="http://schemas.microsoft.com/office/powerpoint/2010/main" val="2931829784"/>
+      </p:ext>
+    </p:extLst>
+  </p:cSld>
+  <p:clrMapOvr>
+    <a:masterClrMapping/>
+  </p:clrMapOvr>
+  <mc:AlternateContent xmlns:mc="http://schemas.openxmlformats.org/markup-compatibility/2006" xmlns:p159="http://schemas.microsoft.com/office/powerpoint/2015/09/main">
+    <mc:Choice Requires="p159">
+      <p:transition>
+        <p159:morph option="byObject"/>
+      </p:transition>
+    </mc:Choice>
+    <mc:Fallback xmlns="">
+      <p:transition>
+        <p:fade/>
+      </p:transition>
+    </mc:Fallback>
+  </mc:AlternateContent>
+  <p:timing>
+    <p:tnLst>
+      <p:par>
+        <p:cTn id="1" dur="indefinite" restart="never" nodeType="tmRoot">
+          <p:childTnLst>
+            <p:seq concurrent="1" nextAc="seek">
+              <p:cTn id="2" dur="indefinite" nodeType="mainSeq">
+                <p:childTnLst>
+                  <p:par>
+                    <p:cTn id="3" fill="hold">
+                      <p:stCondLst>
+                        <p:cond delay="indefinite"/>
+                      </p:stCondLst>
+                      <p:childTnLst>
+                        <p:par>
+                          <p:cTn id="4" fill="hold">
+                            <p:stCondLst>
+                              <p:cond delay="0"/>
+                            </p:stCondLst>
+                            <p:childTnLst>
+                              <p:par>
+                                <p:cTn id="5" presetID="10" presetClass="entr" presetSubtype="0" fill="hold" nodeType="clickEffect">
+                                  <p:stCondLst>
+                                    <p:cond delay="0"/>
+                                  </p:stCondLst>
+                                  <p:childTnLst>
+                                    <p:set>
+                                      <p:cBhvr>
+                                        <p:cTn id="6" dur="1" fill="hold">
+                                          <p:stCondLst>
+                                            <p:cond delay="0"/>
+                                          </p:stCondLst>
+                                        </p:cTn>
+                                        <p:tgtEl>
+                                          <p:spTgt spid="5">
+                                            <p:txEl>
+                                              <p:pRg st="0" end="0"/>
+                                            </p:txEl>
+                                          </p:spTgt>
+                                        </p:tgtEl>
+                                        <p:attrNameLst>
+                                          <p:attrName>style.visibility</p:attrName>
+                                        </p:attrNameLst>
+                                      </p:cBhvr>
+                                      <p:to>
+                                        <p:strVal val="visible"/>
+                                      </p:to>
+                                    </p:set>
+                                    <p:animEffect transition="in" filter="fade">
+                                      <p:cBhvr>
+                                        <p:cTn id="7" dur="500"/>
+                                        <p:tgtEl>
+                                          <p:spTgt spid="5">
+                                            <p:txEl>
+                                              <p:pRg st="0" end="0"/>
+                                            </p:txEl>
+                                          </p:spTgt>
+                                        </p:tgtEl>
+                                      </p:cBhvr>
+                                    </p:animEffect>
+                                  </p:childTnLst>
+                                </p:cTn>
+                              </p:par>
+                            </p:childTnLst>
+                          </p:cTn>
+                        </p:par>
+                      </p:childTnLst>
+                    </p:cTn>
+                  </p:par>
+                </p:childTnLst>
+              </p:cTn>
+              <p:prevCondLst>
+                <p:cond evt="onPrev" delay="0">
+                  <p:tgtEl>
+                    <p:sldTgt/>
+                  </p:tgtEl>
+                </p:cond>
+              </p:prevCondLst>
+              <p:nextCondLst>
+                <p:cond evt="onNext" delay="0">
+                  <p:tgtEl>
+                    <p:sldTgt/>
+                  </p:tgtEl>
+                </p:cond>
+              </p:nextCondLst>
+            </p:seq>
+          </p:childTnLst>
+        </p:cTn>
+      </p:par>
+    </p:tnLst>
+  </p:timing>
+</p:sld>
+</file>
+
+<file path=ppt/slides/slide11.xml><?xml version="1.0" encoding="utf-8"?>
+<p:sld xmlns:a="http://schemas.openxmlformats.org/drawingml/2006/main" xmlns:r="http://schemas.openxmlformats.org/officeDocument/2006/relationships" xmlns:p="http://schemas.openxmlformats.org/presentationml/2006/main">
+  <p:cSld>
+    <p:spTree>
+      <p:nvGrpSpPr>
+        <p:cNvPr id="1" name="Shape 111"/>
+        <p:cNvGrpSpPr/>
+        <p:nvPr/>
+      </p:nvGrpSpPr>
+      <p:grpSpPr>
+        <a:xfrm>
+          <a:off x="0" y="0"/>
+          <a:ext cx="0" cy="0"/>
+          <a:chOff x="0" y="0"/>
+          <a:chExt cx="0" cy="0"/>
+        </a:xfrm>
+      </p:grpSpPr>
+      <p:sp>
+        <p:nvSpPr>
           <p:cNvPr id="3" name="Rectangle 2">
             <a:extLst>
               <a:ext uri="{FF2B5EF4-FFF2-40B4-BE49-F238E27FC236}">
@@ -14822,7 +15979,7 @@
 </p:sld>
 </file>
 
-<file path=ppt/slides/slide11.xml><?xml version="1.0" encoding="utf-8"?>
+<file path=ppt/slides/slide12.xml><?xml version="1.0" encoding="utf-8"?>
 <p:sld xmlns:a="http://schemas.openxmlformats.org/drawingml/2006/main" xmlns:r="http://schemas.openxmlformats.org/officeDocument/2006/relationships" xmlns:p="http://schemas.openxmlformats.org/presentationml/2006/main">
   <p:cSld>
     <p:spTree>
@@ -15850,7 +17007,7 @@
 </p:sld>
 </file>
 
-<file path=ppt/slides/slide12.xml><?xml version="1.0" encoding="utf-8"?>
+<file path=ppt/slides/slide13.xml><?xml version="1.0" encoding="utf-8"?>
 <p:sld xmlns:a="http://schemas.openxmlformats.org/drawingml/2006/main" xmlns:r="http://schemas.openxmlformats.org/officeDocument/2006/relationships" xmlns:p="http://schemas.openxmlformats.org/presentationml/2006/main">
   <p:cSld>
     <p:spTree>
@@ -16010,7 +17167,7 @@
 </p:sld>
 </file>
 
-<file path=ppt/slides/slide13.xml><?xml version="1.0" encoding="utf-8"?>
+<file path=ppt/slides/slide14.xml><?xml version="1.0" encoding="utf-8"?>
 <p:sld xmlns:a="http://schemas.openxmlformats.org/drawingml/2006/main" xmlns:r="http://schemas.openxmlformats.org/officeDocument/2006/relationships" xmlns:p="http://schemas.openxmlformats.org/presentationml/2006/main">
   <p:cSld>
     <p:spTree>
@@ -17687,7 +18844,7 @@
 </p:sld>
 </file>
 
-<file path=ppt/slides/slide14.xml><?xml version="1.0" encoding="utf-8"?>
+<file path=ppt/slides/slide15.xml><?xml version="1.0" encoding="utf-8"?>
 <p:sld xmlns:a="http://schemas.openxmlformats.org/drawingml/2006/main" xmlns:r="http://schemas.openxmlformats.org/officeDocument/2006/relationships" xmlns:p="http://schemas.openxmlformats.org/presentationml/2006/main">
   <p:cSld>
     <p:spTree>
@@ -17847,7 +19004,7 @@
 </p:sld>
 </file>
 
-<file path=ppt/slides/slide15.xml><?xml version="1.0" encoding="utf-8"?>
+<file path=ppt/slides/slide16.xml><?xml version="1.0" encoding="utf-8"?>
 <p:sld xmlns:a="http://schemas.openxmlformats.org/drawingml/2006/main" xmlns:r="http://schemas.openxmlformats.org/officeDocument/2006/relationships" xmlns:p="http://schemas.openxmlformats.org/presentationml/2006/main">
   <p:cSld>
     <p:spTree>
@@ -18528,7 +19685,7 @@
 </p:sld>
 </file>
 
-<file path=ppt/slides/slide16.xml><?xml version="1.0" encoding="utf-8"?>
+<file path=ppt/slides/slide17.xml><?xml version="1.0" encoding="utf-8"?>
 <p:sld xmlns:a="http://schemas.openxmlformats.org/drawingml/2006/main" xmlns:r="http://schemas.openxmlformats.org/officeDocument/2006/relationships" xmlns:p="http://schemas.openxmlformats.org/presentationml/2006/main">
   <p:cSld>
     <p:spTree>
@@ -18688,7 +19845,2078 @@
 </p:sld>
 </file>
 
-<file path=ppt/slides/slide17.xml><?xml version="1.0" encoding="utf-8"?>
+<file path=ppt/slides/slide18.xml><?xml version="1.0" encoding="utf-8"?>
+<p:sld xmlns:a="http://schemas.openxmlformats.org/drawingml/2006/main" xmlns:r="http://schemas.openxmlformats.org/officeDocument/2006/relationships" xmlns:p="http://schemas.openxmlformats.org/presentationml/2006/main">
+  <p:cSld>
+    <p:spTree>
+      <p:nvGrpSpPr>
+        <p:cNvPr id="1" name="Shape 111"/>
+        <p:cNvGrpSpPr/>
+        <p:nvPr/>
+      </p:nvGrpSpPr>
+      <p:grpSpPr>
+        <a:xfrm>
+          <a:off x="0" y="0"/>
+          <a:ext cx="0" cy="0"/>
+          <a:chOff x="0" y="0"/>
+          <a:chExt cx="0" cy="0"/>
+        </a:xfrm>
+      </p:grpSpPr>
+      <p:sp>
+        <p:nvSpPr>
+          <p:cNvPr id="112" name="Google Shape;112;p3"/>
+          <p:cNvSpPr txBox="1"/>
+          <p:nvPr/>
+        </p:nvSpPr>
+        <p:spPr>
+          <a:xfrm>
+            <a:off x="0" y="6858000"/>
+            <a:ext cx="12192000" cy="386904"/>
+          </a:xfrm>
+          <a:prstGeom prst="rect">
+            <a:avLst/>
+          </a:prstGeom>
+          <a:solidFill>
+            <a:srgbClr val="0078C1"/>
+          </a:solidFill>
+          <a:ln>
+            <a:noFill/>
+          </a:ln>
+        </p:spPr>
+        <p:txBody>
+          <a:bodyPr spcFirstLastPara="1" wrap="square" lIns="91425" tIns="45700" rIns="91425" bIns="45700" anchor="ctr" anchorCtr="0">
+            <a:normAutofit/>
+          </a:bodyPr>
+          <a:lstStyle/>
+          <a:p>
+            <a:pPr marL="0" marR="0" lvl="0" indent="0" algn="l" rtl="0">
+              <a:lnSpc>
+                <a:spcPct val="90000"/>
+              </a:lnSpc>
+              <a:spcBef>
+                <a:spcPts val="0"/>
+              </a:spcBef>
+              <a:spcAft>
+                <a:spcPts val="0"/>
+              </a:spcAft>
+              <a:buClr>
+                <a:schemeClr val="lt1"/>
+              </a:buClr>
+              <a:buSzPts val="1200"/>
+              <a:buFont typeface="Arial"/>
+              <a:buNone/>
+            </a:pPr>
+            <a:r>
+              <a:rPr lang="en-US" sz="1200">
+                <a:solidFill>
+                  <a:schemeClr val="lt1"/>
+                </a:solidFill>
+                <a:latin typeface="Poppins"/>
+                <a:ea typeface="Poppins"/>
+                <a:cs typeface="Poppins"/>
+                <a:sym typeface="Poppins"/>
+              </a:rPr>
+              <a:t>TD – Pengujian perangkat lunak</a:t>
+            </a:r>
+            <a:endParaRPr sz="400">
+              <a:solidFill>
+                <a:schemeClr val="lt1"/>
+              </a:solidFill>
+              <a:latin typeface="Poppins"/>
+              <a:ea typeface="Poppins"/>
+              <a:cs typeface="Poppins"/>
+              <a:sym typeface="Poppins"/>
+            </a:endParaRPr>
+          </a:p>
+        </p:txBody>
+      </p:sp>
+      <p:pic>
+        <p:nvPicPr>
+          <p:cNvPr id="113" name="Google Shape;113;p3"/>
+          <p:cNvPicPr preferRelativeResize="0"/>
+          <p:nvPr/>
+        </p:nvPicPr>
+        <p:blipFill rotWithShape="1">
+          <a:blip r:embed="rId3">
+            <a:alphaModFix/>
+          </a:blip>
+          <a:srcRect/>
+          <a:stretch/>
+        </p:blipFill>
+        <p:spPr>
+          <a:xfrm>
+            <a:off x="2637694" y="-1124101"/>
+            <a:ext cx="894290" cy="688986"/>
+          </a:xfrm>
+          <a:prstGeom prst="rect">
+            <a:avLst/>
+          </a:prstGeom>
+          <a:noFill/>
+          <a:ln>
+            <a:noFill/>
+          </a:ln>
+        </p:spPr>
+      </p:pic>
+      <p:pic>
+        <p:nvPicPr>
+          <p:cNvPr id="114" name="Google Shape;114;p3"/>
+          <p:cNvPicPr preferRelativeResize="0"/>
+          <p:nvPr/>
+        </p:nvPicPr>
+        <p:blipFill rotWithShape="1">
+          <a:blip r:embed="rId4">
+            <a:alphaModFix/>
+          </a:blip>
+          <a:srcRect/>
+          <a:stretch/>
+        </p:blipFill>
+        <p:spPr>
+          <a:xfrm>
+            <a:off x="826608" y="-7173"/>
+            <a:ext cx="1144336" cy="705674"/>
+          </a:xfrm>
+          <a:prstGeom prst="rect">
+            <a:avLst/>
+          </a:prstGeom>
+          <a:noFill/>
+          <a:ln>
+            <a:noFill/>
+          </a:ln>
+        </p:spPr>
+      </p:pic>
+      <p:sp>
+        <p:nvSpPr>
+          <p:cNvPr id="4" name="Google Shape;105;p2">
+            <a:extLst>
+              <a:ext uri="{FF2B5EF4-FFF2-40B4-BE49-F238E27FC236}">
+                <a16:creationId xmlns:a16="http://schemas.microsoft.com/office/drawing/2014/main" id="{543FD751-654D-EFBE-494F-2172AD05B145}"/>
+              </a:ext>
+            </a:extLst>
+          </p:cNvPr>
+          <p:cNvSpPr txBox="1"/>
+          <p:nvPr/>
+        </p:nvSpPr>
+        <p:spPr>
+          <a:xfrm>
+            <a:off x="2324667" y="596465"/>
+            <a:ext cx="9144000" cy="573741"/>
+          </a:xfrm>
+          <a:prstGeom prst="rect">
+            <a:avLst/>
+          </a:prstGeom>
+          <a:noFill/>
+          <a:ln>
+            <a:noFill/>
+          </a:ln>
+        </p:spPr>
+        <p:txBody>
+          <a:bodyPr spcFirstLastPara="1" wrap="square" lIns="91425" tIns="45700" rIns="91425" bIns="45700" anchor="b" anchorCtr="0">
+            <a:normAutofit/>
+          </a:bodyPr>
+          <a:lstStyle/>
+          <a:p>
+            <a:pPr marL="0" marR="0" lvl="0" indent="0" rtl="0">
+              <a:lnSpc>
+                <a:spcPct val="90000"/>
+              </a:lnSpc>
+              <a:spcBef>
+                <a:spcPts val="0"/>
+              </a:spcBef>
+              <a:spcAft>
+                <a:spcPts val="0"/>
+              </a:spcAft>
+              <a:buClr>
+                <a:srgbClr val="000000"/>
+              </a:buClr>
+              <a:buSzPts val="1800"/>
+              <a:buFont typeface="TimesNewRoman"/>
+              <a:buNone/>
+            </a:pPr>
+            <a:r>
+              <a:rPr lang="en-US" sz="3200" b="1" dirty="0" err="1">
+                <a:solidFill>
+                  <a:srgbClr val="0078C1"/>
+                </a:solidFill>
+                <a:latin typeface="Roboto" panose="02000000000000000000" pitchFamily="2" charset="0"/>
+                <a:ea typeface="Roboto" panose="02000000000000000000" pitchFamily="2" charset="0"/>
+                <a:cs typeface="Roboto" panose="02000000000000000000" pitchFamily="2" charset="0"/>
+                <a:sym typeface="TimesNewRoman"/>
+              </a:rPr>
+              <a:t>Evaluasi</a:t>
+            </a:r>
+            <a:endParaRPr sz="3200" b="1" u="none" dirty="0">
+              <a:solidFill>
+                <a:srgbClr val="0078C1"/>
+              </a:solidFill>
+              <a:latin typeface="Roboto" panose="02000000000000000000" pitchFamily="2" charset="0"/>
+              <a:ea typeface="Roboto" panose="02000000000000000000" pitchFamily="2" charset="0"/>
+              <a:cs typeface="Roboto" panose="02000000000000000000" pitchFamily="2" charset="0"/>
+              <a:sym typeface="Poppins"/>
+            </a:endParaRPr>
+          </a:p>
+        </p:txBody>
+      </p:sp>
+      <p:graphicFrame>
+        <p:nvGraphicFramePr>
+          <p:cNvPr id="3" name="Table 2">
+            <a:extLst>
+              <a:ext uri="{FF2B5EF4-FFF2-40B4-BE49-F238E27FC236}">
+                <a16:creationId xmlns:a16="http://schemas.microsoft.com/office/drawing/2014/main" id="{19131CCC-F58D-7F53-502B-65243529E402}"/>
+              </a:ext>
+            </a:extLst>
+          </p:cNvPr>
+          <p:cNvGraphicFramePr>
+            <a:graphicFrameLocks noGrp="1"/>
+          </p:cNvGraphicFramePr>
+          <p:nvPr>
+            <p:extLst>
+              <p:ext uri="{D42A27DB-BD31-4B8C-83A1-F6EECF244321}">
+                <p14:modId xmlns:p14="http://schemas.microsoft.com/office/powerpoint/2010/main" val="3844068353"/>
+              </p:ext>
+            </p:extLst>
+          </p:nvPr>
+        </p:nvGraphicFramePr>
+        <p:xfrm>
+          <a:off x="826608" y="1616075"/>
+          <a:ext cx="10555764" cy="3041647"/>
+        </p:xfrm>
+        <a:graphic>
+          <a:graphicData uri="http://schemas.openxmlformats.org/drawingml/2006/table">
+            <a:tbl>
+              <a:tblPr>
+                <a:tableStyleId>{2392DD98-2C88-497C-8B51-1ADD59703361}</a:tableStyleId>
+              </a:tblPr>
+              <a:tblGrid>
+                <a:gridCol w="1268277">
+                  <a:extLst>
+                    <a:ext uri="{9D8B030D-6E8A-4147-A177-3AD203B41FA5}">
+                      <a16:colId xmlns:a16="http://schemas.microsoft.com/office/drawing/2014/main" val="1288768467"/>
+                    </a:ext>
+                  </a:extLst>
+                </a:gridCol>
+                <a:gridCol w="1070110">
+                  <a:extLst>
+                    <a:ext uri="{9D8B030D-6E8A-4147-A177-3AD203B41FA5}">
+                      <a16:colId xmlns:a16="http://schemas.microsoft.com/office/drawing/2014/main" val="220474039"/>
+                    </a:ext>
+                  </a:extLst>
+                </a:gridCol>
+                <a:gridCol w="924785">
+                  <a:extLst>
+                    <a:ext uri="{9D8B030D-6E8A-4147-A177-3AD203B41FA5}">
+                      <a16:colId xmlns:a16="http://schemas.microsoft.com/office/drawing/2014/main" val="2132070863"/>
+                    </a:ext>
+                  </a:extLst>
+                </a:gridCol>
+                <a:gridCol w="1109742">
+                  <a:extLst>
+                    <a:ext uri="{9D8B030D-6E8A-4147-A177-3AD203B41FA5}">
+                      <a16:colId xmlns:a16="http://schemas.microsoft.com/office/drawing/2014/main" val="4272602416"/>
+                    </a:ext>
+                  </a:extLst>
+                </a:gridCol>
+                <a:gridCol w="1109742">
+                  <a:extLst>
+                    <a:ext uri="{9D8B030D-6E8A-4147-A177-3AD203B41FA5}">
+                      <a16:colId xmlns:a16="http://schemas.microsoft.com/office/drawing/2014/main" val="264111144"/>
+                    </a:ext>
+                  </a:extLst>
+                </a:gridCol>
+                <a:gridCol w="845518">
+                  <a:extLst>
+                    <a:ext uri="{9D8B030D-6E8A-4147-A177-3AD203B41FA5}">
+                      <a16:colId xmlns:a16="http://schemas.microsoft.com/office/drawing/2014/main" val="579816034"/>
+                    </a:ext>
+                  </a:extLst>
+                </a:gridCol>
+                <a:gridCol w="845518">
+                  <a:extLst>
+                    <a:ext uri="{9D8B030D-6E8A-4147-A177-3AD203B41FA5}">
+                      <a16:colId xmlns:a16="http://schemas.microsoft.com/office/drawing/2014/main" val="2674556775"/>
+                    </a:ext>
+                  </a:extLst>
+                </a:gridCol>
+                <a:gridCol w="845518">
+                  <a:extLst>
+                    <a:ext uri="{9D8B030D-6E8A-4147-A177-3AD203B41FA5}">
+                      <a16:colId xmlns:a16="http://schemas.microsoft.com/office/drawing/2014/main" val="1242820052"/>
+                    </a:ext>
+                  </a:extLst>
+                </a:gridCol>
+                <a:gridCol w="845518">
+                  <a:extLst>
+                    <a:ext uri="{9D8B030D-6E8A-4147-A177-3AD203B41FA5}">
+                      <a16:colId xmlns:a16="http://schemas.microsoft.com/office/drawing/2014/main" val="406451933"/>
+                    </a:ext>
+                  </a:extLst>
+                </a:gridCol>
+                <a:gridCol w="845518">
+                  <a:extLst>
+                    <a:ext uri="{9D8B030D-6E8A-4147-A177-3AD203B41FA5}">
+                      <a16:colId xmlns:a16="http://schemas.microsoft.com/office/drawing/2014/main" val="856683635"/>
+                    </a:ext>
+                  </a:extLst>
+                </a:gridCol>
+                <a:gridCol w="845518">
+                  <a:extLst>
+                    <a:ext uri="{9D8B030D-6E8A-4147-A177-3AD203B41FA5}">
+                      <a16:colId xmlns:a16="http://schemas.microsoft.com/office/drawing/2014/main" val="3142527898"/>
+                    </a:ext>
+                  </a:extLst>
+                </a:gridCol>
+              </a:tblGrid>
+              <a:tr h="434521">
+                <a:tc>
+                  <a:txBody>
+                    <a:bodyPr/>
+                    <a:lstStyle/>
+                    <a:p>
+                      <a:pPr algn="l" fontAlgn="b"/>
+                      <a:r>
+                        <a:rPr lang="en-US" sz="1600" b="1" u="none" strike="noStrike" dirty="0">
+                          <a:effectLst/>
+                        </a:rPr>
+                        <a:t> </a:t>
+                      </a:r>
+                      <a:endParaRPr lang="en-US" sz="1600" b="1" i="0" u="none" strike="noStrike" dirty="0">
+                        <a:solidFill>
+                          <a:srgbClr val="000000"/>
+                        </a:solidFill>
+                        <a:effectLst/>
+                        <a:latin typeface="Calibri" panose="020F0502020204030204" pitchFamily="34" charset="0"/>
+                      </a:endParaRPr>
+                    </a:p>
+                  </a:txBody>
+                  <a:tcPr marL="9525" marR="9525" marT="9525" marB="0" anchor="b"/>
+                </a:tc>
+                <a:tc gridSpan="5">
+                  <a:txBody>
+                    <a:bodyPr/>
+                    <a:lstStyle/>
+                    <a:p>
+                      <a:pPr algn="ctr" fontAlgn="b"/>
+                      <a:r>
+                        <a:rPr lang="en-US" sz="1600" b="1" u="none" strike="noStrike" dirty="0" err="1">
+                          <a:effectLst/>
+                        </a:rPr>
+                        <a:t>Metode</a:t>
+                      </a:r>
+                      <a:r>
+                        <a:rPr lang="en-US" sz="1600" b="1" u="none" strike="noStrike" dirty="0">
+                          <a:effectLst/>
+                        </a:rPr>
+                        <a:t> Lama</a:t>
+                      </a:r>
+                      <a:endParaRPr lang="en-US" sz="1600" b="1" i="0" u="none" strike="noStrike" dirty="0">
+                        <a:solidFill>
+                          <a:srgbClr val="000000"/>
+                        </a:solidFill>
+                        <a:effectLst/>
+                        <a:latin typeface="Calibri" panose="020F0502020204030204" pitchFamily="34" charset="0"/>
+                      </a:endParaRPr>
+                    </a:p>
+                  </a:txBody>
+                  <a:tcPr marL="9525" marR="9525" marT="9525" marB="0" anchor="b"/>
+                </a:tc>
+                <a:tc hMerge="1">
+                  <a:txBody>
+                    <a:bodyPr/>
+                    <a:lstStyle/>
+                    <a:p>
+                      <a:endParaRPr lang="en-US"/>
+                    </a:p>
+                  </a:txBody>
+                  <a:tcPr/>
+                </a:tc>
+                <a:tc hMerge="1">
+                  <a:txBody>
+                    <a:bodyPr/>
+                    <a:lstStyle/>
+                    <a:p>
+                      <a:endParaRPr lang="en-US"/>
+                    </a:p>
+                  </a:txBody>
+                  <a:tcPr/>
+                </a:tc>
+                <a:tc hMerge="1">
+                  <a:txBody>
+                    <a:bodyPr/>
+                    <a:lstStyle/>
+                    <a:p>
+                      <a:endParaRPr lang="en-US"/>
+                    </a:p>
+                  </a:txBody>
+                  <a:tcPr/>
+                </a:tc>
+                <a:tc hMerge="1">
+                  <a:txBody>
+                    <a:bodyPr/>
+                    <a:lstStyle/>
+                    <a:p>
+                      <a:endParaRPr lang="en-US"/>
+                    </a:p>
+                  </a:txBody>
+                  <a:tcPr/>
+                </a:tc>
+                <a:tc gridSpan="5">
+                  <a:txBody>
+                    <a:bodyPr/>
+                    <a:lstStyle/>
+                    <a:p>
+                      <a:pPr algn="ctr" fontAlgn="b"/>
+                      <a:r>
+                        <a:rPr lang="en-US" sz="1600" b="1" u="none" strike="noStrike">
+                          <a:effectLst/>
+                        </a:rPr>
+                        <a:t>Metode Baru</a:t>
+                      </a:r>
+                      <a:endParaRPr lang="en-US" sz="1600" b="1" i="0" u="none" strike="noStrike">
+                        <a:solidFill>
+                          <a:srgbClr val="000000"/>
+                        </a:solidFill>
+                        <a:effectLst/>
+                        <a:latin typeface="Calibri" panose="020F0502020204030204" pitchFamily="34" charset="0"/>
+                      </a:endParaRPr>
+                    </a:p>
+                  </a:txBody>
+                  <a:tcPr marL="9525" marR="9525" marT="9525" marB="0" anchor="b"/>
+                </a:tc>
+                <a:tc hMerge="1">
+                  <a:txBody>
+                    <a:bodyPr/>
+                    <a:lstStyle/>
+                    <a:p>
+                      <a:endParaRPr lang="en-US"/>
+                    </a:p>
+                  </a:txBody>
+                  <a:tcPr/>
+                </a:tc>
+                <a:tc hMerge="1">
+                  <a:txBody>
+                    <a:bodyPr/>
+                    <a:lstStyle/>
+                    <a:p>
+                      <a:endParaRPr lang="en-US"/>
+                    </a:p>
+                  </a:txBody>
+                  <a:tcPr/>
+                </a:tc>
+                <a:tc hMerge="1">
+                  <a:txBody>
+                    <a:bodyPr/>
+                    <a:lstStyle/>
+                    <a:p>
+                      <a:endParaRPr lang="en-US"/>
+                    </a:p>
+                  </a:txBody>
+                  <a:tcPr/>
+                </a:tc>
+                <a:tc hMerge="1">
+                  <a:txBody>
+                    <a:bodyPr/>
+                    <a:lstStyle/>
+                    <a:p>
+                      <a:endParaRPr lang="en-US"/>
+                    </a:p>
+                  </a:txBody>
+                  <a:tcPr/>
+                </a:tc>
+                <a:extLst>
+                  <a:ext uri="{0D108BD9-81ED-4DB2-BD59-A6C34878D82A}">
+                    <a16:rowId xmlns:a16="http://schemas.microsoft.com/office/drawing/2014/main" val="2362054890"/>
+                  </a:ext>
+                </a:extLst>
+              </a:tr>
+              <a:tr h="434521">
+                <a:tc>
+                  <a:txBody>
+                    <a:bodyPr/>
+                    <a:lstStyle/>
+                    <a:p>
+                      <a:pPr algn="ctr" fontAlgn="b"/>
+                      <a:r>
+                        <a:rPr lang="en-US" sz="1600" b="1" u="none" strike="noStrike">
+                          <a:effectLst/>
+                        </a:rPr>
+                        <a:t>P1</a:t>
+                      </a:r>
+                      <a:endParaRPr lang="en-US" sz="1600" b="1" i="0" u="none" strike="noStrike">
+                        <a:solidFill>
+                          <a:srgbClr val="000000"/>
+                        </a:solidFill>
+                        <a:effectLst/>
+                        <a:latin typeface="Calibri" panose="020F0502020204030204" pitchFamily="34" charset="0"/>
+                      </a:endParaRPr>
+                    </a:p>
+                  </a:txBody>
+                  <a:tcPr marL="9525" marR="9525" marT="9525" marB="0" anchor="b"/>
+                </a:tc>
+                <a:tc>
+                  <a:txBody>
+                    <a:bodyPr/>
+                    <a:lstStyle/>
+                    <a:p>
+                      <a:pPr algn="r" fontAlgn="b"/>
+                      <a:r>
+                        <a:rPr lang="en-US" sz="1600" b="0" u="none" strike="noStrike" dirty="0">
+                          <a:effectLst/>
+                        </a:rPr>
+                        <a:t>4,5</a:t>
+                      </a:r>
+                      <a:endParaRPr lang="en-US" sz="1600" b="0" i="0" u="none" strike="noStrike" dirty="0">
+                        <a:solidFill>
+                          <a:srgbClr val="000000"/>
+                        </a:solidFill>
+                        <a:effectLst/>
+                        <a:latin typeface="Calibri" panose="020F0502020204030204" pitchFamily="34" charset="0"/>
+                      </a:endParaRPr>
+                    </a:p>
+                  </a:txBody>
+                  <a:tcPr marL="9525" marR="9525" marT="9525" marB="0" anchor="b"/>
+                </a:tc>
+                <a:tc>
+                  <a:txBody>
+                    <a:bodyPr/>
+                    <a:lstStyle/>
+                    <a:p>
+                      <a:pPr algn="r" fontAlgn="b"/>
+                      <a:r>
+                        <a:rPr lang="en-US" sz="1600" b="0" u="none" strike="noStrike">
+                          <a:effectLst/>
+                        </a:rPr>
+                        <a:t>4</a:t>
+                      </a:r>
+                      <a:endParaRPr lang="en-US" sz="1600" b="0" i="0" u="none" strike="noStrike">
+                        <a:solidFill>
+                          <a:srgbClr val="000000"/>
+                        </a:solidFill>
+                        <a:effectLst/>
+                        <a:latin typeface="Calibri" panose="020F0502020204030204" pitchFamily="34" charset="0"/>
+                      </a:endParaRPr>
+                    </a:p>
+                  </a:txBody>
+                  <a:tcPr marL="9525" marR="9525" marT="9525" marB="0" anchor="b"/>
+                </a:tc>
+                <a:tc>
+                  <a:txBody>
+                    <a:bodyPr/>
+                    <a:lstStyle/>
+                    <a:p>
+                      <a:pPr algn="r" fontAlgn="b"/>
+                      <a:r>
+                        <a:rPr lang="en-US" sz="1600" b="0" u="none" strike="noStrike">
+                          <a:effectLst/>
+                        </a:rPr>
+                        <a:t>4</a:t>
+                      </a:r>
+                      <a:endParaRPr lang="en-US" sz="1600" b="0" i="0" u="none" strike="noStrike">
+                        <a:solidFill>
+                          <a:srgbClr val="000000"/>
+                        </a:solidFill>
+                        <a:effectLst/>
+                        <a:latin typeface="Calibri" panose="020F0502020204030204" pitchFamily="34" charset="0"/>
+                      </a:endParaRPr>
+                    </a:p>
+                  </a:txBody>
+                  <a:tcPr marL="9525" marR="9525" marT="9525" marB="0" anchor="b"/>
+                </a:tc>
+                <a:tc>
+                  <a:txBody>
+                    <a:bodyPr/>
+                    <a:lstStyle/>
+                    <a:p>
+                      <a:pPr algn="r" fontAlgn="b"/>
+                      <a:r>
+                        <a:rPr lang="en-US" sz="1600" b="0" u="none" strike="noStrike">
+                          <a:effectLst/>
+                        </a:rPr>
+                        <a:t>4</a:t>
+                      </a:r>
+                      <a:endParaRPr lang="en-US" sz="1600" b="0" i="0" u="none" strike="noStrike">
+                        <a:solidFill>
+                          <a:srgbClr val="000000"/>
+                        </a:solidFill>
+                        <a:effectLst/>
+                        <a:latin typeface="Calibri" panose="020F0502020204030204" pitchFamily="34" charset="0"/>
+                      </a:endParaRPr>
+                    </a:p>
+                  </a:txBody>
+                  <a:tcPr marL="9525" marR="9525" marT="9525" marB="0" anchor="b"/>
+                </a:tc>
+                <a:tc>
+                  <a:txBody>
+                    <a:bodyPr/>
+                    <a:lstStyle/>
+                    <a:p>
+                      <a:pPr algn="r" fontAlgn="b"/>
+                      <a:r>
+                        <a:rPr lang="en-US" sz="1600" b="0" u="none" strike="noStrike">
+                          <a:effectLst/>
+                        </a:rPr>
+                        <a:t>4</a:t>
+                      </a:r>
+                      <a:endParaRPr lang="en-US" sz="1600" b="0" i="0" u="none" strike="noStrike">
+                        <a:solidFill>
+                          <a:srgbClr val="000000"/>
+                        </a:solidFill>
+                        <a:effectLst/>
+                        <a:latin typeface="Calibri" panose="020F0502020204030204" pitchFamily="34" charset="0"/>
+                      </a:endParaRPr>
+                    </a:p>
+                  </a:txBody>
+                  <a:tcPr marL="9525" marR="9525" marT="9525" marB="0" anchor="b"/>
+                </a:tc>
+                <a:tc>
+                  <a:txBody>
+                    <a:bodyPr/>
+                    <a:lstStyle/>
+                    <a:p>
+                      <a:pPr algn="r" fontAlgn="b"/>
+                      <a:r>
+                        <a:rPr lang="en-US" sz="1600" b="0" u="none" strike="noStrike">
+                          <a:effectLst/>
+                        </a:rPr>
+                        <a:t>5</a:t>
+                      </a:r>
+                      <a:endParaRPr lang="en-US" sz="1600" b="0" i="0" u="none" strike="noStrike">
+                        <a:solidFill>
+                          <a:srgbClr val="000000"/>
+                        </a:solidFill>
+                        <a:effectLst/>
+                        <a:latin typeface="Calibri" panose="020F0502020204030204" pitchFamily="34" charset="0"/>
+                      </a:endParaRPr>
+                    </a:p>
+                  </a:txBody>
+                  <a:tcPr marL="9525" marR="9525" marT="9525" marB="0" anchor="b"/>
+                </a:tc>
+                <a:tc>
+                  <a:txBody>
+                    <a:bodyPr/>
+                    <a:lstStyle/>
+                    <a:p>
+                      <a:pPr algn="r" fontAlgn="b"/>
+                      <a:r>
+                        <a:rPr lang="en-US" sz="1600" b="0" u="none" strike="noStrike">
+                          <a:effectLst/>
+                        </a:rPr>
+                        <a:t>2</a:t>
+                      </a:r>
+                      <a:endParaRPr lang="en-US" sz="1600" b="0" i="0" u="none" strike="noStrike">
+                        <a:solidFill>
+                          <a:srgbClr val="000000"/>
+                        </a:solidFill>
+                        <a:effectLst/>
+                        <a:latin typeface="Calibri" panose="020F0502020204030204" pitchFamily="34" charset="0"/>
+                      </a:endParaRPr>
+                    </a:p>
+                  </a:txBody>
+                  <a:tcPr marL="9525" marR="9525" marT="9525" marB="0" anchor="b"/>
+                </a:tc>
+                <a:tc>
+                  <a:txBody>
+                    <a:bodyPr/>
+                    <a:lstStyle/>
+                    <a:p>
+                      <a:pPr algn="r" fontAlgn="b"/>
+                      <a:r>
+                        <a:rPr lang="en-US" sz="1600" b="0" u="none" strike="noStrike">
+                          <a:effectLst/>
+                        </a:rPr>
+                        <a:t>3</a:t>
+                      </a:r>
+                      <a:endParaRPr lang="en-US" sz="1600" b="0" i="0" u="none" strike="noStrike">
+                        <a:solidFill>
+                          <a:srgbClr val="000000"/>
+                        </a:solidFill>
+                        <a:effectLst/>
+                        <a:latin typeface="Calibri" panose="020F0502020204030204" pitchFamily="34" charset="0"/>
+                      </a:endParaRPr>
+                    </a:p>
+                  </a:txBody>
+                  <a:tcPr marL="9525" marR="9525" marT="9525" marB="0" anchor="b"/>
+                </a:tc>
+                <a:tc>
+                  <a:txBody>
+                    <a:bodyPr/>
+                    <a:lstStyle/>
+                    <a:p>
+                      <a:pPr algn="r" fontAlgn="b"/>
+                      <a:r>
+                        <a:rPr lang="en-US" sz="1600" b="0" u="none" strike="noStrike">
+                          <a:effectLst/>
+                        </a:rPr>
+                        <a:t>4</a:t>
+                      </a:r>
+                      <a:endParaRPr lang="en-US" sz="1600" b="0" i="0" u="none" strike="noStrike">
+                        <a:solidFill>
+                          <a:srgbClr val="000000"/>
+                        </a:solidFill>
+                        <a:effectLst/>
+                        <a:latin typeface="Calibri" panose="020F0502020204030204" pitchFamily="34" charset="0"/>
+                      </a:endParaRPr>
+                    </a:p>
+                  </a:txBody>
+                  <a:tcPr marL="9525" marR="9525" marT="9525" marB="0" anchor="b"/>
+                </a:tc>
+                <a:tc>
+                  <a:txBody>
+                    <a:bodyPr/>
+                    <a:lstStyle/>
+                    <a:p>
+                      <a:pPr algn="r" fontAlgn="b"/>
+                      <a:r>
+                        <a:rPr lang="en-US" sz="1600" b="0" u="none" strike="noStrike">
+                          <a:effectLst/>
+                        </a:rPr>
+                        <a:t>4</a:t>
+                      </a:r>
+                      <a:endParaRPr lang="en-US" sz="1600" b="0" i="0" u="none" strike="noStrike">
+                        <a:solidFill>
+                          <a:srgbClr val="000000"/>
+                        </a:solidFill>
+                        <a:effectLst/>
+                        <a:latin typeface="Calibri" panose="020F0502020204030204" pitchFamily="34" charset="0"/>
+                      </a:endParaRPr>
+                    </a:p>
+                  </a:txBody>
+                  <a:tcPr marL="9525" marR="9525" marT="9525" marB="0" anchor="b"/>
+                </a:tc>
+                <a:extLst>
+                  <a:ext uri="{0D108BD9-81ED-4DB2-BD59-A6C34878D82A}">
+                    <a16:rowId xmlns:a16="http://schemas.microsoft.com/office/drawing/2014/main" val="4140570244"/>
+                  </a:ext>
+                </a:extLst>
+              </a:tr>
+              <a:tr h="434521">
+                <a:tc>
+                  <a:txBody>
+                    <a:bodyPr/>
+                    <a:lstStyle/>
+                    <a:p>
+                      <a:pPr algn="ctr" fontAlgn="b"/>
+                      <a:r>
+                        <a:rPr lang="en-US" sz="1600" b="1" u="none" strike="noStrike">
+                          <a:effectLst/>
+                        </a:rPr>
+                        <a:t>P2</a:t>
+                      </a:r>
+                      <a:endParaRPr lang="en-US" sz="1600" b="1" i="0" u="none" strike="noStrike">
+                        <a:solidFill>
+                          <a:srgbClr val="000000"/>
+                        </a:solidFill>
+                        <a:effectLst/>
+                        <a:latin typeface="Calibri" panose="020F0502020204030204" pitchFamily="34" charset="0"/>
+                      </a:endParaRPr>
+                    </a:p>
+                  </a:txBody>
+                  <a:tcPr marL="9525" marR="9525" marT="9525" marB="0" anchor="b"/>
+                </a:tc>
+                <a:tc>
+                  <a:txBody>
+                    <a:bodyPr/>
+                    <a:lstStyle/>
+                    <a:p>
+                      <a:pPr algn="r" fontAlgn="b"/>
+                      <a:r>
+                        <a:rPr lang="en-US" sz="1600" b="0" u="none" strike="noStrike">
+                          <a:effectLst/>
+                        </a:rPr>
+                        <a:t>4</a:t>
+                      </a:r>
+                      <a:endParaRPr lang="en-US" sz="1600" b="0" i="0" u="none" strike="noStrike">
+                        <a:solidFill>
+                          <a:srgbClr val="000000"/>
+                        </a:solidFill>
+                        <a:effectLst/>
+                        <a:latin typeface="Calibri" panose="020F0502020204030204" pitchFamily="34" charset="0"/>
+                      </a:endParaRPr>
+                    </a:p>
+                  </a:txBody>
+                  <a:tcPr marL="9525" marR="9525" marT="9525" marB="0" anchor="b"/>
+                </a:tc>
+                <a:tc>
+                  <a:txBody>
+                    <a:bodyPr/>
+                    <a:lstStyle/>
+                    <a:p>
+                      <a:pPr algn="r" fontAlgn="b"/>
+                      <a:r>
+                        <a:rPr lang="en-US" sz="1600" b="0" u="none" strike="noStrike" dirty="0">
+                          <a:effectLst/>
+                        </a:rPr>
+                        <a:t>7</a:t>
+                      </a:r>
+                      <a:endParaRPr lang="en-US" sz="1600" b="0" i="0" u="none" strike="noStrike" dirty="0">
+                        <a:solidFill>
+                          <a:srgbClr val="000000"/>
+                        </a:solidFill>
+                        <a:effectLst/>
+                        <a:latin typeface="Calibri" panose="020F0502020204030204" pitchFamily="34" charset="0"/>
+                      </a:endParaRPr>
+                    </a:p>
+                  </a:txBody>
+                  <a:tcPr marL="9525" marR="9525" marT="9525" marB="0" anchor="b"/>
+                </a:tc>
+                <a:tc>
+                  <a:txBody>
+                    <a:bodyPr/>
+                    <a:lstStyle/>
+                    <a:p>
+                      <a:pPr algn="r" fontAlgn="b"/>
+                      <a:r>
+                        <a:rPr lang="en-US" sz="1600" b="0" u="none" strike="noStrike">
+                          <a:effectLst/>
+                        </a:rPr>
+                        <a:t>3,5</a:t>
+                      </a:r>
+                      <a:endParaRPr lang="en-US" sz="1600" b="0" i="0" u="none" strike="noStrike">
+                        <a:solidFill>
+                          <a:srgbClr val="000000"/>
+                        </a:solidFill>
+                        <a:effectLst/>
+                        <a:latin typeface="Calibri" panose="020F0502020204030204" pitchFamily="34" charset="0"/>
+                      </a:endParaRPr>
+                    </a:p>
+                  </a:txBody>
+                  <a:tcPr marL="9525" marR="9525" marT="9525" marB="0" anchor="b"/>
+                </a:tc>
+                <a:tc>
+                  <a:txBody>
+                    <a:bodyPr/>
+                    <a:lstStyle/>
+                    <a:p>
+                      <a:pPr algn="r" fontAlgn="b"/>
+                      <a:r>
+                        <a:rPr lang="en-US" sz="1600" b="0" u="none" strike="noStrike">
+                          <a:effectLst/>
+                        </a:rPr>
+                        <a:t>4</a:t>
+                      </a:r>
+                      <a:endParaRPr lang="en-US" sz="1600" b="0" i="0" u="none" strike="noStrike">
+                        <a:solidFill>
+                          <a:srgbClr val="000000"/>
+                        </a:solidFill>
+                        <a:effectLst/>
+                        <a:latin typeface="Calibri" panose="020F0502020204030204" pitchFamily="34" charset="0"/>
+                      </a:endParaRPr>
+                    </a:p>
+                  </a:txBody>
+                  <a:tcPr marL="9525" marR="9525" marT="9525" marB="0" anchor="b"/>
+                </a:tc>
+                <a:tc>
+                  <a:txBody>
+                    <a:bodyPr/>
+                    <a:lstStyle/>
+                    <a:p>
+                      <a:pPr algn="r" fontAlgn="b"/>
+                      <a:r>
+                        <a:rPr lang="en-US" sz="1600" b="0" u="none" strike="noStrike">
+                          <a:effectLst/>
+                        </a:rPr>
+                        <a:t>4</a:t>
+                      </a:r>
+                      <a:endParaRPr lang="en-US" sz="1600" b="0" i="0" u="none" strike="noStrike">
+                        <a:solidFill>
+                          <a:srgbClr val="000000"/>
+                        </a:solidFill>
+                        <a:effectLst/>
+                        <a:latin typeface="Calibri" panose="020F0502020204030204" pitchFamily="34" charset="0"/>
+                      </a:endParaRPr>
+                    </a:p>
+                  </a:txBody>
+                  <a:tcPr marL="9525" marR="9525" marT="9525" marB="0" anchor="b"/>
+                </a:tc>
+                <a:tc>
+                  <a:txBody>
+                    <a:bodyPr/>
+                    <a:lstStyle/>
+                    <a:p>
+                      <a:pPr algn="r" fontAlgn="b"/>
+                      <a:r>
+                        <a:rPr lang="en-US" sz="1600" b="0" u="none" strike="noStrike">
+                          <a:effectLst/>
+                        </a:rPr>
+                        <a:t>6,75</a:t>
+                      </a:r>
+                      <a:endParaRPr lang="en-US" sz="1600" b="0" i="0" u="none" strike="noStrike">
+                        <a:solidFill>
+                          <a:srgbClr val="000000"/>
+                        </a:solidFill>
+                        <a:effectLst/>
+                        <a:latin typeface="Calibri" panose="020F0502020204030204" pitchFamily="34" charset="0"/>
+                      </a:endParaRPr>
+                    </a:p>
+                  </a:txBody>
+                  <a:tcPr marL="9525" marR="9525" marT="9525" marB="0" anchor="b"/>
+                </a:tc>
+                <a:tc>
+                  <a:txBody>
+                    <a:bodyPr/>
+                    <a:lstStyle/>
+                    <a:p>
+                      <a:pPr algn="r" fontAlgn="b"/>
+                      <a:r>
+                        <a:rPr lang="en-US" sz="1600" b="0" u="none" strike="noStrike">
+                          <a:effectLst/>
+                        </a:rPr>
+                        <a:t>7</a:t>
+                      </a:r>
+                      <a:endParaRPr lang="en-US" sz="1600" b="0" i="0" u="none" strike="noStrike">
+                        <a:solidFill>
+                          <a:srgbClr val="000000"/>
+                        </a:solidFill>
+                        <a:effectLst/>
+                        <a:latin typeface="Calibri" panose="020F0502020204030204" pitchFamily="34" charset="0"/>
+                      </a:endParaRPr>
+                    </a:p>
+                  </a:txBody>
+                  <a:tcPr marL="9525" marR="9525" marT="9525" marB="0" anchor="b"/>
+                </a:tc>
+                <a:tc>
+                  <a:txBody>
+                    <a:bodyPr/>
+                    <a:lstStyle/>
+                    <a:p>
+                      <a:pPr algn="r" fontAlgn="b"/>
+                      <a:r>
+                        <a:rPr lang="en-US" sz="1600" b="0" u="none" strike="noStrike">
+                          <a:effectLst/>
+                        </a:rPr>
+                        <a:t>4</a:t>
+                      </a:r>
+                      <a:endParaRPr lang="en-US" sz="1600" b="0" i="0" u="none" strike="noStrike">
+                        <a:solidFill>
+                          <a:srgbClr val="000000"/>
+                        </a:solidFill>
+                        <a:effectLst/>
+                        <a:latin typeface="Calibri" panose="020F0502020204030204" pitchFamily="34" charset="0"/>
+                      </a:endParaRPr>
+                    </a:p>
+                  </a:txBody>
+                  <a:tcPr marL="9525" marR="9525" marT="9525" marB="0" anchor="b"/>
+                </a:tc>
+                <a:tc>
+                  <a:txBody>
+                    <a:bodyPr/>
+                    <a:lstStyle/>
+                    <a:p>
+                      <a:pPr algn="r" fontAlgn="b"/>
+                      <a:r>
+                        <a:rPr lang="en-US" sz="1600" b="0" u="none" strike="noStrike">
+                          <a:effectLst/>
+                        </a:rPr>
+                        <a:t>7</a:t>
+                      </a:r>
+                      <a:endParaRPr lang="en-US" sz="1600" b="0" i="0" u="none" strike="noStrike">
+                        <a:solidFill>
+                          <a:srgbClr val="000000"/>
+                        </a:solidFill>
+                        <a:effectLst/>
+                        <a:latin typeface="Calibri" panose="020F0502020204030204" pitchFamily="34" charset="0"/>
+                      </a:endParaRPr>
+                    </a:p>
+                  </a:txBody>
+                  <a:tcPr marL="9525" marR="9525" marT="9525" marB="0" anchor="b"/>
+                </a:tc>
+                <a:tc>
+                  <a:txBody>
+                    <a:bodyPr/>
+                    <a:lstStyle/>
+                    <a:p>
+                      <a:pPr algn="r" fontAlgn="b"/>
+                      <a:r>
+                        <a:rPr lang="en-US" sz="1600" b="0" u="none" strike="noStrike">
+                          <a:effectLst/>
+                        </a:rPr>
+                        <a:t>7</a:t>
+                      </a:r>
+                      <a:endParaRPr lang="en-US" sz="1600" b="0" i="0" u="none" strike="noStrike">
+                        <a:solidFill>
+                          <a:srgbClr val="000000"/>
+                        </a:solidFill>
+                        <a:effectLst/>
+                        <a:latin typeface="Calibri" panose="020F0502020204030204" pitchFamily="34" charset="0"/>
+                      </a:endParaRPr>
+                    </a:p>
+                  </a:txBody>
+                  <a:tcPr marL="9525" marR="9525" marT="9525" marB="0" anchor="b"/>
+                </a:tc>
+                <a:extLst>
+                  <a:ext uri="{0D108BD9-81ED-4DB2-BD59-A6C34878D82A}">
+                    <a16:rowId xmlns:a16="http://schemas.microsoft.com/office/drawing/2014/main" val="3740739376"/>
+                  </a:ext>
+                </a:extLst>
+              </a:tr>
+              <a:tr h="434521">
+                <a:tc>
+                  <a:txBody>
+                    <a:bodyPr/>
+                    <a:lstStyle/>
+                    <a:p>
+                      <a:pPr algn="ctr" fontAlgn="b"/>
+                      <a:r>
+                        <a:rPr lang="en-US" sz="1600" b="1" u="none" strike="noStrike">
+                          <a:effectLst/>
+                        </a:rPr>
+                        <a:t>P3</a:t>
+                      </a:r>
+                      <a:endParaRPr lang="en-US" sz="1600" b="1" i="0" u="none" strike="noStrike">
+                        <a:solidFill>
+                          <a:srgbClr val="000000"/>
+                        </a:solidFill>
+                        <a:effectLst/>
+                        <a:latin typeface="Calibri" panose="020F0502020204030204" pitchFamily="34" charset="0"/>
+                      </a:endParaRPr>
+                    </a:p>
+                  </a:txBody>
+                  <a:tcPr marL="9525" marR="9525" marT="9525" marB="0" anchor="b"/>
+                </a:tc>
+                <a:tc>
+                  <a:txBody>
+                    <a:bodyPr/>
+                    <a:lstStyle/>
+                    <a:p>
+                      <a:pPr algn="r" fontAlgn="b"/>
+                      <a:r>
+                        <a:rPr lang="en-US" sz="1600" b="0" u="none" strike="noStrike">
+                          <a:effectLst/>
+                        </a:rPr>
+                        <a:t>2,5</a:t>
+                      </a:r>
+                      <a:endParaRPr lang="en-US" sz="1600" b="0" i="0" u="none" strike="noStrike">
+                        <a:solidFill>
+                          <a:srgbClr val="000000"/>
+                        </a:solidFill>
+                        <a:effectLst/>
+                        <a:latin typeface="Calibri" panose="020F0502020204030204" pitchFamily="34" charset="0"/>
+                      </a:endParaRPr>
+                    </a:p>
+                  </a:txBody>
+                  <a:tcPr marL="9525" marR="9525" marT="9525" marB="0" anchor="b"/>
+                </a:tc>
+                <a:tc>
+                  <a:txBody>
+                    <a:bodyPr/>
+                    <a:lstStyle/>
+                    <a:p>
+                      <a:pPr algn="r" fontAlgn="b"/>
+                      <a:r>
+                        <a:rPr lang="en-US" sz="1600" b="0" u="none" strike="noStrike">
+                          <a:effectLst/>
+                        </a:rPr>
+                        <a:t>5</a:t>
+                      </a:r>
+                      <a:endParaRPr lang="en-US" sz="1600" b="0" i="0" u="none" strike="noStrike">
+                        <a:solidFill>
+                          <a:srgbClr val="000000"/>
+                        </a:solidFill>
+                        <a:effectLst/>
+                        <a:latin typeface="Calibri" panose="020F0502020204030204" pitchFamily="34" charset="0"/>
+                      </a:endParaRPr>
+                    </a:p>
+                  </a:txBody>
+                  <a:tcPr marL="9525" marR="9525" marT="9525" marB="0" anchor="b"/>
+                </a:tc>
+                <a:tc>
+                  <a:txBody>
+                    <a:bodyPr/>
+                    <a:lstStyle/>
+                    <a:p>
+                      <a:pPr algn="r" fontAlgn="b"/>
+                      <a:r>
+                        <a:rPr lang="en-US" sz="1600" b="0" u="none" strike="noStrike">
+                          <a:effectLst/>
+                        </a:rPr>
+                        <a:t>4,5</a:t>
+                      </a:r>
+                      <a:endParaRPr lang="en-US" sz="1600" b="0" i="0" u="none" strike="noStrike">
+                        <a:solidFill>
+                          <a:srgbClr val="000000"/>
+                        </a:solidFill>
+                        <a:effectLst/>
+                        <a:latin typeface="Calibri" panose="020F0502020204030204" pitchFamily="34" charset="0"/>
+                      </a:endParaRPr>
+                    </a:p>
+                  </a:txBody>
+                  <a:tcPr marL="9525" marR="9525" marT="9525" marB="0" anchor="b"/>
+                </a:tc>
+                <a:tc>
+                  <a:txBody>
+                    <a:bodyPr/>
+                    <a:lstStyle/>
+                    <a:p>
+                      <a:pPr algn="r" fontAlgn="b"/>
+                      <a:r>
+                        <a:rPr lang="en-US" sz="1600" b="0" u="none" strike="noStrike">
+                          <a:effectLst/>
+                        </a:rPr>
+                        <a:t>6</a:t>
+                      </a:r>
+                      <a:endParaRPr lang="en-US" sz="1600" b="0" i="0" u="none" strike="noStrike">
+                        <a:solidFill>
+                          <a:srgbClr val="000000"/>
+                        </a:solidFill>
+                        <a:effectLst/>
+                        <a:latin typeface="Calibri" panose="020F0502020204030204" pitchFamily="34" charset="0"/>
+                      </a:endParaRPr>
+                    </a:p>
+                  </a:txBody>
+                  <a:tcPr marL="9525" marR="9525" marT="9525" marB="0" anchor="b"/>
+                </a:tc>
+                <a:tc>
+                  <a:txBody>
+                    <a:bodyPr/>
+                    <a:lstStyle/>
+                    <a:p>
+                      <a:pPr algn="r" fontAlgn="b"/>
+                      <a:r>
+                        <a:rPr lang="en-US" sz="1600" b="0" u="none" strike="noStrike">
+                          <a:effectLst/>
+                        </a:rPr>
+                        <a:t>4,5</a:t>
+                      </a:r>
+                      <a:endParaRPr lang="en-US" sz="1600" b="0" i="0" u="none" strike="noStrike">
+                        <a:solidFill>
+                          <a:srgbClr val="000000"/>
+                        </a:solidFill>
+                        <a:effectLst/>
+                        <a:latin typeface="Calibri" panose="020F0502020204030204" pitchFamily="34" charset="0"/>
+                      </a:endParaRPr>
+                    </a:p>
+                  </a:txBody>
+                  <a:tcPr marL="9525" marR="9525" marT="9525" marB="0" anchor="b"/>
+                </a:tc>
+                <a:tc>
+                  <a:txBody>
+                    <a:bodyPr/>
+                    <a:lstStyle/>
+                    <a:p>
+                      <a:pPr algn="r" fontAlgn="b"/>
+                      <a:r>
+                        <a:rPr lang="en-US" sz="1600" b="0" u="none" strike="noStrike" dirty="0">
+                          <a:effectLst/>
+                        </a:rPr>
+                        <a:t>3,5</a:t>
+                      </a:r>
+                      <a:endParaRPr lang="en-US" sz="1600" b="0" i="0" u="none" strike="noStrike" dirty="0">
+                        <a:solidFill>
+                          <a:srgbClr val="000000"/>
+                        </a:solidFill>
+                        <a:effectLst/>
+                        <a:latin typeface="Calibri" panose="020F0502020204030204" pitchFamily="34" charset="0"/>
+                      </a:endParaRPr>
+                    </a:p>
+                  </a:txBody>
+                  <a:tcPr marL="9525" marR="9525" marT="9525" marB="0" anchor="b"/>
+                </a:tc>
+                <a:tc>
+                  <a:txBody>
+                    <a:bodyPr/>
+                    <a:lstStyle/>
+                    <a:p>
+                      <a:pPr algn="r" fontAlgn="b"/>
+                      <a:r>
+                        <a:rPr lang="en-US" sz="1600" b="0" u="none" strike="noStrike">
+                          <a:effectLst/>
+                        </a:rPr>
+                        <a:t>6</a:t>
+                      </a:r>
+                      <a:endParaRPr lang="en-US" sz="1600" b="0" i="0" u="none" strike="noStrike">
+                        <a:solidFill>
+                          <a:srgbClr val="000000"/>
+                        </a:solidFill>
+                        <a:effectLst/>
+                        <a:latin typeface="Calibri" panose="020F0502020204030204" pitchFamily="34" charset="0"/>
+                      </a:endParaRPr>
+                    </a:p>
+                  </a:txBody>
+                  <a:tcPr marL="9525" marR="9525" marT="9525" marB="0" anchor="b"/>
+                </a:tc>
+                <a:tc>
+                  <a:txBody>
+                    <a:bodyPr/>
+                    <a:lstStyle/>
+                    <a:p>
+                      <a:pPr algn="r" fontAlgn="b"/>
+                      <a:r>
+                        <a:rPr lang="en-US" sz="1600" b="0" u="none" strike="noStrike">
+                          <a:effectLst/>
+                        </a:rPr>
+                        <a:t>6</a:t>
+                      </a:r>
+                      <a:endParaRPr lang="en-US" sz="1600" b="0" i="0" u="none" strike="noStrike">
+                        <a:solidFill>
+                          <a:srgbClr val="000000"/>
+                        </a:solidFill>
+                        <a:effectLst/>
+                        <a:latin typeface="Calibri" panose="020F0502020204030204" pitchFamily="34" charset="0"/>
+                      </a:endParaRPr>
+                    </a:p>
+                  </a:txBody>
+                  <a:tcPr marL="9525" marR="9525" marT="9525" marB="0" anchor="b"/>
+                </a:tc>
+                <a:tc>
+                  <a:txBody>
+                    <a:bodyPr/>
+                    <a:lstStyle/>
+                    <a:p>
+                      <a:pPr algn="r" fontAlgn="b"/>
+                      <a:r>
+                        <a:rPr lang="en-US" sz="1600" b="0" u="none" strike="noStrike">
+                          <a:effectLst/>
+                        </a:rPr>
+                        <a:t>6</a:t>
+                      </a:r>
+                      <a:endParaRPr lang="en-US" sz="1600" b="0" i="0" u="none" strike="noStrike">
+                        <a:solidFill>
+                          <a:srgbClr val="000000"/>
+                        </a:solidFill>
+                        <a:effectLst/>
+                        <a:latin typeface="Calibri" panose="020F0502020204030204" pitchFamily="34" charset="0"/>
+                      </a:endParaRPr>
+                    </a:p>
+                  </a:txBody>
+                  <a:tcPr marL="9525" marR="9525" marT="9525" marB="0" anchor="b"/>
+                </a:tc>
+                <a:tc>
+                  <a:txBody>
+                    <a:bodyPr/>
+                    <a:lstStyle/>
+                    <a:p>
+                      <a:pPr algn="r" fontAlgn="b"/>
+                      <a:r>
+                        <a:rPr lang="en-US" sz="1600" b="0" u="none" strike="noStrike">
+                          <a:effectLst/>
+                        </a:rPr>
+                        <a:t>6</a:t>
+                      </a:r>
+                      <a:endParaRPr lang="en-US" sz="1600" b="0" i="0" u="none" strike="noStrike">
+                        <a:solidFill>
+                          <a:srgbClr val="000000"/>
+                        </a:solidFill>
+                        <a:effectLst/>
+                        <a:latin typeface="Calibri" panose="020F0502020204030204" pitchFamily="34" charset="0"/>
+                      </a:endParaRPr>
+                    </a:p>
+                  </a:txBody>
+                  <a:tcPr marL="9525" marR="9525" marT="9525" marB="0" anchor="b"/>
+                </a:tc>
+                <a:extLst>
+                  <a:ext uri="{0D108BD9-81ED-4DB2-BD59-A6C34878D82A}">
+                    <a16:rowId xmlns:a16="http://schemas.microsoft.com/office/drawing/2014/main" val="3885592443"/>
+                  </a:ext>
+                </a:extLst>
+              </a:tr>
+              <a:tr h="434521">
+                <a:tc>
+                  <a:txBody>
+                    <a:bodyPr/>
+                    <a:lstStyle/>
+                    <a:p>
+                      <a:pPr algn="ctr" fontAlgn="b"/>
+                      <a:r>
+                        <a:rPr lang="en-US" sz="1600" b="1" u="none" strike="noStrike">
+                          <a:effectLst/>
+                        </a:rPr>
+                        <a:t>P4</a:t>
+                      </a:r>
+                      <a:endParaRPr lang="en-US" sz="1600" b="1" i="0" u="none" strike="noStrike">
+                        <a:solidFill>
+                          <a:srgbClr val="000000"/>
+                        </a:solidFill>
+                        <a:effectLst/>
+                        <a:latin typeface="Calibri" panose="020F0502020204030204" pitchFamily="34" charset="0"/>
+                      </a:endParaRPr>
+                    </a:p>
+                  </a:txBody>
+                  <a:tcPr marL="9525" marR="9525" marT="9525" marB="0" anchor="b"/>
+                </a:tc>
+                <a:tc>
+                  <a:txBody>
+                    <a:bodyPr/>
+                    <a:lstStyle/>
+                    <a:p>
+                      <a:pPr algn="r" fontAlgn="b"/>
+                      <a:r>
+                        <a:rPr lang="en-US" sz="1600" b="0" u="none" strike="noStrike">
+                          <a:effectLst/>
+                        </a:rPr>
+                        <a:t>4</a:t>
+                      </a:r>
+                      <a:endParaRPr lang="en-US" sz="1600" b="0" i="0" u="none" strike="noStrike">
+                        <a:solidFill>
+                          <a:srgbClr val="000000"/>
+                        </a:solidFill>
+                        <a:effectLst/>
+                        <a:latin typeface="Calibri" panose="020F0502020204030204" pitchFamily="34" charset="0"/>
+                      </a:endParaRPr>
+                    </a:p>
+                  </a:txBody>
+                  <a:tcPr marL="9525" marR="9525" marT="9525" marB="0" anchor="b"/>
+                </a:tc>
+                <a:tc>
+                  <a:txBody>
+                    <a:bodyPr/>
+                    <a:lstStyle/>
+                    <a:p>
+                      <a:pPr algn="r" fontAlgn="b"/>
+                      <a:r>
+                        <a:rPr lang="en-US" sz="1600" b="0" u="none" strike="noStrike">
+                          <a:effectLst/>
+                        </a:rPr>
+                        <a:t>4</a:t>
+                      </a:r>
+                      <a:endParaRPr lang="en-US" sz="1600" b="0" i="0" u="none" strike="noStrike">
+                        <a:solidFill>
+                          <a:srgbClr val="000000"/>
+                        </a:solidFill>
+                        <a:effectLst/>
+                        <a:latin typeface="Calibri" panose="020F0502020204030204" pitchFamily="34" charset="0"/>
+                      </a:endParaRPr>
+                    </a:p>
+                  </a:txBody>
+                  <a:tcPr marL="9525" marR="9525" marT="9525" marB="0" anchor="b"/>
+                </a:tc>
+                <a:tc>
+                  <a:txBody>
+                    <a:bodyPr/>
+                    <a:lstStyle/>
+                    <a:p>
+                      <a:pPr algn="r" fontAlgn="b"/>
+                      <a:r>
+                        <a:rPr lang="en-US" sz="1600" b="0" u="none" strike="noStrike">
+                          <a:effectLst/>
+                        </a:rPr>
+                        <a:t>4,5</a:t>
+                      </a:r>
+                      <a:endParaRPr lang="en-US" sz="1600" b="0" i="0" u="none" strike="noStrike">
+                        <a:solidFill>
+                          <a:srgbClr val="000000"/>
+                        </a:solidFill>
+                        <a:effectLst/>
+                        <a:latin typeface="Calibri" panose="020F0502020204030204" pitchFamily="34" charset="0"/>
+                      </a:endParaRPr>
+                    </a:p>
+                  </a:txBody>
+                  <a:tcPr marL="9525" marR="9525" marT="9525" marB="0" anchor="b"/>
+                </a:tc>
+                <a:tc>
+                  <a:txBody>
+                    <a:bodyPr/>
+                    <a:lstStyle/>
+                    <a:p>
+                      <a:pPr algn="r" fontAlgn="b"/>
+                      <a:r>
+                        <a:rPr lang="en-US" sz="1600" b="0" u="none" strike="noStrike">
+                          <a:effectLst/>
+                        </a:rPr>
+                        <a:t>7</a:t>
+                      </a:r>
+                      <a:endParaRPr lang="en-US" sz="1600" b="0" i="0" u="none" strike="noStrike">
+                        <a:solidFill>
+                          <a:srgbClr val="000000"/>
+                        </a:solidFill>
+                        <a:effectLst/>
+                        <a:latin typeface="Calibri" panose="020F0502020204030204" pitchFamily="34" charset="0"/>
+                      </a:endParaRPr>
+                    </a:p>
+                  </a:txBody>
+                  <a:tcPr marL="9525" marR="9525" marT="9525" marB="0" anchor="b"/>
+                </a:tc>
+                <a:tc>
+                  <a:txBody>
+                    <a:bodyPr/>
+                    <a:lstStyle/>
+                    <a:p>
+                      <a:pPr algn="r" fontAlgn="b"/>
+                      <a:r>
+                        <a:rPr lang="en-US" sz="1600" b="0" u="none" strike="noStrike">
+                          <a:effectLst/>
+                        </a:rPr>
+                        <a:t>4</a:t>
+                      </a:r>
+                      <a:endParaRPr lang="en-US" sz="1600" b="0" i="0" u="none" strike="noStrike">
+                        <a:solidFill>
+                          <a:srgbClr val="000000"/>
+                        </a:solidFill>
+                        <a:effectLst/>
+                        <a:latin typeface="Calibri" panose="020F0502020204030204" pitchFamily="34" charset="0"/>
+                      </a:endParaRPr>
+                    </a:p>
+                  </a:txBody>
+                  <a:tcPr marL="9525" marR="9525" marT="9525" marB="0" anchor="b"/>
+                </a:tc>
+                <a:tc>
+                  <a:txBody>
+                    <a:bodyPr/>
+                    <a:lstStyle/>
+                    <a:p>
+                      <a:pPr algn="r" fontAlgn="b"/>
+                      <a:r>
+                        <a:rPr lang="en-US" sz="1600" b="0" u="none" strike="noStrike">
+                          <a:effectLst/>
+                        </a:rPr>
+                        <a:t>6,5</a:t>
+                      </a:r>
+                      <a:endParaRPr lang="en-US" sz="1600" b="0" i="0" u="none" strike="noStrike">
+                        <a:solidFill>
+                          <a:srgbClr val="000000"/>
+                        </a:solidFill>
+                        <a:effectLst/>
+                        <a:latin typeface="Calibri" panose="020F0502020204030204" pitchFamily="34" charset="0"/>
+                      </a:endParaRPr>
+                    </a:p>
+                  </a:txBody>
+                  <a:tcPr marL="9525" marR="9525" marT="9525" marB="0" anchor="b"/>
+                </a:tc>
+                <a:tc>
+                  <a:txBody>
+                    <a:bodyPr/>
+                    <a:lstStyle/>
+                    <a:p>
+                      <a:pPr algn="r" fontAlgn="b"/>
+                      <a:r>
+                        <a:rPr lang="en-US" sz="1600" b="0" u="none" strike="noStrike" dirty="0">
+                          <a:effectLst/>
+                        </a:rPr>
+                        <a:t>3</a:t>
+                      </a:r>
+                      <a:endParaRPr lang="en-US" sz="1600" b="0" i="0" u="none" strike="noStrike" dirty="0">
+                        <a:solidFill>
+                          <a:srgbClr val="000000"/>
+                        </a:solidFill>
+                        <a:effectLst/>
+                        <a:latin typeface="Calibri" panose="020F0502020204030204" pitchFamily="34" charset="0"/>
+                      </a:endParaRPr>
+                    </a:p>
+                  </a:txBody>
+                  <a:tcPr marL="9525" marR="9525" marT="9525" marB="0" anchor="b"/>
+                </a:tc>
+                <a:tc>
+                  <a:txBody>
+                    <a:bodyPr/>
+                    <a:lstStyle/>
+                    <a:p>
+                      <a:pPr algn="r" fontAlgn="b"/>
+                      <a:r>
+                        <a:rPr lang="en-US" sz="1600" b="0" u="none" strike="noStrike" dirty="0">
+                          <a:effectLst/>
+                        </a:rPr>
+                        <a:t>5</a:t>
+                      </a:r>
+                      <a:endParaRPr lang="en-US" sz="1600" b="0" i="0" u="none" strike="noStrike" dirty="0">
+                        <a:solidFill>
+                          <a:srgbClr val="000000"/>
+                        </a:solidFill>
+                        <a:effectLst/>
+                        <a:latin typeface="Calibri" panose="020F0502020204030204" pitchFamily="34" charset="0"/>
+                      </a:endParaRPr>
+                    </a:p>
+                  </a:txBody>
+                  <a:tcPr marL="9525" marR="9525" marT="9525" marB="0" anchor="b"/>
+                </a:tc>
+                <a:tc>
+                  <a:txBody>
+                    <a:bodyPr/>
+                    <a:lstStyle/>
+                    <a:p>
+                      <a:pPr algn="r" fontAlgn="b"/>
+                      <a:r>
+                        <a:rPr lang="en-US" sz="1600" b="0" u="none" strike="noStrike" dirty="0">
+                          <a:effectLst/>
+                        </a:rPr>
+                        <a:t>5</a:t>
+                      </a:r>
+                      <a:endParaRPr lang="en-US" sz="1600" b="0" i="0" u="none" strike="noStrike" dirty="0">
+                        <a:solidFill>
+                          <a:srgbClr val="000000"/>
+                        </a:solidFill>
+                        <a:effectLst/>
+                        <a:latin typeface="Calibri" panose="020F0502020204030204" pitchFamily="34" charset="0"/>
+                      </a:endParaRPr>
+                    </a:p>
+                  </a:txBody>
+                  <a:tcPr marL="9525" marR="9525" marT="9525" marB="0" anchor="b"/>
+                </a:tc>
+                <a:tc>
+                  <a:txBody>
+                    <a:bodyPr/>
+                    <a:lstStyle/>
+                    <a:p>
+                      <a:pPr algn="r" fontAlgn="b"/>
+                      <a:r>
+                        <a:rPr lang="en-US" sz="1600" b="0" u="none" strike="noStrike">
+                          <a:effectLst/>
+                        </a:rPr>
+                        <a:t>5</a:t>
+                      </a:r>
+                      <a:endParaRPr lang="en-US" sz="1600" b="0" i="0" u="none" strike="noStrike">
+                        <a:solidFill>
+                          <a:srgbClr val="000000"/>
+                        </a:solidFill>
+                        <a:effectLst/>
+                        <a:latin typeface="Calibri" panose="020F0502020204030204" pitchFamily="34" charset="0"/>
+                      </a:endParaRPr>
+                    </a:p>
+                  </a:txBody>
+                  <a:tcPr marL="9525" marR="9525" marT="9525" marB="0" anchor="b"/>
+                </a:tc>
+                <a:extLst>
+                  <a:ext uri="{0D108BD9-81ED-4DB2-BD59-A6C34878D82A}">
+                    <a16:rowId xmlns:a16="http://schemas.microsoft.com/office/drawing/2014/main" val="1727791770"/>
+                  </a:ext>
+                </a:extLst>
+              </a:tr>
+              <a:tr h="434521">
+                <a:tc>
+                  <a:txBody>
+                    <a:bodyPr/>
+                    <a:lstStyle/>
+                    <a:p>
+                      <a:pPr algn="ctr" fontAlgn="b"/>
+                      <a:r>
+                        <a:rPr lang="en-US" sz="1600" b="1" u="none" strike="noStrike">
+                          <a:effectLst/>
+                        </a:rPr>
+                        <a:t>P5</a:t>
+                      </a:r>
+                      <a:endParaRPr lang="en-US" sz="1600" b="1" i="0" u="none" strike="noStrike">
+                        <a:solidFill>
+                          <a:srgbClr val="000000"/>
+                        </a:solidFill>
+                        <a:effectLst/>
+                        <a:latin typeface="Calibri" panose="020F0502020204030204" pitchFamily="34" charset="0"/>
+                      </a:endParaRPr>
+                    </a:p>
+                  </a:txBody>
+                  <a:tcPr marL="9525" marR="9525" marT="9525" marB="0" anchor="b"/>
+                </a:tc>
+                <a:tc>
+                  <a:txBody>
+                    <a:bodyPr/>
+                    <a:lstStyle/>
+                    <a:p>
+                      <a:pPr algn="r" fontAlgn="b"/>
+                      <a:r>
+                        <a:rPr lang="en-US" sz="1600" b="0" u="none" strike="noStrike">
+                          <a:effectLst/>
+                        </a:rPr>
+                        <a:t>4,5</a:t>
+                      </a:r>
+                      <a:endParaRPr lang="en-US" sz="1600" b="0" i="0" u="none" strike="noStrike">
+                        <a:solidFill>
+                          <a:srgbClr val="000000"/>
+                        </a:solidFill>
+                        <a:effectLst/>
+                        <a:latin typeface="Calibri" panose="020F0502020204030204" pitchFamily="34" charset="0"/>
+                      </a:endParaRPr>
+                    </a:p>
+                  </a:txBody>
+                  <a:tcPr marL="9525" marR="9525" marT="9525" marB="0" anchor="b"/>
+                </a:tc>
+                <a:tc>
+                  <a:txBody>
+                    <a:bodyPr/>
+                    <a:lstStyle/>
+                    <a:p>
+                      <a:pPr algn="r" fontAlgn="b"/>
+                      <a:r>
+                        <a:rPr lang="en-US" sz="1600" b="0" u="none" strike="noStrike">
+                          <a:effectLst/>
+                        </a:rPr>
+                        <a:t>4</a:t>
+                      </a:r>
+                      <a:endParaRPr lang="en-US" sz="1600" b="0" i="0" u="none" strike="noStrike">
+                        <a:solidFill>
+                          <a:srgbClr val="000000"/>
+                        </a:solidFill>
+                        <a:effectLst/>
+                        <a:latin typeface="Calibri" panose="020F0502020204030204" pitchFamily="34" charset="0"/>
+                      </a:endParaRPr>
+                    </a:p>
+                  </a:txBody>
+                  <a:tcPr marL="9525" marR="9525" marT="9525" marB="0" anchor="b"/>
+                </a:tc>
+                <a:tc>
+                  <a:txBody>
+                    <a:bodyPr/>
+                    <a:lstStyle/>
+                    <a:p>
+                      <a:pPr algn="r" fontAlgn="b"/>
+                      <a:r>
+                        <a:rPr lang="en-US" sz="1600" b="0" u="none" strike="noStrike">
+                          <a:effectLst/>
+                        </a:rPr>
+                        <a:t>4</a:t>
+                      </a:r>
+                      <a:endParaRPr lang="en-US" sz="1600" b="0" i="0" u="none" strike="noStrike">
+                        <a:solidFill>
+                          <a:srgbClr val="000000"/>
+                        </a:solidFill>
+                        <a:effectLst/>
+                        <a:latin typeface="Calibri" panose="020F0502020204030204" pitchFamily="34" charset="0"/>
+                      </a:endParaRPr>
+                    </a:p>
+                  </a:txBody>
+                  <a:tcPr marL="9525" marR="9525" marT="9525" marB="0" anchor="b"/>
+                </a:tc>
+                <a:tc>
+                  <a:txBody>
+                    <a:bodyPr/>
+                    <a:lstStyle/>
+                    <a:p>
+                      <a:pPr algn="r" fontAlgn="b"/>
+                      <a:r>
+                        <a:rPr lang="en-US" sz="1600" b="0" u="none" strike="noStrike">
+                          <a:effectLst/>
+                        </a:rPr>
+                        <a:t>4</a:t>
+                      </a:r>
+                      <a:endParaRPr lang="en-US" sz="1600" b="0" i="0" u="none" strike="noStrike">
+                        <a:solidFill>
+                          <a:srgbClr val="000000"/>
+                        </a:solidFill>
+                        <a:effectLst/>
+                        <a:latin typeface="Calibri" panose="020F0502020204030204" pitchFamily="34" charset="0"/>
+                      </a:endParaRPr>
+                    </a:p>
+                  </a:txBody>
+                  <a:tcPr marL="9525" marR="9525" marT="9525" marB="0" anchor="b"/>
+                </a:tc>
+                <a:tc>
+                  <a:txBody>
+                    <a:bodyPr/>
+                    <a:lstStyle/>
+                    <a:p>
+                      <a:pPr algn="r" fontAlgn="b"/>
+                      <a:r>
+                        <a:rPr lang="en-US" sz="1600" b="0" u="none" strike="noStrike">
+                          <a:effectLst/>
+                        </a:rPr>
+                        <a:t>4</a:t>
+                      </a:r>
+                      <a:endParaRPr lang="en-US" sz="1600" b="0" i="0" u="none" strike="noStrike">
+                        <a:solidFill>
+                          <a:srgbClr val="000000"/>
+                        </a:solidFill>
+                        <a:effectLst/>
+                        <a:latin typeface="Calibri" panose="020F0502020204030204" pitchFamily="34" charset="0"/>
+                      </a:endParaRPr>
+                    </a:p>
+                  </a:txBody>
+                  <a:tcPr marL="9525" marR="9525" marT="9525" marB="0" anchor="b"/>
+                </a:tc>
+                <a:tc>
+                  <a:txBody>
+                    <a:bodyPr/>
+                    <a:lstStyle/>
+                    <a:p>
+                      <a:pPr algn="r" fontAlgn="b"/>
+                      <a:r>
+                        <a:rPr lang="en-US" sz="1600" b="0" u="none" strike="noStrike">
+                          <a:effectLst/>
+                        </a:rPr>
+                        <a:t>6</a:t>
+                      </a:r>
+                      <a:endParaRPr lang="en-US" sz="1600" b="0" i="0" u="none" strike="noStrike">
+                        <a:solidFill>
+                          <a:srgbClr val="000000"/>
+                        </a:solidFill>
+                        <a:effectLst/>
+                        <a:latin typeface="Calibri" panose="020F0502020204030204" pitchFamily="34" charset="0"/>
+                      </a:endParaRPr>
+                    </a:p>
+                  </a:txBody>
+                  <a:tcPr marL="9525" marR="9525" marT="9525" marB="0" anchor="b"/>
+                </a:tc>
+                <a:tc>
+                  <a:txBody>
+                    <a:bodyPr/>
+                    <a:lstStyle/>
+                    <a:p>
+                      <a:pPr algn="r" fontAlgn="b"/>
+                      <a:r>
+                        <a:rPr lang="en-US" sz="1600" b="0" u="none" strike="noStrike">
+                          <a:effectLst/>
+                        </a:rPr>
+                        <a:t>5</a:t>
+                      </a:r>
+                      <a:endParaRPr lang="en-US" sz="1600" b="0" i="0" u="none" strike="noStrike">
+                        <a:solidFill>
+                          <a:srgbClr val="000000"/>
+                        </a:solidFill>
+                        <a:effectLst/>
+                        <a:latin typeface="Calibri" panose="020F0502020204030204" pitchFamily="34" charset="0"/>
+                      </a:endParaRPr>
+                    </a:p>
+                  </a:txBody>
+                  <a:tcPr marL="9525" marR="9525" marT="9525" marB="0" anchor="b"/>
+                </a:tc>
+                <a:tc>
+                  <a:txBody>
+                    <a:bodyPr/>
+                    <a:lstStyle/>
+                    <a:p>
+                      <a:pPr algn="r" fontAlgn="b"/>
+                      <a:r>
+                        <a:rPr lang="en-US" sz="1600" b="0" u="none" strike="noStrike">
+                          <a:effectLst/>
+                        </a:rPr>
+                        <a:t>3</a:t>
+                      </a:r>
+                      <a:endParaRPr lang="en-US" sz="1600" b="0" i="0" u="none" strike="noStrike">
+                        <a:solidFill>
+                          <a:srgbClr val="000000"/>
+                        </a:solidFill>
+                        <a:effectLst/>
+                        <a:latin typeface="Calibri" panose="020F0502020204030204" pitchFamily="34" charset="0"/>
+                      </a:endParaRPr>
+                    </a:p>
+                  </a:txBody>
+                  <a:tcPr marL="9525" marR="9525" marT="9525" marB="0" anchor="b"/>
+                </a:tc>
+                <a:tc>
+                  <a:txBody>
+                    <a:bodyPr/>
+                    <a:lstStyle/>
+                    <a:p>
+                      <a:pPr algn="r" fontAlgn="b"/>
+                      <a:r>
+                        <a:rPr lang="en-US" sz="1600" b="0" u="none" strike="noStrike" dirty="0">
+                          <a:effectLst/>
+                        </a:rPr>
+                        <a:t>6</a:t>
+                      </a:r>
+                      <a:endParaRPr lang="en-US" sz="1600" b="0" i="0" u="none" strike="noStrike" dirty="0">
+                        <a:solidFill>
+                          <a:srgbClr val="000000"/>
+                        </a:solidFill>
+                        <a:effectLst/>
+                        <a:latin typeface="Calibri" panose="020F0502020204030204" pitchFamily="34" charset="0"/>
+                      </a:endParaRPr>
+                    </a:p>
+                  </a:txBody>
+                  <a:tcPr marL="9525" marR="9525" marT="9525" marB="0" anchor="b"/>
+                </a:tc>
+                <a:tc>
+                  <a:txBody>
+                    <a:bodyPr/>
+                    <a:lstStyle/>
+                    <a:p>
+                      <a:pPr algn="r" fontAlgn="b"/>
+                      <a:r>
+                        <a:rPr lang="en-US" sz="1600" b="0" u="none" strike="noStrike" dirty="0">
+                          <a:effectLst/>
+                        </a:rPr>
+                        <a:t>5,5</a:t>
+                      </a:r>
+                      <a:endParaRPr lang="en-US" sz="1600" b="0" i="0" u="none" strike="noStrike" dirty="0">
+                        <a:solidFill>
+                          <a:srgbClr val="000000"/>
+                        </a:solidFill>
+                        <a:effectLst/>
+                        <a:latin typeface="Calibri" panose="020F0502020204030204" pitchFamily="34" charset="0"/>
+                      </a:endParaRPr>
+                    </a:p>
+                  </a:txBody>
+                  <a:tcPr marL="9525" marR="9525" marT="9525" marB="0" anchor="b"/>
+                </a:tc>
+                <a:extLst>
+                  <a:ext uri="{0D108BD9-81ED-4DB2-BD59-A6C34878D82A}">
+                    <a16:rowId xmlns:a16="http://schemas.microsoft.com/office/drawing/2014/main" val="1824865941"/>
+                  </a:ext>
+                </a:extLst>
+              </a:tr>
+              <a:tr h="434521">
+                <a:tc>
+                  <a:txBody>
+                    <a:bodyPr/>
+                    <a:lstStyle/>
+                    <a:p>
+                      <a:pPr algn="ctr" fontAlgn="b"/>
+                      <a:r>
+                        <a:rPr lang="en-US" sz="1600" b="1" u="none" strike="noStrike" dirty="0">
+                          <a:effectLst/>
+                        </a:rPr>
+                        <a:t>Median</a:t>
+                      </a:r>
+                      <a:endParaRPr lang="en-US" sz="1600" b="1" i="0" u="none" strike="noStrike" dirty="0">
+                        <a:solidFill>
+                          <a:srgbClr val="000000"/>
+                        </a:solidFill>
+                        <a:effectLst/>
+                        <a:latin typeface="Calibri" panose="020F0502020204030204" pitchFamily="34" charset="0"/>
+                      </a:endParaRPr>
+                    </a:p>
+                  </a:txBody>
+                  <a:tcPr marL="9525" marR="9525" marT="9525" marB="0" anchor="b"/>
+                </a:tc>
+                <a:tc>
+                  <a:txBody>
+                    <a:bodyPr/>
+                    <a:lstStyle/>
+                    <a:p>
+                      <a:pPr algn="r" fontAlgn="b"/>
+                      <a:r>
+                        <a:rPr lang="en-US" sz="1600" b="0" u="none" strike="noStrike">
+                          <a:effectLst/>
+                        </a:rPr>
+                        <a:t>3,9</a:t>
+                      </a:r>
+                      <a:endParaRPr lang="en-US" sz="1600" b="0" i="0" u="none" strike="noStrike">
+                        <a:solidFill>
+                          <a:srgbClr val="000000"/>
+                        </a:solidFill>
+                        <a:effectLst/>
+                        <a:latin typeface="Calibri" panose="020F0502020204030204" pitchFamily="34" charset="0"/>
+                      </a:endParaRPr>
+                    </a:p>
+                  </a:txBody>
+                  <a:tcPr marL="9525" marR="9525" marT="9525" marB="0" anchor="b"/>
+                </a:tc>
+                <a:tc>
+                  <a:txBody>
+                    <a:bodyPr/>
+                    <a:lstStyle/>
+                    <a:p>
+                      <a:pPr algn="r" fontAlgn="b"/>
+                      <a:r>
+                        <a:rPr lang="en-US" sz="1600" b="0" u="none" strike="noStrike">
+                          <a:effectLst/>
+                        </a:rPr>
+                        <a:t>4,8</a:t>
+                      </a:r>
+                      <a:endParaRPr lang="en-US" sz="1600" b="0" i="0" u="none" strike="noStrike">
+                        <a:solidFill>
+                          <a:srgbClr val="000000"/>
+                        </a:solidFill>
+                        <a:effectLst/>
+                        <a:latin typeface="Calibri" panose="020F0502020204030204" pitchFamily="34" charset="0"/>
+                      </a:endParaRPr>
+                    </a:p>
+                  </a:txBody>
+                  <a:tcPr marL="9525" marR="9525" marT="9525" marB="0" anchor="b"/>
+                </a:tc>
+                <a:tc>
+                  <a:txBody>
+                    <a:bodyPr/>
+                    <a:lstStyle/>
+                    <a:p>
+                      <a:pPr algn="r" fontAlgn="b"/>
+                      <a:r>
+                        <a:rPr lang="en-US" sz="1600" b="0" u="none" strike="noStrike">
+                          <a:effectLst/>
+                        </a:rPr>
+                        <a:t>4,1</a:t>
+                      </a:r>
+                      <a:endParaRPr lang="en-US" sz="1600" b="0" i="0" u="none" strike="noStrike">
+                        <a:solidFill>
+                          <a:srgbClr val="000000"/>
+                        </a:solidFill>
+                        <a:effectLst/>
+                        <a:latin typeface="Calibri" panose="020F0502020204030204" pitchFamily="34" charset="0"/>
+                      </a:endParaRPr>
+                    </a:p>
+                  </a:txBody>
+                  <a:tcPr marL="9525" marR="9525" marT="9525" marB="0" anchor="b"/>
+                </a:tc>
+                <a:tc>
+                  <a:txBody>
+                    <a:bodyPr/>
+                    <a:lstStyle/>
+                    <a:p>
+                      <a:pPr algn="r" fontAlgn="b"/>
+                      <a:r>
+                        <a:rPr lang="en-US" sz="1600" b="0" u="none" strike="noStrike">
+                          <a:effectLst/>
+                        </a:rPr>
+                        <a:t>5</a:t>
+                      </a:r>
+                      <a:endParaRPr lang="en-US" sz="1600" b="0" i="0" u="none" strike="noStrike">
+                        <a:solidFill>
+                          <a:srgbClr val="000000"/>
+                        </a:solidFill>
+                        <a:effectLst/>
+                        <a:latin typeface="Calibri" panose="020F0502020204030204" pitchFamily="34" charset="0"/>
+                      </a:endParaRPr>
+                    </a:p>
+                  </a:txBody>
+                  <a:tcPr marL="9525" marR="9525" marT="9525" marB="0" anchor="b"/>
+                </a:tc>
+                <a:tc>
+                  <a:txBody>
+                    <a:bodyPr/>
+                    <a:lstStyle/>
+                    <a:p>
+                      <a:pPr algn="r" fontAlgn="b"/>
+                      <a:r>
+                        <a:rPr lang="en-US" sz="1600" b="0" u="none" strike="noStrike">
+                          <a:effectLst/>
+                        </a:rPr>
+                        <a:t>4</a:t>
+                      </a:r>
+                      <a:endParaRPr lang="en-US" sz="1600" b="0" i="0" u="none" strike="noStrike">
+                        <a:solidFill>
+                          <a:srgbClr val="000000"/>
+                        </a:solidFill>
+                        <a:effectLst/>
+                        <a:latin typeface="Calibri" panose="020F0502020204030204" pitchFamily="34" charset="0"/>
+                      </a:endParaRPr>
+                    </a:p>
+                  </a:txBody>
+                  <a:tcPr marL="9525" marR="9525" marT="9525" marB="0" anchor="b"/>
+                </a:tc>
+                <a:tc>
+                  <a:txBody>
+                    <a:bodyPr/>
+                    <a:lstStyle/>
+                    <a:p>
+                      <a:pPr algn="r" fontAlgn="b"/>
+                      <a:r>
+                        <a:rPr lang="en-US" sz="1600" b="0" u="none" strike="noStrike">
+                          <a:effectLst/>
+                        </a:rPr>
+                        <a:t>5,55</a:t>
+                      </a:r>
+                      <a:endParaRPr lang="en-US" sz="1600" b="0" i="0" u="none" strike="noStrike">
+                        <a:solidFill>
+                          <a:srgbClr val="000000"/>
+                        </a:solidFill>
+                        <a:effectLst/>
+                        <a:latin typeface="Calibri" panose="020F0502020204030204" pitchFamily="34" charset="0"/>
+                      </a:endParaRPr>
+                    </a:p>
+                  </a:txBody>
+                  <a:tcPr marL="9525" marR="9525" marT="9525" marB="0" anchor="b"/>
+                </a:tc>
+                <a:tc>
+                  <a:txBody>
+                    <a:bodyPr/>
+                    <a:lstStyle/>
+                    <a:p>
+                      <a:pPr algn="r" fontAlgn="b"/>
+                      <a:r>
+                        <a:rPr lang="en-US" sz="1600" b="0" u="none" strike="noStrike">
+                          <a:effectLst/>
+                        </a:rPr>
+                        <a:t>4,6</a:t>
+                      </a:r>
+                      <a:endParaRPr lang="en-US" sz="1600" b="0" i="0" u="none" strike="noStrike">
+                        <a:solidFill>
+                          <a:srgbClr val="000000"/>
+                        </a:solidFill>
+                        <a:effectLst/>
+                        <a:latin typeface="Calibri" panose="020F0502020204030204" pitchFamily="34" charset="0"/>
+                      </a:endParaRPr>
+                    </a:p>
+                  </a:txBody>
+                  <a:tcPr marL="9525" marR="9525" marT="9525" marB="0" anchor="b"/>
+                </a:tc>
+                <a:tc>
+                  <a:txBody>
+                    <a:bodyPr/>
+                    <a:lstStyle/>
+                    <a:p>
+                      <a:pPr algn="r" fontAlgn="b"/>
+                      <a:r>
+                        <a:rPr lang="en-US" sz="1600" b="0" u="none" strike="noStrike">
+                          <a:effectLst/>
+                        </a:rPr>
+                        <a:t>4,2</a:t>
+                      </a:r>
+                      <a:endParaRPr lang="en-US" sz="1600" b="0" i="0" u="none" strike="noStrike">
+                        <a:solidFill>
+                          <a:srgbClr val="000000"/>
+                        </a:solidFill>
+                        <a:effectLst/>
+                        <a:latin typeface="Calibri" panose="020F0502020204030204" pitchFamily="34" charset="0"/>
+                      </a:endParaRPr>
+                    </a:p>
+                  </a:txBody>
+                  <a:tcPr marL="9525" marR="9525" marT="9525" marB="0" anchor="b"/>
+                </a:tc>
+                <a:tc>
+                  <a:txBody>
+                    <a:bodyPr/>
+                    <a:lstStyle/>
+                    <a:p>
+                      <a:pPr algn="r" fontAlgn="b"/>
+                      <a:r>
+                        <a:rPr lang="en-US" sz="1600" b="0" u="none" strike="noStrike">
+                          <a:effectLst/>
+                        </a:rPr>
+                        <a:t>5,6</a:t>
+                      </a:r>
+                      <a:endParaRPr lang="en-US" sz="1600" b="0" i="0" u="none" strike="noStrike">
+                        <a:solidFill>
+                          <a:srgbClr val="000000"/>
+                        </a:solidFill>
+                        <a:effectLst/>
+                        <a:latin typeface="Calibri" panose="020F0502020204030204" pitchFamily="34" charset="0"/>
+                      </a:endParaRPr>
+                    </a:p>
+                  </a:txBody>
+                  <a:tcPr marL="9525" marR="9525" marT="9525" marB="0" anchor="b"/>
+                </a:tc>
+                <a:tc>
+                  <a:txBody>
+                    <a:bodyPr/>
+                    <a:lstStyle/>
+                    <a:p>
+                      <a:pPr algn="r" fontAlgn="b"/>
+                      <a:r>
+                        <a:rPr lang="en-US" sz="1600" b="0" u="none" strike="noStrike" dirty="0">
+                          <a:effectLst/>
+                        </a:rPr>
+                        <a:t>5,5</a:t>
+                      </a:r>
+                      <a:endParaRPr lang="en-US" sz="1600" b="0" i="0" u="none" strike="noStrike" dirty="0">
+                        <a:solidFill>
+                          <a:srgbClr val="000000"/>
+                        </a:solidFill>
+                        <a:effectLst/>
+                        <a:latin typeface="Calibri" panose="020F0502020204030204" pitchFamily="34" charset="0"/>
+                      </a:endParaRPr>
+                    </a:p>
+                  </a:txBody>
+                  <a:tcPr marL="9525" marR="9525" marT="9525" marB="0" anchor="b"/>
+                </a:tc>
+                <a:extLst>
+                  <a:ext uri="{0D108BD9-81ED-4DB2-BD59-A6C34878D82A}">
+                    <a16:rowId xmlns:a16="http://schemas.microsoft.com/office/drawing/2014/main" val="2926763573"/>
+                  </a:ext>
+                </a:extLst>
+              </a:tr>
+            </a:tbl>
+          </a:graphicData>
+        </a:graphic>
+      </p:graphicFrame>
+    </p:spTree>
+    <p:extLst>
+      <p:ext uri="{BB962C8B-B14F-4D97-AF65-F5344CB8AC3E}">
+        <p14:creationId xmlns:p14="http://schemas.microsoft.com/office/powerpoint/2010/main" val="732088493"/>
+      </p:ext>
+    </p:extLst>
+  </p:cSld>
+  <p:clrMapOvr>
+    <a:masterClrMapping/>
+  </p:clrMapOvr>
+  <mc:AlternateContent xmlns:mc="http://schemas.openxmlformats.org/markup-compatibility/2006">
+    <mc:Choice xmlns:p159="http://schemas.microsoft.com/office/powerpoint/2015/09/main" Requires="p159">
+      <p:transition>
+        <p159:morph option="byObject"/>
+      </p:transition>
+    </mc:Choice>
+    <mc:Fallback>
+      <p:transition>
+        <p:fade/>
+      </p:transition>
+    </mc:Fallback>
+  </mc:AlternateContent>
+</p:sld>
+</file>
+
+<file path=ppt/slides/slide19.xml><?xml version="1.0" encoding="utf-8"?>
 <p:sld xmlns:a="http://schemas.openxmlformats.org/drawingml/2006/main" xmlns:r="http://schemas.openxmlformats.org/officeDocument/2006/relationships" xmlns:p="http://schemas.openxmlformats.org/presentationml/2006/main">
   <p:cSld>
     <p:spTree>
@@ -19256,1192 +22484,6 @@
     </p:tnLst>
     <p:bldLst>
       <p:bldP spid="10" grpId="0"/>
-    </p:bldLst>
-  </p:timing>
-</p:sld>
-</file>
-
-<file path=ppt/slides/slide18.xml><?xml version="1.0" encoding="utf-8"?>
-<p:sld xmlns:a="http://schemas.openxmlformats.org/drawingml/2006/main" xmlns:r="http://schemas.openxmlformats.org/officeDocument/2006/relationships" xmlns:p="http://schemas.openxmlformats.org/presentationml/2006/main">
-  <p:cSld>
-    <p:spTree>
-      <p:nvGrpSpPr>
-        <p:cNvPr id="1" name="Shape 111"/>
-        <p:cNvGrpSpPr/>
-        <p:nvPr/>
-      </p:nvGrpSpPr>
-      <p:grpSpPr>
-        <a:xfrm>
-          <a:off x="0" y="0"/>
-          <a:ext cx="0" cy="0"/>
-          <a:chOff x="0" y="0"/>
-          <a:chExt cx="0" cy="0"/>
-        </a:xfrm>
-      </p:grpSpPr>
-      <p:sp>
-        <p:nvSpPr>
-          <p:cNvPr id="112" name="Google Shape;112;p3"/>
-          <p:cNvSpPr txBox="1"/>
-          <p:nvPr/>
-        </p:nvSpPr>
-        <p:spPr>
-          <a:xfrm>
-            <a:off x="0" y="6858000"/>
-            <a:ext cx="12192000" cy="386904"/>
-          </a:xfrm>
-          <a:prstGeom prst="rect">
-            <a:avLst/>
-          </a:prstGeom>
-          <a:solidFill>
-            <a:srgbClr val="0078C1"/>
-          </a:solidFill>
-          <a:ln>
-            <a:noFill/>
-          </a:ln>
-        </p:spPr>
-        <p:txBody>
-          <a:bodyPr spcFirstLastPara="1" wrap="square" lIns="91425" tIns="45700" rIns="91425" bIns="45700" anchor="ctr" anchorCtr="0">
-            <a:normAutofit/>
-          </a:bodyPr>
-          <a:lstStyle/>
-          <a:p>
-            <a:pPr marL="0" marR="0" lvl="0" indent="0" algn="l" rtl="0">
-              <a:lnSpc>
-                <a:spcPct val="90000"/>
-              </a:lnSpc>
-              <a:spcBef>
-                <a:spcPts val="0"/>
-              </a:spcBef>
-              <a:spcAft>
-                <a:spcPts val="0"/>
-              </a:spcAft>
-              <a:buClr>
-                <a:schemeClr val="lt1"/>
-              </a:buClr>
-              <a:buSzPts val="1200"/>
-              <a:buFont typeface="Arial"/>
-              <a:buNone/>
-            </a:pPr>
-            <a:r>
-              <a:rPr lang="en-US" sz="1200">
-                <a:solidFill>
-                  <a:schemeClr val="lt1"/>
-                </a:solidFill>
-                <a:latin typeface="Poppins"/>
-                <a:ea typeface="Poppins"/>
-                <a:cs typeface="Poppins"/>
-                <a:sym typeface="Poppins"/>
-              </a:rPr>
-              <a:t>TD – Pengujian perangkat lunak</a:t>
-            </a:r>
-            <a:endParaRPr sz="400">
-              <a:solidFill>
-                <a:schemeClr val="lt1"/>
-              </a:solidFill>
-              <a:latin typeface="Poppins"/>
-              <a:ea typeface="Poppins"/>
-              <a:cs typeface="Poppins"/>
-              <a:sym typeface="Poppins"/>
-            </a:endParaRPr>
-          </a:p>
-        </p:txBody>
-      </p:sp>
-      <p:pic>
-        <p:nvPicPr>
-          <p:cNvPr id="113" name="Google Shape;113;p3"/>
-          <p:cNvPicPr preferRelativeResize="0"/>
-          <p:nvPr/>
-        </p:nvPicPr>
-        <p:blipFill rotWithShape="1">
-          <a:blip r:embed="rId3">
-            <a:alphaModFix/>
-          </a:blip>
-          <a:srcRect/>
-          <a:stretch/>
-        </p:blipFill>
-        <p:spPr>
-          <a:xfrm>
-            <a:off x="2637694" y="-1124101"/>
-            <a:ext cx="894290" cy="688986"/>
-          </a:xfrm>
-          <a:prstGeom prst="rect">
-            <a:avLst/>
-          </a:prstGeom>
-          <a:noFill/>
-          <a:ln>
-            <a:noFill/>
-          </a:ln>
-        </p:spPr>
-      </p:pic>
-      <p:pic>
-        <p:nvPicPr>
-          <p:cNvPr id="114" name="Google Shape;114;p3"/>
-          <p:cNvPicPr preferRelativeResize="0"/>
-          <p:nvPr/>
-        </p:nvPicPr>
-        <p:blipFill rotWithShape="1">
-          <a:blip r:embed="rId4">
-            <a:alphaModFix/>
-          </a:blip>
-          <a:srcRect/>
-          <a:stretch/>
-        </p:blipFill>
-        <p:spPr>
-          <a:xfrm>
-            <a:off x="826608" y="-7173"/>
-            <a:ext cx="1144336" cy="705674"/>
-          </a:xfrm>
-          <a:prstGeom prst="rect">
-            <a:avLst/>
-          </a:prstGeom>
-          <a:noFill/>
-          <a:ln>
-            <a:noFill/>
-          </a:ln>
-        </p:spPr>
-      </p:pic>
-      <p:sp>
-        <p:nvSpPr>
-          <p:cNvPr id="4" name="Google Shape;105;p2">
-            <a:extLst>
-              <a:ext uri="{FF2B5EF4-FFF2-40B4-BE49-F238E27FC236}">
-                <a16:creationId xmlns:a16="http://schemas.microsoft.com/office/drawing/2014/main" id="{543FD751-654D-EFBE-494F-2172AD05B145}"/>
-              </a:ext>
-            </a:extLst>
-          </p:cNvPr>
-          <p:cNvSpPr txBox="1"/>
-          <p:nvPr/>
-        </p:nvSpPr>
-        <p:spPr>
-          <a:xfrm>
-            <a:off x="2324667" y="596465"/>
-            <a:ext cx="9144000" cy="573741"/>
-          </a:xfrm>
-          <a:prstGeom prst="rect">
-            <a:avLst/>
-          </a:prstGeom>
-          <a:noFill/>
-          <a:ln>
-            <a:noFill/>
-          </a:ln>
-        </p:spPr>
-        <p:txBody>
-          <a:bodyPr spcFirstLastPara="1" wrap="square" lIns="91425" tIns="45700" rIns="91425" bIns="45700" anchor="b" anchorCtr="0">
-            <a:normAutofit/>
-          </a:bodyPr>
-          <a:lstStyle/>
-          <a:p>
-            <a:pPr marL="0" marR="0" lvl="0" indent="0" rtl="0">
-              <a:lnSpc>
-                <a:spcPct val="90000"/>
-              </a:lnSpc>
-              <a:spcBef>
-                <a:spcPts val="0"/>
-              </a:spcBef>
-              <a:spcAft>
-                <a:spcPts val="0"/>
-              </a:spcAft>
-              <a:buClr>
-                <a:srgbClr val="000000"/>
-              </a:buClr>
-              <a:buSzPts val="1800"/>
-              <a:buFont typeface="TimesNewRoman"/>
-              <a:buNone/>
-            </a:pPr>
-            <a:r>
-              <a:rPr lang="en-US" sz="3200" b="1" dirty="0" err="1">
-                <a:solidFill>
-                  <a:srgbClr val="0078C1"/>
-                </a:solidFill>
-                <a:latin typeface="Roboto" panose="02000000000000000000" pitchFamily="2" charset="0"/>
-                <a:ea typeface="Roboto" panose="02000000000000000000" pitchFamily="2" charset="0"/>
-                <a:cs typeface="Roboto" panose="02000000000000000000" pitchFamily="2" charset="0"/>
-                <a:sym typeface="TimesNewRoman"/>
-              </a:rPr>
-              <a:t>Evaluasi</a:t>
-            </a:r>
-            <a:endParaRPr sz="3200" b="1" u="none" dirty="0">
-              <a:solidFill>
-                <a:srgbClr val="0078C1"/>
-              </a:solidFill>
-              <a:latin typeface="Roboto" panose="02000000000000000000" pitchFamily="2" charset="0"/>
-              <a:ea typeface="Roboto" panose="02000000000000000000" pitchFamily="2" charset="0"/>
-              <a:cs typeface="Roboto" panose="02000000000000000000" pitchFamily="2" charset="0"/>
-              <a:sym typeface="Poppins"/>
-            </a:endParaRPr>
-          </a:p>
-        </p:txBody>
-      </p:sp>
-      <p:pic>
-        <p:nvPicPr>
-          <p:cNvPr id="2" name="Picture 1" descr="A screenshot of a table&#10;&#10;Description automatically generated">
-            <a:extLst>
-              <a:ext uri="{FF2B5EF4-FFF2-40B4-BE49-F238E27FC236}">
-                <a16:creationId xmlns:a16="http://schemas.microsoft.com/office/drawing/2014/main" id="{04452B97-F3E1-B0E6-F967-B8F9AD2C4A67}"/>
-              </a:ext>
-            </a:extLst>
-          </p:cNvPr>
-          <p:cNvPicPr>
-            <a:picLocks noChangeAspect="1"/>
-          </p:cNvPicPr>
-          <p:nvPr/>
-        </p:nvPicPr>
-        <p:blipFill>
-          <a:blip r:embed="rId5"/>
-          <a:stretch>
-            <a:fillRect/>
-          </a:stretch>
-        </p:blipFill>
-        <p:spPr>
-          <a:xfrm>
-            <a:off x="1489963" y="1558631"/>
-            <a:ext cx="9212074" cy="2847980"/>
-          </a:xfrm>
-          <a:prstGeom prst="rect">
-            <a:avLst/>
-          </a:prstGeom>
-        </p:spPr>
-      </p:pic>
-      <p:sp>
-        <p:nvSpPr>
-          <p:cNvPr id="5" name="TextBox 4">
-            <a:extLst>
-              <a:ext uri="{FF2B5EF4-FFF2-40B4-BE49-F238E27FC236}">
-                <a16:creationId xmlns:a16="http://schemas.microsoft.com/office/drawing/2014/main" id="{07194865-47F5-3273-23C5-F5AB8C316F64}"/>
-              </a:ext>
-            </a:extLst>
-          </p:cNvPr>
-          <p:cNvSpPr txBox="1"/>
-          <p:nvPr/>
-        </p:nvSpPr>
-        <p:spPr>
-          <a:xfrm>
-            <a:off x="3084839" y="4919406"/>
-            <a:ext cx="6096000" cy="523220"/>
-          </a:xfrm>
-          <a:prstGeom prst="rect">
-            <a:avLst/>
-          </a:prstGeom>
-          <a:noFill/>
-        </p:spPr>
-        <p:txBody>
-          <a:bodyPr wrap="square">
-            <a:spAutoFit/>
-          </a:bodyPr>
-          <a:lstStyle/>
-          <a:p>
-            <a:pPr algn="ctr"/>
-            <a:r>
-              <a:rPr lang="id-ID" sz="1400" i="1" dirty="0">
-                <a:effectLst/>
-                <a:latin typeface="Raleway" pitchFamily="2" charset="0"/>
-                <a:ea typeface="Times New Roman" panose="02020603050405020304" pitchFamily="18" charset="0"/>
-                <a:cs typeface="Times New Roman" panose="02020603050405020304" pitchFamily="18" charset="0"/>
-              </a:rPr>
-              <a:t>p-</a:t>
-            </a:r>
-            <a:r>
-              <a:rPr lang="id-ID" sz="1400" i="1" dirty="0" err="1">
-                <a:effectLst/>
-                <a:latin typeface="Raleway" pitchFamily="2" charset="0"/>
-                <a:ea typeface="Times New Roman" panose="02020603050405020304" pitchFamily="18" charset="0"/>
-                <a:cs typeface="Times New Roman" panose="02020603050405020304" pitchFamily="18" charset="0"/>
-              </a:rPr>
-              <a:t>value</a:t>
-            </a:r>
-            <a:r>
-              <a:rPr lang="id-ID" sz="1400" dirty="0">
-                <a:effectLst/>
-                <a:latin typeface="Raleway" pitchFamily="2" charset="0"/>
-                <a:ea typeface="Times New Roman" panose="02020603050405020304" pitchFamily="18" charset="0"/>
-                <a:cs typeface="Times New Roman" panose="02020603050405020304" pitchFamily="18" charset="0"/>
-              </a:rPr>
-              <a:t> sebesar 0.025 yang artinya perbedaannya sangat signifikan karena sudah membantah dari H</a:t>
-            </a:r>
-            <a:r>
-              <a:rPr lang="id-ID" sz="1400" baseline="-25000" dirty="0">
-                <a:effectLst/>
-                <a:latin typeface="Raleway" pitchFamily="2" charset="0"/>
-                <a:ea typeface="Times New Roman" panose="02020603050405020304" pitchFamily="18" charset="0"/>
-                <a:cs typeface="Times New Roman" panose="02020603050405020304" pitchFamily="18" charset="0"/>
-              </a:rPr>
-              <a:t>0</a:t>
-            </a:r>
-            <a:endParaRPr lang="en-US" dirty="0"/>
-          </a:p>
-        </p:txBody>
-      </p:sp>
-    </p:spTree>
-    <p:extLst>
-      <p:ext uri="{BB962C8B-B14F-4D97-AF65-F5344CB8AC3E}">
-        <p14:creationId xmlns:p14="http://schemas.microsoft.com/office/powerpoint/2010/main" val="707046015"/>
-      </p:ext>
-    </p:extLst>
-  </p:cSld>
-  <p:clrMapOvr>
-    <a:masterClrMapping/>
-  </p:clrMapOvr>
-  <mc:AlternateContent xmlns:mc="http://schemas.openxmlformats.org/markup-compatibility/2006" xmlns:p159="http://schemas.microsoft.com/office/powerpoint/2015/09/main">
-    <mc:Choice Requires="p159">
-      <p:transition>
-        <p159:morph option="byObject"/>
-      </p:transition>
-    </mc:Choice>
-    <mc:Fallback xmlns="">
-      <p:transition>
-        <p:fade/>
-      </p:transition>
-    </mc:Fallback>
-  </mc:AlternateContent>
-  <p:timing>
-    <p:tnLst>
-      <p:par>
-        <p:cTn id="1" dur="indefinite" restart="never" nodeType="tmRoot">
-          <p:childTnLst>
-            <p:seq concurrent="1" nextAc="seek">
-              <p:cTn id="2" dur="indefinite" nodeType="mainSeq">
-                <p:childTnLst>
-                  <p:par>
-                    <p:cTn id="3" fill="hold">
-                      <p:stCondLst>
-                        <p:cond delay="indefinite"/>
-                      </p:stCondLst>
-                      <p:childTnLst>
-                        <p:par>
-                          <p:cTn id="4" fill="hold">
-                            <p:stCondLst>
-                              <p:cond delay="0"/>
-                            </p:stCondLst>
-                            <p:childTnLst>
-                              <p:par>
-                                <p:cTn id="5" presetID="10" presetClass="entr" presetSubtype="0" fill="hold" nodeType="clickEffect">
-                                  <p:stCondLst>
-                                    <p:cond delay="0"/>
-                                  </p:stCondLst>
-                                  <p:childTnLst>
-                                    <p:set>
-                                      <p:cBhvr>
-                                        <p:cTn id="6" dur="1" fill="hold">
-                                          <p:stCondLst>
-                                            <p:cond delay="0"/>
-                                          </p:stCondLst>
-                                        </p:cTn>
-                                        <p:tgtEl>
-                                          <p:spTgt spid="2"/>
-                                        </p:tgtEl>
-                                        <p:attrNameLst>
-                                          <p:attrName>style.visibility</p:attrName>
-                                        </p:attrNameLst>
-                                      </p:cBhvr>
-                                      <p:to>
-                                        <p:strVal val="visible"/>
-                                      </p:to>
-                                    </p:set>
-                                    <p:animEffect transition="in" filter="fade">
-                                      <p:cBhvr>
-                                        <p:cTn id="7" dur="500"/>
-                                        <p:tgtEl>
-                                          <p:spTgt spid="2"/>
-                                        </p:tgtEl>
-                                      </p:cBhvr>
-                                    </p:animEffect>
-                                  </p:childTnLst>
-                                </p:cTn>
-                              </p:par>
-                            </p:childTnLst>
-                          </p:cTn>
-                        </p:par>
-                      </p:childTnLst>
-                    </p:cTn>
-                  </p:par>
-                  <p:par>
-                    <p:cTn id="8" fill="hold">
-                      <p:stCondLst>
-                        <p:cond delay="indefinite"/>
-                      </p:stCondLst>
-                      <p:childTnLst>
-                        <p:par>
-                          <p:cTn id="9" fill="hold">
-                            <p:stCondLst>
-                              <p:cond delay="0"/>
-                            </p:stCondLst>
-                            <p:childTnLst>
-                              <p:par>
-                                <p:cTn id="10" presetID="10" presetClass="entr" presetSubtype="0" fill="hold" grpId="0" nodeType="clickEffect">
-                                  <p:stCondLst>
-                                    <p:cond delay="0"/>
-                                  </p:stCondLst>
-                                  <p:childTnLst>
-                                    <p:set>
-                                      <p:cBhvr>
-                                        <p:cTn id="11" dur="1" fill="hold">
-                                          <p:stCondLst>
-                                            <p:cond delay="0"/>
-                                          </p:stCondLst>
-                                        </p:cTn>
-                                        <p:tgtEl>
-                                          <p:spTgt spid="5"/>
-                                        </p:tgtEl>
-                                        <p:attrNameLst>
-                                          <p:attrName>style.visibility</p:attrName>
-                                        </p:attrNameLst>
-                                      </p:cBhvr>
-                                      <p:to>
-                                        <p:strVal val="visible"/>
-                                      </p:to>
-                                    </p:set>
-                                    <p:animEffect transition="in" filter="fade">
-                                      <p:cBhvr>
-                                        <p:cTn id="12" dur="500"/>
-                                        <p:tgtEl>
-                                          <p:spTgt spid="5"/>
-                                        </p:tgtEl>
-                                      </p:cBhvr>
-                                    </p:animEffect>
-                                  </p:childTnLst>
-                                </p:cTn>
-                              </p:par>
-                            </p:childTnLst>
-                          </p:cTn>
-                        </p:par>
-                      </p:childTnLst>
-                    </p:cTn>
-                  </p:par>
-                </p:childTnLst>
-              </p:cTn>
-              <p:prevCondLst>
-                <p:cond evt="onPrev" delay="0">
-                  <p:tgtEl>
-                    <p:sldTgt/>
-                  </p:tgtEl>
-                </p:cond>
-              </p:prevCondLst>
-              <p:nextCondLst>
-                <p:cond evt="onNext" delay="0">
-                  <p:tgtEl>
-                    <p:sldTgt/>
-                  </p:tgtEl>
-                </p:cond>
-              </p:nextCondLst>
-            </p:seq>
-          </p:childTnLst>
-        </p:cTn>
-      </p:par>
-    </p:tnLst>
-    <p:bldLst>
-      <p:bldP spid="5" grpId="0"/>
-    </p:bldLst>
-  </p:timing>
-</p:sld>
-</file>
-
-<file path=ppt/slides/slide19.xml><?xml version="1.0" encoding="utf-8"?>
-<p:sld xmlns:a="http://schemas.openxmlformats.org/drawingml/2006/main" xmlns:r="http://schemas.openxmlformats.org/officeDocument/2006/relationships" xmlns:p="http://schemas.openxmlformats.org/presentationml/2006/main">
-  <p:cSld>
-    <p:spTree>
-      <p:nvGrpSpPr>
-        <p:cNvPr id="1" name="Shape 111"/>
-        <p:cNvGrpSpPr/>
-        <p:nvPr/>
-      </p:nvGrpSpPr>
-      <p:grpSpPr>
-        <a:xfrm>
-          <a:off x="0" y="0"/>
-          <a:ext cx="0" cy="0"/>
-          <a:chOff x="0" y="0"/>
-          <a:chExt cx="0" cy="0"/>
-        </a:xfrm>
-      </p:grpSpPr>
-      <p:sp>
-        <p:nvSpPr>
-          <p:cNvPr id="112" name="Google Shape;112;p3"/>
-          <p:cNvSpPr txBox="1"/>
-          <p:nvPr/>
-        </p:nvSpPr>
-        <p:spPr>
-          <a:xfrm>
-            <a:off x="0" y="6858000"/>
-            <a:ext cx="12192000" cy="386904"/>
-          </a:xfrm>
-          <a:prstGeom prst="rect">
-            <a:avLst/>
-          </a:prstGeom>
-          <a:solidFill>
-            <a:srgbClr val="0078C1"/>
-          </a:solidFill>
-          <a:ln>
-            <a:noFill/>
-          </a:ln>
-        </p:spPr>
-        <p:txBody>
-          <a:bodyPr spcFirstLastPara="1" wrap="square" lIns="91425" tIns="45700" rIns="91425" bIns="45700" anchor="ctr" anchorCtr="0">
-            <a:normAutofit/>
-          </a:bodyPr>
-          <a:lstStyle/>
-          <a:p>
-            <a:pPr marL="0" marR="0" lvl="0" indent="0" algn="l" rtl="0">
-              <a:lnSpc>
-                <a:spcPct val="90000"/>
-              </a:lnSpc>
-              <a:spcBef>
-                <a:spcPts val="0"/>
-              </a:spcBef>
-              <a:spcAft>
-                <a:spcPts val="0"/>
-              </a:spcAft>
-              <a:buClr>
-                <a:schemeClr val="lt1"/>
-              </a:buClr>
-              <a:buSzPts val="1200"/>
-              <a:buFont typeface="Arial"/>
-              <a:buNone/>
-            </a:pPr>
-            <a:r>
-              <a:rPr lang="en-US" sz="1200">
-                <a:solidFill>
-                  <a:schemeClr val="lt1"/>
-                </a:solidFill>
-                <a:latin typeface="Poppins"/>
-                <a:ea typeface="Poppins"/>
-                <a:cs typeface="Poppins"/>
-                <a:sym typeface="Poppins"/>
-              </a:rPr>
-              <a:t>TD – Pengujian perangkat lunak</a:t>
-            </a:r>
-            <a:endParaRPr sz="400">
-              <a:solidFill>
-                <a:schemeClr val="lt1"/>
-              </a:solidFill>
-              <a:latin typeface="Poppins"/>
-              <a:ea typeface="Poppins"/>
-              <a:cs typeface="Poppins"/>
-              <a:sym typeface="Poppins"/>
-            </a:endParaRPr>
-          </a:p>
-        </p:txBody>
-      </p:sp>
-      <p:pic>
-        <p:nvPicPr>
-          <p:cNvPr id="113" name="Google Shape;113;p3"/>
-          <p:cNvPicPr preferRelativeResize="0"/>
-          <p:nvPr/>
-        </p:nvPicPr>
-        <p:blipFill rotWithShape="1">
-          <a:blip r:embed="rId3">
-            <a:alphaModFix/>
-          </a:blip>
-          <a:srcRect/>
-          <a:stretch/>
-        </p:blipFill>
-        <p:spPr>
-          <a:xfrm>
-            <a:off x="2637694" y="-1124101"/>
-            <a:ext cx="894290" cy="688986"/>
-          </a:xfrm>
-          <a:prstGeom prst="rect">
-            <a:avLst/>
-          </a:prstGeom>
-          <a:noFill/>
-          <a:ln>
-            <a:noFill/>
-          </a:ln>
-        </p:spPr>
-      </p:pic>
-      <p:pic>
-        <p:nvPicPr>
-          <p:cNvPr id="114" name="Google Shape;114;p3"/>
-          <p:cNvPicPr preferRelativeResize="0"/>
-          <p:nvPr/>
-        </p:nvPicPr>
-        <p:blipFill rotWithShape="1">
-          <a:blip r:embed="rId4">
-            <a:alphaModFix/>
-          </a:blip>
-          <a:srcRect/>
-          <a:stretch/>
-        </p:blipFill>
-        <p:spPr>
-          <a:xfrm>
-            <a:off x="826608" y="-7173"/>
-            <a:ext cx="1144336" cy="705674"/>
-          </a:xfrm>
-          <a:prstGeom prst="rect">
-            <a:avLst/>
-          </a:prstGeom>
-          <a:noFill/>
-          <a:ln>
-            <a:noFill/>
-          </a:ln>
-        </p:spPr>
-      </p:pic>
-      <p:sp>
-        <p:nvSpPr>
-          <p:cNvPr id="4" name="Google Shape;105;p2">
-            <a:extLst>
-              <a:ext uri="{FF2B5EF4-FFF2-40B4-BE49-F238E27FC236}">
-                <a16:creationId xmlns:a16="http://schemas.microsoft.com/office/drawing/2014/main" id="{543FD751-654D-EFBE-494F-2172AD05B145}"/>
-              </a:ext>
-            </a:extLst>
-          </p:cNvPr>
-          <p:cNvSpPr txBox="1"/>
-          <p:nvPr/>
-        </p:nvSpPr>
-        <p:spPr>
-          <a:xfrm>
-            <a:off x="1740153" y="1032196"/>
-            <a:ext cx="9144000" cy="573741"/>
-          </a:xfrm>
-          <a:prstGeom prst="rect">
-            <a:avLst/>
-          </a:prstGeom>
-          <a:noFill/>
-          <a:ln>
-            <a:noFill/>
-          </a:ln>
-        </p:spPr>
-        <p:txBody>
-          <a:bodyPr spcFirstLastPara="1" wrap="square" lIns="91425" tIns="45700" rIns="91425" bIns="45700" anchor="b" anchorCtr="0">
-            <a:normAutofit/>
-          </a:bodyPr>
-          <a:lstStyle/>
-          <a:p>
-            <a:pPr marL="0" marR="0" lvl="0" indent="0" rtl="0">
-              <a:lnSpc>
-                <a:spcPct val="90000"/>
-              </a:lnSpc>
-              <a:spcBef>
-                <a:spcPts val="0"/>
-              </a:spcBef>
-              <a:spcAft>
-                <a:spcPts val="0"/>
-              </a:spcAft>
-              <a:buClr>
-                <a:srgbClr val="000000"/>
-              </a:buClr>
-              <a:buSzPts val="1800"/>
-              <a:buFont typeface="TimesNewRoman"/>
-              <a:buNone/>
-            </a:pPr>
-            <a:r>
-              <a:rPr lang="en-US" sz="3200" b="1" dirty="0" err="1">
-                <a:solidFill>
-                  <a:srgbClr val="0078C1"/>
-                </a:solidFill>
-                <a:latin typeface="Roboto" panose="02000000000000000000" pitchFamily="2" charset="0"/>
-                <a:ea typeface="Roboto" panose="02000000000000000000" pitchFamily="2" charset="0"/>
-                <a:cs typeface="Roboto" panose="02000000000000000000" pitchFamily="2" charset="0"/>
-                <a:sym typeface="TimesNewRoman"/>
-              </a:rPr>
-              <a:t>Diskusi</a:t>
-            </a:r>
-            <a:endParaRPr sz="3200" b="1" u="none" dirty="0">
-              <a:solidFill>
-                <a:srgbClr val="0078C1"/>
-              </a:solidFill>
-              <a:latin typeface="Roboto" panose="02000000000000000000" pitchFamily="2" charset="0"/>
-              <a:ea typeface="Roboto" panose="02000000000000000000" pitchFamily="2" charset="0"/>
-              <a:cs typeface="Roboto" panose="02000000000000000000" pitchFamily="2" charset="0"/>
-              <a:sym typeface="Poppins"/>
-            </a:endParaRPr>
-          </a:p>
-        </p:txBody>
-      </p:sp>
-      <p:sp>
-        <p:nvSpPr>
-          <p:cNvPr id="6" name="TextBox 5">
-            <a:extLst>
-              <a:ext uri="{FF2B5EF4-FFF2-40B4-BE49-F238E27FC236}">
-                <a16:creationId xmlns:a16="http://schemas.microsoft.com/office/drawing/2014/main" id="{E5CAC92B-CCC6-A5AF-717A-EF194CE9F3B4}"/>
-              </a:ext>
-            </a:extLst>
-          </p:cNvPr>
-          <p:cNvSpPr txBox="1"/>
-          <p:nvPr/>
-        </p:nvSpPr>
-        <p:spPr>
-          <a:xfrm>
-            <a:off x="2342419" y="3457601"/>
-            <a:ext cx="8401050" cy="1077218"/>
-          </a:xfrm>
-          <a:prstGeom prst="rect">
-            <a:avLst/>
-          </a:prstGeom>
-          <a:noFill/>
-        </p:spPr>
-        <p:txBody>
-          <a:bodyPr wrap="square">
-            <a:spAutoFit/>
-          </a:bodyPr>
-          <a:lstStyle/>
-          <a:p>
-            <a:pPr marL="342900" indent="-342900">
-              <a:buFont typeface="+mj-lt"/>
-              <a:buAutoNum type="arabicPeriod"/>
-            </a:pPr>
-            <a:endParaRPr lang="en-US" sz="3200" dirty="0">
-              <a:effectLst/>
-              <a:latin typeface="+mn-lt"/>
-              <a:ea typeface="Times New Roman" panose="02020603050405020304" pitchFamily="18" charset="0"/>
-              <a:cs typeface="Times New Roman" panose="02020603050405020304" pitchFamily="18" charset="0"/>
-            </a:endParaRPr>
-          </a:p>
-          <a:p>
-            <a:pPr marL="342900" indent="-342900">
-              <a:buFont typeface="+mj-lt"/>
-              <a:buAutoNum type="arabicPeriod"/>
-            </a:pPr>
-            <a:endParaRPr lang="en-US" sz="3200" dirty="0">
-              <a:latin typeface="+mn-lt"/>
-            </a:endParaRPr>
-          </a:p>
-        </p:txBody>
-      </p:sp>
-      <p:sp>
-        <p:nvSpPr>
-          <p:cNvPr id="2" name="Rectangle 1">
-            <a:extLst>
-              <a:ext uri="{FF2B5EF4-FFF2-40B4-BE49-F238E27FC236}">
-                <a16:creationId xmlns:a16="http://schemas.microsoft.com/office/drawing/2014/main" id="{7088C7F0-1B2F-B3A5-0812-196EC4B3D915}"/>
-              </a:ext>
-            </a:extLst>
-          </p:cNvPr>
-          <p:cNvSpPr/>
-          <p:nvPr/>
-        </p:nvSpPr>
-        <p:spPr>
-          <a:xfrm>
-            <a:off x="1767237" y="1964477"/>
-            <a:ext cx="386904" cy="386904"/>
-          </a:xfrm>
-          <a:prstGeom prst="rect">
-            <a:avLst/>
-          </a:prstGeom>
-          <a:solidFill>
-            <a:srgbClr val="0078C1"/>
-          </a:solidFill>
-          <a:ln>
-            <a:noFill/>
-          </a:ln>
-        </p:spPr>
-        <p:style>
-          <a:lnRef idx="2">
-            <a:schemeClr val="accent1">
-              <a:shade val="50000"/>
-            </a:schemeClr>
-          </a:lnRef>
-          <a:fillRef idx="1">
-            <a:schemeClr val="accent1"/>
-          </a:fillRef>
-          <a:effectRef idx="0">
-            <a:schemeClr val="accent1"/>
-          </a:effectRef>
-          <a:fontRef idx="minor">
-            <a:schemeClr val="lt1"/>
-          </a:fontRef>
-        </p:style>
-        <p:txBody>
-          <a:bodyPr rtlCol="0" anchor="ctr"/>
-          <a:lstStyle/>
-          <a:p>
-            <a:pPr algn="ctr"/>
-            <a:r>
-              <a:rPr lang="en-US" sz="1600" b="1" dirty="0"/>
-              <a:t>1</a:t>
-            </a:r>
-          </a:p>
-        </p:txBody>
-      </p:sp>
-      <p:sp>
-        <p:nvSpPr>
-          <p:cNvPr id="3" name="TextBox 2">
-            <a:extLst>
-              <a:ext uri="{FF2B5EF4-FFF2-40B4-BE49-F238E27FC236}">
-                <a16:creationId xmlns:a16="http://schemas.microsoft.com/office/drawing/2014/main" id="{AA8618F7-7429-6DB1-005C-1FED5992C57A}"/>
-              </a:ext>
-            </a:extLst>
-          </p:cNvPr>
-          <p:cNvSpPr txBox="1"/>
-          <p:nvPr/>
-        </p:nvSpPr>
-        <p:spPr>
-          <a:xfrm>
-            <a:off x="2342419" y="1964477"/>
-            <a:ext cx="8452359" cy="830997"/>
-          </a:xfrm>
-          <a:prstGeom prst="rect">
-            <a:avLst/>
-          </a:prstGeom>
-          <a:noFill/>
-        </p:spPr>
-        <p:txBody>
-          <a:bodyPr wrap="square">
-            <a:spAutoFit/>
-          </a:bodyPr>
-          <a:lstStyle/>
-          <a:p>
-            <a:r>
-              <a:rPr lang="en-US" sz="2400" b="1" dirty="0" err="1">
-                <a:solidFill>
-                  <a:schemeClr val="tx1"/>
-                </a:solidFill>
-                <a:effectLst/>
-                <a:latin typeface="Roboto" panose="02000000000000000000" pitchFamily="2" charset="0"/>
-                <a:ea typeface="Roboto" panose="02000000000000000000" pitchFamily="2" charset="0"/>
-                <a:cs typeface="Roboto" panose="02000000000000000000" pitchFamily="2" charset="0"/>
-              </a:rPr>
-              <a:t>Perbandingan</a:t>
-            </a:r>
-            <a:r>
-              <a:rPr lang="en-US" sz="2400" b="1" dirty="0">
-                <a:solidFill>
-                  <a:schemeClr val="tx1"/>
-                </a:solidFill>
-                <a:effectLst/>
-                <a:latin typeface="Roboto" panose="02000000000000000000" pitchFamily="2" charset="0"/>
-                <a:ea typeface="Roboto" panose="02000000000000000000" pitchFamily="2" charset="0"/>
-                <a:cs typeface="Roboto" panose="02000000000000000000" pitchFamily="2" charset="0"/>
-              </a:rPr>
-              <a:t> </a:t>
-            </a:r>
-            <a:r>
-              <a:rPr lang="en-US" sz="2400" b="1" dirty="0" err="1">
-                <a:solidFill>
-                  <a:schemeClr val="tx1"/>
-                </a:solidFill>
-                <a:effectLst/>
-                <a:latin typeface="Roboto" panose="02000000000000000000" pitchFamily="2" charset="0"/>
-                <a:ea typeface="Roboto" panose="02000000000000000000" pitchFamily="2" charset="0"/>
-                <a:cs typeface="Roboto" panose="02000000000000000000" pitchFamily="2" charset="0"/>
-              </a:rPr>
-              <a:t>cukup</a:t>
-            </a:r>
-            <a:r>
-              <a:rPr lang="en-US" sz="2400" b="1" dirty="0">
-                <a:solidFill>
-                  <a:schemeClr val="tx1"/>
-                </a:solidFill>
-                <a:effectLst/>
-                <a:latin typeface="Roboto" panose="02000000000000000000" pitchFamily="2" charset="0"/>
-                <a:ea typeface="Roboto" panose="02000000000000000000" pitchFamily="2" charset="0"/>
-                <a:cs typeface="Roboto" panose="02000000000000000000" pitchFamily="2" charset="0"/>
-              </a:rPr>
-              <a:t> </a:t>
-            </a:r>
-            <a:r>
-              <a:rPr lang="en-US" sz="2400" b="1" dirty="0" err="1">
-                <a:solidFill>
-                  <a:schemeClr val="tx1"/>
-                </a:solidFill>
-                <a:effectLst/>
-                <a:latin typeface="Roboto" panose="02000000000000000000" pitchFamily="2" charset="0"/>
-                <a:ea typeface="Roboto" panose="02000000000000000000" pitchFamily="2" charset="0"/>
-                <a:cs typeface="Roboto" panose="02000000000000000000" pitchFamily="2" charset="0"/>
-              </a:rPr>
-              <a:t>signifikan</a:t>
-            </a:r>
-            <a:r>
-              <a:rPr lang="en-US" sz="2400" b="1" dirty="0">
-                <a:solidFill>
-                  <a:schemeClr val="tx1"/>
-                </a:solidFill>
-                <a:effectLst/>
-                <a:latin typeface="Roboto" panose="02000000000000000000" pitchFamily="2" charset="0"/>
-                <a:ea typeface="Roboto" panose="02000000000000000000" pitchFamily="2" charset="0"/>
-                <a:cs typeface="Roboto" panose="02000000000000000000" pitchFamily="2" charset="0"/>
-              </a:rPr>
-              <a:t> </a:t>
-            </a:r>
-            <a:r>
-              <a:rPr lang="en-US" sz="2400" b="1" dirty="0" err="1">
-                <a:solidFill>
-                  <a:schemeClr val="tx1"/>
-                </a:solidFill>
-                <a:effectLst/>
-                <a:latin typeface="Roboto" panose="02000000000000000000" pitchFamily="2" charset="0"/>
-                <a:ea typeface="Roboto" panose="02000000000000000000" pitchFamily="2" charset="0"/>
-                <a:cs typeface="Roboto" panose="02000000000000000000" pitchFamily="2" charset="0"/>
-              </a:rPr>
-              <a:t>antara</a:t>
-            </a:r>
-            <a:r>
-              <a:rPr lang="en-US" sz="2400" b="1" dirty="0">
-                <a:solidFill>
-                  <a:schemeClr val="tx1"/>
-                </a:solidFill>
-                <a:effectLst/>
-                <a:latin typeface="Roboto" panose="02000000000000000000" pitchFamily="2" charset="0"/>
-                <a:ea typeface="Roboto" panose="02000000000000000000" pitchFamily="2" charset="0"/>
-                <a:cs typeface="Roboto" panose="02000000000000000000" pitchFamily="2" charset="0"/>
-              </a:rPr>
-              <a:t> </a:t>
-            </a:r>
-            <a:r>
-              <a:rPr lang="en-US" sz="2400" b="1" dirty="0" err="1">
-                <a:solidFill>
-                  <a:schemeClr val="tx1"/>
-                </a:solidFill>
-                <a:effectLst/>
-                <a:latin typeface="Roboto" panose="02000000000000000000" pitchFamily="2" charset="0"/>
-                <a:ea typeface="Roboto" panose="02000000000000000000" pitchFamily="2" charset="0"/>
-                <a:cs typeface="Roboto" panose="02000000000000000000" pitchFamily="2" charset="0"/>
-              </a:rPr>
-              <a:t>gamifikasi</a:t>
-            </a:r>
-            <a:r>
-              <a:rPr lang="en-US" sz="2400" b="1" dirty="0">
-                <a:solidFill>
-                  <a:schemeClr val="tx1"/>
-                </a:solidFill>
-                <a:effectLst/>
-                <a:latin typeface="Roboto" panose="02000000000000000000" pitchFamily="2" charset="0"/>
-                <a:ea typeface="Roboto" panose="02000000000000000000" pitchFamily="2" charset="0"/>
-                <a:cs typeface="Roboto" panose="02000000000000000000" pitchFamily="2" charset="0"/>
-              </a:rPr>
-              <a:t> dan mode lama</a:t>
-            </a:r>
-          </a:p>
-        </p:txBody>
-      </p:sp>
-      <p:sp>
-        <p:nvSpPr>
-          <p:cNvPr id="5" name="Rectangle 4">
-            <a:extLst>
-              <a:ext uri="{FF2B5EF4-FFF2-40B4-BE49-F238E27FC236}">
-                <a16:creationId xmlns:a16="http://schemas.microsoft.com/office/drawing/2014/main" id="{3225ECFA-53A7-2050-1208-09A10A826143}"/>
-              </a:ext>
-            </a:extLst>
-          </p:cNvPr>
-          <p:cNvSpPr/>
-          <p:nvPr/>
-        </p:nvSpPr>
-        <p:spPr>
-          <a:xfrm>
-            <a:off x="1767237" y="3029291"/>
-            <a:ext cx="386904" cy="386904"/>
-          </a:xfrm>
-          <a:prstGeom prst="rect">
-            <a:avLst/>
-          </a:prstGeom>
-          <a:solidFill>
-            <a:srgbClr val="0078C1"/>
-          </a:solidFill>
-          <a:ln>
-            <a:noFill/>
-          </a:ln>
-        </p:spPr>
-        <p:style>
-          <a:lnRef idx="2">
-            <a:schemeClr val="accent1">
-              <a:shade val="50000"/>
-            </a:schemeClr>
-          </a:lnRef>
-          <a:fillRef idx="1">
-            <a:schemeClr val="accent1"/>
-          </a:fillRef>
-          <a:effectRef idx="0">
-            <a:schemeClr val="accent1"/>
-          </a:effectRef>
-          <a:fontRef idx="minor">
-            <a:schemeClr val="lt1"/>
-          </a:fontRef>
-        </p:style>
-        <p:txBody>
-          <a:bodyPr rtlCol="0" anchor="ctr"/>
-          <a:lstStyle/>
-          <a:p>
-            <a:pPr algn="ctr"/>
-            <a:r>
-              <a:rPr lang="en-US" sz="1600" b="1" dirty="0"/>
-              <a:t>2</a:t>
-            </a:r>
-          </a:p>
-        </p:txBody>
-      </p:sp>
-      <p:sp>
-        <p:nvSpPr>
-          <p:cNvPr id="7" name="TextBox 6">
-            <a:extLst>
-              <a:ext uri="{FF2B5EF4-FFF2-40B4-BE49-F238E27FC236}">
-                <a16:creationId xmlns:a16="http://schemas.microsoft.com/office/drawing/2014/main" id="{98C30535-0671-8524-8DB9-11F46DD04FEE}"/>
-              </a:ext>
-            </a:extLst>
-          </p:cNvPr>
-          <p:cNvSpPr txBox="1"/>
-          <p:nvPr/>
-        </p:nvSpPr>
-        <p:spPr>
-          <a:xfrm>
-            <a:off x="2342419" y="3093029"/>
-            <a:ext cx="8452359" cy="830997"/>
-          </a:xfrm>
-          <a:prstGeom prst="rect">
-            <a:avLst/>
-          </a:prstGeom>
-          <a:noFill/>
-        </p:spPr>
-        <p:txBody>
-          <a:bodyPr wrap="square">
-            <a:spAutoFit/>
-          </a:bodyPr>
-          <a:lstStyle/>
-          <a:p>
-            <a:r>
-              <a:rPr lang="sv-SE" sz="2400" b="1" dirty="0">
-                <a:solidFill>
-                  <a:schemeClr val="tx1"/>
-                </a:solidFill>
-                <a:effectLst/>
-                <a:latin typeface="Roboto" panose="02000000000000000000" pitchFamily="2" charset="0"/>
-                <a:ea typeface="Roboto" panose="02000000000000000000" pitchFamily="2" charset="0"/>
-                <a:cs typeface="Roboto" panose="02000000000000000000" pitchFamily="2" charset="0"/>
-              </a:rPr>
-              <a:t>Metode Lama unggul di competence, bisa saja dikarenakan tidak ada pilot pengisian kuesioner</a:t>
-            </a:r>
-          </a:p>
-        </p:txBody>
-      </p:sp>
-    </p:spTree>
-    <p:extLst>
-      <p:ext uri="{BB962C8B-B14F-4D97-AF65-F5344CB8AC3E}">
-        <p14:creationId xmlns:p14="http://schemas.microsoft.com/office/powerpoint/2010/main" val="3033295957"/>
-      </p:ext>
-    </p:extLst>
-  </p:cSld>
-  <p:clrMapOvr>
-    <a:masterClrMapping/>
-  </p:clrMapOvr>
-  <mc:AlternateContent xmlns:mc="http://schemas.openxmlformats.org/markup-compatibility/2006" xmlns:p159="http://schemas.microsoft.com/office/powerpoint/2015/09/main">
-    <mc:Choice Requires="p159">
-      <p:transition>
-        <p159:morph option="byObject"/>
-      </p:transition>
-    </mc:Choice>
-    <mc:Fallback xmlns="">
-      <p:transition>
-        <p:fade/>
-      </p:transition>
-    </mc:Fallback>
-  </mc:AlternateContent>
-  <p:timing>
-    <p:tnLst>
-      <p:par>
-        <p:cTn id="1" dur="indefinite" restart="never" nodeType="tmRoot">
-          <p:childTnLst>
-            <p:seq concurrent="1" nextAc="seek">
-              <p:cTn id="2" dur="indefinite" nodeType="mainSeq">
-                <p:childTnLst>
-                  <p:par>
-                    <p:cTn id="3" fill="hold">
-                      <p:stCondLst>
-                        <p:cond delay="indefinite"/>
-                      </p:stCondLst>
-                      <p:childTnLst>
-                        <p:par>
-                          <p:cTn id="4" fill="hold">
-                            <p:stCondLst>
-                              <p:cond delay="0"/>
-                            </p:stCondLst>
-                            <p:childTnLst>
-                              <p:par>
-                                <p:cTn id="5" presetID="10" presetClass="entr" presetSubtype="0" fill="hold" grpId="0" nodeType="clickEffect">
-                                  <p:stCondLst>
-                                    <p:cond delay="0"/>
-                                  </p:stCondLst>
-                                  <p:childTnLst>
-                                    <p:set>
-                                      <p:cBhvr>
-                                        <p:cTn id="6" dur="1" fill="hold">
-                                          <p:stCondLst>
-                                            <p:cond delay="0"/>
-                                          </p:stCondLst>
-                                        </p:cTn>
-                                        <p:tgtEl>
-                                          <p:spTgt spid="7"/>
-                                        </p:tgtEl>
-                                        <p:attrNameLst>
-                                          <p:attrName>style.visibility</p:attrName>
-                                        </p:attrNameLst>
-                                      </p:cBhvr>
-                                      <p:to>
-                                        <p:strVal val="visible"/>
-                                      </p:to>
-                                    </p:set>
-                                    <p:animEffect transition="in" filter="fade">
-                                      <p:cBhvr>
-                                        <p:cTn id="7" dur="500"/>
-                                        <p:tgtEl>
-                                          <p:spTgt spid="7"/>
-                                        </p:tgtEl>
-                                      </p:cBhvr>
-                                    </p:animEffect>
-                                  </p:childTnLst>
-                                </p:cTn>
-                              </p:par>
-                              <p:par>
-                                <p:cTn id="8" presetID="10" presetClass="entr" presetSubtype="0" fill="hold" grpId="0" nodeType="withEffect">
-                                  <p:stCondLst>
-                                    <p:cond delay="0"/>
-                                  </p:stCondLst>
-                                  <p:childTnLst>
-                                    <p:set>
-                                      <p:cBhvr>
-                                        <p:cTn id="9" dur="1" fill="hold">
-                                          <p:stCondLst>
-                                            <p:cond delay="0"/>
-                                          </p:stCondLst>
-                                        </p:cTn>
-                                        <p:tgtEl>
-                                          <p:spTgt spid="5"/>
-                                        </p:tgtEl>
-                                        <p:attrNameLst>
-                                          <p:attrName>style.visibility</p:attrName>
-                                        </p:attrNameLst>
-                                      </p:cBhvr>
-                                      <p:to>
-                                        <p:strVal val="visible"/>
-                                      </p:to>
-                                    </p:set>
-                                    <p:animEffect transition="in" filter="fade">
-                                      <p:cBhvr>
-                                        <p:cTn id="10" dur="500"/>
-                                        <p:tgtEl>
-                                          <p:spTgt spid="5"/>
-                                        </p:tgtEl>
-                                      </p:cBhvr>
-                                    </p:animEffect>
-                                  </p:childTnLst>
-                                </p:cTn>
-                              </p:par>
-                            </p:childTnLst>
-                          </p:cTn>
-                        </p:par>
-                      </p:childTnLst>
-                    </p:cTn>
-                  </p:par>
-                </p:childTnLst>
-              </p:cTn>
-              <p:prevCondLst>
-                <p:cond evt="onPrev" delay="0">
-                  <p:tgtEl>
-                    <p:sldTgt/>
-                  </p:tgtEl>
-                </p:cond>
-              </p:prevCondLst>
-              <p:nextCondLst>
-                <p:cond evt="onNext" delay="0">
-                  <p:tgtEl>
-                    <p:sldTgt/>
-                  </p:tgtEl>
-                </p:cond>
-              </p:nextCondLst>
-            </p:seq>
-          </p:childTnLst>
-        </p:cTn>
-      </p:par>
-    </p:tnLst>
-    <p:bldLst>
-      <p:bldP spid="5" grpId="0" animBg="1"/>
-      <p:bldP spid="7" grpId="0"/>
     </p:bldLst>
   </p:timing>
 </p:sld>
@@ -21540,6 +23582,1210 @@
         </p:nvSpPr>
         <p:spPr>
           <a:xfrm>
+            <a:off x="2324667" y="596465"/>
+            <a:ext cx="9144000" cy="573741"/>
+          </a:xfrm>
+          <a:prstGeom prst="rect">
+            <a:avLst/>
+          </a:prstGeom>
+          <a:noFill/>
+          <a:ln>
+            <a:noFill/>
+          </a:ln>
+        </p:spPr>
+        <p:txBody>
+          <a:bodyPr spcFirstLastPara="1" wrap="square" lIns="91425" tIns="45700" rIns="91425" bIns="45700" anchor="b" anchorCtr="0">
+            <a:normAutofit/>
+          </a:bodyPr>
+          <a:lstStyle/>
+          <a:p>
+            <a:pPr marL="0" marR="0" lvl="0" indent="0" rtl="0">
+              <a:lnSpc>
+                <a:spcPct val="90000"/>
+              </a:lnSpc>
+              <a:spcBef>
+                <a:spcPts val="0"/>
+              </a:spcBef>
+              <a:spcAft>
+                <a:spcPts val="0"/>
+              </a:spcAft>
+              <a:buClr>
+                <a:srgbClr val="000000"/>
+              </a:buClr>
+              <a:buSzPts val="1800"/>
+              <a:buFont typeface="TimesNewRoman"/>
+              <a:buNone/>
+            </a:pPr>
+            <a:r>
+              <a:rPr lang="en-US" sz="3200" b="1" dirty="0" err="1">
+                <a:solidFill>
+                  <a:srgbClr val="0078C1"/>
+                </a:solidFill>
+                <a:latin typeface="Roboto" panose="02000000000000000000" pitchFamily="2" charset="0"/>
+                <a:ea typeface="Roboto" panose="02000000000000000000" pitchFamily="2" charset="0"/>
+                <a:cs typeface="Roboto" panose="02000000000000000000" pitchFamily="2" charset="0"/>
+                <a:sym typeface="TimesNewRoman"/>
+              </a:rPr>
+              <a:t>Evaluasi</a:t>
+            </a:r>
+            <a:endParaRPr sz="3200" b="1" u="none" dirty="0">
+              <a:solidFill>
+                <a:srgbClr val="0078C1"/>
+              </a:solidFill>
+              <a:latin typeface="Roboto" panose="02000000000000000000" pitchFamily="2" charset="0"/>
+              <a:ea typeface="Roboto" panose="02000000000000000000" pitchFamily="2" charset="0"/>
+              <a:cs typeface="Roboto" panose="02000000000000000000" pitchFamily="2" charset="0"/>
+              <a:sym typeface="Poppins"/>
+            </a:endParaRPr>
+          </a:p>
+        </p:txBody>
+      </p:sp>
+      <p:pic>
+        <p:nvPicPr>
+          <p:cNvPr id="2" name="Picture 1" descr="A screenshot of a table&#10;&#10;Description automatically generated">
+            <a:extLst>
+              <a:ext uri="{FF2B5EF4-FFF2-40B4-BE49-F238E27FC236}">
+                <a16:creationId xmlns:a16="http://schemas.microsoft.com/office/drawing/2014/main" id="{04452B97-F3E1-B0E6-F967-B8F9AD2C4A67}"/>
+              </a:ext>
+            </a:extLst>
+          </p:cNvPr>
+          <p:cNvPicPr>
+            <a:picLocks noChangeAspect="1"/>
+          </p:cNvPicPr>
+          <p:nvPr/>
+        </p:nvPicPr>
+        <p:blipFill>
+          <a:blip r:embed="rId5"/>
+          <a:stretch>
+            <a:fillRect/>
+          </a:stretch>
+        </p:blipFill>
+        <p:spPr>
+          <a:xfrm>
+            <a:off x="1398776" y="1558631"/>
+            <a:ext cx="9212074" cy="2847980"/>
+          </a:xfrm>
+          <a:prstGeom prst="rect">
+            <a:avLst/>
+          </a:prstGeom>
+        </p:spPr>
+      </p:pic>
+      <p:sp>
+        <p:nvSpPr>
+          <p:cNvPr id="5" name="TextBox 4">
+            <a:extLst>
+              <a:ext uri="{FF2B5EF4-FFF2-40B4-BE49-F238E27FC236}">
+                <a16:creationId xmlns:a16="http://schemas.microsoft.com/office/drawing/2014/main" id="{07194865-47F5-3273-23C5-F5AB8C316F64}"/>
+              </a:ext>
+            </a:extLst>
+          </p:cNvPr>
+          <p:cNvSpPr txBox="1"/>
+          <p:nvPr/>
+        </p:nvSpPr>
+        <p:spPr>
+          <a:xfrm>
+            <a:off x="3084839" y="4919406"/>
+            <a:ext cx="6096000" cy="523220"/>
+          </a:xfrm>
+          <a:prstGeom prst="rect">
+            <a:avLst/>
+          </a:prstGeom>
+          <a:noFill/>
+        </p:spPr>
+        <p:txBody>
+          <a:bodyPr wrap="square">
+            <a:spAutoFit/>
+          </a:bodyPr>
+          <a:lstStyle/>
+          <a:p>
+            <a:pPr algn="ctr"/>
+            <a:r>
+              <a:rPr lang="id-ID" sz="1400" i="1" dirty="0">
+                <a:effectLst/>
+                <a:latin typeface="Raleway" pitchFamily="2" charset="0"/>
+                <a:ea typeface="Times New Roman" panose="02020603050405020304" pitchFamily="18" charset="0"/>
+                <a:cs typeface="Times New Roman" panose="02020603050405020304" pitchFamily="18" charset="0"/>
+              </a:rPr>
+              <a:t>p-</a:t>
+            </a:r>
+            <a:r>
+              <a:rPr lang="id-ID" sz="1400" i="1" dirty="0" err="1">
+                <a:effectLst/>
+                <a:latin typeface="Raleway" pitchFamily="2" charset="0"/>
+                <a:ea typeface="Times New Roman" panose="02020603050405020304" pitchFamily="18" charset="0"/>
+                <a:cs typeface="Times New Roman" panose="02020603050405020304" pitchFamily="18" charset="0"/>
+              </a:rPr>
+              <a:t>value</a:t>
+            </a:r>
+            <a:r>
+              <a:rPr lang="id-ID" sz="1400" dirty="0">
+                <a:effectLst/>
+                <a:latin typeface="Raleway" pitchFamily="2" charset="0"/>
+                <a:ea typeface="Times New Roman" panose="02020603050405020304" pitchFamily="18" charset="0"/>
+                <a:cs typeface="Times New Roman" panose="02020603050405020304" pitchFamily="18" charset="0"/>
+              </a:rPr>
+              <a:t> sebesar 0.025 yang artinya perbedaannya sangat signifikan karena sudah </a:t>
+            </a:r>
+            <a:r>
+              <a:rPr lang="en-US" sz="1400" dirty="0" err="1">
+                <a:effectLst/>
+                <a:latin typeface="Raleway" pitchFamily="2" charset="0"/>
+                <a:ea typeface="Times New Roman" panose="02020603050405020304" pitchFamily="18" charset="0"/>
+                <a:cs typeface="Times New Roman" panose="02020603050405020304" pitchFamily="18" charset="0"/>
+              </a:rPr>
+              <a:t>mennolak</a:t>
+            </a:r>
+            <a:r>
+              <a:rPr lang="id-ID" sz="1400" dirty="0">
+                <a:effectLst/>
+                <a:latin typeface="Raleway" pitchFamily="2" charset="0"/>
+                <a:ea typeface="Times New Roman" panose="02020603050405020304" pitchFamily="18" charset="0"/>
+                <a:cs typeface="Times New Roman" panose="02020603050405020304" pitchFamily="18" charset="0"/>
+              </a:rPr>
+              <a:t> dari H</a:t>
+            </a:r>
+            <a:r>
+              <a:rPr lang="id-ID" sz="1400" baseline="-25000" dirty="0">
+                <a:effectLst/>
+                <a:latin typeface="Raleway" pitchFamily="2" charset="0"/>
+                <a:ea typeface="Times New Roman" panose="02020603050405020304" pitchFamily="18" charset="0"/>
+                <a:cs typeface="Times New Roman" panose="02020603050405020304" pitchFamily="18" charset="0"/>
+              </a:rPr>
+              <a:t>0</a:t>
+            </a:r>
+            <a:endParaRPr lang="en-US" dirty="0"/>
+          </a:p>
+        </p:txBody>
+      </p:sp>
+    </p:spTree>
+    <p:extLst>
+      <p:ext uri="{BB962C8B-B14F-4D97-AF65-F5344CB8AC3E}">
+        <p14:creationId xmlns:p14="http://schemas.microsoft.com/office/powerpoint/2010/main" val="707046015"/>
+      </p:ext>
+    </p:extLst>
+  </p:cSld>
+  <p:clrMapOvr>
+    <a:masterClrMapping/>
+  </p:clrMapOvr>
+  <mc:AlternateContent xmlns:mc="http://schemas.openxmlformats.org/markup-compatibility/2006" xmlns:p159="http://schemas.microsoft.com/office/powerpoint/2015/09/main">
+    <mc:Choice Requires="p159">
+      <p:transition>
+        <p159:morph option="byObject"/>
+      </p:transition>
+    </mc:Choice>
+    <mc:Fallback xmlns="">
+      <p:transition>
+        <p:fade/>
+      </p:transition>
+    </mc:Fallback>
+  </mc:AlternateContent>
+  <p:timing>
+    <p:tnLst>
+      <p:par>
+        <p:cTn id="1" dur="indefinite" restart="never" nodeType="tmRoot">
+          <p:childTnLst>
+            <p:seq concurrent="1" nextAc="seek">
+              <p:cTn id="2" dur="indefinite" nodeType="mainSeq">
+                <p:childTnLst>
+                  <p:par>
+                    <p:cTn id="3" fill="hold">
+                      <p:stCondLst>
+                        <p:cond delay="indefinite"/>
+                      </p:stCondLst>
+                      <p:childTnLst>
+                        <p:par>
+                          <p:cTn id="4" fill="hold">
+                            <p:stCondLst>
+                              <p:cond delay="0"/>
+                            </p:stCondLst>
+                            <p:childTnLst>
+                              <p:par>
+                                <p:cTn id="5" presetID="10" presetClass="entr" presetSubtype="0" fill="hold" nodeType="clickEffect">
+                                  <p:stCondLst>
+                                    <p:cond delay="0"/>
+                                  </p:stCondLst>
+                                  <p:childTnLst>
+                                    <p:set>
+                                      <p:cBhvr>
+                                        <p:cTn id="6" dur="1" fill="hold">
+                                          <p:stCondLst>
+                                            <p:cond delay="0"/>
+                                          </p:stCondLst>
+                                        </p:cTn>
+                                        <p:tgtEl>
+                                          <p:spTgt spid="2"/>
+                                        </p:tgtEl>
+                                        <p:attrNameLst>
+                                          <p:attrName>style.visibility</p:attrName>
+                                        </p:attrNameLst>
+                                      </p:cBhvr>
+                                      <p:to>
+                                        <p:strVal val="visible"/>
+                                      </p:to>
+                                    </p:set>
+                                    <p:animEffect transition="in" filter="fade">
+                                      <p:cBhvr>
+                                        <p:cTn id="7" dur="500"/>
+                                        <p:tgtEl>
+                                          <p:spTgt spid="2"/>
+                                        </p:tgtEl>
+                                      </p:cBhvr>
+                                    </p:animEffect>
+                                  </p:childTnLst>
+                                </p:cTn>
+                              </p:par>
+                            </p:childTnLst>
+                          </p:cTn>
+                        </p:par>
+                      </p:childTnLst>
+                    </p:cTn>
+                  </p:par>
+                  <p:par>
+                    <p:cTn id="8" fill="hold">
+                      <p:stCondLst>
+                        <p:cond delay="indefinite"/>
+                      </p:stCondLst>
+                      <p:childTnLst>
+                        <p:par>
+                          <p:cTn id="9" fill="hold">
+                            <p:stCondLst>
+                              <p:cond delay="0"/>
+                            </p:stCondLst>
+                            <p:childTnLst>
+                              <p:par>
+                                <p:cTn id="10" presetID="10" presetClass="entr" presetSubtype="0" fill="hold" grpId="0" nodeType="clickEffect">
+                                  <p:stCondLst>
+                                    <p:cond delay="0"/>
+                                  </p:stCondLst>
+                                  <p:childTnLst>
+                                    <p:set>
+                                      <p:cBhvr>
+                                        <p:cTn id="11" dur="1" fill="hold">
+                                          <p:stCondLst>
+                                            <p:cond delay="0"/>
+                                          </p:stCondLst>
+                                        </p:cTn>
+                                        <p:tgtEl>
+                                          <p:spTgt spid="5"/>
+                                        </p:tgtEl>
+                                        <p:attrNameLst>
+                                          <p:attrName>style.visibility</p:attrName>
+                                        </p:attrNameLst>
+                                      </p:cBhvr>
+                                      <p:to>
+                                        <p:strVal val="visible"/>
+                                      </p:to>
+                                    </p:set>
+                                    <p:animEffect transition="in" filter="fade">
+                                      <p:cBhvr>
+                                        <p:cTn id="12" dur="500"/>
+                                        <p:tgtEl>
+                                          <p:spTgt spid="5"/>
+                                        </p:tgtEl>
+                                      </p:cBhvr>
+                                    </p:animEffect>
+                                  </p:childTnLst>
+                                </p:cTn>
+                              </p:par>
+                            </p:childTnLst>
+                          </p:cTn>
+                        </p:par>
+                      </p:childTnLst>
+                    </p:cTn>
+                  </p:par>
+                </p:childTnLst>
+              </p:cTn>
+              <p:prevCondLst>
+                <p:cond evt="onPrev" delay="0">
+                  <p:tgtEl>
+                    <p:sldTgt/>
+                  </p:tgtEl>
+                </p:cond>
+              </p:prevCondLst>
+              <p:nextCondLst>
+                <p:cond evt="onNext" delay="0">
+                  <p:tgtEl>
+                    <p:sldTgt/>
+                  </p:tgtEl>
+                </p:cond>
+              </p:nextCondLst>
+            </p:seq>
+          </p:childTnLst>
+        </p:cTn>
+      </p:par>
+    </p:tnLst>
+    <p:bldLst>
+      <p:bldP spid="5" grpId="0"/>
+    </p:bldLst>
+  </p:timing>
+</p:sld>
+</file>
+
+<file path=ppt/slides/slide21.xml><?xml version="1.0" encoding="utf-8"?>
+<p:sld xmlns:a="http://schemas.openxmlformats.org/drawingml/2006/main" xmlns:r="http://schemas.openxmlformats.org/officeDocument/2006/relationships" xmlns:p="http://schemas.openxmlformats.org/presentationml/2006/main">
+  <p:cSld>
+    <p:spTree>
+      <p:nvGrpSpPr>
+        <p:cNvPr id="1" name="Shape 111"/>
+        <p:cNvGrpSpPr/>
+        <p:nvPr/>
+      </p:nvGrpSpPr>
+      <p:grpSpPr>
+        <a:xfrm>
+          <a:off x="0" y="0"/>
+          <a:ext cx="0" cy="0"/>
+          <a:chOff x="0" y="0"/>
+          <a:chExt cx="0" cy="0"/>
+        </a:xfrm>
+      </p:grpSpPr>
+      <p:sp>
+        <p:nvSpPr>
+          <p:cNvPr id="112" name="Google Shape;112;p3"/>
+          <p:cNvSpPr txBox="1"/>
+          <p:nvPr/>
+        </p:nvSpPr>
+        <p:spPr>
+          <a:xfrm>
+            <a:off x="0" y="6858000"/>
+            <a:ext cx="12192000" cy="386904"/>
+          </a:xfrm>
+          <a:prstGeom prst="rect">
+            <a:avLst/>
+          </a:prstGeom>
+          <a:solidFill>
+            <a:srgbClr val="0078C1"/>
+          </a:solidFill>
+          <a:ln>
+            <a:noFill/>
+          </a:ln>
+        </p:spPr>
+        <p:txBody>
+          <a:bodyPr spcFirstLastPara="1" wrap="square" lIns="91425" tIns="45700" rIns="91425" bIns="45700" anchor="ctr" anchorCtr="0">
+            <a:normAutofit/>
+          </a:bodyPr>
+          <a:lstStyle/>
+          <a:p>
+            <a:pPr marL="0" marR="0" lvl="0" indent="0" algn="l" rtl="0">
+              <a:lnSpc>
+                <a:spcPct val="90000"/>
+              </a:lnSpc>
+              <a:spcBef>
+                <a:spcPts val="0"/>
+              </a:spcBef>
+              <a:spcAft>
+                <a:spcPts val="0"/>
+              </a:spcAft>
+              <a:buClr>
+                <a:schemeClr val="lt1"/>
+              </a:buClr>
+              <a:buSzPts val="1200"/>
+              <a:buFont typeface="Arial"/>
+              <a:buNone/>
+            </a:pPr>
+            <a:r>
+              <a:rPr lang="en-US" sz="1200">
+                <a:solidFill>
+                  <a:schemeClr val="lt1"/>
+                </a:solidFill>
+                <a:latin typeface="Poppins"/>
+                <a:ea typeface="Poppins"/>
+                <a:cs typeface="Poppins"/>
+                <a:sym typeface="Poppins"/>
+              </a:rPr>
+              <a:t>TD – Pengujian perangkat lunak</a:t>
+            </a:r>
+            <a:endParaRPr sz="400">
+              <a:solidFill>
+                <a:schemeClr val="lt1"/>
+              </a:solidFill>
+              <a:latin typeface="Poppins"/>
+              <a:ea typeface="Poppins"/>
+              <a:cs typeface="Poppins"/>
+              <a:sym typeface="Poppins"/>
+            </a:endParaRPr>
+          </a:p>
+        </p:txBody>
+      </p:sp>
+      <p:pic>
+        <p:nvPicPr>
+          <p:cNvPr id="113" name="Google Shape;113;p3"/>
+          <p:cNvPicPr preferRelativeResize="0"/>
+          <p:nvPr/>
+        </p:nvPicPr>
+        <p:blipFill rotWithShape="1">
+          <a:blip r:embed="rId3">
+            <a:alphaModFix/>
+          </a:blip>
+          <a:srcRect/>
+          <a:stretch/>
+        </p:blipFill>
+        <p:spPr>
+          <a:xfrm>
+            <a:off x="2637694" y="-1124101"/>
+            <a:ext cx="894290" cy="688986"/>
+          </a:xfrm>
+          <a:prstGeom prst="rect">
+            <a:avLst/>
+          </a:prstGeom>
+          <a:noFill/>
+          <a:ln>
+            <a:noFill/>
+          </a:ln>
+        </p:spPr>
+      </p:pic>
+      <p:pic>
+        <p:nvPicPr>
+          <p:cNvPr id="114" name="Google Shape;114;p3"/>
+          <p:cNvPicPr preferRelativeResize="0"/>
+          <p:nvPr/>
+        </p:nvPicPr>
+        <p:blipFill rotWithShape="1">
+          <a:blip r:embed="rId4">
+            <a:alphaModFix/>
+          </a:blip>
+          <a:srcRect/>
+          <a:stretch/>
+        </p:blipFill>
+        <p:spPr>
+          <a:xfrm>
+            <a:off x="826608" y="-7173"/>
+            <a:ext cx="1144336" cy="705674"/>
+          </a:xfrm>
+          <a:prstGeom prst="rect">
+            <a:avLst/>
+          </a:prstGeom>
+          <a:noFill/>
+          <a:ln>
+            <a:noFill/>
+          </a:ln>
+        </p:spPr>
+      </p:pic>
+      <p:sp>
+        <p:nvSpPr>
+          <p:cNvPr id="4" name="Google Shape;105;p2">
+            <a:extLst>
+              <a:ext uri="{FF2B5EF4-FFF2-40B4-BE49-F238E27FC236}">
+                <a16:creationId xmlns:a16="http://schemas.microsoft.com/office/drawing/2014/main" id="{543FD751-654D-EFBE-494F-2172AD05B145}"/>
+              </a:ext>
+            </a:extLst>
+          </p:cNvPr>
+          <p:cNvSpPr txBox="1"/>
+          <p:nvPr/>
+        </p:nvSpPr>
+        <p:spPr>
+          <a:xfrm>
+            <a:off x="1740153" y="1032196"/>
+            <a:ext cx="9144000" cy="573741"/>
+          </a:xfrm>
+          <a:prstGeom prst="rect">
+            <a:avLst/>
+          </a:prstGeom>
+          <a:noFill/>
+          <a:ln>
+            <a:noFill/>
+          </a:ln>
+        </p:spPr>
+        <p:txBody>
+          <a:bodyPr spcFirstLastPara="1" wrap="square" lIns="91425" tIns="45700" rIns="91425" bIns="45700" anchor="b" anchorCtr="0">
+            <a:normAutofit/>
+          </a:bodyPr>
+          <a:lstStyle/>
+          <a:p>
+            <a:pPr marL="0" marR="0" lvl="0" indent="0" rtl="0">
+              <a:lnSpc>
+                <a:spcPct val="90000"/>
+              </a:lnSpc>
+              <a:spcBef>
+                <a:spcPts val="0"/>
+              </a:spcBef>
+              <a:spcAft>
+                <a:spcPts val="0"/>
+              </a:spcAft>
+              <a:buClr>
+                <a:srgbClr val="000000"/>
+              </a:buClr>
+              <a:buSzPts val="1800"/>
+              <a:buFont typeface="TimesNewRoman"/>
+              <a:buNone/>
+            </a:pPr>
+            <a:r>
+              <a:rPr lang="en-US" sz="3200" b="1" dirty="0" err="1">
+                <a:solidFill>
+                  <a:srgbClr val="0078C1"/>
+                </a:solidFill>
+                <a:latin typeface="Roboto" panose="02000000000000000000" pitchFamily="2" charset="0"/>
+                <a:ea typeface="Roboto" panose="02000000000000000000" pitchFamily="2" charset="0"/>
+                <a:cs typeface="Roboto" panose="02000000000000000000" pitchFamily="2" charset="0"/>
+                <a:sym typeface="TimesNewRoman"/>
+              </a:rPr>
+              <a:t>Diskusi</a:t>
+            </a:r>
+            <a:endParaRPr sz="3200" b="1" u="none" dirty="0">
+              <a:solidFill>
+                <a:srgbClr val="0078C1"/>
+              </a:solidFill>
+              <a:latin typeface="Roboto" panose="02000000000000000000" pitchFamily="2" charset="0"/>
+              <a:ea typeface="Roboto" panose="02000000000000000000" pitchFamily="2" charset="0"/>
+              <a:cs typeface="Roboto" panose="02000000000000000000" pitchFamily="2" charset="0"/>
+              <a:sym typeface="Poppins"/>
+            </a:endParaRPr>
+          </a:p>
+        </p:txBody>
+      </p:sp>
+      <p:sp>
+        <p:nvSpPr>
+          <p:cNvPr id="6" name="TextBox 5">
+            <a:extLst>
+              <a:ext uri="{FF2B5EF4-FFF2-40B4-BE49-F238E27FC236}">
+                <a16:creationId xmlns:a16="http://schemas.microsoft.com/office/drawing/2014/main" id="{E5CAC92B-CCC6-A5AF-717A-EF194CE9F3B4}"/>
+              </a:ext>
+            </a:extLst>
+          </p:cNvPr>
+          <p:cNvSpPr txBox="1"/>
+          <p:nvPr/>
+        </p:nvSpPr>
+        <p:spPr>
+          <a:xfrm>
+            <a:off x="2342419" y="3457601"/>
+            <a:ext cx="8401050" cy="1077218"/>
+          </a:xfrm>
+          <a:prstGeom prst="rect">
+            <a:avLst/>
+          </a:prstGeom>
+          <a:noFill/>
+        </p:spPr>
+        <p:txBody>
+          <a:bodyPr wrap="square">
+            <a:spAutoFit/>
+          </a:bodyPr>
+          <a:lstStyle/>
+          <a:p>
+            <a:pPr marL="342900" indent="-342900">
+              <a:buFont typeface="+mj-lt"/>
+              <a:buAutoNum type="arabicPeriod"/>
+            </a:pPr>
+            <a:endParaRPr lang="en-US" sz="3200" dirty="0">
+              <a:effectLst/>
+              <a:latin typeface="+mn-lt"/>
+              <a:ea typeface="Times New Roman" panose="02020603050405020304" pitchFamily="18" charset="0"/>
+              <a:cs typeface="Times New Roman" panose="02020603050405020304" pitchFamily="18" charset="0"/>
+            </a:endParaRPr>
+          </a:p>
+          <a:p>
+            <a:pPr marL="342900" indent="-342900">
+              <a:buFont typeface="+mj-lt"/>
+              <a:buAutoNum type="arabicPeriod"/>
+            </a:pPr>
+            <a:endParaRPr lang="en-US" sz="3200" dirty="0">
+              <a:latin typeface="+mn-lt"/>
+            </a:endParaRPr>
+          </a:p>
+        </p:txBody>
+      </p:sp>
+      <p:sp>
+        <p:nvSpPr>
+          <p:cNvPr id="2" name="Rectangle 1">
+            <a:extLst>
+              <a:ext uri="{FF2B5EF4-FFF2-40B4-BE49-F238E27FC236}">
+                <a16:creationId xmlns:a16="http://schemas.microsoft.com/office/drawing/2014/main" id="{7088C7F0-1B2F-B3A5-0812-196EC4B3D915}"/>
+              </a:ext>
+            </a:extLst>
+          </p:cNvPr>
+          <p:cNvSpPr/>
+          <p:nvPr/>
+        </p:nvSpPr>
+        <p:spPr>
+          <a:xfrm>
+            <a:off x="1767237" y="1964477"/>
+            <a:ext cx="386904" cy="386904"/>
+          </a:xfrm>
+          <a:prstGeom prst="rect">
+            <a:avLst/>
+          </a:prstGeom>
+          <a:solidFill>
+            <a:srgbClr val="0078C1"/>
+          </a:solidFill>
+          <a:ln>
+            <a:noFill/>
+          </a:ln>
+        </p:spPr>
+        <p:style>
+          <a:lnRef idx="2">
+            <a:schemeClr val="accent1">
+              <a:shade val="50000"/>
+            </a:schemeClr>
+          </a:lnRef>
+          <a:fillRef idx="1">
+            <a:schemeClr val="accent1"/>
+          </a:fillRef>
+          <a:effectRef idx="0">
+            <a:schemeClr val="accent1"/>
+          </a:effectRef>
+          <a:fontRef idx="minor">
+            <a:schemeClr val="lt1"/>
+          </a:fontRef>
+        </p:style>
+        <p:txBody>
+          <a:bodyPr rtlCol="0" anchor="ctr"/>
+          <a:lstStyle/>
+          <a:p>
+            <a:pPr algn="ctr"/>
+            <a:r>
+              <a:rPr lang="en-US" sz="1600" b="1" dirty="0"/>
+              <a:t>1</a:t>
+            </a:r>
+          </a:p>
+        </p:txBody>
+      </p:sp>
+      <p:sp>
+        <p:nvSpPr>
+          <p:cNvPr id="3" name="TextBox 2">
+            <a:extLst>
+              <a:ext uri="{FF2B5EF4-FFF2-40B4-BE49-F238E27FC236}">
+                <a16:creationId xmlns:a16="http://schemas.microsoft.com/office/drawing/2014/main" id="{AA8618F7-7429-6DB1-005C-1FED5992C57A}"/>
+              </a:ext>
+            </a:extLst>
+          </p:cNvPr>
+          <p:cNvSpPr txBox="1"/>
+          <p:nvPr/>
+        </p:nvSpPr>
+        <p:spPr>
+          <a:xfrm>
+            <a:off x="2342419" y="1964477"/>
+            <a:ext cx="8452359" cy="830997"/>
+          </a:xfrm>
+          <a:prstGeom prst="rect">
+            <a:avLst/>
+          </a:prstGeom>
+          <a:noFill/>
+        </p:spPr>
+        <p:txBody>
+          <a:bodyPr wrap="square">
+            <a:spAutoFit/>
+          </a:bodyPr>
+          <a:lstStyle/>
+          <a:p>
+            <a:r>
+              <a:rPr lang="en-US" sz="2400" b="1" dirty="0" err="1">
+                <a:solidFill>
+                  <a:schemeClr val="tx1"/>
+                </a:solidFill>
+                <a:effectLst/>
+                <a:latin typeface="Roboto" panose="02000000000000000000" pitchFamily="2" charset="0"/>
+                <a:ea typeface="Roboto" panose="02000000000000000000" pitchFamily="2" charset="0"/>
+                <a:cs typeface="Roboto" panose="02000000000000000000" pitchFamily="2" charset="0"/>
+              </a:rPr>
+              <a:t>Perbandingan</a:t>
+            </a:r>
+            <a:r>
+              <a:rPr lang="en-US" sz="2400" b="1" dirty="0">
+                <a:solidFill>
+                  <a:schemeClr val="tx1"/>
+                </a:solidFill>
+                <a:effectLst/>
+                <a:latin typeface="Roboto" panose="02000000000000000000" pitchFamily="2" charset="0"/>
+                <a:ea typeface="Roboto" panose="02000000000000000000" pitchFamily="2" charset="0"/>
+                <a:cs typeface="Roboto" panose="02000000000000000000" pitchFamily="2" charset="0"/>
+              </a:rPr>
+              <a:t> </a:t>
+            </a:r>
+            <a:r>
+              <a:rPr lang="en-US" sz="2400" b="1" dirty="0" err="1">
+                <a:solidFill>
+                  <a:schemeClr val="tx1"/>
+                </a:solidFill>
+                <a:effectLst/>
+                <a:latin typeface="Roboto" panose="02000000000000000000" pitchFamily="2" charset="0"/>
+                <a:ea typeface="Roboto" panose="02000000000000000000" pitchFamily="2" charset="0"/>
+                <a:cs typeface="Roboto" panose="02000000000000000000" pitchFamily="2" charset="0"/>
+              </a:rPr>
+              <a:t>cukup</a:t>
+            </a:r>
+            <a:r>
+              <a:rPr lang="en-US" sz="2400" b="1" dirty="0">
+                <a:solidFill>
+                  <a:schemeClr val="tx1"/>
+                </a:solidFill>
+                <a:effectLst/>
+                <a:latin typeface="Roboto" panose="02000000000000000000" pitchFamily="2" charset="0"/>
+                <a:ea typeface="Roboto" panose="02000000000000000000" pitchFamily="2" charset="0"/>
+                <a:cs typeface="Roboto" panose="02000000000000000000" pitchFamily="2" charset="0"/>
+              </a:rPr>
+              <a:t> </a:t>
+            </a:r>
+            <a:r>
+              <a:rPr lang="en-US" sz="2400" b="1" dirty="0" err="1">
+                <a:solidFill>
+                  <a:schemeClr val="tx1"/>
+                </a:solidFill>
+                <a:effectLst/>
+                <a:latin typeface="Roboto" panose="02000000000000000000" pitchFamily="2" charset="0"/>
+                <a:ea typeface="Roboto" panose="02000000000000000000" pitchFamily="2" charset="0"/>
+                <a:cs typeface="Roboto" panose="02000000000000000000" pitchFamily="2" charset="0"/>
+              </a:rPr>
+              <a:t>signifikan</a:t>
+            </a:r>
+            <a:r>
+              <a:rPr lang="en-US" sz="2400" b="1" dirty="0">
+                <a:solidFill>
+                  <a:schemeClr val="tx1"/>
+                </a:solidFill>
+                <a:effectLst/>
+                <a:latin typeface="Roboto" panose="02000000000000000000" pitchFamily="2" charset="0"/>
+                <a:ea typeface="Roboto" panose="02000000000000000000" pitchFamily="2" charset="0"/>
+                <a:cs typeface="Roboto" panose="02000000000000000000" pitchFamily="2" charset="0"/>
+              </a:rPr>
+              <a:t> </a:t>
+            </a:r>
+            <a:r>
+              <a:rPr lang="en-US" sz="2400" b="1" dirty="0" err="1">
+                <a:solidFill>
+                  <a:schemeClr val="tx1"/>
+                </a:solidFill>
+                <a:effectLst/>
+                <a:latin typeface="Roboto" panose="02000000000000000000" pitchFamily="2" charset="0"/>
+                <a:ea typeface="Roboto" panose="02000000000000000000" pitchFamily="2" charset="0"/>
+                <a:cs typeface="Roboto" panose="02000000000000000000" pitchFamily="2" charset="0"/>
+              </a:rPr>
+              <a:t>antara</a:t>
+            </a:r>
+            <a:r>
+              <a:rPr lang="en-US" sz="2400" b="1" dirty="0">
+                <a:solidFill>
+                  <a:schemeClr val="tx1"/>
+                </a:solidFill>
+                <a:effectLst/>
+                <a:latin typeface="Roboto" panose="02000000000000000000" pitchFamily="2" charset="0"/>
+                <a:ea typeface="Roboto" panose="02000000000000000000" pitchFamily="2" charset="0"/>
+                <a:cs typeface="Roboto" panose="02000000000000000000" pitchFamily="2" charset="0"/>
+              </a:rPr>
+              <a:t> </a:t>
+            </a:r>
+            <a:r>
+              <a:rPr lang="en-US" sz="2400" b="1" dirty="0" err="1">
+                <a:solidFill>
+                  <a:schemeClr val="tx1"/>
+                </a:solidFill>
+                <a:effectLst/>
+                <a:latin typeface="Roboto" panose="02000000000000000000" pitchFamily="2" charset="0"/>
+                <a:ea typeface="Roboto" panose="02000000000000000000" pitchFamily="2" charset="0"/>
+                <a:cs typeface="Roboto" panose="02000000000000000000" pitchFamily="2" charset="0"/>
+              </a:rPr>
+              <a:t>gamifikasi</a:t>
+            </a:r>
+            <a:r>
+              <a:rPr lang="en-US" sz="2400" b="1" dirty="0">
+                <a:solidFill>
+                  <a:schemeClr val="tx1"/>
+                </a:solidFill>
+                <a:effectLst/>
+                <a:latin typeface="Roboto" panose="02000000000000000000" pitchFamily="2" charset="0"/>
+                <a:ea typeface="Roboto" panose="02000000000000000000" pitchFamily="2" charset="0"/>
+                <a:cs typeface="Roboto" panose="02000000000000000000" pitchFamily="2" charset="0"/>
+              </a:rPr>
+              <a:t> dan mode lama</a:t>
+            </a:r>
+          </a:p>
+        </p:txBody>
+      </p:sp>
+      <p:sp>
+        <p:nvSpPr>
+          <p:cNvPr id="5" name="Rectangle 4">
+            <a:extLst>
+              <a:ext uri="{FF2B5EF4-FFF2-40B4-BE49-F238E27FC236}">
+                <a16:creationId xmlns:a16="http://schemas.microsoft.com/office/drawing/2014/main" id="{3225ECFA-53A7-2050-1208-09A10A826143}"/>
+              </a:ext>
+            </a:extLst>
+          </p:cNvPr>
+          <p:cNvSpPr/>
+          <p:nvPr/>
+        </p:nvSpPr>
+        <p:spPr>
+          <a:xfrm>
+            <a:off x="1767237" y="3029291"/>
+            <a:ext cx="386904" cy="386904"/>
+          </a:xfrm>
+          <a:prstGeom prst="rect">
+            <a:avLst/>
+          </a:prstGeom>
+          <a:solidFill>
+            <a:srgbClr val="0078C1"/>
+          </a:solidFill>
+          <a:ln>
+            <a:noFill/>
+          </a:ln>
+        </p:spPr>
+        <p:style>
+          <a:lnRef idx="2">
+            <a:schemeClr val="accent1">
+              <a:shade val="50000"/>
+            </a:schemeClr>
+          </a:lnRef>
+          <a:fillRef idx="1">
+            <a:schemeClr val="accent1"/>
+          </a:fillRef>
+          <a:effectRef idx="0">
+            <a:schemeClr val="accent1"/>
+          </a:effectRef>
+          <a:fontRef idx="minor">
+            <a:schemeClr val="lt1"/>
+          </a:fontRef>
+        </p:style>
+        <p:txBody>
+          <a:bodyPr rtlCol="0" anchor="ctr"/>
+          <a:lstStyle/>
+          <a:p>
+            <a:pPr algn="ctr"/>
+            <a:r>
+              <a:rPr lang="en-US" sz="1600" b="1" dirty="0"/>
+              <a:t>2</a:t>
+            </a:r>
+          </a:p>
+        </p:txBody>
+      </p:sp>
+      <p:sp>
+        <p:nvSpPr>
+          <p:cNvPr id="7" name="TextBox 6">
+            <a:extLst>
+              <a:ext uri="{FF2B5EF4-FFF2-40B4-BE49-F238E27FC236}">
+                <a16:creationId xmlns:a16="http://schemas.microsoft.com/office/drawing/2014/main" id="{98C30535-0671-8524-8DB9-11F46DD04FEE}"/>
+              </a:ext>
+            </a:extLst>
+          </p:cNvPr>
+          <p:cNvSpPr txBox="1"/>
+          <p:nvPr/>
+        </p:nvSpPr>
+        <p:spPr>
+          <a:xfrm>
+            <a:off x="2342419" y="3093029"/>
+            <a:ext cx="8452359" cy="830997"/>
+          </a:xfrm>
+          <a:prstGeom prst="rect">
+            <a:avLst/>
+          </a:prstGeom>
+          <a:noFill/>
+        </p:spPr>
+        <p:txBody>
+          <a:bodyPr wrap="square">
+            <a:spAutoFit/>
+          </a:bodyPr>
+          <a:lstStyle/>
+          <a:p>
+            <a:r>
+              <a:rPr lang="sv-SE" sz="2400" b="1" dirty="0">
+                <a:solidFill>
+                  <a:schemeClr val="tx1"/>
+                </a:solidFill>
+                <a:effectLst/>
+                <a:latin typeface="Roboto" panose="02000000000000000000" pitchFamily="2" charset="0"/>
+                <a:ea typeface="Roboto" panose="02000000000000000000" pitchFamily="2" charset="0"/>
+                <a:cs typeface="Roboto" panose="02000000000000000000" pitchFamily="2" charset="0"/>
+              </a:rPr>
+              <a:t>Metode Lama unggul di competence, bisa saja dikarenakan tidak ada pilot pengisian kuesioner</a:t>
+            </a:r>
+          </a:p>
+        </p:txBody>
+      </p:sp>
+    </p:spTree>
+    <p:extLst>
+      <p:ext uri="{BB962C8B-B14F-4D97-AF65-F5344CB8AC3E}">
+        <p14:creationId xmlns:p14="http://schemas.microsoft.com/office/powerpoint/2010/main" val="3033295957"/>
+      </p:ext>
+    </p:extLst>
+  </p:cSld>
+  <p:clrMapOvr>
+    <a:masterClrMapping/>
+  </p:clrMapOvr>
+  <mc:AlternateContent xmlns:mc="http://schemas.openxmlformats.org/markup-compatibility/2006" xmlns:p159="http://schemas.microsoft.com/office/powerpoint/2015/09/main">
+    <mc:Choice Requires="p159">
+      <p:transition>
+        <p159:morph option="byObject"/>
+      </p:transition>
+    </mc:Choice>
+    <mc:Fallback xmlns="">
+      <p:transition>
+        <p:fade/>
+      </p:transition>
+    </mc:Fallback>
+  </mc:AlternateContent>
+  <p:timing>
+    <p:tnLst>
+      <p:par>
+        <p:cTn id="1" dur="indefinite" restart="never" nodeType="tmRoot">
+          <p:childTnLst>
+            <p:seq concurrent="1" nextAc="seek">
+              <p:cTn id="2" dur="indefinite" nodeType="mainSeq">
+                <p:childTnLst>
+                  <p:par>
+                    <p:cTn id="3" fill="hold">
+                      <p:stCondLst>
+                        <p:cond delay="indefinite"/>
+                      </p:stCondLst>
+                      <p:childTnLst>
+                        <p:par>
+                          <p:cTn id="4" fill="hold">
+                            <p:stCondLst>
+                              <p:cond delay="0"/>
+                            </p:stCondLst>
+                            <p:childTnLst>
+                              <p:par>
+                                <p:cTn id="5" presetID="10" presetClass="entr" presetSubtype="0" fill="hold" grpId="0" nodeType="clickEffect">
+                                  <p:stCondLst>
+                                    <p:cond delay="0"/>
+                                  </p:stCondLst>
+                                  <p:childTnLst>
+                                    <p:set>
+                                      <p:cBhvr>
+                                        <p:cTn id="6" dur="1" fill="hold">
+                                          <p:stCondLst>
+                                            <p:cond delay="0"/>
+                                          </p:stCondLst>
+                                        </p:cTn>
+                                        <p:tgtEl>
+                                          <p:spTgt spid="7"/>
+                                        </p:tgtEl>
+                                        <p:attrNameLst>
+                                          <p:attrName>style.visibility</p:attrName>
+                                        </p:attrNameLst>
+                                      </p:cBhvr>
+                                      <p:to>
+                                        <p:strVal val="visible"/>
+                                      </p:to>
+                                    </p:set>
+                                    <p:animEffect transition="in" filter="fade">
+                                      <p:cBhvr>
+                                        <p:cTn id="7" dur="500"/>
+                                        <p:tgtEl>
+                                          <p:spTgt spid="7"/>
+                                        </p:tgtEl>
+                                      </p:cBhvr>
+                                    </p:animEffect>
+                                  </p:childTnLst>
+                                </p:cTn>
+                              </p:par>
+                              <p:par>
+                                <p:cTn id="8" presetID="10" presetClass="entr" presetSubtype="0" fill="hold" grpId="0" nodeType="withEffect">
+                                  <p:stCondLst>
+                                    <p:cond delay="0"/>
+                                  </p:stCondLst>
+                                  <p:childTnLst>
+                                    <p:set>
+                                      <p:cBhvr>
+                                        <p:cTn id="9" dur="1" fill="hold">
+                                          <p:stCondLst>
+                                            <p:cond delay="0"/>
+                                          </p:stCondLst>
+                                        </p:cTn>
+                                        <p:tgtEl>
+                                          <p:spTgt spid="5"/>
+                                        </p:tgtEl>
+                                        <p:attrNameLst>
+                                          <p:attrName>style.visibility</p:attrName>
+                                        </p:attrNameLst>
+                                      </p:cBhvr>
+                                      <p:to>
+                                        <p:strVal val="visible"/>
+                                      </p:to>
+                                    </p:set>
+                                    <p:animEffect transition="in" filter="fade">
+                                      <p:cBhvr>
+                                        <p:cTn id="10" dur="500"/>
+                                        <p:tgtEl>
+                                          <p:spTgt spid="5"/>
+                                        </p:tgtEl>
+                                      </p:cBhvr>
+                                    </p:animEffect>
+                                  </p:childTnLst>
+                                </p:cTn>
+                              </p:par>
+                            </p:childTnLst>
+                          </p:cTn>
+                        </p:par>
+                      </p:childTnLst>
+                    </p:cTn>
+                  </p:par>
+                </p:childTnLst>
+              </p:cTn>
+              <p:prevCondLst>
+                <p:cond evt="onPrev" delay="0">
+                  <p:tgtEl>
+                    <p:sldTgt/>
+                  </p:tgtEl>
+                </p:cond>
+              </p:prevCondLst>
+              <p:nextCondLst>
+                <p:cond evt="onNext" delay="0">
+                  <p:tgtEl>
+                    <p:sldTgt/>
+                  </p:tgtEl>
+                </p:cond>
+              </p:nextCondLst>
+            </p:seq>
+          </p:childTnLst>
+        </p:cTn>
+      </p:par>
+    </p:tnLst>
+    <p:bldLst>
+      <p:bldP spid="5" grpId="0" animBg="1"/>
+      <p:bldP spid="7" grpId="0"/>
+    </p:bldLst>
+  </p:timing>
+</p:sld>
+</file>
+
+<file path=ppt/slides/slide22.xml><?xml version="1.0" encoding="utf-8"?>
+<p:sld xmlns:a="http://schemas.openxmlformats.org/drawingml/2006/main" xmlns:r="http://schemas.openxmlformats.org/officeDocument/2006/relationships" xmlns:p="http://schemas.openxmlformats.org/presentationml/2006/main">
+  <p:cSld>
+    <p:spTree>
+      <p:nvGrpSpPr>
+        <p:cNvPr id="1" name="Shape 111"/>
+        <p:cNvGrpSpPr/>
+        <p:nvPr/>
+      </p:nvGrpSpPr>
+      <p:grpSpPr>
+        <a:xfrm>
+          <a:off x="0" y="0"/>
+          <a:ext cx="0" cy="0"/>
+          <a:chOff x="0" y="0"/>
+          <a:chExt cx="0" cy="0"/>
+        </a:xfrm>
+      </p:grpSpPr>
+      <p:sp>
+        <p:nvSpPr>
+          <p:cNvPr id="112" name="Google Shape;112;p3"/>
+          <p:cNvSpPr txBox="1"/>
+          <p:nvPr/>
+        </p:nvSpPr>
+        <p:spPr>
+          <a:xfrm>
+            <a:off x="0" y="6858000"/>
+            <a:ext cx="12192000" cy="386904"/>
+          </a:xfrm>
+          <a:prstGeom prst="rect">
+            <a:avLst/>
+          </a:prstGeom>
+          <a:solidFill>
+            <a:srgbClr val="0078C1"/>
+          </a:solidFill>
+          <a:ln>
+            <a:noFill/>
+          </a:ln>
+        </p:spPr>
+        <p:txBody>
+          <a:bodyPr spcFirstLastPara="1" wrap="square" lIns="91425" tIns="45700" rIns="91425" bIns="45700" anchor="ctr" anchorCtr="0">
+            <a:normAutofit/>
+          </a:bodyPr>
+          <a:lstStyle/>
+          <a:p>
+            <a:pPr marL="0" marR="0" lvl="0" indent="0" algn="l" rtl="0">
+              <a:lnSpc>
+                <a:spcPct val="90000"/>
+              </a:lnSpc>
+              <a:spcBef>
+                <a:spcPts val="0"/>
+              </a:spcBef>
+              <a:spcAft>
+                <a:spcPts val="0"/>
+              </a:spcAft>
+              <a:buClr>
+                <a:schemeClr val="lt1"/>
+              </a:buClr>
+              <a:buSzPts val="1200"/>
+              <a:buFont typeface="Arial"/>
+              <a:buNone/>
+            </a:pPr>
+            <a:r>
+              <a:rPr lang="en-US" sz="1200">
+                <a:solidFill>
+                  <a:schemeClr val="lt1"/>
+                </a:solidFill>
+                <a:latin typeface="Poppins"/>
+                <a:ea typeface="Poppins"/>
+                <a:cs typeface="Poppins"/>
+                <a:sym typeface="Poppins"/>
+              </a:rPr>
+              <a:t>TD – Pengujian perangkat lunak</a:t>
+            </a:r>
+            <a:endParaRPr sz="400">
+              <a:solidFill>
+                <a:schemeClr val="lt1"/>
+              </a:solidFill>
+              <a:latin typeface="Poppins"/>
+              <a:ea typeface="Poppins"/>
+              <a:cs typeface="Poppins"/>
+              <a:sym typeface="Poppins"/>
+            </a:endParaRPr>
+          </a:p>
+        </p:txBody>
+      </p:sp>
+      <p:pic>
+        <p:nvPicPr>
+          <p:cNvPr id="113" name="Google Shape;113;p3"/>
+          <p:cNvPicPr preferRelativeResize="0"/>
+          <p:nvPr/>
+        </p:nvPicPr>
+        <p:blipFill rotWithShape="1">
+          <a:blip r:embed="rId3">
+            <a:alphaModFix/>
+          </a:blip>
+          <a:srcRect/>
+          <a:stretch/>
+        </p:blipFill>
+        <p:spPr>
+          <a:xfrm>
+            <a:off x="2637694" y="-1124101"/>
+            <a:ext cx="894290" cy="688986"/>
+          </a:xfrm>
+          <a:prstGeom prst="rect">
+            <a:avLst/>
+          </a:prstGeom>
+          <a:noFill/>
+          <a:ln>
+            <a:noFill/>
+          </a:ln>
+        </p:spPr>
+      </p:pic>
+      <p:pic>
+        <p:nvPicPr>
+          <p:cNvPr id="114" name="Google Shape;114;p3"/>
+          <p:cNvPicPr preferRelativeResize="0"/>
+          <p:nvPr/>
+        </p:nvPicPr>
+        <p:blipFill rotWithShape="1">
+          <a:blip r:embed="rId4">
+            <a:alphaModFix/>
+          </a:blip>
+          <a:srcRect/>
+          <a:stretch/>
+        </p:blipFill>
+        <p:spPr>
+          <a:xfrm>
+            <a:off x="826608" y="-7173"/>
+            <a:ext cx="1144336" cy="705674"/>
+          </a:xfrm>
+          <a:prstGeom prst="rect">
+            <a:avLst/>
+          </a:prstGeom>
+          <a:noFill/>
+          <a:ln>
+            <a:noFill/>
+          </a:ln>
+        </p:spPr>
+      </p:pic>
+      <p:sp>
+        <p:nvSpPr>
+          <p:cNvPr id="4" name="Google Shape;105;p2">
+            <a:extLst>
+              <a:ext uri="{FF2B5EF4-FFF2-40B4-BE49-F238E27FC236}">
+                <a16:creationId xmlns:a16="http://schemas.microsoft.com/office/drawing/2014/main" id="{543FD751-654D-EFBE-494F-2172AD05B145}"/>
+              </a:ext>
+            </a:extLst>
+          </p:cNvPr>
+          <p:cNvSpPr txBox="1"/>
+          <p:nvPr/>
+        </p:nvSpPr>
+        <p:spPr>
+          <a:xfrm>
             <a:off x="2105025" y="1203646"/>
             <a:ext cx="9144000" cy="573741"/>
           </a:xfrm>
@@ -21937,7 +25183,7 @@
 </p:sld>
 </file>
 
-<file path=ppt/slides/slide21.xml><?xml version="1.0" encoding="utf-8"?>
+<file path=ppt/slides/slide23.xml><?xml version="1.0" encoding="utf-8"?>
 <p:sld xmlns:a="http://schemas.openxmlformats.org/drawingml/2006/main" xmlns:r="http://schemas.openxmlformats.org/officeDocument/2006/relationships" xmlns:p="http://schemas.openxmlformats.org/presentationml/2006/main">
   <p:cSld>
     <p:spTree>
@@ -22409,6 +25655,200 @@
   <p:cSld>
     <p:spTree>
       <p:nvGrpSpPr>
+        <p:cNvPr id="1" name="Shape 98"/>
+        <p:cNvGrpSpPr/>
+        <p:nvPr/>
+      </p:nvGrpSpPr>
+      <p:grpSpPr>
+        <a:xfrm>
+          <a:off x="0" y="0"/>
+          <a:ext cx="0" cy="0"/>
+          <a:chOff x="0" y="0"/>
+          <a:chExt cx="0" cy="0"/>
+        </a:xfrm>
+      </p:grpSpPr>
+      <p:sp>
+        <p:nvSpPr>
+          <p:cNvPr id="99" name="Google Shape;99;p2"/>
+          <p:cNvSpPr txBox="1"/>
+          <p:nvPr/>
+        </p:nvSpPr>
+        <p:spPr>
+          <a:xfrm>
+            <a:off x="0" y="6858000"/>
+            <a:ext cx="12192000" cy="386904"/>
+          </a:xfrm>
+          <a:prstGeom prst="rect">
+            <a:avLst/>
+          </a:prstGeom>
+          <a:solidFill>
+            <a:srgbClr val="0078C1"/>
+          </a:solidFill>
+          <a:ln>
+            <a:noFill/>
+          </a:ln>
+        </p:spPr>
+        <p:txBody>
+          <a:bodyPr spcFirstLastPara="1" wrap="square" lIns="91425" tIns="45700" rIns="91425" bIns="45700" anchor="ctr" anchorCtr="0">
+            <a:normAutofit/>
+          </a:bodyPr>
+          <a:lstStyle/>
+          <a:p>
+            <a:pPr marL="0" marR="0" lvl="0" indent="0" algn="l" rtl="0">
+              <a:lnSpc>
+                <a:spcPct val="90000"/>
+              </a:lnSpc>
+              <a:spcBef>
+                <a:spcPts val="0"/>
+              </a:spcBef>
+              <a:spcAft>
+                <a:spcPts val="0"/>
+              </a:spcAft>
+              <a:buClr>
+                <a:schemeClr val="lt1"/>
+              </a:buClr>
+              <a:buSzPts val="1200"/>
+              <a:buFont typeface="Arial"/>
+              <a:buNone/>
+            </a:pPr>
+            <a:r>
+              <a:rPr lang="en-US" sz="1200" b="0" i="0" u="none" strike="noStrike" cap="none">
+                <a:solidFill>
+                  <a:schemeClr val="lt1"/>
+                </a:solidFill>
+                <a:latin typeface="Poppins"/>
+                <a:ea typeface="Poppins"/>
+                <a:cs typeface="Poppins"/>
+                <a:sym typeface="Poppins"/>
+              </a:rPr>
+              <a:t>TD – Pengujian perangkat lunak</a:t>
+            </a:r>
+            <a:endParaRPr lang="en-US" sz="400" b="0" i="0" u="none" strike="noStrike" cap="none">
+              <a:solidFill>
+                <a:schemeClr val="lt1"/>
+              </a:solidFill>
+              <a:latin typeface="Poppins"/>
+              <a:ea typeface="Poppins"/>
+              <a:cs typeface="Poppins"/>
+              <a:sym typeface="Poppins"/>
+            </a:endParaRPr>
+          </a:p>
+        </p:txBody>
+      </p:sp>
+      <p:pic>
+        <p:nvPicPr>
+          <p:cNvPr id="100" name="Google Shape;100;p2"/>
+          <p:cNvPicPr preferRelativeResize="0"/>
+          <p:nvPr/>
+        </p:nvPicPr>
+        <p:blipFill rotWithShape="1">
+          <a:blip r:embed="rId3">
+            <a:alphaModFix/>
+          </a:blip>
+          <a:srcRect/>
+          <a:stretch/>
+        </p:blipFill>
+        <p:spPr>
+          <a:xfrm>
+            <a:off x="2637694" y="-1124101"/>
+            <a:ext cx="894290" cy="688986"/>
+          </a:xfrm>
+          <a:prstGeom prst="rect">
+            <a:avLst/>
+          </a:prstGeom>
+          <a:noFill/>
+          <a:ln>
+            <a:noFill/>
+          </a:ln>
+        </p:spPr>
+      </p:pic>
+      <p:pic>
+        <p:nvPicPr>
+          <p:cNvPr id="101" name="Google Shape;101;p2"/>
+          <p:cNvPicPr preferRelativeResize="0"/>
+          <p:nvPr/>
+        </p:nvPicPr>
+        <p:blipFill rotWithShape="1">
+          <a:blip r:embed="rId4">
+            <a:alphaModFix/>
+          </a:blip>
+          <a:srcRect/>
+          <a:stretch/>
+        </p:blipFill>
+        <p:spPr>
+          <a:xfrm>
+            <a:off x="826608" y="-7173"/>
+            <a:ext cx="1144336" cy="705674"/>
+          </a:xfrm>
+          <a:prstGeom prst="rect">
+            <a:avLst/>
+          </a:prstGeom>
+          <a:noFill/>
+          <a:ln>
+            <a:noFill/>
+          </a:ln>
+        </p:spPr>
+      </p:pic>
+      <p:pic>
+        <p:nvPicPr>
+          <p:cNvPr id="6" name="Picture 5">
+            <a:extLst>
+              <a:ext uri="{FF2B5EF4-FFF2-40B4-BE49-F238E27FC236}">
+                <a16:creationId xmlns:a16="http://schemas.microsoft.com/office/drawing/2014/main" id="{1BDA9192-B32C-B83A-0F4F-3324560DEF13}"/>
+              </a:ext>
+            </a:extLst>
+          </p:cNvPr>
+          <p:cNvPicPr>
+            <a:picLocks noChangeAspect="1"/>
+          </p:cNvPicPr>
+          <p:nvPr/>
+        </p:nvPicPr>
+        <p:blipFill>
+          <a:blip r:embed="rId5"/>
+          <a:stretch>
+            <a:fillRect/>
+          </a:stretch>
+        </p:blipFill>
+        <p:spPr>
+          <a:xfrm>
+            <a:off x="2171371" y="848259"/>
+            <a:ext cx="7849258" cy="5161481"/>
+          </a:xfrm>
+          <a:prstGeom prst="rect">
+            <a:avLst/>
+          </a:prstGeom>
+        </p:spPr>
+      </p:pic>
+    </p:spTree>
+    <p:extLst>
+      <p:ext uri="{BB962C8B-B14F-4D97-AF65-F5344CB8AC3E}">
+        <p14:creationId xmlns:p14="http://schemas.microsoft.com/office/powerpoint/2010/main" val="955610009"/>
+      </p:ext>
+    </p:extLst>
+  </p:cSld>
+  <p:clrMapOvr>
+    <a:masterClrMapping/>
+  </p:clrMapOvr>
+  <mc:AlternateContent xmlns:mc="http://schemas.openxmlformats.org/markup-compatibility/2006">
+    <mc:Choice xmlns:p159="http://schemas.microsoft.com/office/powerpoint/2015/09/main" Requires="p159">
+      <p:transition>
+        <p159:morph option="byObject"/>
+      </p:transition>
+    </mc:Choice>
+    <mc:Fallback>
+      <p:transition>
+        <p:fade/>
+      </p:transition>
+    </mc:Fallback>
+  </mc:AlternateContent>
+</p:sld>
+</file>
+
+<file path=ppt/slides/slide4.xml><?xml version="1.0" encoding="utf-8"?>
+<p:sld xmlns:a="http://schemas.openxmlformats.org/drawingml/2006/main" xmlns:r="http://schemas.openxmlformats.org/officeDocument/2006/relationships" xmlns:p="http://schemas.openxmlformats.org/presentationml/2006/main">
+  <p:cSld>
+    <p:spTree>
+      <p:nvGrpSpPr>
         <p:cNvPr id="1" name="Shape 111"/>
         <p:cNvGrpSpPr/>
         <p:nvPr/>
@@ -22557,7 +25997,7 @@
         </p:nvSpPr>
         <p:spPr>
           <a:xfrm>
-            <a:off x="826608" y="1337811"/>
+            <a:off x="826608" y="1049474"/>
             <a:ext cx="9144000" cy="573741"/>
           </a:xfrm>
           <a:prstGeom prst="rect">
@@ -22629,7 +26069,7 @@
         </p:nvSpPr>
         <p:spPr>
           <a:xfrm>
-            <a:off x="996043" y="2068024"/>
+            <a:off x="996043" y="1779687"/>
             <a:ext cx="10384971" cy="5078313"/>
           </a:xfrm>
           <a:prstGeom prst="rect">
@@ -22653,10 +26093,10 @@
                 <a:ea typeface="Roboto" panose="02000000000000000000" pitchFamily="2" charset="0"/>
                 <a:cs typeface="Roboto" panose="02000000000000000000" pitchFamily="2" charset="0"/>
               </a:rPr>
-              <a:t>R1 : </a:t>
-            </a:r>
-            <a:r>
-              <a:rPr lang="en-US" sz="2000" b="1" dirty="0" err="1">
+              <a:t>R1 </a:t>
+            </a:r>
+            <a:r>
+              <a:rPr lang="en-US" sz="2000" dirty="0">
                 <a:solidFill>
                   <a:schemeClr val="tx1"/>
                 </a:solidFill>
@@ -22665,7 +26105,7 @@
                 <a:ea typeface="Roboto" panose="02000000000000000000" pitchFamily="2" charset="0"/>
                 <a:cs typeface="Roboto" panose="02000000000000000000" pitchFamily="2" charset="0"/>
               </a:rPr>
-              <a:t>Menelusuri</a:t>
+              <a:t>:</a:t>
             </a:r>
             <a:r>
               <a:rPr lang="en-US" sz="2000" b="1" dirty="0">
@@ -22680,7 +26120,7 @@
               <a:t> </a:t>
             </a:r>
             <a:r>
-              <a:rPr lang="en-US" sz="2000" b="1" dirty="0" err="1">
+              <a:rPr lang="en-US" sz="2000" dirty="0" err="1">
                 <a:solidFill>
                   <a:schemeClr val="tx1"/>
                 </a:solidFill>
@@ -22689,32 +26129,34 @@
                 <a:ea typeface="Roboto" panose="02000000000000000000" pitchFamily="2" charset="0"/>
                 <a:cs typeface="Roboto" panose="02000000000000000000" pitchFamily="2" charset="0"/>
               </a:rPr>
-              <a:t>perbandinga</a:t>
-            </a:r>
-            <a:r>
-              <a:rPr lang="en-US" sz="2000" b="1" dirty="0" err="1">
+              <a:t>Menelusuri</a:t>
+            </a:r>
+            <a:r>
+              <a:rPr lang="en-US" sz="2000" dirty="0">
                 <a:solidFill>
                   <a:schemeClr val="tx1"/>
                 </a:solidFill>
+                <a:effectLst/>
                 <a:latin typeface="Roboto" panose="02000000000000000000" pitchFamily="2" charset="0"/>
                 <a:ea typeface="Roboto" panose="02000000000000000000" pitchFamily="2" charset="0"/>
                 <a:cs typeface="Roboto" panose="02000000000000000000" pitchFamily="2" charset="0"/>
               </a:rPr>
-              <a:t>n</a:t>
-            </a:r>
-            <a:r>
-              <a:rPr lang="en-US" sz="2000" b="1" dirty="0">
+              <a:t> </a:t>
+            </a:r>
+            <a:r>
+              <a:rPr lang="en-US" sz="2000" dirty="0" err="1">
                 <a:solidFill>
                   <a:schemeClr val="tx1"/>
                 </a:solidFill>
+                <a:effectLst/>
                 <a:latin typeface="Roboto" panose="02000000000000000000" pitchFamily="2" charset="0"/>
                 <a:ea typeface="Roboto" panose="02000000000000000000" pitchFamily="2" charset="0"/>
                 <a:cs typeface="Roboto" panose="02000000000000000000" pitchFamily="2" charset="0"/>
               </a:rPr>
-              <a:t> </a:t>
-            </a:r>
-            <a:r>
-              <a:rPr lang="en-US" sz="2000" b="1" dirty="0" err="1">
+              <a:t>perbandinga</a:t>
+            </a:r>
+            <a:r>
+              <a:rPr lang="en-US" sz="2000" dirty="0" err="1">
                 <a:solidFill>
                   <a:schemeClr val="tx1"/>
                 </a:solidFill>
@@ -22722,10 +26164,10 @@
                 <a:ea typeface="Roboto" panose="02000000000000000000" pitchFamily="2" charset="0"/>
                 <a:cs typeface="Roboto" panose="02000000000000000000" pitchFamily="2" charset="0"/>
               </a:rPr>
-              <a:t>antara</a:t>
-            </a:r>
-            <a:r>
-              <a:rPr lang="en-US" sz="2000" b="1" dirty="0">
+              <a:t>n</a:t>
+            </a:r>
+            <a:r>
+              <a:rPr lang="en-US" sz="2000" dirty="0">
                 <a:solidFill>
                   <a:schemeClr val="tx1"/>
                 </a:solidFill>
@@ -22736,7 +26178,7 @@
               <a:t> </a:t>
             </a:r>
             <a:r>
-              <a:rPr lang="en-US" sz="2000" b="1" dirty="0" err="1">
+              <a:rPr lang="en-US" sz="2000" dirty="0" err="1">
                 <a:solidFill>
                   <a:schemeClr val="tx1"/>
                 </a:solidFill>
@@ -22744,10 +26186,10 @@
                 <a:ea typeface="Roboto" panose="02000000000000000000" pitchFamily="2" charset="0"/>
                 <a:cs typeface="Roboto" panose="02000000000000000000" pitchFamily="2" charset="0"/>
               </a:rPr>
-              <a:t>metode</a:t>
-            </a:r>
-            <a:r>
-              <a:rPr lang="en-US" sz="2000" b="1" dirty="0">
+              <a:t>antara</a:t>
+            </a:r>
+            <a:r>
+              <a:rPr lang="en-US" sz="2000" dirty="0">
                 <a:solidFill>
                   <a:schemeClr val="tx1"/>
                 </a:solidFill>
@@ -22755,10 +26197,10 @@
                 <a:ea typeface="Roboto" panose="02000000000000000000" pitchFamily="2" charset="0"/>
                 <a:cs typeface="Roboto" panose="02000000000000000000" pitchFamily="2" charset="0"/>
               </a:rPr>
-              <a:t> lama </a:t>
-            </a:r>
-            <a:r>
-              <a:rPr lang="en-US" sz="2000" b="1" dirty="0" err="1">
+              <a:t> </a:t>
+            </a:r>
+            <a:r>
+              <a:rPr lang="en-US" sz="2000" dirty="0" err="1">
                 <a:solidFill>
                   <a:schemeClr val="tx1"/>
                 </a:solidFill>
@@ -22766,10 +26208,10 @@
                 <a:ea typeface="Roboto" panose="02000000000000000000" pitchFamily="2" charset="0"/>
                 <a:cs typeface="Roboto" panose="02000000000000000000" pitchFamily="2" charset="0"/>
               </a:rPr>
-              <a:t>dengan</a:t>
-            </a:r>
-            <a:r>
-              <a:rPr lang="en-US" sz="2000" b="1" dirty="0">
+              <a:t>metode</a:t>
+            </a:r>
+            <a:r>
+              <a:rPr lang="en-US" sz="2000" dirty="0">
                 <a:solidFill>
                   <a:schemeClr val="tx1"/>
                 </a:solidFill>
@@ -22777,10 +26219,10 @@
                 <a:ea typeface="Roboto" panose="02000000000000000000" pitchFamily="2" charset="0"/>
                 <a:cs typeface="Roboto" panose="02000000000000000000" pitchFamily="2" charset="0"/>
               </a:rPr>
-              <a:t> </a:t>
-            </a:r>
-            <a:r>
-              <a:rPr lang="en-US" sz="2000" b="1" dirty="0" err="1">
+              <a:t> lama </a:t>
+            </a:r>
+            <a:r>
+              <a:rPr lang="en-US" sz="2000" dirty="0" err="1">
                 <a:solidFill>
                   <a:schemeClr val="tx1"/>
                 </a:solidFill>
@@ -22788,10 +26230,10 @@
                 <a:ea typeface="Roboto" panose="02000000000000000000" pitchFamily="2" charset="0"/>
                 <a:cs typeface="Roboto" panose="02000000000000000000" pitchFamily="2" charset="0"/>
               </a:rPr>
-              <a:t>gamifikasi</a:t>
-            </a:r>
-            <a:r>
-              <a:rPr lang="en-US" sz="2000" b="1" dirty="0">
+              <a:t>dengan</a:t>
+            </a:r>
+            <a:r>
+              <a:rPr lang="en-US" sz="2000" dirty="0">
                 <a:solidFill>
                   <a:schemeClr val="tx1"/>
                 </a:solidFill>
@@ -22799,10 +26241,10 @@
                 <a:ea typeface="Roboto" panose="02000000000000000000" pitchFamily="2" charset="0"/>
                 <a:cs typeface="Roboto" panose="02000000000000000000" pitchFamily="2" charset="0"/>
               </a:rPr>
-              <a:t> pada </a:t>
-            </a:r>
-            <a:r>
-              <a:rPr lang="en-US" sz="2000" b="1" dirty="0" err="1">
+              <a:t> </a:t>
+            </a:r>
+            <a:r>
+              <a:rPr lang="en-US" sz="2000" dirty="0" err="1">
                 <a:solidFill>
                   <a:schemeClr val="tx1"/>
                 </a:solidFill>
@@ -22810,10 +26252,10 @@
                 <a:ea typeface="Roboto" panose="02000000000000000000" pitchFamily="2" charset="0"/>
                 <a:cs typeface="Roboto" panose="02000000000000000000" pitchFamily="2" charset="0"/>
               </a:rPr>
-              <a:t>aspek</a:t>
-            </a:r>
-            <a:r>
-              <a:rPr lang="en-US" sz="2000" b="1" dirty="0">
+              <a:t>gamifikasi</a:t>
+            </a:r>
+            <a:r>
+              <a:rPr lang="en-US" sz="2000" dirty="0">
                 <a:solidFill>
                   <a:schemeClr val="tx1"/>
                 </a:solidFill>
@@ -22821,10 +26263,32 @@
                 <a:ea typeface="Roboto" panose="02000000000000000000" pitchFamily="2" charset="0"/>
                 <a:cs typeface="Roboto" panose="02000000000000000000" pitchFamily="2" charset="0"/>
               </a:rPr>
+              <a:t> pada </a:t>
+            </a:r>
+            <a:r>
+              <a:rPr lang="en-US" sz="2000" dirty="0" err="1">
+                <a:solidFill>
+                  <a:schemeClr val="tx1"/>
+                </a:solidFill>
+                <a:latin typeface="Roboto" panose="02000000000000000000" pitchFamily="2" charset="0"/>
+                <a:ea typeface="Roboto" panose="02000000000000000000" pitchFamily="2" charset="0"/>
+                <a:cs typeface="Roboto" panose="02000000000000000000" pitchFamily="2" charset="0"/>
+              </a:rPr>
+              <a:t>aspek</a:t>
+            </a:r>
+            <a:r>
+              <a:rPr lang="en-US" sz="2000" dirty="0">
+                <a:solidFill>
+                  <a:schemeClr val="tx1"/>
+                </a:solidFill>
+                <a:latin typeface="Roboto" panose="02000000000000000000" pitchFamily="2" charset="0"/>
+                <a:ea typeface="Roboto" panose="02000000000000000000" pitchFamily="2" charset="0"/>
+                <a:cs typeface="Roboto" panose="02000000000000000000" pitchFamily="2" charset="0"/>
+              </a:rPr>
               <a:t> </a:t>
             </a:r>
             <a:r>
-              <a:rPr lang="en-US" sz="2000" b="1" i="1" dirty="0">
+              <a:rPr lang="en-US" sz="2000" i="1" dirty="0">
                 <a:solidFill>
                   <a:schemeClr val="tx1"/>
                 </a:solidFill>
@@ -22861,7 +26325,7 @@
               <a:t>R2 : </a:t>
             </a:r>
             <a:r>
-              <a:rPr lang="en-US" sz="2000" b="1" dirty="0" err="1">
+              <a:rPr lang="en-US" sz="2000" dirty="0" err="1">
                 <a:solidFill>
                   <a:schemeClr val="tx1"/>
                 </a:solidFill>
@@ -22873,7 +26337,7 @@
               <a:t>Menelusuri</a:t>
             </a:r>
             <a:r>
-              <a:rPr lang="en-US" sz="2000" b="1" dirty="0">
+              <a:rPr lang="en-US" sz="2000" dirty="0">
                 <a:solidFill>
                   <a:schemeClr val="tx1"/>
                 </a:solidFill>
@@ -22885,7 +26349,7 @@
               <a:t> </a:t>
             </a:r>
             <a:r>
-              <a:rPr lang="en-US" sz="2000" b="1" dirty="0" err="1">
+              <a:rPr lang="en-US" sz="2000" dirty="0" err="1">
                 <a:solidFill>
                   <a:schemeClr val="tx1"/>
                 </a:solidFill>
@@ -22897,7 +26361,7 @@
               <a:t>perbandinga</a:t>
             </a:r>
             <a:r>
-              <a:rPr lang="en-US" sz="2000" b="1" dirty="0" err="1">
+              <a:rPr lang="en-US" sz="2000" dirty="0" err="1">
                 <a:solidFill>
                   <a:schemeClr val="tx1"/>
                 </a:solidFill>
@@ -22908,7 +26372,7 @@
               <a:t>n</a:t>
             </a:r>
             <a:r>
-              <a:rPr lang="en-US" sz="2000" b="1" dirty="0">
+              <a:rPr lang="en-US" sz="2000" dirty="0">
                 <a:solidFill>
                   <a:schemeClr val="tx1"/>
                 </a:solidFill>
@@ -22919,7 +26383,7 @@
               <a:t> </a:t>
             </a:r>
             <a:r>
-              <a:rPr lang="en-US" sz="2000" b="1" dirty="0" err="1">
+              <a:rPr lang="en-US" sz="2000" dirty="0" err="1">
                 <a:solidFill>
                   <a:schemeClr val="tx1"/>
                 </a:solidFill>
@@ -22930,7 +26394,7 @@
               <a:t>antara</a:t>
             </a:r>
             <a:r>
-              <a:rPr lang="en-US" sz="2000" b="1" dirty="0">
+              <a:rPr lang="en-US" sz="2000" dirty="0">
                 <a:solidFill>
                   <a:schemeClr val="tx1"/>
                 </a:solidFill>
@@ -22941,7 +26405,7 @@
               <a:t> </a:t>
             </a:r>
             <a:r>
-              <a:rPr lang="en-US" sz="2000" b="1" dirty="0" err="1">
+              <a:rPr lang="en-US" sz="2000" dirty="0" err="1">
                 <a:solidFill>
                   <a:schemeClr val="tx1"/>
                 </a:solidFill>
@@ -22952,7 +26416,7 @@
               <a:t>metode</a:t>
             </a:r>
             <a:r>
-              <a:rPr lang="en-US" sz="2000" b="1" dirty="0">
+              <a:rPr lang="en-US" sz="2000" dirty="0">
                 <a:solidFill>
                   <a:schemeClr val="tx1"/>
                 </a:solidFill>
@@ -22963,7 +26427,7 @@
               <a:t> lama </a:t>
             </a:r>
             <a:r>
-              <a:rPr lang="en-US" sz="2000" b="1" dirty="0" err="1">
+              <a:rPr lang="en-US" sz="2000" dirty="0" err="1">
                 <a:solidFill>
                   <a:schemeClr val="tx1"/>
                 </a:solidFill>
@@ -22974,7 +26438,7 @@
               <a:t>dengan</a:t>
             </a:r>
             <a:r>
-              <a:rPr lang="en-US" sz="2000" b="1" dirty="0">
+              <a:rPr lang="en-US" sz="2000" dirty="0">
                 <a:solidFill>
                   <a:schemeClr val="tx1"/>
                 </a:solidFill>
@@ -22985,7 +26449,7 @@
               <a:t> </a:t>
             </a:r>
             <a:r>
-              <a:rPr lang="en-US" sz="2000" b="1" dirty="0" err="1">
+              <a:rPr lang="en-US" sz="2000" dirty="0" err="1">
                 <a:solidFill>
                   <a:schemeClr val="tx1"/>
                 </a:solidFill>
@@ -22996,7 +26460,7 @@
               <a:t>gamifikasi</a:t>
             </a:r>
             <a:r>
-              <a:rPr lang="en-US" sz="2000" b="1" dirty="0">
+              <a:rPr lang="en-US" sz="2000" dirty="0">
                 <a:solidFill>
                   <a:schemeClr val="tx1"/>
                 </a:solidFill>
@@ -23007,7 +26471,7 @@
               <a:t> pada </a:t>
             </a:r>
             <a:r>
-              <a:rPr lang="en-US" sz="2000" b="1" dirty="0" err="1">
+              <a:rPr lang="en-US" sz="2000" dirty="0" err="1">
                 <a:solidFill>
                   <a:schemeClr val="tx1"/>
                 </a:solidFill>
@@ -23018,7 +26482,7 @@
               <a:t>aspek</a:t>
             </a:r>
             <a:r>
-              <a:rPr lang="en-US" sz="2000" b="1" dirty="0">
+              <a:rPr lang="en-US" sz="2000" dirty="0">
                 <a:solidFill>
                   <a:schemeClr val="tx1"/>
                 </a:solidFill>
@@ -23029,7 +26493,7 @@
               <a:t> </a:t>
             </a:r>
             <a:r>
-              <a:rPr lang="en-US" sz="2000" b="1" i="1" dirty="0">
+              <a:rPr lang="en-US" sz="2000" i="1" dirty="0">
                 <a:solidFill>
                   <a:schemeClr val="tx1"/>
                 </a:solidFill>
@@ -23062,10 +26526,10 @@
                 <a:ea typeface="Roboto" panose="02000000000000000000" pitchFamily="2" charset="0"/>
                 <a:cs typeface="Roboto" panose="02000000000000000000" pitchFamily="2" charset="0"/>
               </a:rPr>
-              <a:t>R3 : </a:t>
-            </a:r>
-            <a:r>
-              <a:rPr lang="en-US" sz="2000" b="1" dirty="0" err="1">
+              <a:t>R3 </a:t>
+            </a:r>
+            <a:r>
+              <a:rPr lang="en-US" sz="2000" dirty="0">
                 <a:solidFill>
                   <a:schemeClr val="tx1"/>
                 </a:solidFill>
@@ -23074,10 +26538,10 @@
                 <a:ea typeface="Roboto" panose="02000000000000000000" pitchFamily="2" charset="0"/>
                 <a:cs typeface="Roboto" panose="02000000000000000000" pitchFamily="2" charset="0"/>
               </a:rPr>
-              <a:t>Menelusuri</a:t>
-            </a:r>
-            <a:r>
-              <a:rPr lang="en-US" sz="2000" b="1" dirty="0">
+              <a:t>: </a:t>
+            </a:r>
+            <a:r>
+              <a:rPr lang="en-US" sz="2000" dirty="0" err="1">
                 <a:solidFill>
                   <a:schemeClr val="tx1"/>
                 </a:solidFill>
@@ -23086,10 +26550,10 @@
                 <a:ea typeface="Roboto" panose="02000000000000000000" pitchFamily="2" charset="0"/>
                 <a:cs typeface="Roboto" panose="02000000000000000000" pitchFamily="2" charset="0"/>
               </a:rPr>
-              <a:t> </a:t>
-            </a:r>
-            <a:r>
-              <a:rPr lang="en-US" sz="2000" b="1" dirty="0" err="1">
+              <a:t>Menelusuri</a:t>
+            </a:r>
+            <a:r>
+              <a:rPr lang="en-US" sz="2000" dirty="0">
                 <a:solidFill>
                   <a:schemeClr val="tx1"/>
                 </a:solidFill>
@@ -23098,21 +26562,22 @@
                 <a:ea typeface="Roboto" panose="02000000000000000000" pitchFamily="2" charset="0"/>
                 <a:cs typeface="Roboto" panose="02000000000000000000" pitchFamily="2" charset="0"/>
               </a:rPr>
-              <a:t>perbandinga</a:t>
-            </a:r>
-            <a:r>
-              <a:rPr lang="en-US" sz="2000" b="1" dirty="0" err="1">
+              <a:t> </a:t>
+            </a:r>
+            <a:r>
+              <a:rPr lang="en-US" sz="2000" dirty="0" err="1">
                 <a:solidFill>
                   <a:schemeClr val="tx1"/>
                 </a:solidFill>
+                <a:effectLst/>
                 <a:latin typeface="Roboto" panose="02000000000000000000" pitchFamily="2" charset="0"/>
                 <a:ea typeface="Roboto" panose="02000000000000000000" pitchFamily="2" charset="0"/>
                 <a:cs typeface="Roboto" panose="02000000000000000000" pitchFamily="2" charset="0"/>
               </a:rPr>
-              <a:t>n</a:t>
-            </a:r>
-            <a:r>
-              <a:rPr lang="en-US" sz="2000" b="1" dirty="0">
+              <a:t>perbandinga</a:t>
+            </a:r>
+            <a:r>
+              <a:rPr lang="en-US" sz="2000" dirty="0" err="1">
                 <a:solidFill>
                   <a:schemeClr val="tx1"/>
                 </a:solidFill>
@@ -23120,10 +26585,10 @@
                 <a:ea typeface="Roboto" panose="02000000000000000000" pitchFamily="2" charset="0"/>
                 <a:cs typeface="Roboto" panose="02000000000000000000" pitchFamily="2" charset="0"/>
               </a:rPr>
-              <a:t> </a:t>
-            </a:r>
-            <a:r>
-              <a:rPr lang="en-US" sz="2000" b="1" dirty="0" err="1">
+              <a:t>n</a:t>
+            </a:r>
+            <a:r>
+              <a:rPr lang="en-US" sz="2000" dirty="0">
                 <a:solidFill>
                   <a:schemeClr val="tx1"/>
                 </a:solidFill>
@@ -23131,10 +26596,10 @@
                 <a:ea typeface="Roboto" panose="02000000000000000000" pitchFamily="2" charset="0"/>
                 <a:cs typeface="Roboto" panose="02000000000000000000" pitchFamily="2" charset="0"/>
               </a:rPr>
-              <a:t>antara</a:t>
-            </a:r>
-            <a:r>
-              <a:rPr lang="en-US" sz="2000" b="1" dirty="0">
+              <a:t> </a:t>
+            </a:r>
+            <a:r>
+              <a:rPr lang="en-US" sz="2000" dirty="0" err="1">
                 <a:solidFill>
                   <a:schemeClr val="tx1"/>
                 </a:solidFill>
@@ -23142,10 +26607,10 @@
                 <a:ea typeface="Roboto" panose="02000000000000000000" pitchFamily="2" charset="0"/>
                 <a:cs typeface="Roboto" panose="02000000000000000000" pitchFamily="2" charset="0"/>
               </a:rPr>
-              <a:t> </a:t>
-            </a:r>
-            <a:r>
-              <a:rPr lang="en-US" sz="2000" b="1" dirty="0" err="1">
+              <a:t>antara</a:t>
+            </a:r>
+            <a:r>
+              <a:rPr lang="en-US" sz="2000" dirty="0">
                 <a:solidFill>
                   <a:schemeClr val="tx1"/>
                 </a:solidFill>
@@ -23153,10 +26618,10 @@
                 <a:ea typeface="Roboto" panose="02000000000000000000" pitchFamily="2" charset="0"/>
                 <a:cs typeface="Roboto" panose="02000000000000000000" pitchFamily="2" charset="0"/>
               </a:rPr>
-              <a:t>metode</a:t>
-            </a:r>
-            <a:r>
-              <a:rPr lang="en-US" sz="2000" b="1" dirty="0">
+              <a:t> </a:t>
+            </a:r>
+            <a:r>
+              <a:rPr lang="en-US" sz="2000" dirty="0" err="1">
                 <a:solidFill>
                   <a:schemeClr val="tx1"/>
                 </a:solidFill>
@@ -23164,10 +26629,10 @@
                 <a:ea typeface="Roboto" panose="02000000000000000000" pitchFamily="2" charset="0"/>
                 <a:cs typeface="Roboto" panose="02000000000000000000" pitchFamily="2" charset="0"/>
               </a:rPr>
-              <a:t> lama </a:t>
-            </a:r>
-            <a:r>
-              <a:rPr lang="en-US" sz="2000" b="1" dirty="0" err="1">
+              <a:t>metode</a:t>
+            </a:r>
+            <a:r>
+              <a:rPr lang="en-US" sz="2000" dirty="0">
                 <a:solidFill>
                   <a:schemeClr val="tx1"/>
                 </a:solidFill>
@@ -23175,10 +26640,10 @@
                 <a:ea typeface="Roboto" panose="02000000000000000000" pitchFamily="2" charset="0"/>
                 <a:cs typeface="Roboto" panose="02000000000000000000" pitchFamily="2" charset="0"/>
               </a:rPr>
-              <a:t>dengan</a:t>
-            </a:r>
-            <a:r>
-              <a:rPr lang="en-US" sz="2000" b="1" dirty="0">
+              <a:t> lama </a:t>
+            </a:r>
+            <a:r>
+              <a:rPr lang="en-US" sz="2000" dirty="0" err="1">
                 <a:solidFill>
                   <a:schemeClr val="tx1"/>
                 </a:solidFill>
@@ -23186,10 +26651,10 @@
                 <a:ea typeface="Roboto" panose="02000000000000000000" pitchFamily="2" charset="0"/>
                 <a:cs typeface="Roboto" panose="02000000000000000000" pitchFamily="2" charset="0"/>
               </a:rPr>
-              <a:t> </a:t>
-            </a:r>
-            <a:r>
-              <a:rPr lang="en-US" sz="2000" b="1" dirty="0" err="1">
+              <a:t>dengan</a:t>
+            </a:r>
+            <a:r>
+              <a:rPr lang="en-US" sz="2000" dirty="0">
                 <a:solidFill>
                   <a:schemeClr val="tx1"/>
                 </a:solidFill>
@@ -23197,10 +26662,10 @@
                 <a:ea typeface="Roboto" panose="02000000000000000000" pitchFamily="2" charset="0"/>
                 <a:cs typeface="Roboto" panose="02000000000000000000" pitchFamily="2" charset="0"/>
               </a:rPr>
-              <a:t>gamifikasi</a:t>
-            </a:r>
-            <a:r>
-              <a:rPr lang="en-US" sz="2000" b="1" dirty="0">
+              <a:t> </a:t>
+            </a:r>
+            <a:r>
+              <a:rPr lang="en-US" sz="2000" dirty="0" err="1">
                 <a:solidFill>
                   <a:schemeClr val="tx1"/>
                 </a:solidFill>
@@ -23208,10 +26673,10 @@
                 <a:ea typeface="Roboto" panose="02000000000000000000" pitchFamily="2" charset="0"/>
                 <a:cs typeface="Roboto" panose="02000000000000000000" pitchFamily="2" charset="0"/>
               </a:rPr>
-              <a:t> pada </a:t>
-            </a:r>
-            <a:r>
-              <a:rPr lang="en-US" sz="2000" b="1" dirty="0" err="1">
+              <a:t>gamifikasi</a:t>
+            </a:r>
+            <a:r>
+              <a:rPr lang="en-US" sz="2000" dirty="0">
                 <a:solidFill>
                   <a:schemeClr val="tx1"/>
                 </a:solidFill>
@@ -23219,10 +26684,10 @@
                 <a:ea typeface="Roboto" panose="02000000000000000000" pitchFamily="2" charset="0"/>
                 <a:cs typeface="Roboto" panose="02000000000000000000" pitchFamily="2" charset="0"/>
               </a:rPr>
-              <a:t>aspek</a:t>
-            </a:r>
-            <a:r>
-              <a:rPr lang="en-US" sz="2000" b="1" dirty="0">
+              <a:t> pada </a:t>
+            </a:r>
+            <a:r>
+              <a:rPr lang="en-US" sz="2000" dirty="0" err="1">
                 <a:solidFill>
                   <a:schemeClr val="tx1"/>
                 </a:solidFill>
@@ -23230,10 +26695,21 @@
                 <a:ea typeface="Roboto" panose="02000000000000000000" pitchFamily="2" charset="0"/>
                 <a:cs typeface="Roboto" panose="02000000000000000000" pitchFamily="2" charset="0"/>
               </a:rPr>
+              <a:t>aspek</a:t>
+            </a:r>
+            <a:r>
+              <a:rPr lang="en-US" sz="2000" dirty="0">
+                <a:solidFill>
+                  <a:schemeClr val="tx1"/>
+                </a:solidFill>
+                <a:latin typeface="Roboto" panose="02000000000000000000" pitchFamily="2" charset="0"/>
+                <a:ea typeface="Roboto" panose="02000000000000000000" pitchFamily="2" charset="0"/>
+                <a:cs typeface="Roboto" panose="02000000000000000000" pitchFamily="2" charset="0"/>
+              </a:rPr>
               <a:t> </a:t>
             </a:r>
             <a:r>
-              <a:rPr lang="en-US" sz="2000" b="1" i="1" dirty="0">
+              <a:rPr lang="en-US" sz="2000" i="1" dirty="0">
                 <a:solidFill>
                   <a:schemeClr val="tx1"/>
                 </a:solidFill>
@@ -23267,10 +26743,10 @@
                 <a:ea typeface="Roboto" panose="02000000000000000000" pitchFamily="2" charset="0"/>
                 <a:cs typeface="Roboto" panose="02000000000000000000" pitchFamily="2" charset="0"/>
               </a:rPr>
-              <a:t>R4 : </a:t>
-            </a:r>
-            <a:r>
-              <a:rPr lang="en-US" sz="2000" b="1" dirty="0" err="1">
+              <a:t>R4 </a:t>
+            </a:r>
+            <a:r>
+              <a:rPr lang="en-US" sz="2000" dirty="0">
                 <a:solidFill>
                   <a:schemeClr val="tx1"/>
                 </a:solidFill>
@@ -23279,10 +26755,10 @@
                 <a:ea typeface="Roboto" panose="02000000000000000000" pitchFamily="2" charset="0"/>
                 <a:cs typeface="Roboto" panose="02000000000000000000" pitchFamily="2" charset="0"/>
               </a:rPr>
-              <a:t>Menelusuri</a:t>
-            </a:r>
-            <a:r>
-              <a:rPr lang="en-US" sz="2000" b="1" dirty="0">
+              <a:t>: </a:t>
+            </a:r>
+            <a:r>
+              <a:rPr lang="en-US" sz="2000" dirty="0" err="1">
                 <a:solidFill>
                   <a:schemeClr val="tx1"/>
                 </a:solidFill>
@@ -23291,10 +26767,10 @@
                 <a:ea typeface="Roboto" panose="02000000000000000000" pitchFamily="2" charset="0"/>
                 <a:cs typeface="Roboto" panose="02000000000000000000" pitchFamily="2" charset="0"/>
               </a:rPr>
-              <a:t> </a:t>
-            </a:r>
-            <a:r>
-              <a:rPr lang="en-US" sz="2000" b="1" dirty="0" err="1">
+              <a:t>Menelusuri</a:t>
+            </a:r>
+            <a:r>
+              <a:rPr lang="en-US" sz="2000" dirty="0">
                 <a:solidFill>
                   <a:schemeClr val="tx1"/>
                 </a:solidFill>
@@ -23303,21 +26779,22 @@
                 <a:ea typeface="Roboto" panose="02000000000000000000" pitchFamily="2" charset="0"/>
                 <a:cs typeface="Roboto" panose="02000000000000000000" pitchFamily="2" charset="0"/>
               </a:rPr>
-              <a:t>perbandinga</a:t>
-            </a:r>
-            <a:r>
-              <a:rPr lang="en-US" sz="2000" b="1" dirty="0" err="1">
+              <a:t> </a:t>
+            </a:r>
+            <a:r>
+              <a:rPr lang="en-US" sz="2000" dirty="0" err="1">
                 <a:solidFill>
                   <a:schemeClr val="tx1"/>
                 </a:solidFill>
+                <a:effectLst/>
                 <a:latin typeface="Roboto" panose="02000000000000000000" pitchFamily="2" charset="0"/>
                 <a:ea typeface="Roboto" panose="02000000000000000000" pitchFamily="2" charset="0"/>
                 <a:cs typeface="Roboto" panose="02000000000000000000" pitchFamily="2" charset="0"/>
               </a:rPr>
-              <a:t>n</a:t>
-            </a:r>
-            <a:r>
-              <a:rPr lang="en-US" sz="2000" b="1" dirty="0">
+              <a:t>perbandinga</a:t>
+            </a:r>
+            <a:r>
+              <a:rPr lang="en-US" sz="2000" dirty="0" err="1">
                 <a:solidFill>
                   <a:schemeClr val="tx1"/>
                 </a:solidFill>
@@ -23325,10 +26802,10 @@
                 <a:ea typeface="Roboto" panose="02000000000000000000" pitchFamily="2" charset="0"/>
                 <a:cs typeface="Roboto" panose="02000000000000000000" pitchFamily="2" charset="0"/>
               </a:rPr>
-              <a:t> </a:t>
-            </a:r>
-            <a:r>
-              <a:rPr lang="en-US" sz="2000" b="1" dirty="0" err="1">
+              <a:t>n</a:t>
+            </a:r>
+            <a:r>
+              <a:rPr lang="en-US" sz="2000" dirty="0">
                 <a:solidFill>
                   <a:schemeClr val="tx1"/>
                 </a:solidFill>
@@ -23336,10 +26813,10 @@
                 <a:ea typeface="Roboto" panose="02000000000000000000" pitchFamily="2" charset="0"/>
                 <a:cs typeface="Roboto" panose="02000000000000000000" pitchFamily="2" charset="0"/>
               </a:rPr>
-              <a:t>antara</a:t>
-            </a:r>
-            <a:r>
-              <a:rPr lang="en-US" sz="2000" b="1" dirty="0">
+              <a:t> </a:t>
+            </a:r>
+            <a:r>
+              <a:rPr lang="en-US" sz="2000" dirty="0" err="1">
                 <a:solidFill>
                   <a:schemeClr val="tx1"/>
                 </a:solidFill>
@@ -23347,10 +26824,10 @@
                 <a:ea typeface="Roboto" panose="02000000000000000000" pitchFamily="2" charset="0"/>
                 <a:cs typeface="Roboto" panose="02000000000000000000" pitchFamily="2" charset="0"/>
               </a:rPr>
-              <a:t> </a:t>
-            </a:r>
-            <a:r>
-              <a:rPr lang="en-US" sz="2000" b="1" dirty="0" err="1">
+              <a:t>antara</a:t>
+            </a:r>
+            <a:r>
+              <a:rPr lang="en-US" sz="2000" dirty="0">
                 <a:solidFill>
                   <a:schemeClr val="tx1"/>
                 </a:solidFill>
@@ -23358,10 +26835,10 @@
                 <a:ea typeface="Roboto" panose="02000000000000000000" pitchFamily="2" charset="0"/>
                 <a:cs typeface="Roboto" panose="02000000000000000000" pitchFamily="2" charset="0"/>
               </a:rPr>
-              <a:t>metode</a:t>
-            </a:r>
-            <a:r>
-              <a:rPr lang="en-US" sz="2000" b="1" dirty="0">
+              <a:t> </a:t>
+            </a:r>
+            <a:r>
+              <a:rPr lang="en-US" sz="2000" dirty="0" err="1">
                 <a:solidFill>
                   <a:schemeClr val="tx1"/>
                 </a:solidFill>
@@ -23369,10 +26846,10 @@
                 <a:ea typeface="Roboto" panose="02000000000000000000" pitchFamily="2" charset="0"/>
                 <a:cs typeface="Roboto" panose="02000000000000000000" pitchFamily="2" charset="0"/>
               </a:rPr>
-              <a:t> lama </a:t>
-            </a:r>
-            <a:r>
-              <a:rPr lang="en-US" sz="2000" b="1" dirty="0" err="1">
+              <a:t>metode</a:t>
+            </a:r>
+            <a:r>
+              <a:rPr lang="en-US" sz="2000" dirty="0">
                 <a:solidFill>
                   <a:schemeClr val="tx1"/>
                 </a:solidFill>
@@ -23380,10 +26857,10 @@
                 <a:ea typeface="Roboto" panose="02000000000000000000" pitchFamily="2" charset="0"/>
                 <a:cs typeface="Roboto" panose="02000000000000000000" pitchFamily="2" charset="0"/>
               </a:rPr>
-              <a:t>dengan</a:t>
-            </a:r>
-            <a:r>
-              <a:rPr lang="en-US" sz="2000" b="1" dirty="0">
+              <a:t> lama </a:t>
+            </a:r>
+            <a:r>
+              <a:rPr lang="en-US" sz="2000" dirty="0" err="1">
                 <a:solidFill>
                   <a:schemeClr val="tx1"/>
                 </a:solidFill>
@@ -23391,10 +26868,10 @@
                 <a:ea typeface="Roboto" panose="02000000000000000000" pitchFamily="2" charset="0"/>
                 <a:cs typeface="Roboto" panose="02000000000000000000" pitchFamily="2" charset="0"/>
               </a:rPr>
-              <a:t> </a:t>
-            </a:r>
-            <a:r>
-              <a:rPr lang="en-US" sz="2000" b="1" dirty="0" err="1">
+              <a:t>dengan</a:t>
+            </a:r>
+            <a:r>
+              <a:rPr lang="en-US" sz="2000" dirty="0">
                 <a:solidFill>
                   <a:schemeClr val="tx1"/>
                 </a:solidFill>
@@ -23402,10 +26879,10 @@
                 <a:ea typeface="Roboto" panose="02000000000000000000" pitchFamily="2" charset="0"/>
                 <a:cs typeface="Roboto" panose="02000000000000000000" pitchFamily="2" charset="0"/>
               </a:rPr>
-              <a:t>gamifikasi</a:t>
-            </a:r>
-            <a:r>
-              <a:rPr lang="en-US" sz="2000" b="1" dirty="0">
+              <a:t> </a:t>
+            </a:r>
+            <a:r>
+              <a:rPr lang="en-US" sz="2000" dirty="0" err="1">
                 <a:solidFill>
                   <a:schemeClr val="tx1"/>
                 </a:solidFill>
@@ -23413,10 +26890,10 @@
                 <a:ea typeface="Roboto" panose="02000000000000000000" pitchFamily="2" charset="0"/>
                 <a:cs typeface="Roboto" panose="02000000000000000000" pitchFamily="2" charset="0"/>
               </a:rPr>
-              <a:t> pada </a:t>
-            </a:r>
-            <a:r>
-              <a:rPr lang="en-US" sz="2000" b="1" dirty="0" err="1">
+              <a:t>gamifikasi</a:t>
+            </a:r>
+            <a:r>
+              <a:rPr lang="en-US" sz="2000" dirty="0">
                 <a:solidFill>
                   <a:schemeClr val="tx1"/>
                 </a:solidFill>
@@ -23424,10 +26901,10 @@
                 <a:ea typeface="Roboto" panose="02000000000000000000" pitchFamily="2" charset="0"/>
                 <a:cs typeface="Roboto" panose="02000000000000000000" pitchFamily="2" charset="0"/>
               </a:rPr>
-              <a:t>aspek</a:t>
-            </a:r>
-            <a:r>
-              <a:rPr lang="en-US" sz="2000" b="1" dirty="0">
+              <a:t> pada </a:t>
+            </a:r>
+            <a:r>
+              <a:rPr lang="en-US" sz="2000" dirty="0" err="1">
                 <a:solidFill>
                   <a:schemeClr val="tx1"/>
                 </a:solidFill>
@@ -23435,10 +26912,10 @@
                 <a:ea typeface="Roboto" panose="02000000000000000000" pitchFamily="2" charset="0"/>
                 <a:cs typeface="Roboto" panose="02000000000000000000" pitchFamily="2" charset="0"/>
               </a:rPr>
-              <a:t> </a:t>
-            </a:r>
-            <a:r>
-              <a:rPr lang="en-US" sz="2000" b="1" i="1" dirty="0" err="1">
+              <a:t>aspek</a:t>
+            </a:r>
+            <a:r>
+              <a:rPr lang="en-US" sz="2000" dirty="0">
                 <a:solidFill>
                   <a:schemeClr val="tx1"/>
                 </a:solidFill>
@@ -23446,10 +26923,21 @@
                 <a:ea typeface="Roboto" panose="02000000000000000000" pitchFamily="2" charset="0"/>
                 <a:cs typeface="Roboto" panose="02000000000000000000" pitchFamily="2" charset="0"/>
               </a:rPr>
+              <a:t> </a:t>
+            </a:r>
+            <a:r>
+              <a:rPr lang="en-US" sz="2000" i="1" dirty="0" err="1">
+                <a:solidFill>
+                  <a:schemeClr val="tx1"/>
+                </a:solidFill>
+                <a:latin typeface="Roboto" panose="02000000000000000000" pitchFamily="2" charset="0"/>
+                <a:ea typeface="Roboto" panose="02000000000000000000" pitchFamily="2" charset="0"/>
+                <a:cs typeface="Roboto" panose="02000000000000000000" pitchFamily="2" charset="0"/>
+              </a:rPr>
               <a:t>usefullness</a:t>
             </a:r>
             <a:r>
-              <a:rPr lang="en-US" sz="2000" b="1" i="1" dirty="0">
+              <a:rPr lang="en-US" sz="2000" i="1" dirty="0">
                 <a:solidFill>
                   <a:schemeClr val="tx1"/>
                 </a:solidFill>
@@ -23483,10 +26971,10 @@
                 <a:ea typeface="Roboto" panose="02000000000000000000" pitchFamily="2" charset="0"/>
                 <a:cs typeface="Roboto" panose="02000000000000000000" pitchFamily="2" charset="0"/>
               </a:rPr>
-              <a:t>R5 : </a:t>
-            </a:r>
-            <a:r>
-              <a:rPr lang="en-US" sz="2000" b="1" i="1" dirty="0" err="1">
+              <a:t>R5 </a:t>
+            </a:r>
+            <a:r>
+              <a:rPr lang="en-US" sz="2000" i="1" dirty="0">
                 <a:solidFill>
                   <a:schemeClr val="tx1"/>
                 </a:solidFill>
@@ -23495,10 +26983,10 @@
                 <a:ea typeface="Roboto" panose="02000000000000000000" pitchFamily="2" charset="0"/>
                 <a:cs typeface="Roboto" panose="02000000000000000000" pitchFamily="2" charset="0"/>
               </a:rPr>
-              <a:t>Menelusuri</a:t>
-            </a:r>
-            <a:r>
-              <a:rPr lang="en-US" sz="2000" b="1" i="1" dirty="0">
+              <a:t>: </a:t>
+            </a:r>
+            <a:r>
+              <a:rPr lang="en-US" sz="2000" i="1" dirty="0" err="1">
                 <a:solidFill>
                   <a:schemeClr val="tx1"/>
                 </a:solidFill>
@@ -23507,10 +26995,10 @@
                 <a:ea typeface="Roboto" panose="02000000000000000000" pitchFamily="2" charset="0"/>
                 <a:cs typeface="Roboto" panose="02000000000000000000" pitchFamily="2" charset="0"/>
               </a:rPr>
-              <a:t> </a:t>
-            </a:r>
-            <a:r>
-              <a:rPr lang="en-US" sz="2000" b="1" i="1" dirty="0" err="1">
+              <a:t>Menelusuri</a:t>
+            </a:r>
+            <a:r>
+              <a:rPr lang="en-US" sz="2000" i="1" dirty="0">
                 <a:solidFill>
                   <a:schemeClr val="tx1"/>
                 </a:solidFill>
@@ -23519,10 +27007,10 @@
                 <a:ea typeface="Roboto" panose="02000000000000000000" pitchFamily="2" charset="0"/>
                 <a:cs typeface="Roboto" panose="02000000000000000000" pitchFamily="2" charset="0"/>
               </a:rPr>
-              <a:t>apakah</a:t>
-            </a:r>
-            <a:r>
-              <a:rPr lang="en-US" sz="2000" b="1" i="1" dirty="0">
+              <a:t> </a:t>
+            </a:r>
+            <a:r>
+              <a:rPr lang="en-US" sz="2000" i="1" dirty="0" err="1">
                 <a:solidFill>
                   <a:schemeClr val="tx1"/>
                 </a:solidFill>
@@ -23531,10 +27019,10 @@
                 <a:ea typeface="Roboto" panose="02000000000000000000" pitchFamily="2" charset="0"/>
                 <a:cs typeface="Roboto" panose="02000000000000000000" pitchFamily="2" charset="0"/>
               </a:rPr>
-              <a:t> </a:t>
-            </a:r>
-            <a:r>
-              <a:rPr lang="en-US" sz="2000" b="1" i="1" dirty="0" err="1">
+              <a:t>apakah</a:t>
+            </a:r>
+            <a:r>
+              <a:rPr lang="en-US" sz="2000" i="1" dirty="0">
                 <a:solidFill>
                   <a:schemeClr val="tx1"/>
                 </a:solidFill>
@@ -23543,10 +27031,10 @@
                 <a:ea typeface="Roboto" panose="02000000000000000000" pitchFamily="2" charset="0"/>
                 <a:cs typeface="Roboto" panose="02000000000000000000" pitchFamily="2" charset="0"/>
               </a:rPr>
-              <a:t>gamifikasi</a:t>
-            </a:r>
-            <a:r>
-              <a:rPr lang="en-US" sz="2000" b="1" i="1" dirty="0">
+              <a:t> </a:t>
+            </a:r>
+            <a:r>
+              <a:rPr lang="en-US" sz="2000" i="1" dirty="0" err="1">
                 <a:solidFill>
                   <a:schemeClr val="tx1"/>
                 </a:solidFill>
@@ -23555,10 +27043,10 @@
                 <a:ea typeface="Roboto" panose="02000000000000000000" pitchFamily="2" charset="0"/>
                 <a:cs typeface="Roboto" panose="02000000000000000000" pitchFamily="2" charset="0"/>
               </a:rPr>
-              <a:t> </a:t>
-            </a:r>
-            <a:r>
-              <a:rPr lang="en-US" sz="2000" b="1" i="1" dirty="0" err="1">
+              <a:t>gamifikasi</a:t>
+            </a:r>
+            <a:r>
+              <a:rPr lang="en-US" sz="2000" i="1" dirty="0">
                 <a:solidFill>
                   <a:schemeClr val="tx1"/>
                 </a:solidFill>
@@ -23567,10 +27055,10 @@
                 <a:ea typeface="Roboto" panose="02000000000000000000" pitchFamily="2" charset="0"/>
                 <a:cs typeface="Roboto" panose="02000000000000000000" pitchFamily="2" charset="0"/>
               </a:rPr>
-              <a:t>dapat</a:t>
-            </a:r>
-            <a:r>
-              <a:rPr lang="en-US" sz="2000" b="1" i="1" dirty="0">
+              <a:t> </a:t>
+            </a:r>
+            <a:r>
+              <a:rPr lang="en-US" sz="2000" i="1" dirty="0" err="1">
                 <a:solidFill>
                   <a:schemeClr val="tx1"/>
                 </a:solidFill>
@@ -23579,10 +27067,10 @@
                 <a:ea typeface="Roboto" panose="02000000000000000000" pitchFamily="2" charset="0"/>
                 <a:cs typeface="Roboto" panose="02000000000000000000" pitchFamily="2" charset="0"/>
               </a:rPr>
-              <a:t> </a:t>
-            </a:r>
-            <a:r>
-              <a:rPr lang="en-US" sz="2000" b="1" i="1" dirty="0" err="1">
+              <a:t>dapat</a:t>
+            </a:r>
+            <a:r>
+              <a:rPr lang="en-US" sz="2000" i="1" dirty="0">
                 <a:solidFill>
                   <a:schemeClr val="tx1"/>
                 </a:solidFill>
@@ -23591,10 +27079,10 @@
                 <a:ea typeface="Roboto" panose="02000000000000000000" pitchFamily="2" charset="0"/>
                 <a:cs typeface="Roboto" panose="02000000000000000000" pitchFamily="2" charset="0"/>
               </a:rPr>
-              <a:t>meningkatkan</a:t>
-            </a:r>
-            <a:r>
-              <a:rPr lang="en-US" sz="2000" b="1" i="1" dirty="0">
+              <a:t> </a:t>
+            </a:r>
+            <a:r>
+              <a:rPr lang="en-US" sz="2000" i="1" dirty="0" err="1">
                 <a:solidFill>
                   <a:schemeClr val="tx1"/>
                 </a:solidFill>
@@ -23603,10 +27091,10 @@
                 <a:ea typeface="Roboto" panose="02000000000000000000" pitchFamily="2" charset="0"/>
                 <a:cs typeface="Roboto" panose="02000000000000000000" pitchFamily="2" charset="0"/>
               </a:rPr>
-              <a:t> </a:t>
-            </a:r>
-            <a:r>
-              <a:rPr lang="en-US" sz="2000" b="1" i="1" dirty="0" err="1">
+              <a:t>meningkatkan</a:t>
+            </a:r>
+            <a:r>
+              <a:rPr lang="en-US" sz="2000" i="1" dirty="0">
                 <a:solidFill>
                   <a:schemeClr val="tx1"/>
                 </a:solidFill>
@@ -23615,10 +27103,10 @@
                 <a:ea typeface="Roboto" panose="02000000000000000000" pitchFamily="2" charset="0"/>
                 <a:cs typeface="Roboto" panose="02000000000000000000" pitchFamily="2" charset="0"/>
               </a:rPr>
-              <a:t>motivasi</a:t>
-            </a:r>
-            <a:r>
-              <a:rPr lang="en-US" sz="2000" b="1" i="1" dirty="0">
+              <a:t> </a:t>
+            </a:r>
+            <a:r>
+              <a:rPr lang="en-US" sz="2000" i="1" dirty="0" err="1">
                 <a:solidFill>
                   <a:schemeClr val="tx1"/>
                 </a:solidFill>
@@ -23627,10 +27115,10 @@
                 <a:ea typeface="Roboto" panose="02000000000000000000" pitchFamily="2" charset="0"/>
                 <a:cs typeface="Roboto" panose="02000000000000000000" pitchFamily="2" charset="0"/>
               </a:rPr>
-              <a:t> </a:t>
-            </a:r>
-            <a:r>
-              <a:rPr lang="en-US" sz="2000" b="1" i="1" dirty="0" err="1">
+              <a:t>motivasi</a:t>
+            </a:r>
+            <a:r>
+              <a:rPr lang="en-US" sz="2000" i="1" dirty="0">
                 <a:solidFill>
                   <a:schemeClr val="tx1"/>
                 </a:solidFill>
@@ -23639,10 +27127,10 @@
                 <a:ea typeface="Roboto" panose="02000000000000000000" pitchFamily="2" charset="0"/>
                 <a:cs typeface="Roboto" panose="02000000000000000000" pitchFamily="2" charset="0"/>
               </a:rPr>
-              <a:t>pengisian</a:t>
-            </a:r>
-            <a:r>
-              <a:rPr lang="en-US" sz="2000" b="1" i="1" dirty="0">
+              <a:t> </a:t>
+            </a:r>
+            <a:r>
+              <a:rPr lang="en-US" sz="2000" i="1" dirty="0" err="1">
                 <a:solidFill>
                   <a:schemeClr val="tx1"/>
                 </a:solidFill>
@@ -23651,10 +27139,10 @@
                 <a:ea typeface="Roboto" panose="02000000000000000000" pitchFamily="2" charset="0"/>
                 <a:cs typeface="Roboto" panose="02000000000000000000" pitchFamily="2" charset="0"/>
               </a:rPr>
-              <a:t> SKM disbanding </a:t>
-            </a:r>
-            <a:r>
-              <a:rPr lang="en-US" sz="2000" b="1" i="1" dirty="0" err="1">
+              <a:t>pengisian</a:t>
+            </a:r>
+            <a:r>
+              <a:rPr lang="en-US" sz="2000" i="1" dirty="0">
                 <a:solidFill>
                   <a:schemeClr val="tx1"/>
                 </a:solidFill>
@@ -23663,10 +27151,22 @@
                 <a:ea typeface="Roboto" panose="02000000000000000000" pitchFamily="2" charset="0"/>
                 <a:cs typeface="Roboto" panose="02000000000000000000" pitchFamily="2" charset="0"/>
               </a:rPr>
+              <a:t> SKM disbanding </a:t>
+            </a:r>
+            <a:r>
+              <a:rPr lang="en-US" sz="2000" i="1" dirty="0" err="1">
+                <a:solidFill>
+                  <a:schemeClr val="tx1"/>
+                </a:solidFill>
+                <a:effectLst/>
+                <a:latin typeface="Roboto" panose="02000000000000000000" pitchFamily="2" charset="0"/>
+                <a:ea typeface="Roboto" panose="02000000000000000000" pitchFamily="2" charset="0"/>
+                <a:cs typeface="Roboto" panose="02000000000000000000" pitchFamily="2" charset="0"/>
+              </a:rPr>
               <a:t>metode</a:t>
             </a:r>
             <a:r>
-              <a:rPr lang="en-US" sz="2000" b="1" i="1" dirty="0">
+              <a:rPr lang="en-US" sz="2000" i="1" dirty="0">
                 <a:solidFill>
                   <a:schemeClr val="tx1"/>
                 </a:solidFill>
@@ -24013,7 +27513,7 @@
 </p:sld>
 </file>
 
-<file path=ppt/slides/slide4.xml><?xml version="1.0" encoding="utf-8"?>
+<file path=ppt/slides/slide5.xml><?xml version="1.0" encoding="utf-8"?>
 <p:sld xmlns:a="http://schemas.openxmlformats.org/drawingml/2006/main" xmlns:r="http://schemas.openxmlformats.org/officeDocument/2006/relationships" xmlns:p="http://schemas.openxmlformats.org/presentationml/2006/main">
   <p:cSld>
     <p:spTree>
@@ -25865,7 +29365,7 @@
 </p:sld>
 </file>
 
-<file path=ppt/slides/slide5.xml><?xml version="1.0" encoding="utf-8"?>
+<file path=ppt/slides/slide6.xml><?xml version="1.0" encoding="utf-8"?>
 <p:sld xmlns:a="http://schemas.openxmlformats.org/drawingml/2006/main" xmlns:r="http://schemas.openxmlformats.org/officeDocument/2006/relationships" xmlns:p="http://schemas.openxmlformats.org/presentationml/2006/main">
   <p:cSld>
     <p:spTree>
@@ -26417,7 +29917,7 @@
                 <a:cs typeface="Roboto" panose="02000000000000000000" pitchFamily="2" charset="0"/>
                 <a:sym typeface="Calibri"/>
               </a:rPr>
-              <a:t>kebuthan</a:t>
+              <a:t>kebutuhan</a:t>
             </a:r>
             <a:r>
               <a:rPr lang="en-US" dirty="0">
@@ -27862,7 +31362,7 @@
 </p:sld>
 </file>
 
-<file path=ppt/slides/slide6.xml><?xml version="1.0" encoding="utf-8"?>
+<file path=ppt/slides/slide7.xml><?xml version="1.0" encoding="utf-8"?>
 <p:sld xmlns:a="http://schemas.openxmlformats.org/drawingml/2006/main" xmlns:r="http://schemas.openxmlformats.org/officeDocument/2006/relationships" xmlns:p="http://schemas.openxmlformats.org/presentationml/2006/main">
   <p:cSld>
     <p:spTree>
@@ -28059,7 +31559,7 @@
                 <a:cs typeface="Roboto" panose="02000000000000000000" pitchFamily="2" charset="0"/>
                 <a:sym typeface="TimesNewRoman"/>
               </a:rPr>
-              <a:t>4. Dependent Variable</a:t>
+              <a:t>3. Dependent Variable</a:t>
             </a:r>
             <a:endParaRPr sz="3200" b="1" u="none" dirty="0">
               <a:solidFill>
@@ -29131,7 +32631,7 @@
 </p:sld>
 </file>
 
-<file path=ppt/slides/slide7.xml><?xml version="1.0" encoding="utf-8"?>
+<file path=ppt/slides/slide8.xml><?xml version="1.0" encoding="utf-8"?>
 <p:sld xmlns:a="http://schemas.openxmlformats.org/drawingml/2006/main" xmlns:r="http://schemas.openxmlformats.org/officeDocument/2006/relationships" xmlns:p="http://schemas.openxmlformats.org/presentationml/2006/main">
   <p:cSld>
     <p:spTree>
@@ -29328,7 +32828,7 @@
                 <a:cs typeface="Roboto" panose="02000000000000000000" pitchFamily="2" charset="0"/>
                 <a:sym typeface="TimesNewRoman"/>
               </a:rPr>
-              <a:t>5. Task and procedure</a:t>
+              <a:t>4. Task and procedure</a:t>
             </a:r>
             <a:endParaRPr sz="3200" b="1" u="none" dirty="0">
               <a:solidFill>
@@ -29356,7 +32856,7 @@
         </p:nvSpPr>
         <p:spPr>
           <a:xfrm>
-            <a:off x="888551" y="2541559"/>
+            <a:off x="888551" y="2008159"/>
             <a:ext cx="386904" cy="386904"/>
           </a:xfrm>
           <a:prstGeom prst="rect">
@@ -29411,7 +32911,7 @@
         </p:nvSpPr>
         <p:spPr>
           <a:xfrm>
-            <a:off x="1463733" y="2541559"/>
+            <a:off x="1463733" y="2008159"/>
             <a:ext cx="8452359" cy="646331"/>
           </a:xfrm>
           <a:prstGeom prst="rect">
@@ -29702,7 +33202,7 @@
         </p:nvSpPr>
         <p:spPr>
           <a:xfrm>
-            <a:off x="888551" y="3606373"/>
+            <a:off x="888551" y="2932643"/>
             <a:ext cx="386904" cy="386904"/>
           </a:xfrm>
           <a:prstGeom prst="rect">
@@ -29757,7 +33257,7 @@
         </p:nvSpPr>
         <p:spPr>
           <a:xfrm>
-            <a:off x="1463733" y="3670111"/>
+            <a:off x="1463733" y="2898899"/>
             <a:ext cx="8452359" cy="646331"/>
           </a:xfrm>
           <a:prstGeom prst="rect">
@@ -30034,6 +33534,249 @@
                 <a:cs typeface="Roboto" panose="02000000000000000000" pitchFamily="2" charset="0"/>
               </a:rPr>
               <a:t>gamifikasi</a:t>
+            </a:r>
+            <a:endParaRPr lang="en-US" sz="1800" dirty="0">
+              <a:solidFill>
+                <a:schemeClr val="tx1"/>
+              </a:solidFill>
+              <a:latin typeface="Roboto" panose="02000000000000000000" pitchFamily="2" charset="0"/>
+              <a:ea typeface="Roboto" panose="02000000000000000000" pitchFamily="2" charset="0"/>
+              <a:cs typeface="Roboto" panose="02000000000000000000" pitchFamily="2" charset="0"/>
+            </a:endParaRPr>
+          </a:p>
+        </p:txBody>
+      </p:sp>
+      <p:sp>
+        <p:nvSpPr>
+          <p:cNvPr id="4" name="Google Shape;105;p2">
+            <a:extLst>
+              <a:ext uri="{FF2B5EF4-FFF2-40B4-BE49-F238E27FC236}">
+                <a16:creationId xmlns:a16="http://schemas.microsoft.com/office/drawing/2014/main" id="{BA0A3A6B-8A47-FA86-C58D-6EDAC2B2EE96}"/>
+              </a:ext>
+            </a:extLst>
+          </p:cNvPr>
+          <p:cNvSpPr txBox="1"/>
+          <p:nvPr/>
+        </p:nvSpPr>
+        <p:spPr>
+          <a:xfrm>
+            <a:off x="826608" y="4027822"/>
+            <a:ext cx="9144000" cy="573741"/>
+          </a:xfrm>
+          <a:prstGeom prst="rect">
+            <a:avLst/>
+          </a:prstGeom>
+          <a:noFill/>
+          <a:ln>
+            <a:noFill/>
+          </a:ln>
+        </p:spPr>
+        <p:txBody>
+          <a:bodyPr spcFirstLastPara="1" wrap="square" lIns="91425" tIns="45700" rIns="91425" bIns="45700" anchor="b" anchorCtr="0">
+            <a:normAutofit/>
+          </a:bodyPr>
+          <a:lstStyle/>
+          <a:p>
+            <a:pPr marL="0" marR="0" lvl="0" indent="0" rtl="0">
+              <a:lnSpc>
+                <a:spcPct val="90000"/>
+              </a:lnSpc>
+              <a:spcBef>
+                <a:spcPts val="0"/>
+              </a:spcBef>
+              <a:spcAft>
+                <a:spcPts val="0"/>
+              </a:spcAft>
+              <a:buClr>
+                <a:srgbClr val="000000"/>
+              </a:buClr>
+              <a:buSzPts val="1800"/>
+              <a:buFont typeface="TimesNewRoman"/>
+              <a:buNone/>
+            </a:pPr>
+            <a:r>
+              <a:rPr lang="en-US" sz="3200" b="1" dirty="0">
+                <a:solidFill>
+                  <a:srgbClr val="0078C1"/>
+                </a:solidFill>
+                <a:latin typeface="Roboto" panose="02000000000000000000" pitchFamily="2" charset="0"/>
+                <a:ea typeface="Roboto" panose="02000000000000000000" pitchFamily="2" charset="0"/>
+                <a:cs typeface="Roboto" panose="02000000000000000000" pitchFamily="2" charset="0"/>
+                <a:sym typeface="TimesNewRoman"/>
+              </a:rPr>
+              <a:t>5. Within Subject</a:t>
+            </a:r>
+            <a:endParaRPr sz="3200" b="1" u="none" dirty="0">
+              <a:solidFill>
+                <a:srgbClr val="0078C1"/>
+              </a:solidFill>
+              <a:latin typeface="Roboto" panose="02000000000000000000" pitchFamily="2" charset="0"/>
+              <a:ea typeface="Roboto" panose="02000000000000000000" pitchFamily="2" charset="0"/>
+              <a:cs typeface="Roboto" panose="02000000000000000000" pitchFamily="2" charset="0"/>
+              <a:sym typeface="Poppins"/>
+            </a:endParaRPr>
+          </a:p>
+        </p:txBody>
+      </p:sp>
+      <p:sp>
+        <p:nvSpPr>
+          <p:cNvPr id="6" name="TextBox 5">
+            <a:extLst>
+              <a:ext uri="{FF2B5EF4-FFF2-40B4-BE49-F238E27FC236}">
+                <a16:creationId xmlns:a16="http://schemas.microsoft.com/office/drawing/2014/main" id="{CD513F0B-44A9-F263-2C1E-CAF160018595}"/>
+              </a:ext>
+            </a:extLst>
+          </p:cNvPr>
+          <p:cNvSpPr txBox="1"/>
+          <p:nvPr/>
+        </p:nvSpPr>
+        <p:spPr>
+          <a:xfrm>
+            <a:off x="888551" y="4726594"/>
+            <a:ext cx="8452359" cy="369332"/>
+          </a:xfrm>
+          <a:prstGeom prst="rect">
+            <a:avLst/>
+          </a:prstGeom>
+          <a:noFill/>
+        </p:spPr>
+        <p:txBody>
+          <a:bodyPr wrap="square">
+            <a:spAutoFit/>
+          </a:bodyPr>
+          <a:lstStyle/>
+          <a:p>
+            <a:r>
+              <a:rPr lang="en-US" sz="1800" dirty="0" err="1">
+                <a:solidFill>
+                  <a:schemeClr val="tx1"/>
+                </a:solidFill>
+                <a:effectLst/>
+                <a:latin typeface="Roboto" panose="02000000000000000000" pitchFamily="2" charset="0"/>
+                <a:ea typeface="Roboto" panose="02000000000000000000" pitchFamily="2" charset="0"/>
+                <a:cs typeface="Roboto" panose="02000000000000000000" pitchFamily="2" charset="0"/>
+              </a:rPr>
+              <a:t>Semua</a:t>
+            </a:r>
+            <a:r>
+              <a:rPr lang="en-US" sz="1800" dirty="0">
+                <a:solidFill>
+                  <a:schemeClr val="tx1"/>
+                </a:solidFill>
+                <a:effectLst/>
+                <a:latin typeface="Roboto" panose="02000000000000000000" pitchFamily="2" charset="0"/>
+                <a:ea typeface="Roboto" panose="02000000000000000000" pitchFamily="2" charset="0"/>
+                <a:cs typeface="Roboto" panose="02000000000000000000" pitchFamily="2" charset="0"/>
+              </a:rPr>
+              <a:t> </a:t>
+            </a:r>
+            <a:r>
+              <a:rPr lang="en-US" sz="1800" dirty="0" err="1">
+                <a:solidFill>
+                  <a:schemeClr val="tx1"/>
+                </a:solidFill>
+                <a:effectLst/>
+                <a:latin typeface="Roboto" panose="02000000000000000000" pitchFamily="2" charset="0"/>
+                <a:ea typeface="Roboto" panose="02000000000000000000" pitchFamily="2" charset="0"/>
+                <a:cs typeface="Roboto" panose="02000000000000000000" pitchFamily="2" charset="0"/>
+              </a:rPr>
+              <a:t>Partisipan</a:t>
+            </a:r>
+            <a:r>
+              <a:rPr lang="en-US" sz="1800" dirty="0">
+                <a:solidFill>
+                  <a:schemeClr val="tx1"/>
+                </a:solidFill>
+                <a:effectLst/>
+                <a:latin typeface="Roboto" panose="02000000000000000000" pitchFamily="2" charset="0"/>
+                <a:ea typeface="Roboto" panose="02000000000000000000" pitchFamily="2" charset="0"/>
+                <a:cs typeface="Roboto" panose="02000000000000000000" pitchFamily="2" charset="0"/>
+              </a:rPr>
+              <a:t> </a:t>
+            </a:r>
+            <a:r>
+              <a:rPr lang="en-US" sz="1800" dirty="0" err="1">
+                <a:solidFill>
+                  <a:schemeClr val="tx1"/>
+                </a:solidFill>
+                <a:effectLst/>
+                <a:latin typeface="Roboto" panose="02000000000000000000" pitchFamily="2" charset="0"/>
+                <a:ea typeface="Roboto" panose="02000000000000000000" pitchFamily="2" charset="0"/>
+                <a:cs typeface="Roboto" panose="02000000000000000000" pitchFamily="2" charset="0"/>
+              </a:rPr>
+              <a:t>mencoba</a:t>
+            </a:r>
+            <a:r>
+              <a:rPr lang="en-US" sz="1800" dirty="0">
+                <a:solidFill>
+                  <a:schemeClr val="tx1"/>
+                </a:solidFill>
+                <a:effectLst/>
+                <a:latin typeface="Roboto" panose="02000000000000000000" pitchFamily="2" charset="0"/>
+                <a:ea typeface="Roboto" panose="02000000000000000000" pitchFamily="2" charset="0"/>
+                <a:cs typeface="Roboto" panose="02000000000000000000" pitchFamily="2" charset="0"/>
+              </a:rPr>
+              <a:t> </a:t>
+            </a:r>
+            <a:r>
+              <a:rPr lang="en-US" sz="1800" dirty="0" err="1">
+                <a:solidFill>
+                  <a:schemeClr val="tx1"/>
+                </a:solidFill>
+                <a:effectLst/>
+                <a:latin typeface="Roboto" panose="02000000000000000000" pitchFamily="2" charset="0"/>
+                <a:ea typeface="Roboto" panose="02000000000000000000" pitchFamily="2" charset="0"/>
+                <a:cs typeface="Roboto" panose="02000000000000000000" pitchFamily="2" charset="0"/>
+              </a:rPr>
+              <a:t>metode</a:t>
+            </a:r>
+            <a:r>
+              <a:rPr lang="en-US" sz="1800" dirty="0">
+                <a:solidFill>
+                  <a:schemeClr val="tx1"/>
+                </a:solidFill>
+                <a:effectLst/>
+                <a:latin typeface="Roboto" panose="02000000000000000000" pitchFamily="2" charset="0"/>
+                <a:ea typeface="Roboto" panose="02000000000000000000" pitchFamily="2" charset="0"/>
+                <a:cs typeface="Roboto" panose="02000000000000000000" pitchFamily="2" charset="0"/>
+              </a:rPr>
+              <a:t> lama dan </a:t>
+            </a:r>
+            <a:r>
+              <a:rPr lang="en-US" sz="1800" dirty="0" err="1">
+                <a:solidFill>
+                  <a:schemeClr val="tx1"/>
+                </a:solidFill>
+                <a:effectLst/>
+                <a:latin typeface="Roboto" panose="02000000000000000000" pitchFamily="2" charset="0"/>
+                <a:ea typeface="Roboto" panose="02000000000000000000" pitchFamily="2" charset="0"/>
+                <a:cs typeface="Roboto" panose="02000000000000000000" pitchFamily="2" charset="0"/>
+              </a:rPr>
+              <a:t>metode</a:t>
+            </a:r>
+            <a:r>
+              <a:rPr lang="en-US" sz="1800" dirty="0">
+                <a:solidFill>
+                  <a:schemeClr val="tx1"/>
+                </a:solidFill>
+                <a:effectLst/>
+                <a:latin typeface="Roboto" panose="02000000000000000000" pitchFamily="2" charset="0"/>
+                <a:ea typeface="Roboto" panose="02000000000000000000" pitchFamily="2" charset="0"/>
+                <a:cs typeface="Roboto" panose="02000000000000000000" pitchFamily="2" charset="0"/>
+              </a:rPr>
+              <a:t> </a:t>
+            </a:r>
+            <a:r>
+              <a:rPr lang="en-US" sz="1800" dirty="0" err="1">
+                <a:solidFill>
+                  <a:schemeClr val="tx1"/>
+                </a:solidFill>
+                <a:effectLst/>
+                <a:latin typeface="Roboto" panose="02000000000000000000" pitchFamily="2" charset="0"/>
+                <a:ea typeface="Roboto" panose="02000000000000000000" pitchFamily="2" charset="0"/>
+                <a:cs typeface="Roboto" panose="02000000000000000000" pitchFamily="2" charset="0"/>
+              </a:rPr>
+              <a:t>baru</a:t>
             </a:r>
             <a:endParaRPr lang="en-US" sz="1800" dirty="0">
               <a:solidFill>
@@ -30137,7 +33880,7 @@
                                           </p:stCondLst>
                                         </p:cTn>
                                         <p:tgtEl>
-                                          <p:spTgt spid="8"/>
+                                          <p:spTgt spid="7"/>
                                         </p:tgtEl>
                                         <p:attrNameLst>
                                           <p:attrName>style.visibility</p:attrName>
@@ -30151,7 +33894,165 @@
                                       <p:cBhvr>
                                         <p:cTn id="10" dur="500"/>
                                         <p:tgtEl>
+                                          <p:spTgt spid="7"/>
+                                        </p:tgtEl>
+                                      </p:cBhvr>
+                                    </p:animEffect>
+                                  </p:childTnLst>
+                                </p:cTn>
+                              </p:par>
+                              <p:par>
+                                <p:cTn id="11" presetID="10" presetClass="entr" presetSubtype="0" fill="hold" grpId="0" nodeType="withEffect">
+                                  <p:stCondLst>
+                                    <p:cond delay="0"/>
+                                  </p:stCondLst>
+                                  <p:childTnLst>
+                                    <p:set>
+                                      <p:cBhvr>
+                                        <p:cTn id="12" dur="1" fill="hold">
+                                          <p:stCondLst>
+                                            <p:cond delay="0"/>
+                                          </p:stCondLst>
+                                        </p:cTn>
+                                        <p:tgtEl>
                                           <p:spTgt spid="8"/>
+                                        </p:tgtEl>
+                                        <p:attrNameLst>
+                                          <p:attrName>style.visibility</p:attrName>
+                                        </p:attrNameLst>
+                                      </p:cBhvr>
+                                      <p:to>
+                                        <p:strVal val="visible"/>
+                                      </p:to>
+                                    </p:set>
+                                    <p:animEffect transition="in" filter="fade">
+                                      <p:cBhvr>
+                                        <p:cTn id="13" dur="500"/>
+                                        <p:tgtEl>
+                                          <p:spTgt spid="8"/>
+                                        </p:tgtEl>
+                                      </p:cBhvr>
+                                    </p:animEffect>
+                                  </p:childTnLst>
+                                </p:cTn>
+                              </p:par>
+                              <p:par>
+                                <p:cTn id="14" presetID="10" presetClass="entr" presetSubtype="0" fill="hold" grpId="0" nodeType="withEffect">
+                                  <p:stCondLst>
+                                    <p:cond delay="0"/>
+                                  </p:stCondLst>
+                                  <p:childTnLst>
+                                    <p:set>
+                                      <p:cBhvr>
+                                        <p:cTn id="15" dur="1" fill="hold">
+                                          <p:stCondLst>
+                                            <p:cond delay="0"/>
+                                          </p:stCondLst>
+                                        </p:cTn>
+                                        <p:tgtEl>
+                                          <p:spTgt spid="5"/>
+                                        </p:tgtEl>
+                                        <p:attrNameLst>
+                                          <p:attrName>style.visibility</p:attrName>
+                                        </p:attrNameLst>
+                                      </p:cBhvr>
+                                      <p:to>
+                                        <p:strVal val="visible"/>
+                                      </p:to>
+                                    </p:set>
+                                    <p:animEffect transition="in" filter="fade">
+                                      <p:cBhvr>
+                                        <p:cTn id="16" dur="500"/>
+                                        <p:tgtEl>
+                                          <p:spTgt spid="5"/>
+                                        </p:tgtEl>
+                                      </p:cBhvr>
+                                    </p:animEffect>
+                                  </p:childTnLst>
+                                </p:cTn>
+                              </p:par>
+                            </p:childTnLst>
+                          </p:cTn>
+                        </p:par>
+                      </p:childTnLst>
+                    </p:cTn>
+                  </p:par>
+                  <p:par>
+                    <p:cTn id="17" fill="hold">
+                      <p:stCondLst>
+                        <p:cond delay="indefinite"/>
+                      </p:stCondLst>
+                      <p:childTnLst>
+                        <p:par>
+                          <p:cTn id="18" fill="hold">
+                            <p:stCondLst>
+                              <p:cond delay="0"/>
+                            </p:stCondLst>
+                            <p:childTnLst>
+                              <p:par>
+                                <p:cTn id="19" presetID="10" presetClass="entr" presetSubtype="0" fill="hold" grpId="0" nodeType="clickEffect">
+                                  <p:stCondLst>
+                                    <p:cond delay="0"/>
+                                  </p:stCondLst>
+                                  <p:childTnLst>
+                                    <p:set>
+                                      <p:cBhvr>
+                                        <p:cTn id="20" dur="1" fill="hold">
+                                          <p:stCondLst>
+                                            <p:cond delay="0"/>
+                                          </p:stCondLst>
+                                        </p:cTn>
+                                        <p:tgtEl>
+                                          <p:spTgt spid="6"/>
+                                        </p:tgtEl>
+                                        <p:attrNameLst>
+                                          <p:attrName>style.visibility</p:attrName>
+                                        </p:attrNameLst>
+                                      </p:cBhvr>
+                                      <p:to>
+                                        <p:strVal val="visible"/>
+                                      </p:to>
+                                    </p:set>
+                                    <p:animEffect transition="in" filter="fade">
+                                      <p:cBhvr>
+                                        <p:cTn id="21" dur="500"/>
+                                        <p:tgtEl>
+                                          <p:spTgt spid="6"/>
+                                        </p:tgtEl>
+                                      </p:cBhvr>
+                                    </p:animEffect>
+                                  </p:childTnLst>
+                                </p:cTn>
+                              </p:par>
+                              <p:par>
+                                <p:cTn id="22" presetID="10" presetClass="entr" presetSubtype="0" fill="hold" grpId="0" nodeType="withEffect">
+                                  <p:stCondLst>
+                                    <p:cond delay="0"/>
+                                  </p:stCondLst>
+                                  <p:childTnLst>
+                                    <p:set>
+                                      <p:cBhvr>
+                                        <p:cTn id="23" dur="1" fill="hold">
+                                          <p:stCondLst>
+                                            <p:cond delay="0"/>
+                                          </p:stCondLst>
+                                        </p:cTn>
+                                        <p:tgtEl>
+                                          <p:spTgt spid="4"/>
+                                        </p:tgtEl>
+                                        <p:attrNameLst>
+                                          <p:attrName>style.visibility</p:attrName>
+                                        </p:attrNameLst>
+                                      </p:cBhvr>
+                                      <p:to>
+                                        <p:strVal val="visible"/>
+                                      </p:to>
+                                    </p:set>
+                                    <p:animEffect transition="in" filter="fade">
+                                      <p:cBhvr>
+                                        <p:cTn id="24" dur="500"/>
+                                        <p:tgtEl>
+                                          <p:spTgt spid="4"/>
                                         </p:tgtEl>
                                       </p:cBhvr>
                                     </p:animEffect>
@@ -30186,14 +34087,18 @@
       </p:par>
     </p:tnLst>
     <p:bldLst>
+      <p:bldP spid="5" grpId="0" animBg="1"/>
+      <p:bldP spid="7" grpId="0"/>
       <p:bldP spid="8" grpId="0" animBg="1"/>
       <p:bldP spid="3" grpId="0"/>
+      <p:bldP spid="4" grpId="0"/>
+      <p:bldP spid="6" grpId="0"/>
     </p:bldLst>
   </p:timing>
 </p:sld>
 </file>
 
-<file path=ppt/slides/slide8.xml><?xml version="1.0" encoding="utf-8"?>
+<file path=ppt/slides/slide9.xml><?xml version="1.0" encoding="utf-8"?>
 <p:sld xmlns:a="http://schemas.openxmlformats.org/drawingml/2006/main" xmlns:r="http://schemas.openxmlformats.org/officeDocument/2006/relationships" xmlns:p="http://schemas.openxmlformats.org/presentationml/2006/main">
   <p:cSld>
     <p:spTree>
@@ -30894,959 +34799,6 @@
                                         <p:cTn id="12" dur="500"/>
                                         <p:tgtEl>
                                           <p:spTgt spid="6">
-                                            <p:txEl>
-                                              <p:pRg st="0" end="0"/>
-                                            </p:txEl>
-                                          </p:spTgt>
-                                        </p:tgtEl>
-                                      </p:cBhvr>
-                                    </p:animEffect>
-                                  </p:childTnLst>
-                                </p:cTn>
-                              </p:par>
-                            </p:childTnLst>
-                          </p:cTn>
-                        </p:par>
-                      </p:childTnLst>
-                    </p:cTn>
-                  </p:par>
-                </p:childTnLst>
-              </p:cTn>
-              <p:prevCondLst>
-                <p:cond evt="onPrev" delay="0">
-                  <p:tgtEl>
-                    <p:sldTgt/>
-                  </p:tgtEl>
-                </p:cond>
-              </p:prevCondLst>
-              <p:nextCondLst>
-                <p:cond evt="onNext" delay="0">
-                  <p:tgtEl>
-                    <p:sldTgt/>
-                  </p:tgtEl>
-                </p:cond>
-              </p:nextCondLst>
-            </p:seq>
-          </p:childTnLst>
-        </p:cTn>
-      </p:par>
-    </p:tnLst>
-  </p:timing>
-</p:sld>
-</file>
-
-<file path=ppt/slides/slide9.xml><?xml version="1.0" encoding="utf-8"?>
-<p:sld xmlns:a="http://schemas.openxmlformats.org/drawingml/2006/main" xmlns:r="http://schemas.openxmlformats.org/officeDocument/2006/relationships" xmlns:p="http://schemas.openxmlformats.org/presentationml/2006/main">
-  <p:cSld>
-    <p:spTree>
-      <p:nvGrpSpPr>
-        <p:cNvPr id="1" name="Shape 111"/>
-        <p:cNvGrpSpPr/>
-        <p:nvPr/>
-      </p:nvGrpSpPr>
-      <p:grpSpPr>
-        <a:xfrm>
-          <a:off x="0" y="0"/>
-          <a:ext cx="0" cy="0"/>
-          <a:chOff x="0" y="0"/>
-          <a:chExt cx="0" cy="0"/>
-        </a:xfrm>
-      </p:grpSpPr>
-      <p:sp>
-        <p:nvSpPr>
-          <p:cNvPr id="112" name="Google Shape;112;p3"/>
-          <p:cNvSpPr txBox="1"/>
-          <p:nvPr/>
-        </p:nvSpPr>
-        <p:spPr>
-          <a:xfrm>
-            <a:off x="0" y="6858000"/>
-            <a:ext cx="12192000" cy="386904"/>
-          </a:xfrm>
-          <a:prstGeom prst="rect">
-            <a:avLst/>
-          </a:prstGeom>
-          <a:solidFill>
-            <a:srgbClr val="0078C1"/>
-          </a:solidFill>
-          <a:ln>
-            <a:noFill/>
-          </a:ln>
-        </p:spPr>
-        <p:txBody>
-          <a:bodyPr spcFirstLastPara="1" wrap="square" lIns="91425" tIns="45700" rIns="91425" bIns="45700" anchor="ctr" anchorCtr="0">
-            <a:normAutofit/>
-          </a:bodyPr>
-          <a:lstStyle/>
-          <a:p>
-            <a:pPr marL="0" marR="0" lvl="0" indent="0" algn="l" rtl="0">
-              <a:lnSpc>
-                <a:spcPct val="90000"/>
-              </a:lnSpc>
-              <a:spcBef>
-                <a:spcPts val="0"/>
-              </a:spcBef>
-              <a:spcAft>
-                <a:spcPts val="0"/>
-              </a:spcAft>
-              <a:buClr>
-                <a:schemeClr val="lt1"/>
-              </a:buClr>
-              <a:buSzPts val="1200"/>
-              <a:buFont typeface="Arial"/>
-              <a:buNone/>
-            </a:pPr>
-            <a:r>
-              <a:rPr lang="en-US" sz="1200">
-                <a:solidFill>
-                  <a:schemeClr val="lt1"/>
-                </a:solidFill>
-                <a:latin typeface="Poppins"/>
-                <a:ea typeface="Poppins"/>
-                <a:cs typeface="Poppins"/>
-                <a:sym typeface="Poppins"/>
-              </a:rPr>
-              <a:t>TD – Pengujian perangkat lunak</a:t>
-            </a:r>
-            <a:endParaRPr sz="400">
-              <a:solidFill>
-                <a:schemeClr val="lt1"/>
-              </a:solidFill>
-              <a:latin typeface="Poppins"/>
-              <a:ea typeface="Poppins"/>
-              <a:cs typeface="Poppins"/>
-              <a:sym typeface="Poppins"/>
-            </a:endParaRPr>
-          </a:p>
-        </p:txBody>
-      </p:sp>
-      <p:pic>
-        <p:nvPicPr>
-          <p:cNvPr id="113" name="Google Shape;113;p3"/>
-          <p:cNvPicPr preferRelativeResize="0"/>
-          <p:nvPr/>
-        </p:nvPicPr>
-        <p:blipFill rotWithShape="1">
-          <a:blip r:embed="rId3">
-            <a:alphaModFix/>
-          </a:blip>
-          <a:srcRect/>
-          <a:stretch/>
-        </p:blipFill>
-        <p:spPr>
-          <a:xfrm>
-            <a:off x="2637694" y="-1124101"/>
-            <a:ext cx="894290" cy="688986"/>
-          </a:xfrm>
-          <a:prstGeom prst="rect">
-            <a:avLst/>
-          </a:prstGeom>
-          <a:noFill/>
-          <a:ln>
-            <a:noFill/>
-          </a:ln>
-        </p:spPr>
-      </p:pic>
-      <p:pic>
-        <p:nvPicPr>
-          <p:cNvPr id="114" name="Google Shape;114;p3"/>
-          <p:cNvPicPr preferRelativeResize="0"/>
-          <p:nvPr/>
-        </p:nvPicPr>
-        <p:blipFill rotWithShape="1">
-          <a:blip r:embed="rId4">
-            <a:alphaModFix/>
-          </a:blip>
-          <a:srcRect/>
-          <a:stretch/>
-        </p:blipFill>
-        <p:spPr>
-          <a:xfrm>
-            <a:off x="826608" y="-7173"/>
-            <a:ext cx="1144336" cy="705674"/>
-          </a:xfrm>
-          <a:prstGeom prst="rect">
-            <a:avLst/>
-          </a:prstGeom>
-          <a:noFill/>
-          <a:ln>
-            <a:noFill/>
-          </a:ln>
-        </p:spPr>
-      </p:pic>
-      <p:sp>
-        <p:nvSpPr>
-          <p:cNvPr id="2" name="Google Shape;105;p2">
-            <a:extLst>
-              <a:ext uri="{FF2B5EF4-FFF2-40B4-BE49-F238E27FC236}">
-                <a16:creationId xmlns:a16="http://schemas.microsoft.com/office/drawing/2014/main" id="{E1DEDBD0-6508-AFDC-5F5B-76360CA0FB8E}"/>
-              </a:ext>
-            </a:extLst>
-          </p:cNvPr>
-          <p:cNvSpPr txBox="1"/>
-          <p:nvPr/>
-        </p:nvSpPr>
-        <p:spPr>
-          <a:xfrm>
-            <a:off x="772092" y="1015565"/>
-            <a:ext cx="9144000" cy="573741"/>
-          </a:xfrm>
-          <a:prstGeom prst="rect">
-            <a:avLst/>
-          </a:prstGeom>
-          <a:noFill/>
-          <a:ln>
-            <a:noFill/>
-          </a:ln>
-        </p:spPr>
-        <p:txBody>
-          <a:bodyPr spcFirstLastPara="1" wrap="square" lIns="91425" tIns="45700" rIns="91425" bIns="45700" anchor="b" anchorCtr="0">
-            <a:normAutofit/>
-          </a:bodyPr>
-          <a:lstStyle/>
-          <a:p>
-            <a:pPr marL="0" marR="0" lvl="0" indent="0" rtl="0">
-              <a:lnSpc>
-                <a:spcPct val="90000"/>
-              </a:lnSpc>
-              <a:spcBef>
-                <a:spcPts val="0"/>
-              </a:spcBef>
-              <a:spcAft>
-                <a:spcPts val="0"/>
-              </a:spcAft>
-              <a:buClr>
-                <a:srgbClr val="000000"/>
-              </a:buClr>
-              <a:buSzPts val="1800"/>
-              <a:buFont typeface="TimesNewRoman"/>
-              <a:buNone/>
-            </a:pPr>
-            <a:r>
-              <a:rPr lang="en-US" sz="3200" b="1" dirty="0">
-                <a:solidFill>
-                  <a:srgbClr val="0078C1"/>
-                </a:solidFill>
-                <a:latin typeface="Roboto" panose="02000000000000000000" pitchFamily="2" charset="0"/>
-                <a:ea typeface="Roboto" panose="02000000000000000000" pitchFamily="2" charset="0"/>
-                <a:cs typeface="Roboto" panose="02000000000000000000" pitchFamily="2" charset="0"/>
-                <a:sym typeface="TimesNewRoman"/>
-              </a:rPr>
-              <a:t>7. </a:t>
-            </a:r>
-            <a:r>
-              <a:rPr lang="en-US" sz="3200" b="1" dirty="0" err="1">
-                <a:solidFill>
-                  <a:srgbClr val="0078C1"/>
-                </a:solidFill>
-                <a:latin typeface="Roboto" panose="02000000000000000000" pitchFamily="2" charset="0"/>
-                <a:ea typeface="Roboto" panose="02000000000000000000" pitchFamily="2" charset="0"/>
-                <a:cs typeface="Roboto" panose="02000000000000000000" pitchFamily="2" charset="0"/>
-                <a:sym typeface="TimesNewRoman"/>
-              </a:rPr>
-              <a:t>Quetionaire</a:t>
-            </a:r>
-            <a:endParaRPr sz="3200" b="1" u="none" dirty="0">
-              <a:solidFill>
-                <a:srgbClr val="0078C1"/>
-              </a:solidFill>
-              <a:latin typeface="Roboto" panose="02000000000000000000" pitchFamily="2" charset="0"/>
-              <a:ea typeface="Roboto" panose="02000000000000000000" pitchFamily="2" charset="0"/>
-              <a:cs typeface="Roboto" panose="02000000000000000000" pitchFamily="2" charset="0"/>
-              <a:sym typeface="Poppins"/>
-            </a:endParaRPr>
-          </a:p>
-        </p:txBody>
-      </p:sp>
-      <p:sp>
-        <p:nvSpPr>
-          <p:cNvPr id="5" name="Google Shape;125;p3">
-            <a:extLst>
-              <a:ext uri="{FF2B5EF4-FFF2-40B4-BE49-F238E27FC236}">
-                <a16:creationId xmlns:a16="http://schemas.microsoft.com/office/drawing/2014/main" id="{E583F1D4-31A7-83F8-953C-96CDF772775F}"/>
-              </a:ext>
-            </a:extLst>
-          </p:cNvPr>
-          <p:cNvSpPr txBox="1"/>
-          <p:nvPr/>
-        </p:nvSpPr>
-        <p:spPr>
-          <a:xfrm>
-            <a:off x="772092" y="1589306"/>
-            <a:ext cx="10876983" cy="523180"/>
-          </a:xfrm>
-          <a:prstGeom prst="rect">
-            <a:avLst/>
-          </a:prstGeom>
-          <a:noFill/>
-          <a:ln>
-            <a:noFill/>
-          </a:ln>
-        </p:spPr>
-        <p:txBody>
-          <a:bodyPr spcFirstLastPara="1" wrap="square" lIns="91425" tIns="45700" rIns="91425" bIns="45700" anchor="t" anchorCtr="0">
-            <a:spAutoFit/>
-          </a:bodyPr>
-          <a:lstStyle/>
-          <a:p>
-            <a:pPr lvl="0"/>
-            <a:r>
-              <a:rPr lang="en-US" dirty="0" err="1">
-                <a:solidFill>
-                  <a:schemeClr val="tx1"/>
-                </a:solidFill>
-                <a:latin typeface="Roboto" panose="02000000000000000000" pitchFamily="2" charset="0"/>
-                <a:ea typeface="Roboto" panose="02000000000000000000" pitchFamily="2" charset="0"/>
-                <a:cs typeface="Roboto" panose="02000000000000000000" pitchFamily="2" charset="0"/>
-                <a:sym typeface="Calibri"/>
-              </a:rPr>
-              <a:t>Menggunakan</a:t>
-            </a:r>
-            <a:r>
-              <a:rPr lang="en-US" dirty="0">
-                <a:solidFill>
-                  <a:schemeClr val="tx1"/>
-                </a:solidFill>
-                <a:latin typeface="Roboto" panose="02000000000000000000" pitchFamily="2" charset="0"/>
-                <a:ea typeface="Roboto" panose="02000000000000000000" pitchFamily="2" charset="0"/>
-                <a:cs typeface="Roboto" panose="02000000000000000000" pitchFamily="2" charset="0"/>
-                <a:sym typeface="Calibri"/>
-              </a:rPr>
-              <a:t> </a:t>
-            </a:r>
-            <a:r>
-              <a:rPr lang="en-US" dirty="0"/>
-              <a:t>Intrinsic Motivation Inventory (IMI) </a:t>
-            </a:r>
-            <a:r>
-              <a:rPr lang="en-US" dirty="0" err="1"/>
-              <a:t>kuesioner</a:t>
-            </a:r>
-            <a:r>
-              <a:rPr lang="en-US" dirty="0"/>
-              <a:t> </a:t>
-            </a:r>
-            <a:r>
-              <a:rPr lang="en-US" dirty="0" err="1"/>
-              <a:t>untuk</a:t>
-            </a:r>
-            <a:r>
-              <a:rPr lang="en-US" dirty="0"/>
-              <a:t> </a:t>
-            </a:r>
-            <a:r>
-              <a:rPr lang="en-US" dirty="0" err="1"/>
-              <a:t>mendapatkan</a:t>
-            </a:r>
-            <a:r>
-              <a:rPr lang="en-US" dirty="0"/>
-              <a:t> </a:t>
-            </a:r>
-            <a:r>
-              <a:rPr lang="en-US" dirty="0" err="1"/>
-              <a:t>tingkat</a:t>
-            </a:r>
-            <a:r>
-              <a:rPr lang="en-US" dirty="0"/>
-              <a:t> enjoyment, usefulness importance, dan competence </a:t>
-            </a:r>
-            <a:r>
-              <a:rPr lang="en-US" dirty="0" err="1"/>
-              <a:t>dengan</a:t>
-            </a:r>
-            <a:r>
-              <a:rPr lang="en-US" dirty="0"/>
-              <a:t> </a:t>
-            </a:r>
-            <a:r>
-              <a:rPr lang="en-US" dirty="0" err="1"/>
-              <a:t>menggunakan</a:t>
-            </a:r>
-            <a:r>
-              <a:rPr lang="en-US" dirty="0"/>
-              <a:t> </a:t>
-            </a:r>
-            <a:r>
-              <a:rPr lang="en-US" dirty="0" err="1"/>
-              <a:t>skala</a:t>
-            </a:r>
-            <a:r>
-              <a:rPr lang="en-US" dirty="0"/>
-              <a:t> </a:t>
-            </a:r>
-            <a:r>
-              <a:rPr lang="en-US" dirty="0" err="1"/>
-              <a:t>nilai</a:t>
-            </a:r>
-            <a:r>
-              <a:rPr lang="en-US" dirty="0"/>
-              <a:t> 1 – 7.</a:t>
-            </a:r>
-            <a:endParaRPr lang="en-US" dirty="0">
-              <a:solidFill>
-                <a:schemeClr val="tx1"/>
-              </a:solidFill>
-              <a:latin typeface="Roboto" panose="02000000000000000000" pitchFamily="2" charset="0"/>
-              <a:ea typeface="Roboto" panose="02000000000000000000" pitchFamily="2" charset="0"/>
-              <a:cs typeface="Roboto" panose="02000000000000000000" pitchFamily="2" charset="0"/>
-            </a:endParaRPr>
-          </a:p>
-        </p:txBody>
-      </p:sp>
-      <p:sp>
-        <p:nvSpPr>
-          <p:cNvPr id="8" name="TextBox 7">
-            <a:extLst>
-              <a:ext uri="{FF2B5EF4-FFF2-40B4-BE49-F238E27FC236}">
-                <a16:creationId xmlns:a16="http://schemas.microsoft.com/office/drawing/2014/main" id="{E390F5BD-87AC-1C98-D3C7-4C2618367908}"/>
-              </a:ext>
-            </a:extLst>
-          </p:cNvPr>
-          <p:cNvSpPr txBox="1"/>
-          <p:nvPr/>
-        </p:nvSpPr>
-        <p:spPr>
-          <a:xfrm>
-            <a:off x="723169" y="2591038"/>
-            <a:ext cx="3829050" cy="2677656"/>
-          </a:xfrm>
-          <a:prstGeom prst="rect">
-            <a:avLst/>
-          </a:prstGeom>
-          <a:noFill/>
-        </p:spPr>
-        <p:txBody>
-          <a:bodyPr wrap="square">
-            <a:spAutoFit/>
-          </a:bodyPr>
-          <a:lstStyle/>
-          <a:p>
-            <a:r>
-              <a:rPr lang="en-US" sz="1400" b="1" i="0" dirty="0">
-                <a:solidFill>
-                  <a:srgbClr val="000000"/>
-                </a:solidFill>
-                <a:effectLst/>
-                <a:latin typeface="Times-Bold"/>
-              </a:rPr>
-              <a:t>Interest/Enjoyment</a:t>
-            </a:r>
-          </a:p>
-          <a:p>
-            <a:pPr marL="285750" indent="-285750">
-              <a:buFont typeface="Arial" panose="020B0604020202020204" pitchFamily="34" charset="0"/>
-              <a:buChar char="•"/>
-            </a:pPr>
-            <a:r>
-              <a:rPr lang="en-US" sz="1400" b="0" i="0" dirty="0">
-                <a:solidFill>
-                  <a:srgbClr val="000000"/>
-                </a:solidFill>
-                <a:effectLst/>
-                <a:latin typeface="Times-Roman"/>
-              </a:rPr>
-              <a:t>I enjoyed doing this activity very much</a:t>
-            </a:r>
-          </a:p>
-          <a:p>
-            <a:pPr marL="285750" indent="-285750">
-              <a:buFont typeface="Arial" panose="020B0604020202020204" pitchFamily="34" charset="0"/>
-              <a:buChar char="•"/>
-            </a:pPr>
-            <a:r>
-              <a:rPr lang="en-US" sz="1400" b="0" i="0" dirty="0">
-                <a:solidFill>
-                  <a:srgbClr val="000000"/>
-                </a:solidFill>
-                <a:effectLst/>
-                <a:latin typeface="Times-Roman"/>
-              </a:rPr>
-              <a:t>This activity was fun to do.</a:t>
-            </a:r>
-          </a:p>
-          <a:p>
-            <a:pPr marL="285750" indent="-285750">
-              <a:buFont typeface="Arial" panose="020B0604020202020204" pitchFamily="34" charset="0"/>
-              <a:buChar char="•"/>
-            </a:pPr>
-            <a:r>
-              <a:rPr lang="en-US" sz="1400" b="0" i="0" dirty="0">
-                <a:solidFill>
-                  <a:srgbClr val="000000"/>
-                </a:solidFill>
-                <a:effectLst/>
-                <a:latin typeface="Times-Roman"/>
-              </a:rPr>
-              <a:t>I thought this was a boring activity. (R)</a:t>
-            </a:r>
-          </a:p>
-          <a:p>
-            <a:pPr marL="285750" indent="-285750">
-              <a:buFont typeface="Arial" panose="020B0604020202020204" pitchFamily="34" charset="0"/>
-              <a:buChar char="•"/>
-            </a:pPr>
-            <a:r>
-              <a:rPr lang="en-US" sz="1400" b="0" i="0" dirty="0">
-                <a:solidFill>
-                  <a:srgbClr val="000000"/>
-                </a:solidFill>
-                <a:effectLst/>
-                <a:latin typeface="Times-Roman"/>
-              </a:rPr>
-              <a:t>This activity did not hold my attention at all. (R)</a:t>
-            </a:r>
-          </a:p>
-          <a:p>
-            <a:pPr marL="285750" indent="-285750">
-              <a:buFont typeface="Arial" panose="020B0604020202020204" pitchFamily="34" charset="0"/>
-              <a:buChar char="•"/>
-            </a:pPr>
-            <a:r>
-              <a:rPr lang="en-US" sz="1400" b="0" i="0" dirty="0">
-                <a:solidFill>
-                  <a:srgbClr val="000000"/>
-                </a:solidFill>
-                <a:effectLst/>
-                <a:latin typeface="Times-Roman"/>
-              </a:rPr>
-              <a:t>I would describe this activity as very interesting.</a:t>
-            </a:r>
-          </a:p>
-          <a:p>
-            <a:pPr marL="285750" indent="-285750">
-              <a:buFont typeface="Arial" panose="020B0604020202020204" pitchFamily="34" charset="0"/>
-              <a:buChar char="•"/>
-            </a:pPr>
-            <a:r>
-              <a:rPr lang="en-US" sz="1400" b="0" i="0" dirty="0">
-                <a:solidFill>
-                  <a:srgbClr val="000000"/>
-                </a:solidFill>
-                <a:effectLst/>
-                <a:latin typeface="Times-Roman"/>
-              </a:rPr>
-              <a:t>I thought this activity was quite enjoyable.</a:t>
-            </a:r>
-          </a:p>
-          <a:p>
-            <a:pPr marL="285750" indent="-285750">
-              <a:buFont typeface="Arial" panose="020B0604020202020204" pitchFamily="34" charset="0"/>
-              <a:buChar char="•"/>
-            </a:pPr>
-            <a:r>
-              <a:rPr lang="en-US" sz="1400" b="0" i="0" dirty="0">
-                <a:solidFill>
-                  <a:srgbClr val="000000"/>
-                </a:solidFill>
-                <a:effectLst/>
-                <a:latin typeface="Times-Roman"/>
-              </a:rPr>
-              <a:t>While I was doing this activity, I was thinking about how much I enjoyed it.</a:t>
-            </a:r>
-            <a:r>
-              <a:rPr lang="en-US" dirty="0"/>
-              <a:t> </a:t>
-            </a:r>
-            <a:br>
-              <a:rPr lang="en-US" dirty="0"/>
-            </a:br>
-            <a:endParaRPr lang="en-US" dirty="0"/>
-          </a:p>
-        </p:txBody>
-      </p:sp>
-      <p:sp>
-        <p:nvSpPr>
-          <p:cNvPr id="10" name="TextBox 9">
-            <a:extLst>
-              <a:ext uri="{FF2B5EF4-FFF2-40B4-BE49-F238E27FC236}">
-                <a16:creationId xmlns:a16="http://schemas.microsoft.com/office/drawing/2014/main" id="{51E7B238-DF18-A856-4153-7E56E0AA6250}"/>
-              </a:ext>
-            </a:extLst>
-          </p:cNvPr>
-          <p:cNvSpPr txBox="1"/>
-          <p:nvPr/>
-        </p:nvSpPr>
-        <p:spPr>
-          <a:xfrm>
-            <a:off x="4552219" y="2582385"/>
-            <a:ext cx="3677381" cy="2677656"/>
-          </a:xfrm>
-          <a:prstGeom prst="rect">
-            <a:avLst/>
-          </a:prstGeom>
-          <a:noFill/>
-        </p:spPr>
-        <p:txBody>
-          <a:bodyPr wrap="square">
-            <a:spAutoFit/>
-          </a:bodyPr>
-          <a:lstStyle/>
-          <a:p>
-            <a:r>
-              <a:rPr lang="en-US" sz="1400" b="1" i="0" dirty="0">
-                <a:solidFill>
-                  <a:srgbClr val="C00000"/>
-                </a:solidFill>
-                <a:effectLst/>
-                <a:latin typeface="Times-Bold"/>
-              </a:rPr>
-              <a:t>Perceived Competence</a:t>
-            </a:r>
-          </a:p>
-          <a:p>
-            <a:pPr marL="285750" indent="-285750">
-              <a:buFont typeface="Arial" panose="020B0604020202020204" pitchFamily="34" charset="0"/>
-              <a:buChar char="•"/>
-            </a:pPr>
-            <a:r>
-              <a:rPr lang="en-US" sz="1400" b="0" i="0" dirty="0">
-                <a:solidFill>
-                  <a:srgbClr val="C00000"/>
-                </a:solidFill>
-                <a:effectLst/>
-                <a:latin typeface="Times-Roman"/>
-              </a:rPr>
-              <a:t>I think I am pretty good at this activity.</a:t>
-            </a:r>
-          </a:p>
-          <a:p>
-            <a:pPr marL="285750" indent="-285750">
-              <a:buFont typeface="Arial" panose="020B0604020202020204" pitchFamily="34" charset="0"/>
-              <a:buChar char="•"/>
-            </a:pPr>
-            <a:r>
-              <a:rPr lang="en-US" sz="1400" b="0" i="0" dirty="0">
-                <a:solidFill>
-                  <a:srgbClr val="C00000"/>
-                </a:solidFill>
-                <a:effectLst/>
-                <a:latin typeface="Times-Roman"/>
-              </a:rPr>
-              <a:t>I think I did pretty well at this activity, compared to other students. </a:t>
-            </a:r>
-          </a:p>
-          <a:p>
-            <a:pPr marL="285750" indent="-285750">
-              <a:buFont typeface="Arial" panose="020B0604020202020204" pitchFamily="34" charset="0"/>
-              <a:buChar char="•"/>
-            </a:pPr>
-            <a:r>
-              <a:rPr lang="en-US" sz="1400" b="0" i="0" dirty="0">
-                <a:solidFill>
-                  <a:srgbClr val="C00000"/>
-                </a:solidFill>
-                <a:effectLst/>
-                <a:latin typeface="Times-Roman"/>
-              </a:rPr>
-              <a:t>After working at this activity for awhile, I felt pretty competent. </a:t>
-            </a:r>
-          </a:p>
-          <a:p>
-            <a:pPr marL="285750" indent="-285750">
-              <a:buFont typeface="Arial" panose="020B0604020202020204" pitchFamily="34" charset="0"/>
-              <a:buChar char="•"/>
-            </a:pPr>
-            <a:r>
-              <a:rPr lang="en-US" sz="1400" b="0" i="0" dirty="0">
-                <a:solidFill>
-                  <a:srgbClr val="C00000"/>
-                </a:solidFill>
-                <a:effectLst/>
-                <a:latin typeface="Times-Roman"/>
-              </a:rPr>
-              <a:t>I am satisfied with my performance at this task.</a:t>
-            </a:r>
-          </a:p>
-          <a:p>
-            <a:pPr marL="285750" indent="-285750">
-              <a:buFont typeface="Arial" panose="020B0604020202020204" pitchFamily="34" charset="0"/>
-              <a:buChar char="•"/>
-            </a:pPr>
-            <a:r>
-              <a:rPr lang="en-US" sz="1400" b="0" i="0" dirty="0">
-                <a:solidFill>
-                  <a:srgbClr val="C00000"/>
-                </a:solidFill>
-                <a:effectLst/>
-                <a:latin typeface="Times-Roman"/>
-              </a:rPr>
-              <a:t>I was pretty skilled at this activity.</a:t>
-            </a:r>
-          </a:p>
-          <a:p>
-            <a:pPr marL="285750" indent="-285750">
-              <a:buFont typeface="Arial" panose="020B0604020202020204" pitchFamily="34" charset="0"/>
-              <a:buChar char="•"/>
-            </a:pPr>
-            <a:r>
-              <a:rPr lang="en-US" sz="1400" b="0" i="0" dirty="0">
-                <a:solidFill>
-                  <a:srgbClr val="C00000"/>
-                </a:solidFill>
-                <a:effectLst/>
-                <a:latin typeface="Times-Roman"/>
-              </a:rPr>
-              <a:t>This was an activity that I </a:t>
-            </a:r>
-            <a:r>
-              <a:rPr lang="en-US" sz="1400" b="0" i="0" dirty="0" err="1">
-                <a:solidFill>
-                  <a:srgbClr val="C00000"/>
-                </a:solidFill>
-                <a:effectLst/>
-                <a:latin typeface="Times-Roman"/>
-              </a:rPr>
-              <a:t>couldnt</a:t>
-            </a:r>
-            <a:r>
-              <a:rPr lang="en-US" sz="1400" b="0" i="0" dirty="0">
-                <a:solidFill>
-                  <a:srgbClr val="C00000"/>
-                </a:solidFill>
-                <a:effectLst/>
-                <a:latin typeface="Times-Roman"/>
-              </a:rPr>
-              <a:t> do very well. (R)</a:t>
-            </a:r>
-            <a:r>
-              <a:rPr lang="en-US" dirty="0">
-                <a:solidFill>
-                  <a:srgbClr val="C00000"/>
-                </a:solidFill>
-              </a:rPr>
-              <a:t> </a:t>
-            </a:r>
-            <a:br>
-              <a:rPr lang="en-US" dirty="0"/>
-            </a:br>
-            <a:endParaRPr lang="en-US" dirty="0"/>
-          </a:p>
-        </p:txBody>
-      </p:sp>
-      <p:sp>
-        <p:nvSpPr>
-          <p:cNvPr id="11" name="TextBox 10">
-            <a:extLst>
-              <a:ext uri="{FF2B5EF4-FFF2-40B4-BE49-F238E27FC236}">
-                <a16:creationId xmlns:a16="http://schemas.microsoft.com/office/drawing/2014/main" id="{86E7EFC7-7272-7531-4496-17615AF8ABBE}"/>
-              </a:ext>
-            </a:extLst>
-          </p:cNvPr>
-          <p:cNvSpPr txBox="1"/>
-          <p:nvPr/>
-        </p:nvSpPr>
-        <p:spPr>
-          <a:xfrm>
-            <a:off x="8229600" y="2548133"/>
-            <a:ext cx="3677381" cy="1815882"/>
-          </a:xfrm>
-          <a:prstGeom prst="rect">
-            <a:avLst/>
-          </a:prstGeom>
-          <a:noFill/>
-        </p:spPr>
-        <p:txBody>
-          <a:bodyPr wrap="square">
-            <a:spAutoFit/>
-          </a:bodyPr>
-          <a:lstStyle/>
-          <a:p>
-            <a:r>
-              <a:rPr lang="en-US" sz="1400" b="1" i="0" dirty="0">
-                <a:solidFill>
-                  <a:srgbClr val="000000"/>
-                </a:solidFill>
-                <a:effectLst/>
-                <a:latin typeface="Times-Bold"/>
-              </a:rPr>
-              <a:t>importance</a:t>
-            </a:r>
-          </a:p>
-          <a:p>
-            <a:pPr marL="285750" indent="-285750">
-              <a:buFont typeface="Arial" panose="020B0604020202020204" pitchFamily="34" charset="0"/>
-              <a:buChar char="•"/>
-            </a:pPr>
-            <a:r>
-              <a:rPr lang="en-US" sz="1400" b="0" i="0" dirty="0">
-                <a:solidFill>
-                  <a:srgbClr val="000000"/>
-                </a:solidFill>
-                <a:effectLst/>
-                <a:latin typeface="Times-Roman"/>
-              </a:rPr>
-              <a:t>I put a lot of effort into this.</a:t>
-            </a:r>
-          </a:p>
-          <a:p>
-            <a:pPr marL="285750" indent="-285750">
-              <a:buFont typeface="Arial" panose="020B0604020202020204" pitchFamily="34" charset="0"/>
-              <a:buChar char="•"/>
-            </a:pPr>
-            <a:r>
-              <a:rPr lang="en-US" sz="1400" b="0" i="0" dirty="0">
-                <a:solidFill>
-                  <a:srgbClr val="000000"/>
-                </a:solidFill>
-                <a:effectLst/>
-                <a:latin typeface="Times-Roman"/>
-              </a:rPr>
-              <a:t>I </a:t>
-            </a:r>
-            <a:r>
-              <a:rPr lang="en-US" sz="1400" b="0" i="0" dirty="0" err="1">
-                <a:solidFill>
-                  <a:srgbClr val="000000"/>
-                </a:solidFill>
-                <a:effectLst/>
-                <a:latin typeface="Times-Roman"/>
-              </a:rPr>
-              <a:t>didnt</a:t>
-            </a:r>
-            <a:r>
-              <a:rPr lang="en-US" sz="1400" b="0" i="0" dirty="0">
-                <a:solidFill>
-                  <a:srgbClr val="000000"/>
-                </a:solidFill>
-                <a:effectLst/>
-                <a:latin typeface="Times-Roman"/>
-              </a:rPr>
-              <a:t> try very hard to do well at this activity. (R)I tried very hard on this activity.</a:t>
-            </a:r>
-          </a:p>
-          <a:p>
-            <a:pPr marL="285750" indent="-285750">
-              <a:buFont typeface="Arial" panose="020B0604020202020204" pitchFamily="34" charset="0"/>
-              <a:buChar char="•"/>
-            </a:pPr>
-            <a:r>
-              <a:rPr lang="en-US" sz="1400" b="0" i="0" dirty="0">
-                <a:solidFill>
-                  <a:srgbClr val="000000"/>
-                </a:solidFill>
-                <a:effectLst/>
-                <a:latin typeface="Times-Roman"/>
-              </a:rPr>
-              <a:t>It was important to me to do well at this task.</a:t>
-            </a:r>
-          </a:p>
-          <a:p>
-            <a:pPr marL="285750" indent="-285750">
-              <a:buFont typeface="Arial" panose="020B0604020202020204" pitchFamily="34" charset="0"/>
-              <a:buChar char="•"/>
-            </a:pPr>
-            <a:r>
-              <a:rPr lang="en-US" sz="1400" b="0" i="0" dirty="0">
-                <a:solidFill>
-                  <a:srgbClr val="000000"/>
-                </a:solidFill>
-                <a:effectLst/>
-                <a:latin typeface="Times-Roman"/>
-              </a:rPr>
-              <a:t>I </a:t>
-            </a:r>
-            <a:r>
-              <a:rPr lang="en-US" sz="1400" b="0" i="0" dirty="0" err="1">
-                <a:solidFill>
-                  <a:srgbClr val="000000"/>
-                </a:solidFill>
-                <a:effectLst/>
-                <a:latin typeface="Times-Roman"/>
-              </a:rPr>
-              <a:t>didnt</a:t>
-            </a:r>
-            <a:r>
-              <a:rPr lang="en-US" sz="1400" b="0" i="0" dirty="0">
-                <a:solidFill>
-                  <a:srgbClr val="000000"/>
-                </a:solidFill>
-                <a:effectLst/>
-                <a:latin typeface="Times-Roman"/>
-              </a:rPr>
-              <a:t> put much energy into this. (R)</a:t>
-            </a:r>
-            <a:br>
-              <a:rPr lang="en-US" dirty="0"/>
-            </a:br>
-            <a:endParaRPr lang="en-US" dirty="0"/>
-          </a:p>
-        </p:txBody>
-      </p:sp>
-    </p:spTree>
-    <p:extLst>
-      <p:ext uri="{BB962C8B-B14F-4D97-AF65-F5344CB8AC3E}">
-        <p14:creationId xmlns:p14="http://schemas.microsoft.com/office/powerpoint/2010/main" val="2931829784"/>
-      </p:ext>
-    </p:extLst>
-  </p:cSld>
-  <p:clrMapOvr>
-    <a:masterClrMapping/>
-  </p:clrMapOvr>
-  <mc:AlternateContent xmlns:mc="http://schemas.openxmlformats.org/markup-compatibility/2006" xmlns:p159="http://schemas.microsoft.com/office/powerpoint/2015/09/main">
-    <mc:Choice Requires="p159">
-      <p:transition>
-        <p159:morph option="byObject"/>
-      </p:transition>
-    </mc:Choice>
-    <mc:Fallback xmlns="">
-      <p:transition>
-        <p:fade/>
-      </p:transition>
-    </mc:Fallback>
-  </mc:AlternateContent>
-  <p:timing>
-    <p:tnLst>
-      <p:par>
-        <p:cTn id="1" dur="indefinite" restart="never" nodeType="tmRoot">
-          <p:childTnLst>
-            <p:seq concurrent="1" nextAc="seek">
-              <p:cTn id="2" dur="indefinite" nodeType="mainSeq">
-                <p:childTnLst>
-                  <p:par>
-                    <p:cTn id="3" fill="hold">
-                      <p:stCondLst>
-                        <p:cond delay="indefinite"/>
-                      </p:stCondLst>
-                      <p:childTnLst>
-                        <p:par>
-                          <p:cTn id="4" fill="hold">
-                            <p:stCondLst>
-                              <p:cond delay="0"/>
-                            </p:stCondLst>
-                            <p:childTnLst>
-                              <p:par>
-                                <p:cTn id="5" presetID="10" presetClass="entr" presetSubtype="0" fill="hold" nodeType="clickEffect">
-                                  <p:stCondLst>
-                                    <p:cond delay="0"/>
-                                  </p:stCondLst>
-                                  <p:childTnLst>
-                                    <p:set>
-                                      <p:cBhvr>
-                                        <p:cTn id="6" dur="1" fill="hold">
-                                          <p:stCondLst>
-                                            <p:cond delay="0"/>
-                                          </p:stCondLst>
-                                        </p:cTn>
-                                        <p:tgtEl>
-                                          <p:spTgt spid="5">
-                                            <p:txEl>
-                                              <p:pRg st="0" end="0"/>
-                                            </p:txEl>
-                                          </p:spTgt>
-                                        </p:tgtEl>
-                                        <p:attrNameLst>
-                                          <p:attrName>style.visibility</p:attrName>
-                                        </p:attrNameLst>
-                                      </p:cBhvr>
-                                      <p:to>
-                                        <p:strVal val="visible"/>
-                                      </p:to>
-                                    </p:set>
-                                    <p:animEffect transition="in" filter="fade">
-                                      <p:cBhvr>
-                                        <p:cTn id="7" dur="500"/>
-                                        <p:tgtEl>
-                                          <p:spTgt spid="5">
                                             <p:txEl>
                                               <p:pRg st="0" end="0"/>
                                             </p:txEl>
